--- a/Präsentation - Wo befinden sich Kraftwerksreserven in Deutschland.pptx
+++ b/Präsentation - Wo befinden sich Kraftwerksreserven in Deutschland.pptx
@@ -5,7 +5,7 @@
     <p:sldMasterId id="2147483715" r:id="rId1"/>
   </p:sldMasterIdLst>
   <p:notesMasterIdLst>
-    <p:notesMasterId r:id="rId17"/>
+    <p:notesMasterId r:id="rId12"/>
   </p:notesMasterIdLst>
   <p:sldIdLst>
     <p:sldId id="256" r:id="rId2"/>
@@ -16,13 +16,8 @@
     <p:sldId id="277" r:id="rId7"/>
     <p:sldId id="278" r:id="rId8"/>
     <p:sldId id="279" r:id="rId9"/>
-    <p:sldId id="265" r:id="rId10"/>
-    <p:sldId id="266" r:id="rId11"/>
-    <p:sldId id="267" r:id="rId12"/>
-    <p:sldId id="264" r:id="rId13"/>
-    <p:sldId id="269" r:id="rId14"/>
-    <p:sldId id="270" r:id="rId15"/>
-    <p:sldId id="271" r:id="rId16"/>
+    <p:sldId id="266" r:id="rId10"/>
+    <p:sldId id="265" r:id="rId11"/>
   </p:sldIdLst>
   <p:sldSz cx="12192000" cy="6858000"/>
   <p:notesSz cx="6858000" cy="9144000"/>
@@ -143,7 +138,7 @@
 <file path=ppt/revisionInfo.xml><?xml version="1.0" encoding="utf-8"?>
 <p1510:revInfo xmlns:a="http://schemas.openxmlformats.org/drawingml/2006/main" xmlns:r="http://schemas.openxmlformats.org/officeDocument/2006/relationships" xmlns:p1510="http://schemas.microsoft.com/office/powerpoint/2015/10/main">
   <p1510:revLst>
-    <p1510:client id="{05967C33-193C-40B1-BAFF-7211CFC8C8B3}" v="170" dt="2022-11-11T18:59:12.333"/>
+    <p1510:client id="{05967C33-193C-40B1-BAFF-7211CFC8C8B3}" v="185" dt="2022-11-12T15:51:29.799"/>
   </p1510:revLst>
 </p1510:revInfo>
 </file>
@@ -153,7 +148,7 @@
   <pc:docChgLst>
     <pc:chgData name="Fynn L." userId="8ad7fb526861aa9e" providerId="LiveId" clId="{05967C33-193C-40B1-BAFF-7211CFC8C8B3}"/>
     <pc:docChg chg="undo custSel addSld delSld modSld sldOrd addMainMaster delMainMaster modMainMaster">
-      <pc:chgData name="Fynn L." userId="8ad7fb526861aa9e" providerId="LiveId" clId="{05967C33-193C-40B1-BAFF-7211CFC8C8B3}" dt="2022-11-11T19:43:52.579" v="1929" actId="20577"/>
+      <pc:chgData name="Fynn L." userId="8ad7fb526861aa9e" providerId="LiveId" clId="{05967C33-193C-40B1-BAFF-7211CFC8C8B3}" dt="2022-11-12T16:02:56.561" v="5207" actId="2696"/>
       <pc:docMkLst>
         <pc:docMk/>
       </pc:docMkLst>
@@ -193,7 +188,7 @@
         </pc:sldMkLst>
       </pc:sldChg>
       <pc:sldChg chg="addSp delSp modSp mod">
-        <pc:chgData name="Fynn L." userId="8ad7fb526861aa9e" providerId="LiveId" clId="{05967C33-193C-40B1-BAFF-7211CFC8C8B3}" dt="2022-11-09T16:19:42.965" v="952" actId="20577"/>
+        <pc:chgData name="Fynn L." userId="8ad7fb526861aa9e" providerId="LiveId" clId="{05967C33-193C-40B1-BAFF-7211CFC8C8B3}" dt="2022-11-12T15:38:08.802" v="3832" actId="20577"/>
         <pc:sldMkLst>
           <pc:docMk/>
           <pc:sldMk cId="3197269984" sldId="262"/>
@@ -255,7 +250,7 @@
           </ac:spMkLst>
         </pc:spChg>
         <pc:spChg chg="add mod">
-          <ac:chgData name="Fynn L." userId="8ad7fb526861aa9e" providerId="LiveId" clId="{05967C33-193C-40B1-BAFF-7211CFC8C8B3}" dt="2022-11-09T16:19:42.965" v="952" actId="20577"/>
+          <ac:chgData name="Fynn L." userId="8ad7fb526861aa9e" providerId="LiveId" clId="{05967C33-193C-40B1-BAFF-7211CFC8C8B3}" dt="2022-11-12T15:38:08.802" v="3832" actId="20577"/>
           <ac:spMkLst>
             <pc:docMk/>
             <pc:sldMk cId="3197269984" sldId="262"/>
@@ -359,8 +354,145 @@
           </ac:picMkLst>
         </pc:picChg>
       </pc:sldChg>
+      <pc:sldChg chg="del">
+        <pc:chgData name="Fynn L." userId="8ad7fb526861aa9e" providerId="LiveId" clId="{05967C33-193C-40B1-BAFF-7211CFC8C8B3}" dt="2022-11-12T16:02:56.561" v="5207" actId="2696"/>
+        <pc:sldMkLst>
+          <pc:docMk/>
+          <pc:sldMk cId="1276180474" sldId="264"/>
+        </pc:sldMkLst>
+      </pc:sldChg>
+      <pc:sldChg chg="addSp delSp modSp mod">
+        <pc:chgData name="Fynn L." userId="8ad7fb526861aa9e" providerId="LiveId" clId="{05967C33-193C-40B1-BAFF-7211CFC8C8B3}" dt="2022-11-12T16:01:51.558" v="5206" actId="113"/>
+        <pc:sldMkLst>
+          <pc:docMk/>
+          <pc:sldMk cId="3625094333" sldId="265"/>
+        </pc:sldMkLst>
+        <pc:spChg chg="mod">
+          <ac:chgData name="Fynn L." userId="8ad7fb526861aa9e" providerId="LiveId" clId="{05967C33-193C-40B1-BAFF-7211CFC8C8B3}" dt="2022-11-12T15:48:56.831" v="4708" actId="20577"/>
+          <ac:spMkLst>
+            <pc:docMk/>
+            <pc:sldMk cId="3625094333" sldId="265"/>
+            <ac:spMk id="2" creationId="{00000000-0000-0000-0000-000000000000}"/>
+          </ac:spMkLst>
+        </pc:spChg>
+        <pc:spChg chg="mod">
+          <ac:chgData name="Fynn L." userId="8ad7fb526861aa9e" providerId="LiveId" clId="{05967C33-193C-40B1-BAFF-7211CFC8C8B3}" dt="2022-11-12T16:01:37.803" v="5204" actId="20577"/>
+          <ac:spMkLst>
+            <pc:docMk/>
+            <pc:sldMk cId="3625094333" sldId="265"/>
+            <ac:spMk id="3" creationId="{00000000-0000-0000-0000-000000000000}"/>
+          </ac:spMkLst>
+        </pc:spChg>
+        <pc:spChg chg="del">
+          <ac:chgData name="Fynn L." userId="8ad7fb526861aa9e" providerId="LiveId" clId="{05967C33-193C-40B1-BAFF-7211CFC8C8B3}" dt="2022-11-12T15:49:03.283" v="4709" actId="478"/>
+          <ac:spMkLst>
+            <pc:docMk/>
+            <pc:sldMk cId="3625094333" sldId="265"/>
+            <ac:spMk id="4" creationId="{00000000-0000-0000-0000-000000000000}"/>
+          </ac:spMkLst>
+        </pc:spChg>
+        <pc:spChg chg="add del mod">
+          <ac:chgData name="Fynn L." userId="8ad7fb526861aa9e" providerId="LiveId" clId="{05967C33-193C-40B1-BAFF-7211CFC8C8B3}" dt="2022-11-12T15:49:05.908" v="4710" actId="478"/>
+          <ac:spMkLst>
+            <pc:docMk/>
+            <pc:sldMk cId="3625094333" sldId="265"/>
+            <ac:spMk id="9" creationId="{84FFF675-AC5A-696D-28F8-C031C5C7BBCE}"/>
+          </ac:spMkLst>
+        </pc:spChg>
+        <pc:spChg chg="add mod">
+          <ac:chgData name="Fynn L." userId="8ad7fb526861aa9e" providerId="LiveId" clId="{05967C33-193C-40B1-BAFF-7211CFC8C8B3}" dt="2022-11-12T16:01:51.558" v="5206" actId="113"/>
+          <ac:spMkLst>
+            <pc:docMk/>
+            <pc:sldMk cId="3625094333" sldId="265"/>
+            <ac:spMk id="10" creationId="{1AD88B77-A147-1F4F-5553-5F3A2E3782E2}"/>
+          </ac:spMkLst>
+        </pc:spChg>
+        <pc:spChg chg="add mod">
+          <ac:chgData name="Fynn L." userId="8ad7fb526861aa9e" providerId="LiveId" clId="{05967C33-193C-40B1-BAFF-7211CFC8C8B3}" dt="2022-11-12T15:52:21.413" v="4941" actId="207"/>
+          <ac:spMkLst>
+            <pc:docMk/>
+            <pc:sldMk cId="3625094333" sldId="265"/>
+            <ac:spMk id="11" creationId="{2EB20C70-9258-7CE2-457C-3DBDF3EE462B}"/>
+          </ac:spMkLst>
+        </pc:spChg>
+      </pc:sldChg>
+      <pc:sldChg chg="addSp delSp modSp mod ord">
+        <pc:chgData name="Fynn L." userId="8ad7fb526861aa9e" providerId="LiveId" clId="{05967C33-193C-40B1-BAFF-7211CFC8C8B3}" dt="2022-11-12T15:48:17.143" v="4644" actId="1076"/>
+        <pc:sldMkLst>
+          <pc:docMk/>
+          <pc:sldMk cId="4162983354" sldId="266"/>
+        </pc:sldMkLst>
+        <pc:spChg chg="mod">
+          <ac:chgData name="Fynn L." userId="8ad7fb526861aa9e" providerId="LiveId" clId="{05967C33-193C-40B1-BAFF-7211CFC8C8B3}" dt="2022-11-12T15:30:59.094" v="3510" actId="20577"/>
+          <ac:spMkLst>
+            <pc:docMk/>
+            <pc:sldMk cId="4162983354" sldId="266"/>
+            <ac:spMk id="2" creationId="{00000000-0000-0000-0000-000000000000}"/>
+          </ac:spMkLst>
+        </pc:spChg>
+        <pc:spChg chg="mod">
+          <ac:chgData name="Fynn L." userId="8ad7fb526861aa9e" providerId="LiveId" clId="{05967C33-193C-40B1-BAFF-7211CFC8C8B3}" dt="2022-11-12T15:48:07.650" v="4643" actId="20577"/>
+          <ac:spMkLst>
+            <pc:docMk/>
+            <pc:sldMk cId="4162983354" sldId="266"/>
+            <ac:spMk id="6" creationId="{00000000-0000-0000-0000-000000000000}"/>
+          </ac:spMkLst>
+        </pc:spChg>
+        <pc:spChg chg="add del mod">
+          <ac:chgData name="Fynn L." userId="8ad7fb526861aa9e" providerId="LiveId" clId="{05967C33-193C-40B1-BAFF-7211CFC8C8B3}" dt="2022-11-12T15:28:32.744" v="3427" actId="478"/>
+          <ac:spMkLst>
+            <pc:docMk/>
+            <pc:sldMk cId="4162983354" sldId="266"/>
+            <ac:spMk id="9" creationId="{2653C749-B057-C980-3090-35735C623017}"/>
+          </ac:spMkLst>
+        </pc:spChg>
+        <pc:picChg chg="del">
+          <ac:chgData name="Fynn L." userId="8ad7fb526861aa9e" providerId="LiveId" clId="{05967C33-193C-40B1-BAFF-7211CFC8C8B3}" dt="2022-11-12T15:28:27.075" v="3425" actId="478"/>
+          <ac:picMkLst>
+            <pc:docMk/>
+            <pc:sldMk cId="4162983354" sldId="266"/>
+            <ac:picMk id="8" creationId="{00000000-0000-0000-0000-000000000000}"/>
+          </ac:picMkLst>
+        </pc:picChg>
+        <pc:picChg chg="add mod ord">
+          <ac:chgData name="Fynn L." userId="8ad7fb526861aa9e" providerId="LiveId" clId="{05967C33-193C-40B1-BAFF-7211CFC8C8B3}" dt="2022-11-12T15:48:17.143" v="4644" actId="1076"/>
+          <ac:picMkLst>
+            <pc:docMk/>
+            <pc:sldMk cId="4162983354" sldId="266"/>
+            <ac:picMk id="11" creationId="{10EC84E2-095D-5897-4E87-135A70B3C990}"/>
+          </ac:picMkLst>
+        </pc:picChg>
+      </pc:sldChg>
+      <pc:sldChg chg="del">
+        <pc:chgData name="Fynn L." userId="8ad7fb526861aa9e" providerId="LiveId" clId="{05967C33-193C-40B1-BAFF-7211CFC8C8B3}" dt="2022-11-12T16:02:56.561" v="5207" actId="2696"/>
+        <pc:sldMkLst>
+          <pc:docMk/>
+          <pc:sldMk cId="3177347219" sldId="267"/>
+        </pc:sldMkLst>
+      </pc:sldChg>
+      <pc:sldChg chg="del">
+        <pc:chgData name="Fynn L." userId="8ad7fb526861aa9e" providerId="LiveId" clId="{05967C33-193C-40B1-BAFF-7211CFC8C8B3}" dt="2022-11-12T16:02:56.561" v="5207" actId="2696"/>
+        <pc:sldMkLst>
+          <pc:docMk/>
+          <pc:sldMk cId="74002493" sldId="269"/>
+        </pc:sldMkLst>
+      </pc:sldChg>
+      <pc:sldChg chg="del">
+        <pc:chgData name="Fynn L." userId="8ad7fb526861aa9e" providerId="LiveId" clId="{05967C33-193C-40B1-BAFF-7211CFC8C8B3}" dt="2022-11-12T16:02:56.561" v="5207" actId="2696"/>
+        <pc:sldMkLst>
+          <pc:docMk/>
+          <pc:sldMk cId="3335832959" sldId="270"/>
+        </pc:sldMkLst>
+      </pc:sldChg>
+      <pc:sldChg chg="del">
+        <pc:chgData name="Fynn L." userId="8ad7fb526861aa9e" providerId="LiveId" clId="{05967C33-193C-40B1-BAFF-7211CFC8C8B3}" dt="2022-11-12T16:02:56.561" v="5207" actId="2696"/>
+        <pc:sldMkLst>
+          <pc:docMk/>
+          <pc:sldMk cId="973325825" sldId="271"/>
+        </pc:sldMkLst>
+      </pc:sldChg>
       <pc:sldChg chg="addSp delSp modSp mod modClrScheme delAnim modAnim chgLayout">
-        <pc:chgData name="Fynn L." userId="8ad7fb526861aa9e" providerId="LiveId" clId="{05967C33-193C-40B1-BAFF-7211CFC8C8B3}" dt="2022-11-09T18:30:41.790" v="1120" actId="478"/>
+        <pc:chgData name="Fynn L." userId="8ad7fb526861aa9e" providerId="LiveId" clId="{05967C33-193C-40B1-BAFF-7211CFC8C8B3}" dt="2022-11-12T14:54:06.873" v="2814" actId="14100"/>
         <pc:sldMkLst>
           <pc:docMk/>
           <pc:sldMk cId="2064965787" sldId="272"/>
@@ -414,7 +546,7 @@
           </ac:spMkLst>
         </pc:spChg>
         <pc:spChg chg="add mod">
-          <ac:chgData name="Fynn L." userId="8ad7fb526861aa9e" providerId="LiveId" clId="{05967C33-193C-40B1-BAFF-7211CFC8C8B3}" dt="2022-11-09T18:21:27.446" v="1066" actId="20577"/>
+          <ac:chgData name="Fynn L." userId="8ad7fb526861aa9e" providerId="LiveId" clId="{05967C33-193C-40B1-BAFF-7211CFC8C8B3}" dt="2022-11-12T14:53:56.110" v="2812" actId="20577"/>
           <ac:spMkLst>
             <pc:docMk/>
             <pc:sldMk cId="2064965787" sldId="272"/>
@@ -422,36 +554,68 @@
           </ac:spMkLst>
         </pc:spChg>
         <pc:picChg chg="add mod ord">
-          <ac:chgData name="Fynn L." userId="8ad7fb526861aa9e" providerId="LiveId" clId="{05967C33-193C-40B1-BAFF-7211CFC8C8B3}" dt="2022-11-09T18:22:39.733" v="1069" actId="14100"/>
+          <ac:chgData name="Fynn L." userId="8ad7fb526861aa9e" providerId="LiveId" clId="{05967C33-193C-40B1-BAFF-7211CFC8C8B3}" dt="2022-11-12T14:29:54.251" v="2451" actId="1076"/>
+          <ac:picMkLst>
+            <pc:docMk/>
+            <pc:sldMk cId="2064965787" sldId="272"/>
+            <ac:picMk id="7" creationId="{316BDE89-C09E-1655-95FE-C462218183C4}"/>
+          </ac:picMkLst>
+        </pc:picChg>
+        <pc:picChg chg="add del mod ord">
+          <ac:chgData name="Fynn L." userId="8ad7fb526861aa9e" providerId="LiveId" clId="{05967C33-193C-40B1-BAFF-7211CFC8C8B3}" dt="2022-11-12T14:40:58.380" v="2630" actId="21"/>
           <ac:picMkLst>
             <pc:docMk/>
             <pc:sldMk cId="2064965787" sldId="272"/>
             <ac:picMk id="8" creationId="{BD1D4AF8-8C60-5558-9605-CFD4CB1A4A4A}"/>
           </ac:picMkLst>
         </pc:picChg>
+        <pc:picChg chg="add mod ord">
+          <ac:chgData name="Fynn L." userId="8ad7fb526861aa9e" providerId="LiveId" clId="{05967C33-193C-40B1-BAFF-7211CFC8C8B3}" dt="2022-11-12T14:54:06.873" v="2814" actId="14100"/>
+          <ac:picMkLst>
+            <pc:docMk/>
+            <pc:sldMk cId="2064965787" sldId="272"/>
+            <ac:picMk id="10" creationId="{98C2638A-AD61-346F-7BF0-4812C13057E7}"/>
+          </ac:picMkLst>
+        </pc:picChg>
       </pc:sldChg>
-      <pc:sldChg chg="modSp mod">
-        <pc:chgData name="Fynn L." userId="8ad7fb526861aa9e" providerId="LiveId" clId="{05967C33-193C-40B1-BAFF-7211CFC8C8B3}" dt="2022-11-11T18:24:16.299" v="1618" actId="20577"/>
+      <pc:sldChg chg="addSp modSp mod">
+        <pc:chgData name="Fynn L." userId="8ad7fb526861aa9e" providerId="LiveId" clId="{05967C33-193C-40B1-BAFF-7211CFC8C8B3}" dt="2022-11-12T15:37:49.575" v="3823" actId="12788"/>
         <pc:sldMkLst>
           <pc:docMk/>
           <pc:sldMk cId="2153387122" sldId="273"/>
         </pc:sldMkLst>
         <pc:spChg chg="mod">
-          <ac:chgData name="Fynn L." userId="8ad7fb526861aa9e" providerId="LiveId" clId="{05967C33-193C-40B1-BAFF-7211CFC8C8B3}" dt="2022-11-09T18:25:57.890" v="1096" actId="20577"/>
+          <ac:chgData name="Fynn L." userId="8ad7fb526861aa9e" providerId="LiveId" clId="{05967C33-193C-40B1-BAFF-7211CFC8C8B3}" dt="2022-11-12T15:29:18.707" v="3434"/>
           <ac:spMkLst>
             <pc:docMk/>
             <pc:sldMk cId="2153387122" sldId="273"/>
             <ac:spMk id="2" creationId="{00000000-0000-0000-0000-000000000000}"/>
           </ac:spMkLst>
         </pc:spChg>
-        <pc:spChg chg="mod">
-          <ac:chgData name="Fynn L." userId="8ad7fb526861aa9e" providerId="LiveId" clId="{05967C33-193C-40B1-BAFF-7211CFC8C8B3}" dt="2022-11-11T18:24:16.299" v="1618" actId="20577"/>
+        <pc:spChg chg="mod ord">
+          <ac:chgData name="Fynn L." userId="8ad7fb526861aa9e" providerId="LiveId" clId="{05967C33-193C-40B1-BAFF-7211CFC8C8B3}" dt="2022-11-12T15:37:41.136" v="3821" actId="5793"/>
           <ac:spMkLst>
             <pc:docMk/>
             <pc:sldMk cId="2153387122" sldId="273"/>
             <ac:spMk id="3" creationId="{00000000-0000-0000-0000-000000000000}"/>
           </ac:spMkLst>
         </pc:spChg>
+        <pc:picChg chg="add mod ord">
+          <ac:chgData name="Fynn L." userId="8ad7fb526861aa9e" providerId="LiveId" clId="{05967C33-193C-40B1-BAFF-7211CFC8C8B3}" dt="2022-11-12T14:51:21.446" v="2727" actId="14100"/>
+          <ac:picMkLst>
+            <pc:docMk/>
+            <pc:sldMk cId="2153387122" sldId="273"/>
+            <ac:picMk id="8" creationId="{33BD2802-CEC7-5844-7923-25008BCBFF61}"/>
+          </ac:picMkLst>
+        </pc:picChg>
+        <pc:picChg chg="add mod">
+          <ac:chgData name="Fynn L." userId="8ad7fb526861aa9e" providerId="LiveId" clId="{05967C33-193C-40B1-BAFF-7211CFC8C8B3}" dt="2022-11-12T15:37:49.575" v="3823" actId="12788"/>
+          <ac:picMkLst>
+            <pc:docMk/>
+            <pc:sldMk cId="2153387122" sldId="273"/>
+            <ac:picMk id="9" creationId="{354B09C0-81C9-7C3C-308D-F4CD8F9E3B3E}"/>
+          </ac:picMkLst>
+        </pc:picChg>
       </pc:sldChg>
       <pc:sldChg chg="delSp modSp add del mod ord delAnim">
         <pc:chgData name="Fynn L." userId="8ad7fb526861aa9e" providerId="LiveId" clId="{05967C33-193C-40B1-BAFF-7211CFC8C8B3}" dt="2022-11-09T18:30:55.167" v="1123" actId="2696"/>
@@ -506,14 +670,14 @@
           </ac:spMkLst>
         </pc:spChg>
       </pc:sldChg>
-      <pc:sldChg chg="modSp add mod">
-        <pc:chgData name="Fynn L." userId="8ad7fb526861aa9e" providerId="LiveId" clId="{05967C33-193C-40B1-BAFF-7211CFC8C8B3}" dt="2022-11-11T19:43:52.579" v="1929" actId="20577"/>
+      <pc:sldChg chg="addSp modSp add mod">
+        <pc:chgData name="Fynn L." userId="8ad7fb526861aa9e" providerId="LiveId" clId="{05967C33-193C-40B1-BAFF-7211CFC8C8B3}" dt="2022-11-12T15:37:08.519" v="3814" actId="20577"/>
         <pc:sldMkLst>
           <pc:docMk/>
           <pc:sldMk cId="1786571581" sldId="277"/>
         </pc:sldMkLst>
         <pc:spChg chg="mod">
-          <ac:chgData name="Fynn L." userId="8ad7fb526861aa9e" providerId="LiveId" clId="{05967C33-193C-40B1-BAFF-7211CFC8C8B3}" dt="2022-11-09T18:31:03.250" v="1142" actId="20577"/>
+          <ac:chgData name="Fynn L." userId="8ad7fb526861aa9e" providerId="LiveId" clId="{05967C33-193C-40B1-BAFF-7211CFC8C8B3}" dt="2022-11-12T15:29:21.305" v="3435"/>
           <ac:spMkLst>
             <pc:docMk/>
             <pc:sldMk cId="1786571581" sldId="277"/>
@@ -521,43 +685,83 @@
           </ac:spMkLst>
         </pc:spChg>
         <pc:spChg chg="mod">
-          <ac:chgData name="Fynn L." userId="8ad7fb526861aa9e" providerId="LiveId" clId="{05967C33-193C-40B1-BAFF-7211CFC8C8B3}" dt="2022-11-11T19:43:52.579" v="1929" actId="20577"/>
+          <ac:chgData name="Fynn L." userId="8ad7fb526861aa9e" providerId="LiveId" clId="{05967C33-193C-40B1-BAFF-7211CFC8C8B3}" dt="2022-11-12T15:37:08.519" v="3814" actId="20577"/>
           <ac:spMkLst>
             <pc:docMk/>
             <pc:sldMk cId="1786571581" sldId="277"/>
             <ac:spMk id="3" creationId="{00000000-0000-0000-0000-000000000000}"/>
           </ac:spMkLst>
         </pc:spChg>
+        <pc:picChg chg="add mod ord">
+          <ac:chgData name="Fynn L." userId="8ad7fb526861aa9e" providerId="LiveId" clId="{05967C33-193C-40B1-BAFF-7211CFC8C8B3}" dt="2022-11-12T14:37:46.320" v="2485" actId="167"/>
+          <ac:picMkLst>
+            <pc:docMk/>
+            <pc:sldMk cId="1786571581" sldId="277"/>
+            <ac:picMk id="8" creationId="{BCDEDCE7-1E4A-E593-1A93-4A9D54AA5973}"/>
+          </ac:picMkLst>
+        </pc:picChg>
       </pc:sldChg>
-      <pc:sldChg chg="modSp add mod">
-        <pc:chgData name="Fynn L." userId="8ad7fb526861aa9e" providerId="LiveId" clId="{05967C33-193C-40B1-BAFF-7211CFC8C8B3}" dt="2022-11-09T18:31:10.282" v="1157" actId="20577"/>
+      <pc:sldChg chg="addSp modSp add mod">
+        <pc:chgData name="Fynn L." userId="8ad7fb526861aa9e" providerId="LiveId" clId="{05967C33-193C-40B1-BAFF-7211CFC8C8B3}" dt="2022-11-12T15:36:48.365" v="3804" actId="20577"/>
         <pc:sldMkLst>
           <pc:docMk/>
           <pc:sldMk cId="1188651743" sldId="278"/>
         </pc:sldMkLst>
         <pc:spChg chg="mod">
-          <ac:chgData name="Fynn L." userId="8ad7fb526861aa9e" providerId="LiveId" clId="{05967C33-193C-40B1-BAFF-7211CFC8C8B3}" dt="2022-11-09T18:31:10.282" v="1157" actId="20577"/>
+          <ac:chgData name="Fynn L." userId="8ad7fb526861aa9e" providerId="LiveId" clId="{05967C33-193C-40B1-BAFF-7211CFC8C8B3}" dt="2022-11-12T15:29:24.202" v="3436"/>
           <ac:spMkLst>
             <pc:docMk/>
             <pc:sldMk cId="1188651743" sldId="278"/>
             <ac:spMk id="2" creationId="{00000000-0000-0000-0000-000000000000}"/>
           </ac:spMkLst>
         </pc:spChg>
+        <pc:spChg chg="mod">
+          <ac:chgData name="Fynn L." userId="8ad7fb526861aa9e" providerId="LiveId" clId="{05967C33-193C-40B1-BAFF-7211CFC8C8B3}" dt="2022-11-12T15:36:48.365" v="3804" actId="20577"/>
+          <ac:spMkLst>
+            <pc:docMk/>
+            <pc:sldMk cId="1188651743" sldId="278"/>
+            <ac:spMk id="3" creationId="{00000000-0000-0000-0000-000000000000}"/>
+          </ac:spMkLst>
+        </pc:spChg>
+        <pc:picChg chg="add mod">
+          <ac:chgData name="Fynn L." userId="8ad7fb526861aa9e" providerId="LiveId" clId="{05967C33-193C-40B1-BAFF-7211CFC8C8B3}" dt="2022-11-12T15:03:59.801" v="3186" actId="1076"/>
+          <ac:picMkLst>
+            <pc:docMk/>
+            <pc:sldMk cId="1188651743" sldId="278"/>
+            <ac:picMk id="7" creationId="{C4BCE042-6587-E9D0-A7C6-9EA89355E0EE}"/>
+          </ac:picMkLst>
+        </pc:picChg>
       </pc:sldChg>
-      <pc:sldChg chg="modSp add mod">
-        <pc:chgData name="Fynn L." userId="8ad7fb526861aa9e" providerId="LiveId" clId="{05967C33-193C-40B1-BAFF-7211CFC8C8B3}" dt="2022-11-09T18:31:48" v="1230" actId="20577"/>
+      <pc:sldChg chg="addSp modSp add mod">
+        <pc:chgData name="Fynn L." userId="8ad7fb526861aa9e" providerId="LiveId" clId="{05967C33-193C-40B1-BAFF-7211CFC8C8B3}" dt="2022-11-12T15:36:23.177" v="3794" actId="20577"/>
         <pc:sldMkLst>
           <pc:docMk/>
           <pc:sldMk cId="3887125834" sldId="279"/>
         </pc:sldMkLst>
         <pc:spChg chg="mod">
-          <ac:chgData name="Fynn L." userId="8ad7fb526861aa9e" providerId="LiveId" clId="{05967C33-193C-40B1-BAFF-7211CFC8C8B3}" dt="2022-11-09T18:31:48" v="1230" actId="20577"/>
+          <ac:chgData name="Fynn L." userId="8ad7fb526861aa9e" providerId="LiveId" clId="{05967C33-193C-40B1-BAFF-7211CFC8C8B3}" dt="2022-11-12T15:29:29.088" v="3437"/>
           <ac:spMkLst>
             <pc:docMk/>
             <pc:sldMk cId="3887125834" sldId="279"/>
             <ac:spMk id="2" creationId="{00000000-0000-0000-0000-000000000000}"/>
           </ac:spMkLst>
         </pc:spChg>
+        <pc:spChg chg="mod">
+          <ac:chgData name="Fynn L." userId="8ad7fb526861aa9e" providerId="LiveId" clId="{05967C33-193C-40B1-BAFF-7211CFC8C8B3}" dt="2022-11-12T15:36:23.177" v="3794" actId="20577"/>
+          <ac:spMkLst>
+            <pc:docMk/>
+            <pc:sldMk cId="3887125834" sldId="279"/>
+            <ac:spMk id="3" creationId="{00000000-0000-0000-0000-000000000000}"/>
+          </ac:spMkLst>
+        </pc:spChg>
+        <pc:picChg chg="add mod">
+          <ac:chgData name="Fynn L." userId="8ad7fb526861aa9e" providerId="LiveId" clId="{05967C33-193C-40B1-BAFF-7211CFC8C8B3}" dt="2022-11-12T15:26:06.003" v="3422"/>
+          <ac:picMkLst>
+            <pc:docMk/>
+            <pc:sldMk cId="3887125834" sldId="279"/>
+            <ac:picMk id="7" creationId="{518AABAE-3C51-96D4-91CC-FE648314CCE3}"/>
+          </ac:picMkLst>
+        </pc:picChg>
       </pc:sldChg>
       <pc:sldMasterChg chg="modSldLayout">
         <pc:chgData name="Fynn L." userId="8ad7fb526861aa9e" providerId="LiveId" clId="{05967C33-193C-40B1-BAFF-7211CFC8C8B3}" dt="2022-11-09T16:03:29.234" v="111" actId="20577"/>
@@ -716,2064 +920,6 @@
 </pc:chgInfo>
 </file>
 
-<file path=ppt/charts/chart1.xml><?xml version="1.0" encoding="utf-8"?>
-<c:chartSpace xmlns:c="http://schemas.openxmlformats.org/drawingml/2006/chart" xmlns:a="http://schemas.openxmlformats.org/drawingml/2006/main" xmlns:r="http://schemas.openxmlformats.org/officeDocument/2006/relationships" xmlns:c16r2="http://schemas.microsoft.com/office/drawing/2015/06/chart">
-  <c:date1904 val="0"/>
-  <c:lang val="de-DE"/>
-  <c:roundedCorners val="0"/>
-  <mc:AlternateContent xmlns:mc="http://schemas.openxmlformats.org/markup-compatibility/2006">
-    <mc:Choice xmlns:c14="http://schemas.microsoft.com/office/drawing/2007/8/2/chart" Requires="c14">
-      <c14:style val="102"/>
-    </mc:Choice>
-    <mc:Fallback>
-      <c:style val="2"/>
-    </mc:Fallback>
-  </mc:AlternateContent>
-  <c:chart>
-    <c:title>
-      <c:overlay val="0"/>
-      <c:spPr>
-        <a:noFill/>
-        <a:ln>
-          <a:noFill/>
-        </a:ln>
-        <a:effectLst/>
-      </c:spPr>
-      <c:txPr>
-        <a:bodyPr rot="0" spcFirstLastPara="1" vertOverflow="ellipsis" vert="horz" wrap="square" anchor="ctr" anchorCtr="1"/>
-        <a:lstStyle/>
-        <a:p>
-          <a:pPr>
-            <a:defRPr sz="1862" b="0" i="0" u="none" strike="noStrike" kern="1200" spc="0" baseline="0">
-              <a:solidFill>
-                <a:schemeClr val="tx1">
-                  <a:lumMod val="65000"/>
-                  <a:lumOff val="35000"/>
-                </a:schemeClr>
-              </a:solidFill>
-              <a:latin typeface="+mn-lt"/>
-              <a:ea typeface="+mn-ea"/>
-              <a:cs typeface="+mn-cs"/>
-            </a:defRPr>
-          </a:pPr>
-          <a:endParaRPr lang="de-DE"/>
-        </a:p>
-      </c:txPr>
-    </c:title>
-    <c:autoTitleDeleted val="0"/>
-    <c:plotArea>
-      <c:layout>
-        <c:manualLayout>
-          <c:layoutTarget val="inner"/>
-          <c:xMode val="edge"/>
-          <c:yMode val="edge"/>
-          <c:x val="2.5383529998264067E-2"/>
-          <c:y val="0.11783073503727949"/>
-          <c:w val="0.96104948300343185"/>
-          <c:h val="0.73568990248344968"/>
-        </c:manualLayout>
-      </c:layout>
-      <c:barChart>
-        <c:barDir val="col"/>
-        <c:grouping val="clustered"/>
-        <c:varyColors val="0"/>
-        <c:ser>
-          <c:idx val="0"/>
-          <c:order val="0"/>
-          <c:tx>
-            <c:strRef>
-              <c:f>Tabelle1!$B$1</c:f>
-              <c:strCache>
-                <c:ptCount val="1"/>
-                <c:pt idx="0">
-                  <c:v>Zentrale</c:v>
-                </c:pt>
-              </c:strCache>
-            </c:strRef>
-          </c:tx>
-          <c:spPr>
-            <a:solidFill>
-              <a:schemeClr val="accent1"/>
-            </a:solidFill>
-            <a:ln>
-              <a:noFill/>
-            </a:ln>
-            <a:effectLst/>
-          </c:spPr>
-          <c:invertIfNegative val="0"/>
-          <c:cat>
-            <c:strRef>
-              <c:f>Tabelle1!$A$2:$A$5</c:f>
-              <c:strCache>
-                <c:ptCount val="4"/>
-                <c:pt idx="0">
-                  <c:v>K1</c:v>
-                </c:pt>
-                <c:pt idx="1">
-                  <c:v>K2</c:v>
-                </c:pt>
-                <c:pt idx="2">
-                  <c:v>K3</c:v>
-                </c:pt>
-                <c:pt idx="3">
-                  <c:v>K4</c:v>
-                </c:pt>
-              </c:strCache>
-            </c:strRef>
-          </c:cat>
-          <c:val>
-            <c:numRef>
-              <c:f>Tabelle1!$B$2:$B$5</c:f>
-              <c:numCache>
-                <c:formatCode>General</c:formatCode>
-                <c:ptCount val="4"/>
-                <c:pt idx="0">
-                  <c:v>4.3</c:v>
-                </c:pt>
-                <c:pt idx="1">
-                  <c:v>2.5</c:v>
-                </c:pt>
-                <c:pt idx="2">
-                  <c:v>3.5</c:v>
-                </c:pt>
-                <c:pt idx="3">
-                  <c:v>4.5</c:v>
-                </c:pt>
-              </c:numCache>
-            </c:numRef>
-          </c:val>
-          <c:extLst>
-            <c:ext xmlns:c16="http://schemas.microsoft.com/office/drawing/2014/chart" uri="{C3380CC4-5D6E-409C-BE32-E72D297353CC}">
-              <c16:uniqueId val="{00000000-480C-4E70-A593-1F4C7E5C948C}"/>
-            </c:ext>
-          </c:extLst>
-        </c:ser>
-        <c:ser>
-          <c:idx val="1"/>
-          <c:order val="1"/>
-          <c:tx>
-            <c:strRef>
-              <c:f>Tabelle1!$C$1</c:f>
-              <c:strCache>
-                <c:ptCount val="1"/>
-                <c:pt idx="0">
-                  <c:v>Salzgitter</c:v>
-                </c:pt>
-              </c:strCache>
-            </c:strRef>
-          </c:tx>
-          <c:spPr>
-            <a:solidFill>
-              <a:schemeClr val="accent2"/>
-            </a:solidFill>
-            <a:ln>
-              <a:noFill/>
-            </a:ln>
-            <a:effectLst/>
-          </c:spPr>
-          <c:invertIfNegative val="0"/>
-          <c:cat>
-            <c:strRef>
-              <c:f>Tabelle1!$A$2:$A$5</c:f>
-              <c:strCache>
-                <c:ptCount val="4"/>
-                <c:pt idx="0">
-                  <c:v>K1</c:v>
-                </c:pt>
-                <c:pt idx="1">
-                  <c:v>K2</c:v>
-                </c:pt>
-                <c:pt idx="2">
-                  <c:v>K3</c:v>
-                </c:pt>
-                <c:pt idx="3">
-                  <c:v>K4</c:v>
-                </c:pt>
-              </c:strCache>
-            </c:strRef>
-          </c:cat>
-          <c:val>
-            <c:numRef>
-              <c:f>Tabelle1!$C$2:$C$5</c:f>
-              <c:numCache>
-                <c:formatCode>General</c:formatCode>
-                <c:ptCount val="4"/>
-                <c:pt idx="0">
-                  <c:v>2.4</c:v>
-                </c:pt>
-                <c:pt idx="1">
-                  <c:v>4.4000000000000004</c:v>
-                </c:pt>
-                <c:pt idx="2">
-                  <c:v>1.8</c:v>
-                </c:pt>
-                <c:pt idx="3">
-                  <c:v>2.8</c:v>
-                </c:pt>
-              </c:numCache>
-            </c:numRef>
-          </c:val>
-          <c:extLst>
-            <c:ext xmlns:c16="http://schemas.microsoft.com/office/drawing/2014/chart" uri="{C3380CC4-5D6E-409C-BE32-E72D297353CC}">
-              <c16:uniqueId val="{00000001-480C-4E70-A593-1F4C7E5C948C}"/>
-            </c:ext>
-          </c:extLst>
-        </c:ser>
-        <c:ser>
-          <c:idx val="2"/>
-          <c:order val="2"/>
-          <c:tx>
-            <c:strRef>
-              <c:f>Tabelle1!$D$1</c:f>
-              <c:strCache>
-                <c:ptCount val="1"/>
-                <c:pt idx="0">
-                  <c:v>Suderburg</c:v>
-                </c:pt>
-              </c:strCache>
-            </c:strRef>
-          </c:tx>
-          <c:spPr>
-            <a:solidFill>
-              <a:schemeClr val="accent3"/>
-            </a:solidFill>
-            <a:ln>
-              <a:noFill/>
-            </a:ln>
-            <a:effectLst/>
-          </c:spPr>
-          <c:invertIfNegative val="0"/>
-          <c:cat>
-            <c:strRef>
-              <c:f>Tabelle1!$A$2:$A$5</c:f>
-              <c:strCache>
-                <c:ptCount val="4"/>
-                <c:pt idx="0">
-                  <c:v>K1</c:v>
-                </c:pt>
-                <c:pt idx="1">
-                  <c:v>K2</c:v>
-                </c:pt>
-                <c:pt idx="2">
-                  <c:v>K3</c:v>
-                </c:pt>
-                <c:pt idx="3">
-                  <c:v>K4</c:v>
-                </c:pt>
-              </c:strCache>
-            </c:strRef>
-          </c:cat>
-          <c:val>
-            <c:numRef>
-              <c:f>Tabelle1!$D$2:$D$5</c:f>
-              <c:numCache>
-                <c:formatCode>General</c:formatCode>
-                <c:ptCount val="4"/>
-                <c:pt idx="0">
-                  <c:v>2</c:v>
-                </c:pt>
-                <c:pt idx="1">
-                  <c:v>2</c:v>
-                </c:pt>
-                <c:pt idx="2">
-                  <c:v>3</c:v>
-                </c:pt>
-                <c:pt idx="3">
-                  <c:v>5</c:v>
-                </c:pt>
-              </c:numCache>
-            </c:numRef>
-          </c:val>
-          <c:extLst>
-            <c:ext xmlns:c16="http://schemas.microsoft.com/office/drawing/2014/chart" uri="{C3380CC4-5D6E-409C-BE32-E72D297353CC}">
-              <c16:uniqueId val="{00000002-480C-4E70-A593-1F4C7E5C948C}"/>
-            </c:ext>
-          </c:extLst>
-        </c:ser>
-        <c:ser>
-          <c:idx val="3"/>
-          <c:order val="3"/>
-          <c:tx>
-            <c:strRef>
-              <c:f>Tabelle1!$E$1</c:f>
-              <c:strCache>
-                <c:ptCount val="1"/>
-                <c:pt idx="0">
-                  <c:v>Wolfenbüttel</c:v>
-                </c:pt>
-              </c:strCache>
-            </c:strRef>
-          </c:tx>
-          <c:spPr>
-            <a:solidFill>
-              <a:schemeClr val="accent4"/>
-            </a:solidFill>
-            <a:ln>
-              <a:noFill/>
-            </a:ln>
-            <a:effectLst/>
-          </c:spPr>
-          <c:invertIfNegative val="0"/>
-          <c:cat>
-            <c:strRef>
-              <c:f>Tabelle1!$A$2:$A$5</c:f>
-              <c:strCache>
-                <c:ptCount val="4"/>
-                <c:pt idx="0">
-                  <c:v>K1</c:v>
-                </c:pt>
-                <c:pt idx="1">
-                  <c:v>K2</c:v>
-                </c:pt>
-                <c:pt idx="2">
-                  <c:v>K3</c:v>
-                </c:pt>
-                <c:pt idx="3">
-                  <c:v>K4</c:v>
-                </c:pt>
-              </c:strCache>
-            </c:strRef>
-          </c:cat>
-          <c:val>
-            <c:numRef>
-              <c:f>Tabelle1!$E$2:$E$5</c:f>
-              <c:numCache>
-                <c:formatCode>General</c:formatCode>
-                <c:ptCount val="4"/>
-                <c:pt idx="0">
-                  <c:v>2.4</c:v>
-                </c:pt>
-                <c:pt idx="1">
-                  <c:v>4.4000000000000004</c:v>
-                </c:pt>
-                <c:pt idx="2">
-                  <c:v>1.8</c:v>
-                </c:pt>
-                <c:pt idx="3">
-                  <c:v>2.8</c:v>
-                </c:pt>
-              </c:numCache>
-            </c:numRef>
-          </c:val>
-          <c:extLst>
-            <c:ext xmlns:c16="http://schemas.microsoft.com/office/drawing/2014/chart" uri="{C3380CC4-5D6E-409C-BE32-E72D297353CC}">
-              <c16:uniqueId val="{00000003-480C-4E70-A593-1F4C7E5C948C}"/>
-            </c:ext>
-          </c:extLst>
-        </c:ser>
-        <c:ser>
-          <c:idx val="4"/>
-          <c:order val="4"/>
-          <c:tx>
-            <c:strRef>
-              <c:f>Tabelle1!$F$1</c:f>
-              <c:strCache>
-                <c:ptCount val="1"/>
-                <c:pt idx="0">
-                  <c:v>Wolfsburg</c:v>
-                </c:pt>
-              </c:strCache>
-            </c:strRef>
-          </c:tx>
-          <c:spPr>
-            <a:solidFill>
-              <a:schemeClr val="accent5"/>
-            </a:solidFill>
-            <a:ln>
-              <a:noFill/>
-            </a:ln>
-            <a:effectLst/>
-          </c:spPr>
-          <c:invertIfNegative val="0"/>
-          <c:cat>
-            <c:strRef>
-              <c:f>Tabelle1!$A$2:$A$5</c:f>
-              <c:strCache>
-                <c:ptCount val="4"/>
-                <c:pt idx="0">
-                  <c:v>K1</c:v>
-                </c:pt>
-                <c:pt idx="1">
-                  <c:v>K2</c:v>
-                </c:pt>
-                <c:pt idx="2">
-                  <c:v>K3</c:v>
-                </c:pt>
-                <c:pt idx="3">
-                  <c:v>K4</c:v>
-                </c:pt>
-              </c:strCache>
-            </c:strRef>
-          </c:cat>
-          <c:val>
-            <c:numRef>
-              <c:f>Tabelle1!$F$2:$F$5</c:f>
-              <c:numCache>
-                <c:formatCode>General</c:formatCode>
-                <c:ptCount val="4"/>
-                <c:pt idx="0">
-                  <c:v>2</c:v>
-                </c:pt>
-                <c:pt idx="1">
-                  <c:v>2</c:v>
-                </c:pt>
-                <c:pt idx="2">
-                  <c:v>3</c:v>
-                </c:pt>
-                <c:pt idx="3">
-                  <c:v>5</c:v>
-                </c:pt>
-              </c:numCache>
-            </c:numRef>
-          </c:val>
-          <c:extLst>
-            <c:ext xmlns:c16="http://schemas.microsoft.com/office/drawing/2014/chart" uri="{C3380CC4-5D6E-409C-BE32-E72D297353CC}">
-              <c16:uniqueId val="{00000004-480C-4E70-A593-1F4C7E5C948C}"/>
-            </c:ext>
-          </c:extLst>
-        </c:ser>
-        <c:dLbls>
-          <c:showLegendKey val="0"/>
-          <c:showVal val="0"/>
-          <c:showCatName val="0"/>
-          <c:showSerName val="0"/>
-          <c:showPercent val="0"/>
-          <c:showBubbleSize val="0"/>
-        </c:dLbls>
-        <c:gapWidth val="219"/>
-        <c:overlap val="-27"/>
-        <c:axId val="767238464"/>
-        <c:axId val="767247320"/>
-      </c:barChart>
-      <c:catAx>
-        <c:axId val="767238464"/>
-        <c:scaling>
-          <c:orientation val="minMax"/>
-        </c:scaling>
-        <c:delete val="0"/>
-        <c:axPos val="b"/>
-        <c:numFmt formatCode="General" sourceLinked="1"/>
-        <c:majorTickMark val="none"/>
-        <c:minorTickMark val="none"/>
-        <c:tickLblPos val="nextTo"/>
-        <c:spPr>
-          <a:noFill/>
-          <a:ln w="9525" cap="flat" cmpd="sng" algn="ctr">
-            <a:solidFill>
-              <a:schemeClr val="tx1">
-                <a:lumMod val="15000"/>
-                <a:lumOff val="85000"/>
-              </a:schemeClr>
-            </a:solidFill>
-            <a:round/>
-          </a:ln>
-          <a:effectLst/>
-        </c:spPr>
-        <c:txPr>
-          <a:bodyPr rot="-60000000" spcFirstLastPara="1" vertOverflow="ellipsis" vert="horz" wrap="square" anchor="ctr" anchorCtr="1"/>
-          <a:lstStyle/>
-          <a:p>
-            <a:pPr>
-              <a:defRPr sz="1197" b="0" i="0" u="none" strike="noStrike" kern="1200" baseline="0">
-                <a:solidFill>
-                  <a:schemeClr val="tx1">
-                    <a:lumMod val="65000"/>
-                    <a:lumOff val="35000"/>
-                  </a:schemeClr>
-                </a:solidFill>
-                <a:latin typeface="+mn-lt"/>
-                <a:ea typeface="+mn-ea"/>
-                <a:cs typeface="+mn-cs"/>
-              </a:defRPr>
-            </a:pPr>
-            <a:endParaRPr lang="de-DE"/>
-          </a:p>
-        </c:txPr>
-        <c:crossAx val="767247320"/>
-        <c:crosses val="autoZero"/>
-        <c:auto val="1"/>
-        <c:lblAlgn val="ctr"/>
-        <c:lblOffset val="100"/>
-        <c:noMultiLvlLbl val="0"/>
-      </c:catAx>
-      <c:valAx>
-        <c:axId val="767247320"/>
-        <c:scaling>
-          <c:orientation val="minMax"/>
-        </c:scaling>
-        <c:delete val="0"/>
-        <c:axPos val="l"/>
-        <c:majorGridlines>
-          <c:spPr>
-            <a:ln w="9525" cap="flat" cmpd="sng" algn="ctr">
-              <a:solidFill>
-                <a:schemeClr val="tx1">
-                  <a:lumMod val="15000"/>
-                  <a:lumOff val="85000"/>
-                </a:schemeClr>
-              </a:solidFill>
-              <a:round/>
-            </a:ln>
-            <a:effectLst/>
-          </c:spPr>
-        </c:majorGridlines>
-        <c:numFmt formatCode="General" sourceLinked="1"/>
-        <c:majorTickMark val="none"/>
-        <c:minorTickMark val="none"/>
-        <c:tickLblPos val="nextTo"/>
-        <c:spPr>
-          <a:noFill/>
-          <a:ln>
-            <a:noFill/>
-          </a:ln>
-          <a:effectLst/>
-        </c:spPr>
-        <c:txPr>
-          <a:bodyPr rot="-60000000" spcFirstLastPara="1" vertOverflow="ellipsis" vert="horz" wrap="square" anchor="ctr" anchorCtr="1"/>
-          <a:lstStyle/>
-          <a:p>
-            <a:pPr>
-              <a:defRPr sz="1197" b="0" i="0" u="none" strike="noStrike" kern="1200" baseline="0">
-                <a:solidFill>
-                  <a:schemeClr val="tx1">
-                    <a:lumMod val="65000"/>
-                    <a:lumOff val="35000"/>
-                  </a:schemeClr>
-                </a:solidFill>
-                <a:latin typeface="+mn-lt"/>
-                <a:ea typeface="+mn-ea"/>
-                <a:cs typeface="+mn-cs"/>
-              </a:defRPr>
-            </a:pPr>
-            <a:endParaRPr lang="de-DE"/>
-          </a:p>
-        </c:txPr>
-        <c:crossAx val="767238464"/>
-        <c:crosses val="autoZero"/>
-        <c:crossBetween val="between"/>
-      </c:valAx>
-      <c:spPr>
-        <a:noFill/>
-        <a:ln>
-          <a:noFill/>
-        </a:ln>
-        <a:effectLst/>
-      </c:spPr>
-    </c:plotArea>
-    <c:legend>
-      <c:legendPos val="b"/>
-      <c:overlay val="0"/>
-      <c:spPr>
-        <a:noFill/>
-        <a:ln>
-          <a:noFill/>
-        </a:ln>
-        <a:effectLst/>
-      </c:spPr>
-      <c:txPr>
-        <a:bodyPr rot="0" spcFirstLastPara="1" vertOverflow="ellipsis" vert="horz" wrap="square" anchor="ctr" anchorCtr="1"/>
-        <a:lstStyle/>
-        <a:p>
-          <a:pPr>
-            <a:defRPr sz="1197" b="0" i="0" u="none" strike="noStrike" kern="1200" baseline="0">
-              <a:solidFill>
-                <a:schemeClr val="tx1">
-                  <a:lumMod val="65000"/>
-                  <a:lumOff val="35000"/>
-                </a:schemeClr>
-              </a:solidFill>
-              <a:latin typeface="+mn-lt"/>
-              <a:ea typeface="+mn-ea"/>
-              <a:cs typeface="+mn-cs"/>
-            </a:defRPr>
-          </a:pPr>
-          <a:endParaRPr lang="de-DE"/>
-        </a:p>
-      </c:txPr>
-    </c:legend>
-    <c:plotVisOnly val="1"/>
-    <c:dispBlanksAs val="gap"/>
-    <c:showDLblsOverMax val="0"/>
-  </c:chart>
-  <c:spPr>
-    <a:noFill/>
-    <a:ln>
-      <a:noFill/>
-    </a:ln>
-    <a:effectLst/>
-  </c:spPr>
-  <c:txPr>
-    <a:bodyPr/>
-    <a:lstStyle/>
-    <a:p>
-      <a:pPr>
-        <a:defRPr/>
-      </a:pPr>
-      <a:endParaRPr lang="de-DE"/>
-    </a:p>
-  </c:txPr>
-  <c:externalData r:id="rId3">
-    <c:autoUpdate val="0"/>
-  </c:externalData>
-</c:chartSpace>
-</file>
-
-<file path=ppt/charts/chart2.xml><?xml version="1.0" encoding="utf-8"?>
-<c:chartSpace xmlns:c="http://schemas.openxmlformats.org/drawingml/2006/chart" xmlns:a="http://schemas.openxmlformats.org/drawingml/2006/main" xmlns:r="http://schemas.openxmlformats.org/officeDocument/2006/relationships" xmlns:c16r2="http://schemas.microsoft.com/office/drawing/2015/06/chart">
-  <c:date1904 val="0"/>
-  <c:lang val="de-DE"/>
-  <c:roundedCorners val="0"/>
-  <mc:AlternateContent xmlns:mc="http://schemas.openxmlformats.org/markup-compatibility/2006">
-    <mc:Choice xmlns:c14="http://schemas.microsoft.com/office/drawing/2007/8/2/chart" Requires="c14">
-      <c14:style val="102"/>
-    </mc:Choice>
-    <mc:Fallback>
-      <c:style val="2"/>
-    </mc:Fallback>
-  </mc:AlternateContent>
-  <c:chart>
-    <c:title>
-      <c:overlay val="0"/>
-      <c:spPr>
-        <a:noFill/>
-        <a:ln>
-          <a:noFill/>
-        </a:ln>
-        <a:effectLst/>
-      </c:spPr>
-      <c:txPr>
-        <a:bodyPr rot="0" spcFirstLastPara="1" vertOverflow="ellipsis" vert="horz" wrap="square" anchor="ctr" anchorCtr="1"/>
-        <a:lstStyle/>
-        <a:p>
-          <a:pPr>
-            <a:defRPr sz="1862" b="0" i="0" u="none" strike="noStrike" kern="1200" spc="0" baseline="0">
-              <a:solidFill>
-                <a:schemeClr val="tx1">
-                  <a:lumMod val="65000"/>
-                  <a:lumOff val="35000"/>
-                </a:schemeClr>
-              </a:solidFill>
-              <a:latin typeface="+mn-lt"/>
-              <a:ea typeface="+mn-ea"/>
-              <a:cs typeface="+mn-cs"/>
-            </a:defRPr>
-          </a:pPr>
-          <a:endParaRPr lang="de-DE"/>
-        </a:p>
-      </c:txPr>
-    </c:title>
-    <c:autoTitleDeleted val="0"/>
-    <c:view3D>
-      <c:rotX val="30"/>
-      <c:rotY val="0"/>
-      <c:depthPercent val="100"/>
-      <c:rAngAx val="0"/>
-    </c:view3D>
-    <c:floor>
-      <c:thickness val="0"/>
-      <c:spPr>
-        <a:noFill/>
-        <a:ln>
-          <a:noFill/>
-        </a:ln>
-        <a:effectLst/>
-        <a:sp3d/>
-      </c:spPr>
-    </c:floor>
-    <c:sideWall>
-      <c:thickness val="0"/>
-      <c:spPr>
-        <a:noFill/>
-        <a:ln>
-          <a:noFill/>
-        </a:ln>
-        <a:effectLst/>
-        <a:sp3d/>
-      </c:spPr>
-    </c:sideWall>
-    <c:backWall>
-      <c:thickness val="0"/>
-      <c:spPr>
-        <a:noFill/>
-        <a:ln>
-          <a:noFill/>
-        </a:ln>
-        <a:effectLst/>
-        <a:sp3d/>
-      </c:spPr>
-    </c:backWall>
-    <c:plotArea>
-      <c:layout/>
-      <c:pie3DChart>
-        <c:varyColors val="1"/>
-        <c:ser>
-          <c:idx val="0"/>
-          <c:order val="0"/>
-          <c:tx>
-            <c:strRef>
-              <c:f>Tabelle1!$B$1</c:f>
-              <c:strCache>
-                <c:ptCount val="1"/>
-                <c:pt idx="0">
-                  <c:v>Anzahl Studierende</c:v>
-                </c:pt>
-              </c:strCache>
-            </c:strRef>
-          </c:tx>
-          <c:dPt>
-            <c:idx val="0"/>
-            <c:bubble3D val="0"/>
-            <c:spPr>
-              <a:solidFill>
-                <a:schemeClr val="accent1"/>
-              </a:solidFill>
-              <a:ln w="25400">
-                <a:solidFill>
-                  <a:schemeClr val="lt1"/>
-                </a:solidFill>
-              </a:ln>
-              <a:effectLst/>
-              <a:sp3d contourW="25400">
-                <a:contourClr>
-                  <a:schemeClr val="lt1"/>
-                </a:contourClr>
-              </a:sp3d>
-            </c:spPr>
-            <c:extLst>
-              <c:ext xmlns:c16="http://schemas.microsoft.com/office/drawing/2014/chart" uri="{C3380CC4-5D6E-409C-BE32-E72D297353CC}">
-                <c16:uniqueId val="{00000001-B569-4889-8DF6-FEDAEF55956A}"/>
-              </c:ext>
-            </c:extLst>
-          </c:dPt>
-          <c:dPt>
-            <c:idx val="1"/>
-            <c:bubble3D val="0"/>
-            <c:spPr>
-              <a:solidFill>
-                <a:schemeClr val="accent2"/>
-              </a:solidFill>
-              <a:ln w="25400">
-                <a:solidFill>
-                  <a:schemeClr val="lt1"/>
-                </a:solidFill>
-              </a:ln>
-              <a:effectLst/>
-              <a:sp3d contourW="25400">
-                <a:contourClr>
-                  <a:schemeClr val="lt1"/>
-                </a:contourClr>
-              </a:sp3d>
-            </c:spPr>
-            <c:extLst>
-              <c:ext xmlns:c16="http://schemas.microsoft.com/office/drawing/2014/chart" uri="{C3380CC4-5D6E-409C-BE32-E72D297353CC}">
-                <c16:uniqueId val="{00000003-B569-4889-8DF6-FEDAEF55956A}"/>
-              </c:ext>
-            </c:extLst>
-          </c:dPt>
-          <c:dPt>
-            <c:idx val="2"/>
-            <c:bubble3D val="0"/>
-            <c:spPr>
-              <a:solidFill>
-                <a:schemeClr val="accent3"/>
-              </a:solidFill>
-              <a:ln w="25400">
-                <a:solidFill>
-                  <a:schemeClr val="lt1"/>
-                </a:solidFill>
-              </a:ln>
-              <a:effectLst/>
-              <a:sp3d contourW="25400">
-                <a:contourClr>
-                  <a:schemeClr val="lt1"/>
-                </a:contourClr>
-              </a:sp3d>
-            </c:spPr>
-            <c:extLst>
-              <c:ext xmlns:c16="http://schemas.microsoft.com/office/drawing/2014/chart" uri="{C3380CC4-5D6E-409C-BE32-E72D297353CC}">
-                <c16:uniqueId val="{00000005-B569-4889-8DF6-FEDAEF55956A}"/>
-              </c:ext>
-            </c:extLst>
-          </c:dPt>
-          <c:dPt>
-            <c:idx val="3"/>
-            <c:bubble3D val="0"/>
-            <c:spPr>
-              <a:solidFill>
-                <a:schemeClr val="accent4"/>
-              </a:solidFill>
-              <a:ln w="25400">
-                <a:solidFill>
-                  <a:schemeClr val="lt1"/>
-                </a:solidFill>
-              </a:ln>
-              <a:effectLst/>
-              <a:sp3d contourW="25400">
-                <a:contourClr>
-                  <a:schemeClr val="lt1"/>
-                </a:contourClr>
-              </a:sp3d>
-            </c:spPr>
-            <c:extLst>
-              <c:ext xmlns:c16="http://schemas.microsoft.com/office/drawing/2014/chart" uri="{C3380CC4-5D6E-409C-BE32-E72D297353CC}">
-                <c16:uniqueId val="{00000007-B569-4889-8DF6-FEDAEF55956A}"/>
-              </c:ext>
-            </c:extLst>
-          </c:dPt>
-          <c:dPt>
-            <c:idx val="4"/>
-            <c:bubble3D val="0"/>
-            <c:spPr>
-              <a:solidFill>
-                <a:schemeClr val="accent5"/>
-              </a:solidFill>
-              <a:ln w="25400">
-                <a:solidFill>
-                  <a:schemeClr val="lt1"/>
-                </a:solidFill>
-              </a:ln>
-              <a:effectLst/>
-              <a:sp3d contourW="25400">
-                <a:contourClr>
-                  <a:schemeClr val="lt1"/>
-                </a:contourClr>
-              </a:sp3d>
-            </c:spPr>
-            <c:extLst>
-              <c:ext xmlns:c16="http://schemas.microsoft.com/office/drawing/2014/chart" uri="{C3380CC4-5D6E-409C-BE32-E72D297353CC}">
-                <c16:uniqueId val="{00000009-B569-4889-8DF6-FEDAEF55956A}"/>
-              </c:ext>
-            </c:extLst>
-          </c:dPt>
-          <c:cat>
-            <c:strRef>
-              <c:f>Tabelle1!$A$2:$A$6</c:f>
-              <c:strCache>
-                <c:ptCount val="5"/>
-                <c:pt idx="1">
-                  <c:v>Salzgitter</c:v>
-                </c:pt>
-                <c:pt idx="2">
-                  <c:v>Suderburg</c:v>
-                </c:pt>
-                <c:pt idx="3">
-                  <c:v>Wolfenbüttel</c:v>
-                </c:pt>
-                <c:pt idx="4">
-                  <c:v>Wolfsburg</c:v>
-                </c:pt>
-              </c:strCache>
-            </c:strRef>
-          </c:cat>
-          <c:val>
-            <c:numRef>
-              <c:f>Tabelle1!$B$2:$B$6</c:f>
-              <c:numCache>
-                <c:formatCode>General</c:formatCode>
-                <c:ptCount val="5"/>
-                <c:pt idx="1">
-                  <c:v>2441</c:v>
-                </c:pt>
-                <c:pt idx="2">
-                  <c:v>1730</c:v>
-                </c:pt>
-                <c:pt idx="3">
-                  <c:v>5555</c:v>
-                </c:pt>
-                <c:pt idx="4">
-                  <c:v>3305</c:v>
-                </c:pt>
-              </c:numCache>
-            </c:numRef>
-          </c:val>
-          <c:extLst>
-            <c:ext xmlns:c16="http://schemas.microsoft.com/office/drawing/2014/chart" uri="{C3380CC4-5D6E-409C-BE32-E72D297353CC}">
-              <c16:uniqueId val="{0000000A-B569-4889-8DF6-FEDAEF55956A}"/>
-            </c:ext>
-          </c:extLst>
-        </c:ser>
-        <c:dLbls>
-          <c:showLegendKey val="0"/>
-          <c:showVal val="0"/>
-          <c:showCatName val="0"/>
-          <c:showSerName val="0"/>
-          <c:showPercent val="0"/>
-          <c:showBubbleSize val="0"/>
-          <c:showLeaderLines val="1"/>
-        </c:dLbls>
-      </c:pie3DChart>
-      <c:spPr>
-        <a:noFill/>
-        <a:ln>
-          <a:noFill/>
-        </a:ln>
-        <a:effectLst/>
-      </c:spPr>
-    </c:plotArea>
-    <c:legend>
-      <c:legendPos val="b"/>
-      <c:legendEntry>
-        <c:idx val="0"/>
-        <c:delete val="1"/>
-      </c:legendEntry>
-      <c:overlay val="0"/>
-      <c:spPr>
-        <a:noFill/>
-        <a:ln>
-          <a:noFill/>
-        </a:ln>
-        <a:effectLst/>
-      </c:spPr>
-      <c:txPr>
-        <a:bodyPr rot="0" spcFirstLastPara="1" vertOverflow="ellipsis" vert="horz" wrap="square" anchor="ctr" anchorCtr="1"/>
-        <a:lstStyle/>
-        <a:p>
-          <a:pPr>
-            <a:defRPr sz="1197" b="0" i="0" u="none" strike="noStrike" kern="1200" baseline="0">
-              <a:solidFill>
-                <a:schemeClr val="tx1">
-                  <a:lumMod val="65000"/>
-                  <a:lumOff val="35000"/>
-                </a:schemeClr>
-              </a:solidFill>
-              <a:latin typeface="+mn-lt"/>
-              <a:ea typeface="+mn-ea"/>
-              <a:cs typeface="+mn-cs"/>
-            </a:defRPr>
-          </a:pPr>
-          <a:endParaRPr lang="de-DE"/>
-        </a:p>
-      </c:txPr>
-    </c:legend>
-    <c:plotVisOnly val="1"/>
-    <c:dispBlanksAs val="gap"/>
-    <c:showDLblsOverMax val="0"/>
-  </c:chart>
-  <c:spPr>
-    <a:noFill/>
-    <a:ln>
-      <a:noFill/>
-    </a:ln>
-    <a:effectLst/>
-  </c:spPr>
-  <c:txPr>
-    <a:bodyPr/>
-    <a:lstStyle/>
-    <a:p>
-      <a:pPr>
-        <a:defRPr/>
-      </a:pPr>
-      <a:endParaRPr lang="de-DE"/>
-    </a:p>
-  </c:txPr>
-  <c:externalData r:id="rId3">
-    <c:autoUpdate val="0"/>
-  </c:externalData>
-</c:chartSpace>
-</file>
-
-<file path=ppt/charts/colors1.xml><?xml version="1.0" encoding="utf-8"?>
-<cs:colorStyle xmlns:cs="http://schemas.microsoft.com/office/drawing/2012/chartStyle" xmlns:a="http://schemas.openxmlformats.org/drawingml/2006/main" meth="cycle" id="10">
-  <a:schemeClr val="accent1"/>
-  <a:schemeClr val="accent2"/>
-  <a:schemeClr val="accent3"/>
-  <a:schemeClr val="accent4"/>
-  <a:schemeClr val="accent5"/>
-  <a:schemeClr val="accent6"/>
-  <cs:variation/>
-  <cs:variation>
-    <a:lumMod val="60000"/>
-  </cs:variation>
-  <cs:variation>
-    <a:lumMod val="80000"/>
-    <a:lumOff val="20000"/>
-  </cs:variation>
-  <cs:variation>
-    <a:lumMod val="80000"/>
-  </cs:variation>
-  <cs:variation>
-    <a:lumMod val="60000"/>
-    <a:lumOff val="40000"/>
-  </cs:variation>
-  <cs:variation>
-    <a:lumMod val="50000"/>
-  </cs:variation>
-  <cs:variation>
-    <a:lumMod val="70000"/>
-    <a:lumOff val="30000"/>
-  </cs:variation>
-  <cs:variation>
-    <a:lumMod val="70000"/>
-  </cs:variation>
-  <cs:variation>
-    <a:lumMod val="50000"/>
-    <a:lumOff val="50000"/>
-  </cs:variation>
-</cs:colorStyle>
-</file>
-
-<file path=ppt/charts/colors2.xml><?xml version="1.0" encoding="utf-8"?>
-<cs:colorStyle xmlns:cs="http://schemas.microsoft.com/office/drawing/2012/chartStyle" xmlns:a="http://schemas.openxmlformats.org/drawingml/2006/main" meth="cycle" id="10">
-  <a:schemeClr val="accent1"/>
-  <a:schemeClr val="accent2"/>
-  <a:schemeClr val="accent3"/>
-  <a:schemeClr val="accent4"/>
-  <a:schemeClr val="accent5"/>
-  <a:schemeClr val="accent6"/>
-  <cs:variation/>
-  <cs:variation>
-    <a:lumMod val="60000"/>
-  </cs:variation>
-  <cs:variation>
-    <a:lumMod val="80000"/>
-    <a:lumOff val="20000"/>
-  </cs:variation>
-  <cs:variation>
-    <a:lumMod val="80000"/>
-  </cs:variation>
-  <cs:variation>
-    <a:lumMod val="60000"/>
-    <a:lumOff val="40000"/>
-  </cs:variation>
-  <cs:variation>
-    <a:lumMod val="50000"/>
-  </cs:variation>
-  <cs:variation>
-    <a:lumMod val="70000"/>
-    <a:lumOff val="30000"/>
-  </cs:variation>
-  <cs:variation>
-    <a:lumMod val="70000"/>
-  </cs:variation>
-  <cs:variation>
-    <a:lumMod val="50000"/>
-    <a:lumOff val="50000"/>
-  </cs:variation>
-</cs:colorStyle>
-</file>
-
-<file path=ppt/charts/style1.xml><?xml version="1.0" encoding="utf-8"?>
-<cs:chartStyle xmlns:cs="http://schemas.microsoft.com/office/drawing/2012/chartStyle" xmlns:a="http://schemas.openxmlformats.org/drawingml/2006/main" id="201">
-  <cs:axisTitle>
-    <cs:lnRef idx="0"/>
-    <cs:fillRef idx="0"/>
-    <cs:effectRef idx="0"/>
-    <cs:fontRef idx="minor">
-      <a:schemeClr val="tx1">
-        <a:lumMod val="65000"/>
-        <a:lumOff val="35000"/>
-      </a:schemeClr>
-    </cs:fontRef>
-    <cs:defRPr sz="1330" kern="1200"/>
-  </cs:axisTitle>
-  <cs:categoryAxis>
-    <cs:lnRef idx="0"/>
-    <cs:fillRef idx="0"/>
-    <cs:effectRef idx="0"/>
-    <cs:fontRef idx="minor">
-      <a:schemeClr val="tx1">
-        <a:lumMod val="65000"/>
-        <a:lumOff val="35000"/>
-      </a:schemeClr>
-    </cs:fontRef>
-    <cs:spPr>
-      <a:ln w="9525" cap="flat" cmpd="sng" algn="ctr">
-        <a:solidFill>
-          <a:schemeClr val="tx1">
-            <a:lumMod val="15000"/>
-            <a:lumOff val="85000"/>
-          </a:schemeClr>
-        </a:solidFill>
-        <a:round/>
-      </a:ln>
-    </cs:spPr>
-    <cs:defRPr sz="1197" kern="1200"/>
-  </cs:categoryAxis>
-  <cs:chartArea mods="allowNoFillOverride allowNoLineOverride">
-    <cs:lnRef idx="0"/>
-    <cs:fillRef idx="0"/>
-    <cs:effectRef idx="0"/>
-    <cs:fontRef idx="minor">
-      <a:schemeClr val="tx1"/>
-    </cs:fontRef>
-    <cs:spPr>
-      <a:solidFill>
-        <a:schemeClr val="bg1"/>
-      </a:solidFill>
-      <a:ln w="9525" cap="flat" cmpd="sng" algn="ctr">
-        <a:solidFill>
-          <a:schemeClr val="tx1">
-            <a:lumMod val="15000"/>
-            <a:lumOff val="85000"/>
-          </a:schemeClr>
-        </a:solidFill>
-        <a:round/>
-      </a:ln>
-    </cs:spPr>
-    <cs:defRPr sz="1330" kern="1200"/>
-  </cs:chartArea>
-  <cs:dataLabel>
-    <cs:lnRef idx="0"/>
-    <cs:fillRef idx="0"/>
-    <cs:effectRef idx="0"/>
-    <cs:fontRef idx="minor">
-      <a:schemeClr val="tx1">
-        <a:lumMod val="75000"/>
-        <a:lumOff val="25000"/>
-      </a:schemeClr>
-    </cs:fontRef>
-    <cs:defRPr sz="1197" kern="1200"/>
-  </cs:dataLabel>
-  <cs:dataLabelCallout>
-    <cs:lnRef idx="0"/>
-    <cs:fillRef idx="0"/>
-    <cs:effectRef idx="0"/>
-    <cs:fontRef idx="minor">
-      <a:schemeClr val="dk1">
-        <a:lumMod val="65000"/>
-        <a:lumOff val="35000"/>
-      </a:schemeClr>
-    </cs:fontRef>
-    <cs:spPr>
-      <a:solidFill>
-        <a:schemeClr val="lt1"/>
-      </a:solidFill>
-      <a:ln>
-        <a:solidFill>
-          <a:schemeClr val="dk1">
-            <a:lumMod val="25000"/>
-            <a:lumOff val="75000"/>
-          </a:schemeClr>
-        </a:solidFill>
-      </a:ln>
-    </cs:spPr>
-    <cs:defRPr sz="1197" kern="1200"/>
-    <cs:bodyPr rot="0" spcFirstLastPara="1" vertOverflow="clip" horzOverflow="clip" vert="horz" wrap="square" lIns="36576" tIns="18288" rIns="36576" bIns="18288" anchor="ctr" anchorCtr="1">
-      <a:spAutoFit/>
-    </cs:bodyPr>
-  </cs:dataLabelCallout>
-  <cs:dataPoint>
-    <cs:lnRef idx="0"/>
-    <cs:fillRef idx="1">
-      <cs:styleClr val="auto"/>
-    </cs:fillRef>
-    <cs:effectRef idx="0"/>
-    <cs:fontRef idx="minor">
-      <a:schemeClr val="tx1"/>
-    </cs:fontRef>
-  </cs:dataPoint>
-  <cs:dataPoint3D>
-    <cs:lnRef idx="0"/>
-    <cs:fillRef idx="1">
-      <cs:styleClr val="auto"/>
-    </cs:fillRef>
-    <cs:effectRef idx="0"/>
-    <cs:fontRef idx="minor">
-      <a:schemeClr val="tx1"/>
-    </cs:fontRef>
-  </cs:dataPoint3D>
-  <cs:dataPointLine>
-    <cs:lnRef idx="0">
-      <cs:styleClr val="auto"/>
-    </cs:lnRef>
-    <cs:fillRef idx="1"/>
-    <cs:effectRef idx="0"/>
-    <cs:fontRef idx="minor">
-      <a:schemeClr val="tx1"/>
-    </cs:fontRef>
-    <cs:spPr>
-      <a:ln w="28575" cap="rnd">
-        <a:solidFill>
-          <a:schemeClr val="phClr"/>
-        </a:solidFill>
-        <a:round/>
-      </a:ln>
-    </cs:spPr>
-  </cs:dataPointLine>
-  <cs:dataPointMarker>
-    <cs:lnRef idx="0">
-      <cs:styleClr val="auto"/>
-    </cs:lnRef>
-    <cs:fillRef idx="1">
-      <cs:styleClr val="auto"/>
-    </cs:fillRef>
-    <cs:effectRef idx="0"/>
-    <cs:fontRef idx="minor">
-      <a:schemeClr val="tx1"/>
-    </cs:fontRef>
-    <cs:spPr>
-      <a:ln w="9525">
-        <a:solidFill>
-          <a:schemeClr val="phClr"/>
-        </a:solidFill>
-      </a:ln>
-    </cs:spPr>
-  </cs:dataPointMarker>
-  <cs:dataPointMarkerLayout symbol="circle" size="5"/>
-  <cs:dataPointWireframe>
-    <cs:lnRef idx="0">
-      <cs:styleClr val="auto"/>
-    </cs:lnRef>
-    <cs:fillRef idx="1"/>
-    <cs:effectRef idx="0"/>
-    <cs:fontRef idx="minor">
-      <a:schemeClr val="tx1"/>
-    </cs:fontRef>
-    <cs:spPr>
-      <a:ln w="9525" cap="rnd">
-        <a:solidFill>
-          <a:schemeClr val="phClr"/>
-        </a:solidFill>
-        <a:round/>
-      </a:ln>
-    </cs:spPr>
-  </cs:dataPointWireframe>
-  <cs:dataTable>
-    <cs:lnRef idx="0"/>
-    <cs:fillRef idx="0"/>
-    <cs:effectRef idx="0"/>
-    <cs:fontRef idx="minor">
-      <a:schemeClr val="tx1">
-        <a:lumMod val="65000"/>
-        <a:lumOff val="35000"/>
-      </a:schemeClr>
-    </cs:fontRef>
-    <cs:spPr>
-      <a:noFill/>
-      <a:ln w="9525" cap="flat" cmpd="sng" algn="ctr">
-        <a:solidFill>
-          <a:schemeClr val="tx1">
-            <a:lumMod val="15000"/>
-            <a:lumOff val="85000"/>
-          </a:schemeClr>
-        </a:solidFill>
-        <a:round/>
-      </a:ln>
-    </cs:spPr>
-    <cs:defRPr sz="1197" kern="1200"/>
-  </cs:dataTable>
-  <cs:downBar>
-    <cs:lnRef idx="0"/>
-    <cs:fillRef idx="0"/>
-    <cs:effectRef idx="0"/>
-    <cs:fontRef idx="minor">
-      <a:schemeClr val="dk1"/>
-    </cs:fontRef>
-    <cs:spPr>
-      <a:solidFill>
-        <a:schemeClr val="dk1">
-          <a:lumMod val="65000"/>
-          <a:lumOff val="35000"/>
-        </a:schemeClr>
-      </a:solidFill>
-      <a:ln w="9525">
-        <a:solidFill>
-          <a:schemeClr val="tx1">
-            <a:lumMod val="65000"/>
-            <a:lumOff val="35000"/>
-          </a:schemeClr>
-        </a:solidFill>
-      </a:ln>
-    </cs:spPr>
-  </cs:downBar>
-  <cs:dropLine>
-    <cs:lnRef idx="0"/>
-    <cs:fillRef idx="0"/>
-    <cs:effectRef idx="0"/>
-    <cs:fontRef idx="minor">
-      <a:schemeClr val="tx1"/>
-    </cs:fontRef>
-    <cs:spPr>
-      <a:ln w="9525" cap="flat" cmpd="sng" algn="ctr">
-        <a:solidFill>
-          <a:schemeClr val="tx1">
-            <a:lumMod val="35000"/>
-            <a:lumOff val="65000"/>
-          </a:schemeClr>
-        </a:solidFill>
-        <a:round/>
-      </a:ln>
-    </cs:spPr>
-  </cs:dropLine>
-  <cs:errorBar>
-    <cs:lnRef idx="0"/>
-    <cs:fillRef idx="0"/>
-    <cs:effectRef idx="0"/>
-    <cs:fontRef idx="minor">
-      <a:schemeClr val="tx1"/>
-    </cs:fontRef>
-    <cs:spPr>
-      <a:ln w="9525" cap="flat" cmpd="sng" algn="ctr">
-        <a:solidFill>
-          <a:schemeClr val="tx1">
-            <a:lumMod val="65000"/>
-            <a:lumOff val="35000"/>
-          </a:schemeClr>
-        </a:solidFill>
-        <a:round/>
-      </a:ln>
-    </cs:spPr>
-  </cs:errorBar>
-  <cs:floor>
-    <cs:lnRef idx="0"/>
-    <cs:fillRef idx="0"/>
-    <cs:effectRef idx="0"/>
-    <cs:fontRef idx="minor">
-      <a:schemeClr val="tx1"/>
-    </cs:fontRef>
-    <cs:spPr>
-      <a:noFill/>
-      <a:ln>
-        <a:noFill/>
-      </a:ln>
-    </cs:spPr>
-  </cs:floor>
-  <cs:gridlineMajor>
-    <cs:lnRef idx="0"/>
-    <cs:fillRef idx="0"/>
-    <cs:effectRef idx="0"/>
-    <cs:fontRef idx="minor">
-      <a:schemeClr val="tx1"/>
-    </cs:fontRef>
-    <cs:spPr>
-      <a:ln w="9525" cap="flat" cmpd="sng" algn="ctr">
-        <a:solidFill>
-          <a:schemeClr val="tx1">
-            <a:lumMod val="15000"/>
-            <a:lumOff val="85000"/>
-          </a:schemeClr>
-        </a:solidFill>
-        <a:round/>
-      </a:ln>
-    </cs:spPr>
-  </cs:gridlineMajor>
-  <cs:gridlineMinor>
-    <cs:lnRef idx="0"/>
-    <cs:fillRef idx="0"/>
-    <cs:effectRef idx="0"/>
-    <cs:fontRef idx="minor">
-      <a:schemeClr val="tx1"/>
-    </cs:fontRef>
-    <cs:spPr>
-      <a:ln w="9525" cap="flat" cmpd="sng" algn="ctr">
-        <a:solidFill>
-          <a:schemeClr val="tx1">
-            <a:lumMod val="5000"/>
-            <a:lumOff val="95000"/>
-          </a:schemeClr>
-        </a:solidFill>
-        <a:round/>
-      </a:ln>
-    </cs:spPr>
-  </cs:gridlineMinor>
-  <cs:hiLoLine>
-    <cs:lnRef idx="0"/>
-    <cs:fillRef idx="0"/>
-    <cs:effectRef idx="0"/>
-    <cs:fontRef idx="minor">
-      <a:schemeClr val="tx1"/>
-    </cs:fontRef>
-    <cs:spPr>
-      <a:ln w="9525" cap="flat" cmpd="sng" algn="ctr">
-        <a:solidFill>
-          <a:schemeClr val="tx1">
-            <a:lumMod val="75000"/>
-            <a:lumOff val="25000"/>
-          </a:schemeClr>
-        </a:solidFill>
-        <a:round/>
-      </a:ln>
-    </cs:spPr>
-  </cs:hiLoLine>
-  <cs:leaderLine>
-    <cs:lnRef idx="0"/>
-    <cs:fillRef idx="0"/>
-    <cs:effectRef idx="0"/>
-    <cs:fontRef idx="minor">
-      <a:schemeClr val="tx1"/>
-    </cs:fontRef>
-    <cs:spPr>
-      <a:ln w="9525" cap="flat" cmpd="sng" algn="ctr">
-        <a:solidFill>
-          <a:schemeClr val="tx1">
-            <a:lumMod val="35000"/>
-            <a:lumOff val="65000"/>
-          </a:schemeClr>
-        </a:solidFill>
-        <a:round/>
-      </a:ln>
-    </cs:spPr>
-  </cs:leaderLine>
-  <cs:legend>
-    <cs:lnRef idx="0"/>
-    <cs:fillRef idx="0"/>
-    <cs:effectRef idx="0"/>
-    <cs:fontRef idx="minor">
-      <a:schemeClr val="tx1">
-        <a:lumMod val="65000"/>
-        <a:lumOff val="35000"/>
-      </a:schemeClr>
-    </cs:fontRef>
-    <cs:defRPr sz="1197" kern="1200"/>
-  </cs:legend>
-  <cs:plotArea mods="allowNoFillOverride allowNoLineOverride">
-    <cs:lnRef idx="0"/>
-    <cs:fillRef idx="0"/>
-    <cs:effectRef idx="0"/>
-    <cs:fontRef idx="minor">
-      <a:schemeClr val="tx1"/>
-    </cs:fontRef>
-  </cs:plotArea>
-  <cs:plotArea3D mods="allowNoFillOverride allowNoLineOverride">
-    <cs:lnRef idx="0"/>
-    <cs:fillRef idx="0"/>
-    <cs:effectRef idx="0"/>
-    <cs:fontRef idx="minor">
-      <a:schemeClr val="tx1"/>
-    </cs:fontRef>
-  </cs:plotArea3D>
-  <cs:seriesAxis>
-    <cs:lnRef idx="0"/>
-    <cs:fillRef idx="0"/>
-    <cs:effectRef idx="0"/>
-    <cs:fontRef idx="minor">
-      <a:schemeClr val="tx1">
-        <a:lumMod val="65000"/>
-        <a:lumOff val="35000"/>
-      </a:schemeClr>
-    </cs:fontRef>
-    <cs:defRPr sz="1197" kern="1200"/>
-  </cs:seriesAxis>
-  <cs:seriesLine>
-    <cs:lnRef idx="0"/>
-    <cs:fillRef idx="0"/>
-    <cs:effectRef idx="0"/>
-    <cs:fontRef idx="minor">
-      <a:schemeClr val="tx1"/>
-    </cs:fontRef>
-    <cs:spPr>
-      <a:ln w="9525" cap="flat" cmpd="sng" algn="ctr">
-        <a:solidFill>
-          <a:schemeClr val="tx1">
-            <a:lumMod val="35000"/>
-            <a:lumOff val="65000"/>
-          </a:schemeClr>
-        </a:solidFill>
-        <a:round/>
-      </a:ln>
-    </cs:spPr>
-  </cs:seriesLine>
-  <cs:title>
-    <cs:lnRef idx="0"/>
-    <cs:fillRef idx="0"/>
-    <cs:effectRef idx="0"/>
-    <cs:fontRef idx="minor">
-      <a:schemeClr val="tx1">
-        <a:lumMod val="65000"/>
-        <a:lumOff val="35000"/>
-      </a:schemeClr>
-    </cs:fontRef>
-    <cs:defRPr sz="1862" b="0" kern="1200" spc="0" baseline="0"/>
-  </cs:title>
-  <cs:trendline>
-    <cs:lnRef idx="0">
-      <cs:styleClr val="auto"/>
-    </cs:lnRef>
-    <cs:fillRef idx="0"/>
-    <cs:effectRef idx="0"/>
-    <cs:fontRef idx="minor">
-      <a:schemeClr val="tx1"/>
-    </cs:fontRef>
-    <cs:spPr>
-      <a:ln w="19050" cap="rnd">
-        <a:solidFill>
-          <a:schemeClr val="phClr"/>
-        </a:solidFill>
-        <a:prstDash val="sysDot"/>
-      </a:ln>
-    </cs:spPr>
-  </cs:trendline>
-  <cs:trendlineLabel>
-    <cs:lnRef idx="0"/>
-    <cs:fillRef idx="0"/>
-    <cs:effectRef idx="0"/>
-    <cs:fontRef idx="minor">
-      <a:schemeClr val="tx1">
-        <a:lumMod val="65000"/>
-        <a:lumOff val="35000"/>
-      </a:schemeClr>
-    </cs:fontRef>
-    <cs:defRPr sz="1197" kern="1200"/>
-  </cs:trendlineLabel>
-  <cs:upBar>
-    <cs:lnRef idx="0"/>
-    <cs:fillRef idx="0"/>
-    <cs:effectRef idx="0"/>
-    <cs:fontRef idx="minor">
-      <a:schemeClr val="dk1"/>
-    </cs:fontRef>
-    <cs:spPr>
-      <a:solidFill>
-        <a:schemeClr val="lt1"/>
-      </a:solidFill>
-      <a:ln w="9525">
-        <a:solidFill>
-          <a:schemeClr val="tx1">
-            <a:lumMod val="15000"/>
-            <a:lumOff val="85000"/>
-          </a:schemeClr>
-        </a:solidFill>
-      </a:ln>
-    </cs:spPr>
-  </cs:upBar>
-  <cs:valueAxis>
-    <cs:lnRef idx="0"/>
-    <cs:fillRef idx="0"/>
-    <cs:effectRef idx="0"/>
-    <cs:fontRef idx="minor">
-      <a:schemeClr val="tx1">
-        <a:lumMod val="65000"/>
-        <a:lumOff val="35000"/>
-      </a:schemeClr>
-    </cs:fontRef>
-    <cs:defRPr sz="1197" kern="1200"/>
-  </cs:valueAxis>
-  <cs:wall>
-    <cs:lnRef idx="0"/>
-    <cs:fillRef idx="0"/>
-    <cs:effectRef idx="0"/>
-    <cs:fontRef idx="minor">
-      <a:schemeClr val="tx1"/>
-    </cs:fontRef>
-    <cs:spPr>
-      <a:noFill/>
-      <a:ln>
-        <a:noFill/>
-      </a:ln>
-    </cs:spPr>
-  </cs:wall>
-</cs:chartStyle>
-</file>
-
-<file path=ppt/charts/style2.xml><?xml version="1.0" encoding="utf-8"?>
-<cs:chartStyle xmlns:cs="http://schemas.microsoft.com/office/drawing/2012/chartStyle" xmlns:a="http://schemas.openxmlformats.org/drawingml/2006/main" id="262">
-  <cs:axisTitle>
-    <cs:lnRef idx="0"/>
-    <cs:fillRef idx="0"/>
-    <cs:effectRef idx="0"/>
-    <cs:fontRef idx="minor">
-      <a:schemeClr val="tx1">
-        <a:lumMod val="65000"/>
-        <a:lumOff val="35000"/>
-      </a:schemeClr>
-    </cs:fontRef>
-    <cs:defRPr sz="1330" kern="1200"/>
-  </cs:axisTitle>
-  <cs:categoryAxis>
-    <cs:lnRef idx="0"/>
-    <cs:fillRef idx="0"/>
-    <cs:effectRef idx="0"/>
-    <cs:fontRef idx="minor">
-      <a:schemeClr val="tx1">
-        <a:lumMod val="65000"/>
-        <a:lumOff val="35000"/>
-      </a:schemeClr>
-    </cs:fontRef>
-    <cs:spPr>
-      <a:ln w="9525" cap="flat" cmpd="sng" algn="ctr">
-        <a:solidFill>
-          <a:schemeClr val="tx1">
-            <a:lumMod val="15000"/>
-            <a:lumOff val="85000"/>
-          </a:schemeClr>
-        </a:solidFill>
-        <a:round/>
-      </a:ln>
-    </cs:spPr>
-    <cs:defRPr sz="1197" kern="1200"/>
-  </cs:categoryAxis>
-  <cs:chartArea mods="allowNoFillOverride allowNoLineOverride">
-    <cs:lnRef idx="0"/>
-    <cs:fillRef idx="0"/>
-    <cs:effectRef idx="0"/>
-    <cs:fontRef idx="minor">
-      <a:schemeClr val="tx1"/>
-    </cs:fontRef>
-    <cs:spPr>
-      <a:solidFill>
-        <a:schemeClr val="bg1"/>
-      </a:solidFill>
-      <a:ln w="9525" cap="flat" cmpd="sng" algn="ctr">
-        <a:solidFill>
-          <a:schemeClr val="tx1">
-            <a:lumMod val="15000"/>
-            <a:lumOff val="85000"/>
-          </a:schemeClr>
-        </a:solidFill>
-        <a:round/>
-      </a:ln>
-    </cs:spPr>
-    <cs:defRPr sz="1197" kern="1200"/>
-  </cs:chartArea>
-  <cs:dataLabel>
-    <cs:lnRef idx="0"/>
-    <cs:fillRef idx="0"/>
-    <cs:effectRef idx="0"/>
-    <cs:fontRef idx="minor">
-      <a:schemeClr val="tx1">
-        <a:lumMod val="75000"/>
-        <a:lumOff val="25000"/>
-      </a:schemeClr>
-    </cs:fontRef>
-    <cs:defRPr sz="1197" kern="1200"/>
-  </cs:dataLabel>
-  <cs:dataLabelCallout>
-    <cs:lnRef idx="0"/>
-    <cs:fillRef idx="0"/>
-    <cs:effectRef idx="0"/>
-    <cs:fontRef idx="minor">
-      <a:schemeClr val="dk1">
-        <a:lumMod val="65000"/>
-        <a:lumOff val="35000"/>
-      </a:schemeClr>
-    </cs:fontRef>
-    <cs:spPr>
-      <a:solidFill>
-        <a:schemeClr val="lt1"/>
-      </a:solidFill>
-      <a:ln>
-        <a:solidFill>
-          <a:schemeClr val="dk1">
-            <a:lumMod val="25000"/>
-            <a:lumOff val="75000"/>
-          </a:schemeClr>
-        </a:solidFill>
-      </a:ln>
-    </cs:spPr>
-    <cs:defRPr sz="1197" kern="1200"/>
-    <cs:bodyPr rot="0" spcFirstLastPara="1" vertOverflow="clip" horzOverflow="clip" vert="horz" wrap="square" lIns="36576" tIns="18288" rIns="36576" bIns="18288" anchor="ctr" anchorCtr="1">
-      <a:spAutoFit/>
-    </cs:bodyPr>
-  </cs:dataLabelCallout>
-  <cs:dataPoint>
-    <cs:lnRef idx="0"/>
-    <cs:fillRef idx="1">
-      <cs:styleClr val="auto"/>
-    </cs:fillRef>
-    <cs:effectRef idx="0"/>
-    <cs:fontRef idx="minor">
-      <a:schemeClr val="tx1"/>
-    </cs:fontRef>
-    <cs:spPr>
-      <a:ln w="19050">
-        <a:solidFill>
-          <a:schemeClr val="lt1"/>
-        </a:solidFill>
-      </a:ln>
-    </cs:spPr>
-  </cs:dataPoint>
-  <cs:dataPoint3D>
-    <cs:lnRef idx="0"/>
-    <cs:fillRef idx="1">
-      <cs:styleClr val="auto"/>
-    </cs:fillRef>
-    <cs:effectRef idx="0"/>
-    <cs:fontRef idx="minor">
-      <a:schemeClr val="tx1"/>
-    </cs:fontRef>
-    <cs:spPr>
-      <a:ln w="25400">
-        <a:solidFill>
-          <a:schemeClr val="lt1"/>
-        </a:solidFill>
-      </a:ln>
-    </cs:spPr>
-  </cs:dataPoint3D>
-  <cs:dataPointLine>
-    <cs:lnRef idx="0">
-      <cs:styleClr val="auto"/>
-    </cs:lnRef>
-    <cs:fillRef idx="0"/>
-    <cs:effectRef idx="0"/>
-    <cs:fontRef idx="minor">
-      <a:schemeClr val="tx1"/>
-    </cs:fontRef>
-    <cs:spPr>
-      <a:ln w="28575" cap="rnd">
-        <a:solidFill>
-          <a:schemeClr val="phClr"/>
-        </a:solidFill>
-        <a:round/>
-      </a:ln>
-    </cs:spPr>
-  </cs:dataPointLine>
-  <cs:dataPointMarker>
-    <cs:lnRef idx="0">
-      <cs:styleClr val="auto"/>
-    </cs:lnRef>
-    <cs:fillRef idx="1">
-      <cs:styleClr val="auto"/>
-    </cs:fillRef>
-    <cs:effectRef idx="0"/>
-    <cs:fontRef idx="minor">
-      <a:schemeClr val="tx1"/>
-    </cs:fontRef>
-    <cs:spPr>
-      <a:ln w="9525">
-        <a:solidFill>
-          <a:schemeClr val="phClr"/>
-        </a:solidFill>
-      </a:ln>
-    </cs:spPr>
-  </cs:dataPointMarker>
-  <cs:dataPointMarkerLayout symbol="circle" size="5"/>
-  <cs:dataPointWireframe>
-    <cs:lnRef idx="0">
-      <cs:styleClr val="auto"/>
-    </cs:lnRef>
-    <cs:fillRef idx="0"/>
-    <cs:effectRef idx="0"/>
-    <cs:fontRef idx="minor">
-      <a:schemeClr val="tx1"/>
-    </cs:fontRef>
-    <cs:spPr>
-      <a:ln w="9525" cap="rnd">
-        <a:solidFill>
-          <a:schemeClr val="phClr"/>
-        </a:solidFill>
-        <a:round/>
-      </a:ln>
-    </cs:spPr>
-  </cs:dataPointWireframe>
-  <cs:dataTable>
-    <cs:lnRef idx="0"/>
-    <cs:fillRef idx="0"/>
-    <cs:effectRef idx="0"/>
-    <cs:fontRef idx="minor">
-      <a:schemeClr val="tx1">
-        <a:lumMod val="65000"/>
-        <a:lumOff val="35000"/>
-      </a:schemeClr>
-    </cs:fontRef>
-    <cs:spPr>
-      <a:noFill/>
-      <a:ln w="9525" cap="flat" cmpd="sng" algn="ctr">
-        <a:solidFill>
-          <a:schemeClr val="tx1">
-            <a:lumMod val="15000"/>
-            <a:lumOff val="85000"/>
-          </a:schemeClr>
-        </a:solidFill>
-        <a:round/>
-      </a:ln>
-    </cs:spPr>
-    <cs:defRPr sz="1197" kern="1200"/>
-  </cs:dataTable>
-  <cs:downBar>
-    <cs:lnRef idx="0"/>
-    <cs:fillRef idx="0"/>
-    <cs:effectRef idx="0"/>
-    <cs:fontRef idx="minor">
-      <a:schemeClr val="tx1"/>
-    </cs:fontRef>
-    <cs:spPr>
-      <a:solidFill>
-        <a:schemeClr val="dk1">
-          <a:lumMod val="75000"/>
-          <a:lumOff val="25000"/>
-        </a:schemeClr>
-      </a:solidFill>
-      <a:ln w="9525" cap="flat" cmpd="sng" algn="ctr">
-        <a:solidFill>
-          <a:schemeClr val="tx1">
-            <a:lumMod val="65000"/>
-            <a:lumOff val="35000"/>
-          </a:schemeClr>
-        </a:solidFill>
-        <a:round/>
-      </a:ln>
-    </cs:spPr>
-  </cs:downBar>
-  <cs:dropLine>
-    <cs:lnRef idx="0"/>
-    <cs:fillRef idx="0"/>
-    <cs:effectRef idx="0"/>
-    <cs:fontRef idx="minor">
-      <a:schemeClr val="tx1"/>
-    </cs:fontRef>
-    <cs:spPr>
-      <a:ln w="9525" cap="flat" cmpd="sng" algn="ctr">
-        <a:solidFill>
-          <a:schemeClr val="tx1">
-            <a:lumMod val="35000"/>
-            <a:lumOff val="65000"/>
-          </a:schemeClr>
-        </a:solidFill>
-        <a:round/>
-      </a:ln>
-    </cs:spPr>
-  </cs:dropLine>
-  <cs:errorBar>
-    <cs:lnRef idx="0"/>
-    <cs:fillRef idx="0"/>
-    <cs:effectRef idx="0"/>
-    <cs:fontRef idx="minor">
-      <a:schemeClr val="tx1"/>
-    </cs:fontRef>
-    <cs:spPr>
-      <a:ln w="9525" cap="flat" cmpd="sng" algn="ctr">
-        <a:solidFill>
-          <a:schemeClr val="tx1">
-            <a:lumMod val="65000"/>
-            <a:lumOff val="35000"/>
-          </a:schemeClr>
-        </a:solidFill>
-        <a:round/>
-      </a:ln>
-    </cs:spPr>
-  </cs:errorBar>
-  <cs:floor>
-    <cs:lnRef idx="0"/>
-    <cs:fillRef idx="0"/>
-    <cs:effectRef idx="0"/>
-    <cs:fontRef idx="minor">
-      <a:schemeClr val="tx1"/>
-    </cs:fontRef>
-    <cs:spPr>
-      <a:noFill/>
-      <a:ln>
-        <a:noFill/>
-      </a:ln>
-    </cs:spPr>
-  </cs:floor>
-  <cs:gridlineMajor>
-    <cs:lnRef idx="0"/>
-    <cs:fillRef idx="0"/>
-    <cs:effectRef idx="0"/>
-    <cs:fontRef idx="minor">
-      <a:schemeClr val="tx1"/>
-    </cs:fontRef>
-    <cs:spPr>
-      <a:ln w="9525" cap="flat" cmpd="sng" algn="ctr">
-        <a:solidFill>
-          <a:schemeClr val="tx1">
-            <a:lumMod val="15000"/>
-            <a:lumOff val="85000"/>
-          </a:schemeClr>
-        </a:solidFill>
-        <a:round/>
-      </a:ln>
-    </cs:spPr>
-  </cs:gridlineMajor>
-  <cs:gridlineMinor>
-    <cs:lnRef idx="0"/>
-    <cs:fillRef idx="0"/>
-    <cs:effectRef idx="0"/>
-    <cs:fontRef idx="minor">
-      <a:schemeClr val="tx1"/>
-    </cs:fontRef>
-    <cs:spPr>
-      <a:ln w="9525" cap="flat" cmpd="sng" algn="ctr">
-        <a:solidFill>
-          <a:schemeClr val="tx1">
-            <a:lumMod val="5000"/>
-            <a:lumOff val="95000"/>
-          </a:schemeClr>
-        </a:solidFill>
-        <a:round/>
-      </a:ln>
-    </cs:spPr>
-  </cs:gridlineMinor>
-  <cs:hiLoLine>
-    <cs:lnRef idx="0"/>
-    <cs:fillRef idx="0"/>
-    <cs:effectRef idx="0"/>
-    <cs:fontRef idx="minor">
-      <a:schemeClr val="tx1"/>
-    </cs:fontRef>
-    <cs:spPr>
-      <a:ln w="9525" cap="flat" cmpd="sng" algn="ctr">
-        <a:solidFill>
-          <a:schemeClr val="tx1">
-            <a:lumMod val="50000"/>
-            <a:lumOff val="50000"/>
-          </a:schemeClr>
-        </a:solidFill>
-        <a:round/>
-      </a:ln>
-    </cs:spPr>
-  </cs:hiLoLine>
-  <cs:leaderLine>
-    <cs:lnRef idx="0"/>
-    <cs:fillRef idx="0"/>
-    <cs:effectRef idx="0"/>
-    <cs:fontRef idx="minor">
-      <a:schemeClr val="tx1"/>
-    </cs:fontRef>
-    <cs:spPr>
-      <a:ln w="9525" cap="flat" cmpd="sng" algn="ctr">
-        <a:solidFill>
-          <a:schemeClr val="tx1">
-            <a:lumMod val="35000"/>
-            <a:lumOff val="65000"/>
-          </a:schemeClr>
-        </a:solidFill>
-        <a:round/>
-      </a:ln>
-    </cs:spPr>
-  </cs:leaderLine>
-  <cs:legend>
-    <cs:lnRef idx="0"/>
-    <cs:fillRef idx="0"/>
-    <cs:effectRef idx="0"/>
-    <cs:fontRef idx="minor">
-      <a:schemeClr val="tx1">
-        <a:lumMod val="65000"/>
-        <a:lumOff val="35000"/>
-      </a:schemeClr>
-    </cs:fontRef>
-    <cs:defRPr sz="1197" kern="1200"/>
-  </cs:legend>
-  <cs:plotArea mods="allowNoFillOverride allowNoLineOverride">
-    <cs:lnRef idx="0"/>
-    <cs:fillRef idx="0"/>
-    <cs:effectRef idx="0"/>
-    <cs:fontRef idx="minor">
-      <a:schemeClr val="tx1"/>
-    </cs:fontRef>
-  </cs:plotArea>
-  <cs:plotArea3D mods="allowNoFillOverride allowNoLineOverride">
-    <cs:lnRef idx="0"/>
-    <cs:fillRef idx="0"/>
-    <cs:effectRef idx="0"/>
-    <cs:fontRef idx="minor">
-      <a:schemeClr val="tx1"/>
-    </cs:fontRef>
-  </cs:plotArea3D>
-  <cs:seriesAxis>
-    <cs:lnRef idx="0"/>
-    <cs:fillRef idx="0"/>
-    <cs:effectRef idx="0"/>
-    <cs:fontRef idx="minor">
-      <a:schemeClr val="tx1">
-        <a:lumMod val="65000"/>
-        <a:lumOff val="35000"/>
-      </a:schemeClr>
-    </cs:fontRef>
-    <cs:defRPr sz="1197" kern="1200"/>
-  </cs:seriesAxis>
-  <cs:seriesLine>
-    <cs:lnRef idx="0"/>
-    <cs:fillRef idx="0"/>
-    <cs:effectRef idx="0"/>
-    <cs:fontRef idx="minor">
-      <a:schemeClr val="tx1"/>
-    </cs:fontRef>
-    <cs:spPr>
-      <a:ln w="9525" cap="flat" cmpd="sng" algn="ctr">
-        <a:solidFill>
-          <a:schemeClr val="tx1">
-            <a:lumMod val="35000"/>
-            <a:lumOff val="65000"/>
-          </a:schemeClr>
-        </a:solidFill>
-        <a:round/>
-      </a:ln>
-    </cs:spPr>
-  </cs:seriesLine>
-  <cs:title>
-    <cs:lnRef idx="0"/>
-    <cs:fillRef idx="0"/>
-    <cs:effectRef idx="0"/>
-    <cs:fontRef idx="minor">
-      <a:schemeClr val="tx1">
-        <a:lumMod val="65000"/>
-        <a:lumOff val="35000"/>
-      </a:schemeClr>
-    </cs:fontRef>
-    <cs:defRPr sz="1862" b="0" kern="1200" spc="0" baseline="0"/>
-  </cs:title>
-  <cs:trendline>
-    <cs:lnRef idx="0">
-      <cs:styleClr val="auto"/>
-    </cs:lnRef>
-    <cs:fillRef idx="0"/>
-    <cs:effectRef idx="0"/>
-    <cs:fontRef idx="minor">
-      <a:schemeClr val="tx1"/>
-    </cs:fontRef>
-    <cs:spPr>
-      <a:ln w="19050" cap="rnd">
-        <a:solidFill>
-          <a:schemeClr val="phClr"/>
-        </a:solidFill>
-        <a:prstDash val="sysDot"/>
-      </a:ln>
-    </cs:spPr>
-  </cs:trendline>
-  <cs:trendlineLabel>
-    <cs:lnRef idx="0"/>
-    <cs:fillRef idx="0"/>
-    <cs:effectRef idx="0"/>
-    <cs:fontRef idx="minor">
-      <a:schemeClr val="tx1">
-        <a:lumMod val="65000"/>
-        <a:lumOff val="35000"/>
-      </a:schemeClr>
-    </cs:fontRef>
-    <cs:defRPr sz="1197" kern="1200"/>
-  </cs:trendlineLabel>
-  <cs:upBar>
-    <cs:lnRef idx="0"/>
-    <cs:fillRef idx="0"/>
-    <cs:effectRef idx="0"/>
-    <cs:fontRef idx="minor">
-      <a:schemeClr val="tx1"/>
-    </cs:fontRef>
-    <cs:spPr>
-      <a:solidFill>
-        <a:schemeClr val="lt1"/>
-      </a:solidFill>
-      <a:ln w="9525" cap="flat" cmpd="sng" algn="ctr">
-        <a:solidFill>
-          <a:schemeClr val="tx1">
-            <a:lumMod val="65000"/>
-            <a:lumOff val="35000"/>
-          </a:schemeClr>
-        </a:solidFill>
-        <a:round/>
-      </a:ln>
-    </cs:spPr>
-  </cs:upBar>
-  <cs:valueAxis>
-    <cs:lnRef idx="0"/>
-    <cs:fillRef idx="0"/>
-    <cs:effectRef idx="0"/>
-    <cs:fontRef idx="minor">
-      <a:schemeClr val="tx1">
-        <a:lumMod val="65000"/>
-        <a:lumOff val="35000"/>
-      </a:schemeClr>
-    </cs:fontRef>
-    <cs:defRPr sz="1197" kern="1200"/>
-  </cs:valueAxis>
-  <cs:wall>
-    <cs:lnRef idx="0"/>
-    <cs:fillRef idx="0"/>
-    <cs:effectRef idx="0"/>
-    <cs:fontRef idx="minor">
-      <a:schemeClr val="tx1"/>
-    </cs:fontRef>
-    <cs:spPr>
-      <a:noFill/>
-      <a:ln>
-        <a:noFill/>
-      </a:ln>
-    </cs:spPr>
-  </cs:wall>
-</cs:chartStyle>
-</file>
-
 <file path=ppt/notesMasters/notesMaster1.xml><?xml version="1.0" encoding="utf-8"?>
 <p:notesMaster xmlns:a="http://schemas.openxmlformats.org/drawingml/2006/main" xmlns:r="http://schemas.openxmlformats.org/officeDocument/2006/relationships" xmlns:p="http://schemas.openxmlformats.org/presentationml/2006/main">
   <p:cSld>
@@ -2856,7 +1002,7 @@
           <a:p>
             <a:fld id="{3743E2BA-3F93-428C-8AA0-502F22A34CA1}" type="datetimeFigureOut">
               <a:rPr lang="de-DE" smtClean="0"/>
-              <a:t>11.11.2022</a:t>
+              <a:t>12.11.2022</a:t>
             </a:fld>
             <a:endParaRPr lang="de-DE"/>
           </a:p>
@@ -7870,28 +6016,94 @@
           <a:lstStyle/>
           <a:p>
             <a:r>
-              <a:rPr lang="de-DE"/>
-              <a:t>Musterüberschrift für Text und Bild</a:t>
-            </a:r>
-          </a:p>
-        </p:txBody>
-      </p:sp>
-      <p:sp>
-        <p:nvSpPr>
-          <p:cNvPr id="3" name="Datumsplatzhalter 2"/>
-          <p:cNvSpPr>
-            <a:spLocks noGrp="1"/>
-          </p:cNvSpPr>
-          <p:nvPr>
-            <p:ph type="dt" sz="half" idx="10"/>
-          </p:nvPr>
-        </p:nvSpPr>
-        <p:spPr/>
+              <a:rPr lang="de-DE" dirty="0"/>
+              <a:t>Veränderungen durch den Überfall Russlands auf die Ukraine</a:t>
+            </a:r>
+          </a:p>
+        </p:txBody>
+      </p:sp>
+      <p:sp>
+        <p:nvSpPr>
+          <p:cNvPr id="3" name="Inhaltsplatzhalter 2"/>
+          <p:cNvSpPr>
+            <a:spLocks noGrp="1"/>
+          </p:cNvSpPr>
+          <p:nvPr>
+            <p:ph sz="half" idx="1"/>
+          </p:nvPr>
+        </p:nvSpPr>
+        <p:spPr>
+          <a:xfrm>
+            <a:off x="479423" y="1125538"/>
+            <a:ext cx="10932991" cy="5256212"/>
+          </a:xfrm>
+        </p:spPr>
         <p:txBody>
           <a:bodyPr/>
           <a:lstStyle/>
           <a:p>
             <a:r>
+              <a:rPr lang="de-DE" dirty="0"/>
+              <a:t>Anteil von Erdgas an Stromproduktion soll verringert werden</a:t>
+            </a:r>
+          </a:p>
+          <a:p>
+            <a:r>
+              <a:rPr lang="de-DE" dirty="0"/>
+              <a:t>Steinkohlekraftwerke aus Netzreserve </a:t>
+            </a:r>
+          </a:p>
+          <a:p>
+            <a:pPr algn="just"/>
+            <a:r>
+              <a:rPr lang="de-DE" dirty="0"/>
+              <a:t>Braunkohlekraftwerke aus </a:t>
+            </a:r>
+            <a:r>
+              <a:rPr lang="de-DE" dirty="0" err="1"/>
+              <a:t>Sicherheitsbreitschaft</a:t>
+            </a:r>
+            <a:endParaRPr lang="de-DE" dirty="0"/>
+          </a:p>
+          <a:p>
+            <a:pPr algn="just"/>
+            <a:r>
+              <a:rPr lang="de-DE" dirty="0"/>
+              <a:t>Gelten vorübergehend bis Frühling 2024 und Sommer 2023</a:t>
+            </a:r>
+          </a:p>
+          <a:p>
+            <a:pPr algn="just"/>
+            <a:r>
+              <a:rPr lang="de-DE" dirty="0"/>
+              <a:t>Bedingung: Alarm- oder Notfallstufe Gas ausgerufen</a:t>
+            </a:r>
+          </a:p>
+          <a:p>
+            <a:pPr algn="just"/>
+            <a:r>
+              <a:rPr lang="de-DE" dirty="0"/>
+              <a:t>Kraftwerk Mehrum und Petershagen (Heyden 4) bereits wieder am Netz</a:t>
+            </a:r>
+          </a:p>
+        </p:txBody>
+      </p:sp>
+      <p:sp>
+        <p:nvSpPr>
+          <p:cNvPr id="5" name="Datumsplatzhalter 4"/>
+          <p:cNvSpPr>
+            <a:spLocks noGrp="1"/>
+          </p:cNvSpPr>
+          <p:nvPr>
+            <p:ph type="dt" sz="half" idx="10"/>
+          </p:nvPr>
+        </p:nvSpPr>
+        <p:spPr/>
+        <p:txBody>
+          <a:bodyPr/>
+          <a:lstStyle/>
+          <a:p>
+            <a:r>
               <a:rPr lang="de-DE"/>
               <a:t>20.05.2018</a:t>
             </a:r>
@@ -7900,7 +6112,7 @@
       </p:sp>
       <p:sp>
         <p:nvSpPr>
-          <p:cNvPr id="4" name="Fußzeilenplatzhalter 3"/>
+          <p:cNvPr id="6" name="Fußzeilenplatzhalter 5"/>
           <p:cNvSpPr>
             <a:spLocks noGrp="1"/>
           </p:cNvSpPr>
@@ -7922,7 +6134,7 @@
       </p:sp>
       <p:sp>
         <p:nvSpPr>
-          <p:cNvPr id="5" name="Foliennummernplatzhalter 4"/>
+          <p:cNvPr id="7" name="Foliennummernplatzhalter 6"/>
           <p:cNvSpPr>
             <a:spLocks noGrp="1"/>
           </p:cNvSpPr>
@@ -7946,1280 +6158,28 @@
       </p:sp>
       <p:sp>
         <p:nvSpPr>
-          <p:cNvPr id="6" name="Textplatzhalter 5"/>
-          <p:cNvSpPr>
-            <a:spLocks noGrp="1"/>
-          </p:cNvSpPr>
-          <p:nvPr>
-            <p:ph type="body" sz="quarter" idx="14"/>
-          </p:nvPr>
-        </p:nvSpPr>
-        <p:spPr/>
-        <p:txBody>
-          <a:bodyPr/>
-          <a:lstStyle/>
-          <a:p>
-            <a:r>
-              <a:rPr lang="de-DE" dirty="0" err="1"/>
-              <a:t>Lorem</a:t>
-            </a:r>
-            <a:r>
-              <a:rPr lang="de-DE" dirty="0"/>
-              <a:t> </a:t>
-            </a:r>
-            <a:r>
-              <a:rPr lang="de-DE" dirty="0" err="1"/>
-              <a:t>ipsum</a:t>
-            </a:r>
-            <a:r>
-              <a:rPr lang="de-DE" dirty="0"/>
-              <a:t> </a:t>
-            </a:r>
-            <a:r>
-              <a:rPr lang="de-DE" dirty="0" err="1"/>
-              <a:t>dolor</a:t>
-            </a:r>
-            <a:r>
-              <a:rPr lang="de-DE" dirty="0"/>
-              <a:t> </a:t>
-            </a:r>
-            <a:r>
-              <a:rPr lang="de-DE" dirty="0" err="1"/>
-              <a:t>sit</a:t>
-            </a:r>
-            <a:r>
-              <a:rPr lang="de-DE" dirty="0"/>
-              <a:t> </a:t>
-            </a:r>
-            <a:r>
-              <a:rPr lang="de-DE" dirty="0" err="1"/>
-              <a:t>amet</a:t>
-            </a:r>
-            <a:r>
-              <a:rPr lang="de-DE" dirty="0"/>
-              <a:t>, </a:t>
-            </a:r>
-            <a:r>
-              <a:rPr lang="de-DE" dirty="0" err="1"/>
-              <a:t>consetetur</a:t>
-            </a:r>
-            <a:r>
-              <a:rPr lang="de-DE" dirty="0"/>
-              <a:t> </a:t>
-            </a:r>
-            <a:r>
-              <a:rPr lang="de-DE" dirty="0" err="1"/>
-              <a:t>sadipscing</a:t>
-            </a:r>
-            <a:r>
-              <a:rPr lang="de-DE" dirty="0"/>
-              <a:t> </a:t>
-            </a:r>
-            <a:r>
-              <a:rPr lang="de-DE" dirty="0" err="1"/>
-              <a:t>elitr</a:t>
-            </a:r>
-            <a:r>
-              <a:rPr lang="de-DE" dirty="0"/>
-              <a:t>, sed </a:t>
-            </a:r>
-            <a:r>
-              <a:rPr lang="de-DE" dirty="0" err="1"/>
-              <a:t>diam</a:t>
-            </a:r>
-            <a:r>
-              <a:rPr lang="de-DE" dirty="0"/>
-              <a:t> </a:t>
-            </a:r>
-            <a:r>
-              <a:rPr lang="de-DE" dirty="0" err="1"/>
-              <a:t>nonumy</a:t>
-            </a:r>
-            <a:r>
-              <a:rPr lang="de-DE" dirty="0"/>
-              <a:t> </a:t>
-            </a:r>
-            <a:r>
-              <a:rPr lang="de-DE" dirty="0" err="1"/>
-              <a:t>eirmod</a:t>
-            </a:r>
-            <a:r>
-              <a:rPr lang="de-DE" dirty="0"/>
-              <a:t> </a:t>
-            </a:r>
-            <a:r>
-              <a:rPr lang="de-DE" dirty="0" err="1"/>
-              <a:t>tempor</a:t>
-            </a:r>
-            <a:r>
-              <a:rPr lang="de-DE" dirty="0"/>
-              <a:t> </a:t>
-            </a:r>
-            <a:r>
-              <a:rPr lang="de-DE" dirty="0" err="1"/>
-              <a:t>invidunt</a:t>
-            </a:r>
-            <a:r>
-              <a:rPr lang="de-DE" dirty="0"/>
-              <a:t> </a:t>
-            </a:r>
-            <a:r>
-              <a:rPr lang="de-DE" dirty="0" err="1"/>
-              <a:t>ut</a:t>
-            </a:r>
-            <a:r>
-              <a:rPr lang="de-DE" dirty="0"/>
-              <a:t> </a:t>
-            </a:r>
-            <a:r>
-              <a:rPr lang="de-DE" dirty="0" err="1"/>
-              <a:t>labore</a:t>
-            </a:r>
-            <a:r>
-              <a:rPr lang="de-DE" dirty="0"/>
-              <a:t> et </a:t>
-            </a:r>
-            <a:r>
-              <a:rPr lang="de-DE" dirty="0" err="1"/>
-              <a:t>dolore</a:t>
-            </a:r>
-            <a:r>
-              <a:rPr lang="de-DE" dirty="0"/>
-              <a:t> magna </a:t>
-            </a:r>
-            <a:r>
-              <a:rPr lang="de-DE" dirty="0" err="1"/>
-              <a:t>aliquyam</a:t>
-            </a:r>
-            <a:r>
-              <a:rPr lang="de-DE" dirty="0"/>
-              <a:t> erat, sed </a:t>
-            </a:r>
-            <a:r>
-              <a:rPr lang="de-DE" dirty="0" err="1"/>
-              <a:t>diam</a:t>
-            </a:r>
-            <a:r>
-              <a:rPr lang="de-DE" dirty="0"/>
-              <a:t> </a:t>
-            </a:r>
-            <a:r>
-              <a:rPr lang="de-DE" dirty="0" err="1"/>
-              <a:t>voluptua</a:t>
-            </a:r>
-            <a:r>
-              <a:rPr lang="de-DE" dirty="0"/>
-              <a:t>. </a:t>
-            </a:r>
-          </a:p>
-          <a:p>
-            <a:pPr lvl="1"/>
-            <a:r>
-              <a:rPr lang="de-DE" dirty="0"/>
-              <a:t>At </a:t>
-            </a:r>
-            <a:r>
-              <a:rPr lang="de-DE" dirty="0" err="1"/>
-              <a:t>vero</a:t>
-            </a:r>
-            <a:r>
-              <a:rPr lang="de-DE" dirty="0"/>
-              <a:t> </a:t>
-            </a:r>
-            <a:r>
-              <a:rPr lang="de-DE" dirty="0" err="1"/>
-              <a:t>eos</a:t>
-            </a:r>
-            <a:r>
-              <a:rPr lang="de-DE" dirty="0"/>
-              <a:t> et </a:t>
-            </a:r>
-            <a:r>
-              <a:rPr lang="de-DE" dirty="0" err="1"/>
-              <a:t>accusam</a:t>
-            </a:r>
-            <a:r>
-              <a:rPr lang="de-DE" dirty="0"/>
-              <a:t> et </a:t>
-            </a:r>
-            <a:r>
-              <a:rPr lang="de-DE" dirty="0" err="1"/>
-              <a:t>justo</a:t>
-            </a:r>
-            <a:r>
-              <a:rPr lang="de-DE" dirty="0"/>
-              <a:t> </a:t>
-            </a:r>
-            <a:r>
-              <a:rPr lang="de-DE" dirty="0" err="1"/>
-              <a:t>duo</a:t>
-            </a:r>
-            <a:r>
-              <a:rPr lang="de-DE" dirty="0"/>
-              <a:t> </a:t>
-            </a:r>
-            <a:r>
-              <a:rPr lang="de-DE" dirty="0" err="1"/>
-              <a:t>dolores</a:t>
-            </a:r>
-            <a:r>
-              <a:rPr lang="de-DE" dirty="0"/>
-              <a:t> et </a:t>
-            </a:r>
-            <a:r>
-              <a:rPr lang="de-DE" dirty="0" err="1"/>
-              <a:t>ea</a:t>
-            </a:r>
-            <a:r>
-              <a:rPr lang="de-DE" dirty="0"/>
-              <a:t> </a:t>
-            </a:r>
-            <a:r>
-              <a:rPr lang="de-DE" dirty="0" err="1"/>
-              <a:t>rebum</a:t>
-            </a:r>
-            <a:r>
-              <a:rPr lang="de-DE" dirty="0"/>
-              <a:t>. Stet </a:t>
-            </a:r>
-            <a:r>
-              <a:rPr lang="de-DE" dirty="0" err="1"/>
-              <a:t>clita</a:t>
-            </a:r>
-            <a:r>
-              <a:rPr lang="de-DE" dirty="0"/>
-              <a:t> </a:t>
-            </a:r>
-            <a:r>
-              <a:rPr lang="de-DE" dirty="0" err="1"/>
-              <a:t>kasd</a:t>
-            </a:r>
-            <a:r>
-              <a:rPr lang="de-DE" dirty="0"/>
-              <a:t> </a:t>
-            </a:r>
-            <a:r>
-              <a:rPr lang="de-DE" dirty="0" err="1"/>
-              <a:t>gubergren</a:t>
-            </a:r>
-            <a:r>
-              <a:rPr lang="de-DE" dirty="0"/>
-              <a:t>, </a:t>
-            </a:r>
-            <a:r>
-              <a:rPr lang="de-DE" dirty="0" err="1"/>
-              <a:t>no</a:t>
-            </a:r>
-            <a:r>
-              <a:rPr lang="de-DE" dirty="0"/>
-              <a:t> </a:t>
-            </a:r>
-            <a:r>
-              <a:rPr lang="de-DE" dirty="0" err="1"/>
-              <a:t>sea</a:t>
-            </a:r>
-            <a:r>
-              <a:rPr lang="de-DE" dirty="0"/>
-              <a:t> </a:t>
-            </a:r>
-            <a:r>
-              <a:rPr lang="de-DE" dirty="0" err="1"/>
-              <a:t>takimata</a:t>
-            </a:r>
-            <a:r>
-              <a:rPr lang="de-DE" dirty="0"/>
-              <a:t> sanctus </a:t>
-            </a:r>
-            <a:r>
-              <a:rPr lang="de-DE" dirty="0" err="1"/>
-              <a:t>est</a:t>
-            </a:r>
-            <a:r>
-              <a:rPr lang="de-DE" dirty="0"/>
-              <a:t> </a:t>
-            </a:r>
-            <a:r>
-              <a:rPr lang="de-DE" dirty="0" err="1"/>
-              <a:t>Lorem</a:t>
-            </a:r>
-            <a:r>
-              <a:rPr lang="de-DE" dirty="0"/>
-              <a:t> </a:t>
-            </a:r>
-            <a:r>
-              <a:rPr lang="de-DE" dirty="0" err="1"/>
-              <a:t>ipsum</a:t>
-            </a:r>
-            <a:r>
-              <a:rPr lang="de-DE" dirty="0"/>
-              <a:t> </a:t>
-            </a:r>
-            <a:r>
-              <a:rPr lang="de-DE" dirty="0" err="1"/>
-              <a:t>dolor</a:t>
-            </a:r>
-            <a:r>
-              <a:rPr lang="de-DE" dirty="0"/>
-              <a:t> </a:t>
-            </a:r>
-            <a:r>
-              <a:rPr lang="de-DE" dirty="0" err="1"/>
-              <a:t>sit</a:t>
-            </a:r>
-            <a:r>
-              <a:rPr lang="de-DE" dirty="0"/>
-              <a:t> </a:t>
-            </a:r>
-            <a:r>
-              <a:rPr lang="de-DE" dirty="0" err="1"/>
-              <a:t>amet</a:t>
-            </a:r>
-            <a:r>
-              <a:rPr lang="de-DE" dirty="0"/>
-              <a:t>. </a:t>
-            </a:r>
-          </a:p>
-          <a:p>
-            <a:pPr lvl="1"/>
-            <a:r>
-              <a:rPr lang="de-DE" dirty="0" err="1"/>
-              <a:t>Lorem</a:t>
-            </a:r>
-            <a:r>
-              <a:rPr lang="de-DE" dirty="0"/>
-              <a:t> </a:t>
-            </a:r>
-            <a:r>
-              <a:rPr lang="de-DE" dirty="0" err="1"/>
-              <a:t>ipsum</a:t>
-            </a:r>
-            <a:r>
-              <a:rPr lang="de-DE" dirty="0"/>
-              <a:t> </a:t>
-            </a:r>
-            <a:r>
-              <a:rPr lang="de-DE" dirty="0" err="1"/>
-              <a:t>dolor</a:t>
-            </a:r>
-            <a:r>
-              <a:rPr lang="de-DE" dirty="0"/>
-              <a:t> </a:t>
-            </a:r>
-            <a:r>
-              <a:rPr lang="de-DE" dirty="0" err="1"/>
-              <a:t>sit</a:t>
-            </a:r>
-            <a:r>
-              <a:rPr lang="de-DE" dirty="0"/>
-              <a:t> </a:t>
-            </a:r>
-            <a:r>
-              <a:rPr lang="de-DE" dirty="0" err="1"/>
-              <a:t>amet</a:t>
-            </a:r>
-            <a:r>
-              <a:rPr lang="de-DE" dirty="0"/>
-              <a:t>, </a:t>
-            </a:r>
-            <a:r>
-              <a:rPr lang="de-DE" dirty="0" err="1"/>
-              <a:t>consetetur</a:t>
-            </a:r>
-            <a:r>
-              <a:rPr lang="de-DE" dirty="0"/>
-              <a:t> </a:t>
-            </a:r>
-            <a:r>
-              <a:rPr lang="de-DE" dirty="0" err="1"/>
-              <a:t>sadipscing</a:t>
-            </a:r>
-            <a:r>
-              <a:rPr lang="de-DE" dirty="0"/>
-              <a:t> </a:t>
-            </a:r>
-            <a:r>
-              <a:rPr lang="de-DE" dirty="0" err="1"/>
-              <a:t>elitr</a:t>
-            </a:r>
-            <a:r>
-              <a:rPr lang="de-DE" dirty="0"/>
-              <a:t>, sed </a:t>
-            </a:r>
-            <a:r>
-              <a:rPr lang="de-DE" dirty="0" err="1"/>
-              <a:t>diam</a:t>
-            </a:r>
-            <a:r>
-              <a:rPr lang="de-DE" dirty="0"/>
-              <a:t> </a:t>
-            </a:r>
-            <a:r>
-              <a:rPr lang="de-DE" dirty="0" err="1"/>
-              <a:t>nonumy</a:t>
-            </a:r>
-            <a:r>
-              <a:rPr lang="de-DE" dirty="0"/>
-              <a:t> </a:t>
-            </a:r>
-            <a:r>
-              <a:rPr lang="de-DE" dirty="0" err="1"/>
-              <a:t>eirmod</a:t>
-            </a:r>
-            <a:r>
-              <a:rPr lang="de-DE" dirty="0"/>
-              <a:t> </a:t>
-            </a:r>
-            <a:r>
-              <a:rPr lang="de-DE" dirty="0" err="1"/>
-              <a:t>tempor</a:t>
-            </a:r>
-            <a:r>
-              <a:rPr lang="de-DE" dirty="0"/>
-              <a:t> </a:t>
-            </a:r>
-            <a:r>
-              <a:rPr lang="de-DE" dirty="0" err="1"/>
-              <a:t>invidunt</a:t>
-            </a:r>
-            <a:r>
-              <a:rPr lang="de-DE" dirty="0"/>
-              <a:t> </a:t>
-            </a:r>
-            <a:r>
-              <a:rPr lang="de-DE" dirty="0" err="1"/>
-              <a:t>ut</a:t>
-            </a:r>
-            <a:r>
-              <a:rPr lang="de-DE" dirty="0"/>
-              <a:t> </a:t>
-            </a:r>
-            <a:r>
-              <a:rPr lang="de-DE" dirty="0" err="1"/>
-              <a:t>labore</a:t>
-            </a:r>
-            <a:r>
-              <a:rPr lang="de-DE" dirty="0"/>
-              <a:t> et </a:t>
-            </a:r>
-            <a:r>
-              <a:rPr lang="de-DE" dirty="0" err="1"/>
-              <a:t>dolore</a:t>
-            </a:r>
-            <a:r>
-              <a:rPr lang="de-DE" dirty="0"/>
-              <a:t> magna </a:t>
-            </a:r>
-            <a:r>
-              <a:rPr lang="de-DE" dirty="0" err="1"/>
-              <a:t>aliquyam</a:t>
-            </a:r>
-            <a:r>
-              <a:rPr lang="de-DE" dirty="0"/>
-              <a:t> erat, sed </a:t>
-            </a:r>
-            <a:r>
-              <a:rPr lang="de-DE" dirty="0" err="1"/>
-              <a:t>diam</a:t>
-            </a:r>
-            <a:r>
-              <a:rPr lang="de-DE" dirty="0"/>
-              <a:t> </a:t>
-            </a:r>
-            <a:r>
-              <a:rPr lang="de-DE" dirty="0" err="1"/>
-              <a:t>voluptua</a:t>
-            </a:r>
-            <a:r>
-              <a:rPr lang="de-DE" dirty="0"/>
-              <a:t>. </a:t>
-            </a:r>
-          </a:p>
-          <a:p>
-            <a:pPr lvl="1"/>
-            <a:r>
-              <a:rPr lang="de-DE" dirty="0"/>
-              <a:t>At </a:t>
-            </a:r>
-            <a:r>
-              <a:rPr lang="de-DE" dirty="0" err="1"/>
-              <a:t>vero</a:t>
-            </a:r>
-            <a:r>
-              <a:rPr lang="de-DE" dirty="0"/>
-              <a:t> </a:t>
-            </a:r>
-            <a:r>
-              <a:rPr lang="de-DE" dirty="0" err="1"/>
-              <a:t>eos</a:t>
-            </a:r>
-            <a:r>
-              <a:rPr lang="de-DE" dirty="0"/>
-              <a:t> et </a:t>
-            </a:r>
-            <a:r>
-              <a:rPr lang="de-DE" dirty="0" err="1"/>
-              <a:t>accusam</a:t>
-            </a:r>
-            <a:r>
-              <a:rPr lang="de-DE" dirty="0"/>
-              <a:t> et </a:t>
-            </a:r>
-            <a:r>
-              <a:rPr lang="de-DE" dirty="0" err="1"/>
-              <a:t>justo</a:t>
-            </a:r>
-            <a:r>
-              <a:rPr lang="de-DE" dirty="0"/>
-              <a:t> </a:t>
-            </a:r>
-            <a:r>
-              <a:rPr lang="de-DE" dirty="0" err="1"/>
-              <a:t>duo</a:t>
-            </a:r>
-            <a:r>
-              <a:rPr lang="de-DE" dirty="0"/>
-              <a:t> </a:t>
-            </a:r>
-            <a:r>
-              <a:rPr lang="de-DE" dirty="0" err="1"/>
-              <a:t>dolores</a:t>
-            </a:r>
-            <a:r>
-              <a:rPr lang="de-DE" dirty="0"/>
-              <a:t> et </a:t>
-            </a:r>
-            <a:r>
-              <a:rPr lang="de-DE" dirty="0" err="1"/>
-              <a:t>ea</a:t>
-            </a:r>
-            <a:r>
-              <a:rPr lang="de-DE" dirty="0"/>
-              <a:t> </a:t>
-            </a:r>
-            <a:r>
-              <a:rPr lang="de-DE" dirty="0" err="1"/>
-              <a:t>rebum</a:t>
-            </a:r>
-            <a:r>
-              <a:rPr lang="de-DE" dirty="0"/>
-              <a:t>. Stet </a:t>
-            </a:r>
-            <a:r>
-              <a:rPr lang="de-DE" dirty="0" err="1"/>
-              <a:t>clita</a:t>
-            </a:r>
-            <a:r>
-              <a:rPr lang="de-DE" dirty="0"/>
-              <a:t> </a:t>
-            </a:r>
-            <a:r>
-              <a:rPr lang="de-DE" dirty="0" err="1"/>
-              <a:t>kasd</a:t>
-            </a:r>
-            <a:r>
-              <a:rPr lang="de-DE" dirty="0"/>
-              <a:t> </a:t>
-            </a:r>
-            <a:r>
-              <a:rPr lang="de-DE" dirty="0" err="1"/>
-              <a:t>gubergren</a:t>
-            </a:r>
-            <a:r>
-              <a:rPr lang="de-DE" dirty="0"/>
-              <a:t>, </a:t>
-            </a:r>
-            <a:r>
-              <a:rPr lang="de-DE" dirty="0" err="1"/>
-              <a:t>no</a:t>
-            </a:r>
-            <a:r>
-              <a:rPr lang="de-DE" dirty="0"/>
-              <a:t> </a:t>
-            </a:r>
-            <a:r>
-              <a:rPr lang="de-DE" dirty="0" err="1"/>
-              <a:t>sea</a:t>
-            </a:r>
-            <a:r>
-              <a:rPr lang="de-DE" dirty="0"/>
-              <a:t> </a:t>
-            </a:r>
-            <a:r>
-              <a:rPr lang="de-DE" dirty="0" err="1"/>
-              <a:t>takimata</a:t>
-            </a:r>
-            <a:r>
-              <a:rPr lang="de-DE" dirty="0"/>
-              <a:t> sanctus </a:t>
-            </a:r>
-            <a:r>
-              <a:rPr lang="de-DE" dirty="0" err="1"/>
-              <a:t>est</a:t>
-            </a:r>
-            <a:r>
-              <a:rPr lang="de-DE" dirty="0"/>
-              <a:t> </a:t>
-            </a:r>
-            <a:r>
-              <a:rPr lang="de-DE" dirty="0" err="1"/>
-              <a:t>Lorem</a:t>
-            </a:r>
-            <a:r>
-              <a:rPr lang="de-DE" dirty="0"/>
-              <a:t> </a:t>
-            </a:r>
-            <a:r>
-              <a:rPr lang="de-DE" dirty="0" err="1"/>
-              <a:t>ipsum</a:t>
-            </a:r>
-            <a:r>
-              <a:rPr lang="de-DE" dirty="0"/>
-              <a:t> </a:t>
-            </a:r>
-            <a:r>
-              <a:rPr lang="de-DE" dirty="0" err="1"/>
-              <a:t>dolor</a:t>
-            </a:r>
-            <a:r>
-              <a:rPr lang="de-DE" dirty="0"/>
-              <a:t> </a:t>
-            </a:r>
-            <a:r>
-              <a:rPr lang="de-DE" dirty="0" err="1"/>
-              <a:t>sit</a:t>
-            </a:r>
-            <a:r>
-              <a:rPr lang="de-DE" dirty="0"/>
-              <a:t> </a:t>
-            </a:r>
-            <a:r>
-              <a:rPr lang="de-DE" dirty="0" err="1"/>
-              <a:t>amet</a:t>
-            </a:r>
-            <a:r>
-              <a:rPr lang="de-DE" dirty="0"/>
-              <a:t>. </a:t>
-            </a:r>
-          </a:p>
-          <a:p>
-            <a:r>
-              <a:rPr lang="de-DE" dirty="0"/>
-              <a:t>At </a:t>
-            </a:r>
-            <a:r>
-              <a:rPr lang="de-DE" dirty="0" err="1"/>
-              <a:t>vero</a:t>
-            </a:r>
-            <a:r>
-              <a:rPr lang="de-DE" dirty="0"/>
-              <a:t> </a:t>
-            </a:r>
-            <a:r>
-              <a:rPr lang="de-DE" dirty="0" err="1"/>
-              <a:t>eos</a:t>
-            </a:r>
-            <a:r>
-              <a:rPr lang="de-DE" dirty="0"/>
-              <a:t> et </a:t>
-            </a:r>
-            <a:r>
-              <a:rPr lang="de-DE" dirty="0" err="1"/>
-              <a:t>accusam</a:t>
-            </a:r>
-            <a:r>
-              <a:rPr lang="de-DE" dirty="0"/>
-              <a:t> et </a:t>
-            </a:r>
-            <a:r>
-              <a:rPr lang="de-DE" dirty="0" err="1"/>
-              <a:t>justo</a:t>
-            </a:r>
-            <a:r>
-              <a:rPr lang="de-DE" dirty="0"/>
-              <a:t> </a:t>
-            </a:r>
-            <a:r>
-              <a:rPr lang="de-DE" dirty="0" err="1"/>
-              <a:t>duo</a:t>
-            </a:r>
-            <a:r>
-              <a:rPr lang="de-DE" dirty="0"/>
-              <a:t> </a:t>
-            </a:r>
-            <a:r>
-              <a:rPr lang="de-DE" dirty="0" err="1"/>
-              <a:t>dolores</a:t>
-            </a:r>
-            <a:r>
-              <a:rPr lang="de-DE" dirty="0"/>
-              <a:t> et </a:t>
-            </a:r>
-            <a:r>
-              <a:rPr lang="de-DE" dirty="0" err="1"/>
-              <a:t>ea</a:t>
-            </a:r>
-            <a:r>
-              <a:rPr lang="de-DE" dirty="0"/>
-              <a:t> </a:t>
-            </a:r>
-            <a:r>
-              <a:rPr lang="de-DE" dirty="0" err="1"/>
-              <a:t>rebum</a:t>
-            </a:r>
-            <a:r>
-              <a:rPr lang="de-DE" dirty="0"/>
-              <a:t>. Stet </a:t>
-            </a:r>
-            <a:r>
-              <a:rPr lang="de-DE" dirty="0" err="1"/>
-              <a:t>clita</a:t>
-            </a:r>
-            <a:r>
-              <a:rPr lang="de-DE" dirty="0"/>
-              <a:t> </a:t>
-            </a:r>
-            <a:r>
-              <a:rPr lang="de-DE" dirty="0" err="1"/>
-              <a:t>kasd</a:t>
-            </a:r>
-            <a:r>
-              <a:rPr lang="de-DE" dirty="0"/>
-              <a:t> </a:t>
-            </a:r>
-            <a:r>
-              <a:rPr lang="de-DE" dirty="0" err="1"/>
-              <a:t>gubergren</a:t>
-            </a:r>
-            <a:r>
-              <a:rPr lang="de-DE" dirty="0"/>
-              <a:t>, </a:t>
-            </a:r>
-            <a:r>
-              <a:rPr lang="de-DE" dirty="0" err="1"/>
-              <a:t>no</a:t>
-            </a:r>
-            <a:r>
-              <a:rPr lang="de-DE" dirty="0"/>
-              <a:t> </a:t>
-            </a:r>
-            <a:r>
-              <a:rPr lang="de-DE" dirty="0" err="1"/>
-              <a:t>sea</a:t>
-            </a:r>
-            <a:r>
-              <a:rPr lang="de-DE" dirty="0"/>
-              <a:t> </a:t>
-            </a:r>
-            <a:r>
-              <a:rPr lang="de-DE" dirty="0" err="1"/>
-              <a:t>takimata</a:t>
-            </a:r>
-            <a:r>
-              <a:rPr lang="de-DE" dirty="0"/>
-              <a:t> sanctus </a:t>
-            </a:r>
-            <a:r>
-              <a:rPr lang="de-DE" dirty="0" err="1"/>
-              <a:t>est</a:t>
-            </a:r>
-            <a:r>
-              <a:rPr lang="de-DE" dirty="0"/>
-              <a:t> </a:t>
-            </a:r>
-            <a:r>
-              <a:rPr lang="de-DE" dirty="0" err="1"/>
-              <a:t>Lorem</a:t>
-            </a:r>
-            <a:r>
-              <a:rPr lang="de-DE" dirty="0"/>
-              <a:t> </a:t>
-            </a:r>
-            <a:r>
-              <a:rPr lang="de-DE" dirty="0" err="1"/>
-              <a:t>ipsum</a:t>
-            </a:r>
-            <a:r>
-              <a:rPr lang="de-DE" dirty="0"/>
-              <a:t> </a:t>
-            </a:r>
-            <a:r>
-              <a:rPr lang="de-DE" dirty="0" err="1"/>
-              <a:t>dolor</a:t>
-            </a:r>
-            <a:r>
-              <a:rPr lang="de-DE" dirty="0"/>
-              <a:t> </a:t>
-            </a:r>
-            <a:r>
-              <a:rPr lang="de-DE" dirty="0" err="1"/>
-              <a:t>sit</a:t>
-            </a:r>
-            <a:r>
-              <a:rPr lang="de-DE" dirty="0"/>
-              <a:t> </a:t>
-            </a:r>
-            <a:r>
-              <a:rPr lang="de-DE" dirty="0" err="1"/>
-              <a:t>amet</a:t>
-            </a:r>
-            <a:r>
-              <a:rPr lang="de-DE" dirty="0"/>
-              <a:t>.</a:t>
-            </a:r>
-          </a:p>
-        </p:txBody>
-      </p:sp>
-      <p:pic>
-        <p:nvPicPr>
-          <p:cNvPr id="8" name="Inhaltsplatzhalter 11"/>
-          <p:cNvPicPr>
-            <a:picLocks noGrp="1" noChangeAspect="1"/>
-          </p:cNvPicPr>
-          <p:nvPr>
-            <p:ph sz="quarter" idx="15"/>
-          </p:nvPr>
-        </p:nvPicPr>
-        <p:blipFill>
-          <a:blip r:embed="rId2" cstate="print">
+          <p:cNvPr id="10" name="Geschweifte Klammer rechts 9">
             <a:extLst>
-              <a:ext uri="{28A0092B-C50C-407E-A947-70E740481C1C}">
-                <a14:useLocalDpi xmlns:a14="http://schemas.microsoft.com/office/drawing/2010/main" val="0"/>
+              <a:ext uri="{FF2B5EF4-FFF2-40B4-BE49-F238E27FC236}">
+                <a16:creationId xmlns:a16="http://schemas.microsoft.com/office/drawing/2014/main" id="{1AD88B77-A147-1F4F-5553-5F3A2E3782E2}"/>
               </a:ext>
             </a:extLst>
-          </a:blip>
-          <a:stretch>
-            <a:fillRect/>
-          </a:stretch>
-        </p:blipFill>
+          </p:cNvPr>
+          <p:cNvSpPr/>
+          <p:nvPr/>
+        </p:nvSpPr>
         <p:spPr>
           <a:xfrm>
-            <a:off x="8112125" y="2261849"/>
-            <a:ext cx="3600450" cy="2983589"/>
+            <a:off x="5793401" y="1617784"/>
+            <a:ext cx="167784" cy="738553"/>
           </a:xfrm>
-        </p:spPr>
-      </p:pic>
-    </p:spTree>
-    <p:extLst>
-      <p:ext uri="{BB962C8B-B14F-4D97-AF65-F5344CB8AC3E}">
-        <p14:creationId xmlns:p14="http://schemas.microsoft.com/office/powerpoint/2010/main" val="4162983354"/>
-      </p:ext>
-    </p:extLst>
-  </p:cSld>
-  <p:clrMapOvr>
-    <a:masterClrMapping/>
-  </p:clrMapOvr>
-</p:sld>
-</file>
-
-<file path=ppt/slides/slide11.xml><?xml version="1.0" encoding="utf-8"?>
-<p:sld xmlns:a="http://schemas.openxmlformats.org/drawingml/2006/main" xmlns:r="http://schemas.openxmlformats.org/officeDocument/2006/relationships" xmlns:p="http://schemas.openxmlformats.org/presentationml/2006/main">
-  <p:cSld>
-    <p:spTree>
-      <p:nvGrpSpPr>
-        <p:cNvPr id="1" name=""/>
-        <p:cNvGrpSpPr/>
-        <p:nvPr/>
-      </p:nvGrpSpPr>
-      <p:grpSpPr>
-        <a:xfrm>
-          <a:off x="0" y="0"/>
-          <a:ext cx="0" cy="0"/>
-          <a:chOff x="0" y="0"/>
-          <a:chExt cx="0" cy="0"/>
-        </a:xfrm>
-      </p:grpSpPr>
-      <p:sp>
-        <p:nvSpPr>
-          <p:cNvPr id="2" name="Titel 1"/>
-          <p:cNvSpPr>
-            <a:spLocks noGrp="1"/>
-          </p:cNvSpPr>
-          <p:nvPr>
-            <p:ph type="title"/>
-          </p:nvPr>
-        </p:nvSpPr>
-        <p:spPr/>
-        <p:txBody>
-          <a:bodyPr/>
-          <a:lstStyle/>
-          <a:p>
-            <a:r>
-              <a:rPr lang="de-DE"/>
-              <a:t>Musterüberschrift für Bild und Text</a:t>
-            </a:r>
-          </a:p>
-        </p:txBody>
-      </p:sp>
-      <p:sp>
-        <p:nvSpPr>
-          <p:cNvPr id="3" name="Datumsplatzhalter 2"/>
-          <p:cNvSpPr>
-            <a:spLocks noGrp="1"/>
-          </p:cNvSpPr>
-          <p:nvPr>
-            <p:ph type="dt" sz="half" idx="10"/>
-          </p:nvPr>
-        </p:nvSpPr>
-        <p:spPr/>
-        <p:txBody>
-          <a:bodyPr/>
-          <a:lstStyle/>
-          <a:p>
-            <a:r>
-              <a:rPr lang="de-DE"/>
-              <a:t>20.05.2018</a:t>
-            </a:r>
-          </a:p>
-        </p:txBody>
-      </p:sp>
-      <p:sp>
-        <p:nvSpPr>
-          <p:cNvPr id="4" name="Fußzeilenplatzhalter 3"/>
-          <p:cNvSpPr>
-            <a:spLocks noGrp="1"/>
-          </p:cNvSpPr>
-          <p:nvPr>
-            <p:ph type="ftr" sz="quarter" idx="11"/>
-          </p:nvPr>
-        </p:nvSpPr>
-        <p:spPr/>
-        <p:txBody>
-          <a:bodyPr/>
-          <a:lstStyle/>
-          <a:p>
-            <a:r>
-              <a:rPr lang="de-DE"/>
-              <a:t>Titel; Referent/in</a:t>
-            </a:r>
-          </a:p>
-        </p:txBody>
-      </p:sp>
-      <p:sp>
-        <p:nvSpPr>
-          <p:cNvPr id="5" name="Foliennummernplatzhalter 4"/>
-          <p:cNvSpPr>
-            <a:spLocks noGrp="1"/>
-          </p:cNvSpPr>
-          <p:nvPr>
-            <p:ph type="sldNum" sz="quarter" idx="12"/>
-          </p:nvPr>
-        </p:nvSpPr>
-        <p:spPr/>
-        <p:txBody>
-          <a:bodyPr/>
-          <a:lstStyle/>
-          <a:p>
-            <a:fld id="{70C9534A-BDEF-4E2F-87B7-7CFE3C6EE2A5}" type="slidenum">
-              <a:rPr lang="de-DE" smtClean="0"/>
-              <a:pPr/>
-              <a:t>11</a:t>
-            </a:fld>
-            <a:endParaRPr lang="de-DE"/>
-          </a:p>
-        </p:txBody>
-      </p:sp>
-      <p:sp>
-        <p:nvSpPr>
-          <p:cNvPr id="6" name="Textplatzhalter 5"/>
-          <p:cNvSpPr>
-            <a:spLocks noGrp="1"/>
-          </p:cNvSpPr>
-          <p:nvPr>
-            <p:ph type="body" sz="quarter" idx="14"/>
-          </p:nvPr>
-        </p:nvSpPr>
-        <p:spPr/>
-        <p:txBody>
-          <a:bodyPr/>
-          <a:lstStyle/>
-          <a:p>
-            <a:r>
-              <a:rPr lang="de-DE"/>
-              <a:t>Lorem ipsum dolor sit amet, consetetur sadipscing elitr, sed diam nonumy eirmod tempor invidunt ut labore et dolore magna aliquyam erat, sed diam voluptua. </a:t>
-            </a:r>
-          </a:p>
-          <a:p>
-            <a:pPr lvl="1"/>
-            <a:r>
-              <a:rPr lang="de-DE"/>
-              <a:t>At vero eos et accusam et justo duo dolores et ea rebum. Stet clita kasd gubergren, no sea takimata sanctus est Lorem ipsum dolor sit amet. </a:t>
-            </a:r>
-          </a:p>
-          <a:p>
-            <a:pPr lvl="1"/>
-            <a:r>
-              <a:rPr lang="de-DE"/>
-              <a:t>Lorem ipsum dolor sit amet, consetetur sadipscing elitr, sed diam nonumy eirmod tempor invidunt ut labore et dolore magna aliquyam erat, sed diam voluptua. </a:t>
-            </a:r>
-          </a:p>
-          <a:p>
-            <a:pPr lvl="1"/>
-            <a:r>
-              <a:rPr lang="de-DE"/>
-              <a:t>At vero eos et accusam et justo duo dolores et ea rebum. Stet clita kasd gubergren, no sea takimata sanctus est Lorem ipsum dolor sit amet. </a:t>
-            </a:r>
-          </a:p>
-          <a:p>
-            <a:r>
-              <a:rPr lang="de-DE"/>
-              <a:t>At vero eos et accusam et justo duo dolores et ea rebum. Stet clita kasd gubergren, no sea takimata sanctus est Lorem ipsum dolor sit amet.</a:t>
-            </a:r>
-          </a:p>
-        </p:txBody>
-      </p:sp>
-      <p:pic>
-        <p:nvPicPr>
-          <p:cNvPr id="13" name="Inhaltsplatzhalter 12"/>
-          <p:cNvPicPr>
-            <a:picLocks noGrp="1" noChangeAspect="1"/>
-          </p:cNvPicPr>
-          <p:nvPr>
-            <p:ph sz="quarter" idx="15"/>
-          </p:nvPr>
-        </p:nvPicPr>
-        <p:blipFill>
-          <a:blip r:embed="rId2"/>
-          <a:stretch>
-            <a:fillRect/>
-          </a:stretch>
-        </p:blipFill>
-        <p:spPr>
-          <a:xfrm>
-            <a:off x="484188" y="2200150"/>
-            <a:ext cx="3600450" cy="3106987"/>
-          </a:xfrm>
-        </p:spPr>
-      </p:pic>
-    </p:spTree>
-    <p:extLst>
-      <p:ext uri="{BB962C8B-B14F-4D97-AF65-F5344CB8AC3E}">
-        <p14:creationId xmlns:p14="http://schemas.microsoft.com/office/powerpoint/2010/main" val="3177347219"/>
-      </p:ext>
-    </p:extLst>
-  </p:cSld>
-  <p:clrMapOvr>
-    <a:masterClrMapping/>
-  </p:clrMapOvr>
-</p:sld>
-</file>
-
-<file path=ppt/slides/slide12.xml><?xml version="1.0" encoding="utf-8"?>
-<p:sld xmlns:a="http://schemas.openxmlformats.org/drawingml/2006/main" xmlns:r="http://schemas.openxmlformats.org/officeDocument/2006/relationships" xmlns:p="http://schemas.openxmlformats.org/presentationml/2006/main">
-  <p:cSld>
-    <p:spTree>
-      <p:nvGrpSpPr>
-        <p:cNvPr id="1" name=""/>
-        <p:cNvGrpSpPr/>
-        <p:nvPr/>
-      </p:nvGrpSpPr>
-      <p:grpSpPr>
-        <a:xfrm>
-          <a:off x="0" y="0"/>
-          <a:ext cx="0" cy="0"/>
-          <a:chOff x="0" y="0"/>
-          <a:chExt cx="0" cy="0"/>
-        </a:xfrm>
-      </p:grpSpPr>
-      <p:sp>
-        <p:nvSpPr>
-          <p:cNvPr id="2" name="Titel 1"/>
-          <p:cNvSpPr>
-            <a:spLocks noGrp="1"/>
-          </p:cNvSpPr>
-          <p:nvPr>
-            <p:ph type="title"/>
-          </p:nvPr>
-        </p:nvSpPr>
-        <p:spPr/>
-        <p:txBody>
-          <a:bodyPr/>
-          <a:lstStyle/>
-          <a:p>
-            <a:r>
-              <a:rPr lang="de-DE"/>
-              <a:t>Frei positionierte Textobjekte</a:t>
-            </a:r>
-          </a:p>
-        </p:txBody>
-      </p:sp>
-      <p:sp>
-        <p:nvSpPr>
-          <p:cNvPr id="3" name="Datumsplatzhalter 2"/>
-          <p:cNvSpPr>
-            <a:spLocks noGrp="1"/>
-          </p:cNvSpPr>
-          <p:nvPr>
-            <p:ph type="dt" sz="half" idx="10"/>
-          </p:nvPr>
-        </p:nvSpPr>
-        <p:spPr/>
-        <p:txBody>
-          <a:bodyPr/>
-          <a:lstStyle/>
-          <a:p>
-            <a:r>
-              <a:rPr lang="de-DE"/>
-              <a:t>20.05.2018</a:t>
-            </a:r>
-          </a:p>
-        </p:txBody>
-      </p:sp>
-      <p:sp>
-        <p:nvSpPr>
-          <p:cNvPr id="4" name="Fußzeilenplatzhalter 3"/>
-          <p:cNvSpPr>
-            <a:spLocks noGrp="1"/>
-          </p:cNvSpPr>
-          <p:nvPr>
-            <p:ph type="ftr" sz="quarter" idx="11"/>
-          </p:nvPr>
-        </p:nvSpPr>
-        <p:spPr/>
-        <p:txBody>
-          <a:bodyPr/>
-          <a:lstStyle/>
-          <a:p>
-            <a:r>
-              <a:rPr lang="de-DE"/>
-              <a:t>Titel; Referent/in</a:t>
-            </a:r>
-          </a:p>
-        </p:txBody>
-      </p:sp>
-      <p:sp>
-        <p:nvSpPr>
-          <p:cNvPr id="5" name="Foliennummernplatzhalter 4"/>
-          <p:cNvSpPr>
-            <a:spLocks noGrp="1"/>
-          </p:cNvSpPr>
-          <p:nvPr>
-            <p:ph type="sldNum" sz="quarter" idx="12"/>
-          </p:nvPr>
-        </p:nvSpPr>
-        <p:spPr/>
-        <p:txBody>
-          <a:bodyPr/>
-          <a:lstStyle/>
-          <a:p>
-            <a:fld id="{70C9534A-BDEF-4E2F-87B7-7CFE3C6EE2A5}" type="slidenum">
-              <a:rPr lang="de-DE" smtClean="0"/>
-              <a:pPr/>
-              <a:t>12</a:t>
-            </a:fld>
-            <a:endParaRPr lang="de-DE"/>
-          </a:p>
-        </p:txBody>
-      </p:sp>
-      <p:sp>
-        <p:nvSpPr>
-          <p:cNvPr id="7" name="Textfeld 6"/>
-          <p:cNvSpPr txBox="1"/>
-          <p:nvPr/>
-        </p:nvSpPr>
-        <p:spPr>
-          <a:xfrm>
-            <a:off x="485275" y="1135835"/>
-            <a:ext cx="5414297" cy="923330"/>
-          </a:xfrm>
-          <a:prstGeom prst="rect">
-            <a:avLst/>
-          </a:prstGeom>
-          <a:noFill/>
-        </p:spPr>
-        <p:txBody>
-          <a:bodyPr wrap="square" rtlCol="0">
-            <a:spAutoFit/>
-          </a:bodyPr>
-          <a:lstStyle/>
-          <a:p>
-            <a:pPr marL="0" indent="0">
-              <a:buFontTx/>
-              <a:buNone/>
-            </a:pPr>
-            <a:r>
-              <a:rPr lang="de-DE" sz="1800"/>
-              <a:t>2000	Jahrtausendwechsel</a:t>
-            </a:r>
-          </a:p>
-          <a:p>
-            <a:pPr marL="0" indent="0">
-              <a:buFontTx/>
-              <a:buNone/>
-            </a:pPr>
-            <a:r>
-              <a:rPr lang="de-DE"/>
-              <a:t>2001	Ein Jahr danach</a:t>
-            </a:r>
-          </a:p>
-          <a:p>
-            <a:pPr marL="0" indent="0">
-              <a:buFontTx/>
-              <a:buNone/>
-            </a:pPr>
-            <a:r>
-              <a:rPr lang="de-DE" sz="1800"/>
-              <a:t>2002	Zwei Jahre danach</a:t>
-            </a:r>
-          </a:p>
-        </p:txBody>
-      </p:sp>
-      <p:sp>
-        <p:nvSpPr>
-          <p:cNvPr id="8" name="Textfeld 7"/>
-          <p:cNvSpPr txBox="1"/>
-          <p:nvPr/>
-        </p:nvSpPr>
-        <p:spPr>
-          <a:xfrm>
-            <a:off x="6096000" y="2720160"/>
-            <a:ext cx="5414297" cy="1477328"/>
-          </a:xfrm>
-          <a:prstGeom prst="rect">
-            <a:avLst/>
-          </a:prstGeom>
-          <a:solidFill>
-            <a:schemeClr val="bg1">
-              <a:lumMod val="95000"/>
-            </a:schemeClr>
-          </a:solidFill>
-        </p:spPr>
-        <p:txBody>
-          <a:bodyPr wrap="square" rtlCol="0">
-            <a:spAutoFit/>
-          </a:bodyPr>
-          <a:lstStyle/>
-          <a:p>
-            <a:pPr marL="0" indent="0">
-              <a:buFontTx/>
-              <a:buNone/>
-            </a:pPr>
-            <a:r>
-              <a:rPr lang="de-DE" sz="1800" b="1"/>
-              <a:t>Hinweis</a:t>
-            </a:r>
-            <a:r>
-              <a:rPr lang="de-DE" sz="1800"/>
-              <a:t>: Möchte man die Tabulatoren und keine automatische Nummerierung erhalten, dann muss die Funktionen in den Einstellungen von PowerPoint unter den AutoKorrektur-Optionen abgeschaltet werden.</a:t>
-            </a:r>
-          </a:p>
-        </p:txBody>
-      </p:sp>
-      <p:cxnSp>
-        <p:nvCxnSpPr>
-          <p:cNvPr id="9" name="Gerade Verbindung mit Pfeil 8"/>
-          <p:cNvCxnSpPr/>
-          <p:nvPr/>
-        </p:nvCxnSpPr>
-        <p:spPr>
-          <a:xfrm flipH="1" flipV="1">
-            <a:off x="3192424" y="2059165"/>
-            <a:ext cx="2903576" cy="1399659"/>
-          </a:xfrm>
-          <a:prstGeom prst="straightConnector1">
+          <a:prstGeom prst="rightBrace">
             <a:avLst/>
           </a:prstGeom>
           <a:ln>
-            <a:tailEnd type="triangle"/>
+            <a:solidFill>
+              <a:srgbClr val="000000"/>
+            </a:solidFill>
           </a:ln>
         </p:spPr>
         <p:style>
@@ -9236,842 +6196,31 @@
             <a:schemeClr val="tx1"/>
           </a:fontRef>
         </p:style>
-      </p:cxnSp>
-    </p:spTree>
-    <p:extLst>
-      <p:ext uri="{BB962C8B-B14F-4D97-AF65-F5344CB8AC3E}">
-        <p14:creationId xmlns:p14="http://schemas.microsoft.com/office/powerpoint/2010/main" val="1276180474"/>
-      </p:ext>
-    </p:extLst>
-  </p:cSld>
-  <p:clrMapOvr>
-    <a:masterClrMapping/>
-  </p:clrMapOvr>
-</p:sld>
-</file>
-
-<file path=ppt/slides/slide13.xml><?xml version="1.0" encoding="utf-8"?>
-<p:sld xmlns:a="http://schemas.openxmlformats.org/drawingml/2006/main" xmlns:r="http://schemas.openxmlformats.org/officeDocument/2006/relationships" xmlns:p="http://schemas.openxmlformats.org/presentationml/2006/main">
-  <p:cSld>
-    <p:spTree>
-      <p:nvGrpSpPr>
-        <p:cNvPr id="1" name=""/>
-        <p:cNvGrpSpPr/>
-        <p:nvPr/>
-      </p:nvGrpSpPr>
-      <p:grpSpPr>
-        <a:xfrm>
-          <a:off x="0" y="0"/>
-          <a:ext cx="0" cy="0"/>
-          <a:chOff x="0" y="0"/>
-          <a:chExt cx="0" cy="0"/>
-        </a:xfrm>
-      </p:grpSpPr>
-      <p:sp>
-        <p:nvSpPr>
-          <p:cNvPr id="2" name="Titel 1"/>
-          <p:cNvSpPr>
-            <a:spLocks noGrp="1"/>
-          </p:cNvSpPr>
-          <p:nvPr>
-            <p:ph type="title"/>
-          </p:nvPr>
-        </p:nvSpPr>
-        <p:spPr/>
-        <p:txBody>
-          <a:bodyPr/>
+        <p:txBody>
+          <a:bodyPr rtlCol="0" anchor="ctr"/>
           <a:lstStyle/>
           <a:p>
-            <a:r>
-              <a:rPr lang="de-DE"/>
-              <a:t>Muster für Tabellen</a:t>
-            </a:r>
-          </a:p>
-        </p:txBody>
-      </p:sp>
-      <p:sp>
-        <p:nvSpPr>
-          <p:cNvPr id="3" name="Datumsplatzhalter 2"/>
-          <p:cNvSpPr>
-            <a:spLocks noGrp="1"/>
-          </p:cNvSpPr>
-          <p:nvPr>
-            <p:ph type="dt" sz="half" idx="10"/>
-          </p:nvPr>
-        </p:nvSpPr>
-        <p:spPr/>
-        <p:txBody>
-          <a:bodyPr/>
-          <a:lstStyle/>
-          <a:p>
-            <a:r>
-              <a:rPr lang="de-DE"/>
-              <a:t>20.05.2018</a:t>
-            </a:r>
-          </a:p>
-        </p:txBody>
-      </p:sp>
-      <p:sp>
-        <p:nvSpPr>
-          <p:cNvPr id="4" name="Fußzeilenplatzhalter 3"/>
-          <p:cNvSpPr>
-            <a:spLocks noGrp="1"/>
-          </p:cNvSpPr>
-          <p:nvPr>
-            <p:ph type="ftr" sz="quarter" idx="11"/>
-          </p:nvPr>
-        </p:nvSpPr>
-        <p:spPr/>
-        <p:txBody>
-          <a:bodyPr/>
-          <a:lstStyle/>
-          <a:p>
-            <a:r>
-              <a:rPr lang="de-DE"/>
-              <a:t>Titel; Referent/in</a:t>
-            </a:r>
-          </a:p>
-        </p:txBody>
-      </p:sp>
-      <p:sp>
-        <p:nvSpPr>
-          <p:cNvPr id="5" name="Foliennummernplatzhalter 4"/>
-          <p:cNvSpPr>
-            <a:spLocks noGrp="1"/>
-          </p:cNvSpPr>
-          <p:nvPr>
-            <p:ph type="sldNum" sz="quarter" idx="12"/>
-          </p:nvPr>
-        </p:nvSpPr>
-        <p:spPr/>
-        <p:txBody>
-          <a:bodyPr/>
-          <a:lstStyle/>
-          <a:p>
-            <a:fld id="{70C9534A-BDEF-4E2F-87B7-7CFE3C6EE2A5}" type="slidenum">
-              <a:rPr lang="de-DE" smtClean="0"/>
-              <a:pPr/>
-              <a:t>13</a:t>
-            </a:fld>
-            <a:endParaRPr lang="de-DE"/>
-          </a:p>
-        </p:txBody>
-      </p:sp>
-      <p:graphicFrame>
-        <p:nvGraphicFramePr>
-          <p:cNvPr id="6" name="Inhaltsplatzhalter 9"/>
-          <p:cNvGraphicFramePr>
-            <a:graphicFrameLocks/>
-          </p:cNvGraphicFramePr>
-          <p:nvPr>
-            <p:extLst>
-              <p:ext uri="{D42A27DB-BD31-4B8C-83A1-F6EECF244321}">
-                <p14:modId xmlns:p14="http://schemas.microsoft.com/office/powerpoint/2010/main" val="221108304"/>
-              </p:ext>
-            </p:extLst>
-          </p:nvPr>
-        </p:nvGraphicFramePr>
-        <p:xfrm>
-          <a:off x="486862" y="1125538"/>
-          <a:ext cx="5610222" cy="2866816"/>
-        </p:xfrm>
-        <a:graphic>
-          <a:graphicData uri="http://schemas.openxmlformats.org/drawingml/2006/table">
-            <a:tbl>
-              <a:tblPr firstRow="1" lastRow="1" bandRow="1">
-                <a:tableStyleId>{5C22544A-7EE6-4342-B048-85BDC9FD1C3A}</a:tableStyleId>
-              </a:tblPr>
-              <a:tblGrid>
-                <a:gridCol w="1870074">
-                  <a:extLst>
-                    <a:ext uri="{9D8B030D-6E8A-4147-A177-3AD203B41FA5}">
-                      <a16:colId xmlns:a16="http://schemas.microsoft.com/office/drawing/2014/main" val="2031164491"/>
-                    </a:ext>
-                  </a:extLst>
-                </a:gridCol>
-                <a:gridCol w="1870074">
-                  <a:extLst>
-                    <a:ext uri="{9D8B030D-6E8A-4147-A177-3AD203B41FA5}">
-                      <a16:colId xmlns:a16="http://schemas.microsoft.com/office/drawing/2014/main" val="913655125"/>
-                    </a:ext>
-                  </a:extLst>
-                </a:gridCol>
-                <a:gridCol w="1870074">
-                  <a:extLst>
-                    <a:ext uri="{9D8B030D-6E8A-4147-A177-3AD203B41FA5}">
-                      <a16:colId xmlns:a16="http://schemas.microsoft.com/office/drawing/2014/main" val="543514827"/>
-                    </a:ext>
-                  </a:extLst>
-                </a:gridCol>
-              </a:tblGrid>
-              <a:tr h="358352">
-                <a:tc>
-                  <a:txBody>
-                    <a:bodyPr/>
-                    <a:lstStyle/>
-                    <a:p>
-                      <a:r>
-                        <a:rPr lang="de-DE" sz="1500">
-                          <a:latin typeface="+mj-lt"/>
-                        </a:rPr>
-                        <a:t>Spalte 1</a:t>
-                      </a:r>
-                    </a:p>
-                  </a:txBody>
-                  <a:tcPr marL="88360" marR="88360" marT="44181" marB="44181"/>
-                </a:tc>
-                <a:tc>
-                  <a:txBody>
-                    <a:bodyPr/>
-                    <a:lstStyle/>
-                    <a:p>
-                      <a:r>
-                        <a:rPr lang="de-DE" sz="1500">
-                          <a:latin typeface="+mj-lt"/>
-                        </a:rPr>
-                        <a:t>Spalte 2</a:t>
-                      </a:r>
-                    </a:p>
-                  </a:txBody>
-                  <a:tcPr marL="88360" marR="88360" marT="44181" marB="44181"/>
-                </a:tc>
-                <a:tc>
-                  <a:txBody>
-                    <a:bodyPr/>
-                    <a:lstStyle/>
-                    <a:p>
-                      <a:r>
-                        <a:rPr lang="de-DE" sz="1500">
-                          <a:latin typeface="+mj-lt"/>
-                        </a:rPr>
-                        <a:t>Spalte 3</a:t>
-                      </a:r>
-                    </a:p>
-                  </a:txBody>
-                  <a:tcPr marL="88360" marR="88360" marT="44181" marB="44181"/>
-                </a:tc>
-                <a:extLst>
-                  <a:ext uri="{0D108BD9-81ED-4DB2-BD59-A6C34878D82A}">
-                    <a16:rowId xmlns:a16="http://schemas.microsoft.com/office/drawing/2014/main" val="4029588914"/>
-                  </a:ext>
-                </a:extLst>
-              </a:tr>
-              <a:tr h="358352">
-                <a:tc>
-                  <a:txBody>
-                    <a:bodyPr/>
-                    <a:lstStyle/>
-                    <a:p>
-                      <a:r>
-                        <a:rPr lang="de-DE" sz="1500">
-                          <a:latin typeface="+mn-lt"/>
-                          <a:ea typeface="Arial" charset="0"/>
-                          <a:cs typeface="Arial" charset="0"/>
-                        </a:rPr>
-                        <a:t>Buchung 1</a:t>
-                      </a:r>
-                    </a:p>
-                  </a:txBody>
-                  <a:tcPr marL="88360" marR="88360" marT="44181" marB="44181"/>
-                </a:tc>
-                <a:tc>
-                  <a:txBody>
-                    <a:bodyPr/>
-                    <a:lstStyle/>
-                    <a:p>
-                      <a:r>
-                        <a:rPr lang="de-DE" sz="1500">
-                          <a:latin typeface="+mn-lt"/>
-                          <a:ea typeface="Arial" charset="0"/>
-                          <a:cs typeface="Arial" charset="0"/>
-                        </a:rPr>
-                        <a:t>1.000,00 EUR</a:t>
-                      </a:r>
-                    </a:p>
-                  </a:txBody>
-                  <a:tcPr marL="88360" marR="88360" marT="44181" marB="44181"/>
-                </a:tc>
-                <a:tc>
-                  <a:txBody>
-                    <a:bodyPr/>
-                    <a:lstStyle/>
-                    <a:p>
-                      <a:r>
-                        <a:rPr lang="de-DE" sz="1500">
-                          <a:latin typeface="+mn-lt"/>
-                          <a:ea typeface="Arial" charset="0"/>
-                          <a:cs typeface="Arial" charset="0"/>
-                        </a:rPr>
-                        <a:t>1.000,00 EUR</a:t>
-                      </a:r>
-                    </a:p>
-                  </a:txBody>
-                  <a:tcPr marL="88360" marR="88360" marT="44181" marB="44181"/>
-                </a:tc>
-                <a:extLst>
-                  <a:ext uri="{0D108BD9-81ED-4DB2-BD59-A6C34878D82A}">
-                    <a16:rowId xmlns:a16="http://schemas.microsoft.com/office/drawing/2014/main" val="2033799223"/>
-                  </a:ext>
-                </a:extLst>
-              </a:tr>
-              <a:tr h="358352">
-                <a:tc>
-                  <a:txBody>
-                    <a:bodyPr/>
-                    <a:lstStyle/>
-                    <a:p>
-                      <a:r>
-                        <a:rPr lang="de-DE" sz="1500">
-                          <a:latin typeface="+mn-lt"/>
-                          <a:ea typeface="Arial" charset="0"/>
-                          <a:cs typeface="Arial" charset="0"/>
-                        </a:rPr>
-                        <a:t>Buchung 2</a:t>
-                      </a:r>
-                    </a:p>
-                  </a:txBody>
-                  <a:tcPr marL="88360" marR="88360" marT="44181" marB="44181"/>
-                </a:tc>
-                <a:tc>
-                  <a:txBody>
-                    <a:bodyPr/>
-                    <a:lstStyle/>
-                    <a:p>
-                      <a:pPr marL="0" marR="0" indent="0" algn="l" defTabSz="685800" rtl="0" eaLnBrk="1" fontAlgn="auto" latinLnBrk="0" hangingPunct="1">
-                        <a:lnSpc>
-                          <a:spcPct val="100000"/>
-                        </a:lnSpc>
-                        <a:spcBef>
-                          <a:spcPts val="0"/>
-                        </a:spcBef>
-                        <a:spcAft>
-                          <a:spcPts val="0"/>
-                        </a:spcAft>
-                        <a:buClrTx/>
-                        <a:buSzTx/>
-                        <a:buFontTx/>
-                        <a:buNone/>
-                        <a:tabLst/>
-                        <a:defRPr/>
-                      </a:pPr>
-                      <a:r>
-                        <a:rPr lang="de-DE" sz="1500">
-                          <a:latin typeface="+mn-lt"/>
-                          <a:ea typeface="Arial" charset="0"/>
-                          <a:cs typeface="Arial" charset="0"/>
-                        </a:rPr>
-                        <a:t>1.000,00 EUR</a:t>
-                      </a:r>
-                    </a:p>
-                  </a:txBody>
-                  <a:tcPr marL="88360" marR="88360" marT="44181" marB="44181"/>
-                </a:tc>
-                <a:tc>
-                  <a:txBody>
-                    <a:bodyPr/>
-                    <a:lstStyle/>
-                    <a:p>
-                      <a:pPr marL="0" marR="0" indent="0" algn="l" defTabSz="685800" rtl="0" eaLnBrk="1" fontAlgn="auto" latinLnBrk="0" hangingPunct="1">
-                        <a:lnSpc>
-                          <a:spcPct val="100000"/>
-                        </a:lnSpc>
-                        <a:spcBef>
-                          <a:spcPts val="0"/>
-                        </a:spcBef>
-                        <a:spcAft>
-                          <a:spcPts val="0"/>
-                        </a:spcAft>
-                        <a:buClrTx/>
-                        <a:buSzTx/>
-                        <a:buFontTx/>
-                        <a:buNone/>
-                        <a:tabLst/>
-                        <a:defRPr/>
-                      </a:pPr>
-                      <a:r>
-                        <a:rPr lang="de-DE" sz="1500">
-                          <a:latin typeface="+mn-lt"/>
-                          <a:ea typeface="Arial" charset="0"/>
-                          <a:cs typeface="Arial" charset="0"/>
-                        </a:rPr>
-                        <a:t>1.000,00 EUR</a:t>
-                      </a:r>
-                    </a:p>
-                  </a:txBody>
-                  <a:tcPr marL="88360" marR="88360" marT="44181" marB="44181"/>
-                </a:tc>
-                <a:extLst>
-                  <a:ext uri="{0D108BD9-81ED-4DB2-BD59-A6C34878D82A}">
-                    <a16:rowId xmlns:a16="http://schemas.microsoft.com/office/drawing/2014/main" val="4163490041"/>
-                  </a:ext>
-                </a:extLst>
-              </a:tr>
-              <a:tr h="358352">
-                <a:tc>
-                  <a:txBody>
-                    <a:bodyPr/>
-                    <a:lstStyle/>
-                    <a:p>
-                      <a:r>
-                        <a:rPr lang="de-DE" sz="1500">
-                          <a:latin typeface="+mn-lt"/>
-                          <a:ea typeface="Arial" charset="0"/>
-                          <a:cs typeface="Arial" charset="0"/>
-                        </a:rPr>
-                        <a:t>Buchung 3</a:t>
-                      </a:r>
-                    </a:p>
-                  </a:txBody>
-                  <a:tcPr marL="88360" marR="88360" marT="44181" marB="44181"/>
-                </a:tc>
-                <a:tc>
-                  <a:txBody>
-                    <a:bodyPr/>
-                    <a:lstStyle/>
-                    <a:p>
-                      <a:pPr marL="0" marR="0" indent="0" algn="l" defTabSz="685800" rtl="0" eaLnBrk="1" fontAlgn="auto" latinLnBrk="0" hangingPunct="1">
-                        <a:lnSpc>
-                          <a:spcPct val="100000"/>
-                        </a:lnSpc>
-                        <a:spcBef>
-                          <a:spcPts val="0"/>
-                        </a:spcBef>
-                        <a:spcAft>
-                          <a:spcPts val="0"/>
-                        </a:spcAft>
-                        <a:buClrTx/>
-                        <a:buSzTx/>
-                        <a:buFontTx/>
-                        <a:buNone/>
-                        <a:tabLst/>
-                        <a:defRPr/>
-                      </a:pPr>
-                      <a:r>
-                        <a:rPr lang="de-DE" sz="1500">
-                          <a:latin typeface="+mn-lt"/>
-                          <a:ea typeface="Arial" charset="0"/>
-                          <a:cs typeface="Arial" charset="0"/>
-                        </a:rPr>
-                        <a:t>1.000,00 EUR</a:t>
-                      </a:r>
-                    </a:p>
-                  </a:txBody>
-                  <a:tcPr marL="88360" marR="88360" marT="44181" marB="44181"/>
-                </a:tc>
-                <a:tc>
-                  <a:txBody>
-                    <a:bodyPr/>
-                    <a:lstStyle/>
-                    <a:p>
-                      <a:pPr marL="0" marR="0" indent="0" algn="l" defTabSz="685800" rtl="0" eaLnBrk="1" fontAlgn="auto" latinLnBrk="0" hangingPunct="1">
-                        <a:lnSpc>
-                          <a:spcPct val="100000"/>
-                        </a:lnSpc>
-                        <a:spcBef>
-                          <a:spcPts val="0"/>
-                        </a:spcBef>
-                        <a:spcAft>
-                          <a:spcPts val="0"/>
-                        </a:spcAft>
-                        <a:buClrTx/>
-                        <a:buSzTx/>
-                        <a:buFontTx/>
-                        <a:buNone/>
-                        <a:tabLst/>
-                        <a:defRPr/>
-                      </a:pPr>
-                      <a:r>
-                        <a:rPr lang="de-DE" sz="1500">
-                          <a:latin typeface="+mn-lt"/>
-                          <a:ea typeface="Arial" charset="0"/>
-                          <a:cs typeface="Arial" charset="0"/>
-                        </a:rPr>
-                        <a:t>1.000,00 EUR</a:t>
-                      </a:r>
-                    </a:p>
-                  </a:txBody>
-                  <a:tcPr marL="88360" marR="88360" marT="44181" marB="44181"/>
-                </a:tc>
-                <a:extLst>
-                  <a:ext uri="{0D108BD9-81ED-4DB2-BD59-A6C34878D82A}">
-                    <a16:rowId xmlns:a16="http://schemas.microsoft.com/office/drawing/2014/main" val="1377662486"/>
-                  </a:ext>
-                </a:extLst>
-              </a:tr>
-              <a:tr h="358352">
-                <a:tc>
-                  <a:txBody>
-                    <a:bodyPr/>
-                    <a:lstStyle/>
-                    <a:p>
-                      <a:r>
-                        <a:rPr lang="de-DE" sz="1500">
-                          <a:latin typeface="+mn-lt"/>
-                          <a:ea typeface="Arial" charset="0"/>
-                          <a:cs typeface="Arial" charset="0"/>
-                        </a:rPr>
-                        <a:t>Buchung 4</a:t>
-                      </a:r>
-                    </a:p>
-                  </a:txBody>
-                  <a:tcPr marL="88360" marR="88360" marT="44181" marB="44181"/>
-                </a:tc>
-                <a:tc>
-                  <a:txBody>
-                    <a:bodyPr/>
-                    <a:lstStyle/>
-                    <a:p>
-                      <a:pPr marL="0" marR="0" indent="0" algn="l" defTabSz="685800" rtl="0" eaLnBrk="1" fontAlgn="auto" latinLnBrk="0" hangingPunct="1">
-                        <a:lnSpc>
-                          <a:spcPct val="100000"/>
-                        </a:lnSpc>
-                        <a:spcBef>
-                          <a:spcPts val="0"/>
-                        </a:spcBef>
-                        <a:spcAft>
-                          <a:spcPts val="0"/>
-                        </a:spcAft>
-                        <a:buClrTx/>
-                        <a:buSzTx/>
-                        <a:buFontTx/>
-                        <a:buNone/>
-                        <a:tabLst/>
-                        <a:defRPr/>
-                      </a:pPr>
-                      <a:r>
-                        <a:rPr lang="de-DE" sz="1500">
-                          <a:latin typeface="+mn-lt"/>
-                          <a:ea typeface="Arial" charset="0"/>
-                          <a:cs typeface="Arial" charset="0"/>
-                        </a:rPr>
-                        <a:t>1.000,00 EUR</a:t>
-                      </a:r>
-                    </a:p>
-                  </a:txBody>
-                  <a:tcPr marL="88360" marR="88360" marT="44181" marB="44181"/>
-                </a:tc>
-                <a:tc>
-                  <a:txBody>
-                    <a:bodyPr/>
-                    <a:lstStyle/>
-                    <a:p>
-                      <a:pPr marL="0" marR="0" indent="0" algn="l" defTabSz="685800" rtl="0" eaLnBrk="1" fontAlgn="auto" latinLnBrk="0" hangingPunct="1">
-                        <a:lnSpc>
-                          <a:spcPct val="100000"/>
-                        </a:lnSpc>
-                        <a:spcBef>
-                          <a:spcPts val="0"/>
-                        </a:spcBef>
-                        <a:spcAft>
-                          <a:spcPts val="0"/>
-                        </a:spcAft>
-                        <a:buClrTx/>
-                        <a:buSzTx/>
-                        <a:buFontTx/>
-                        <a:buNone/>
-                        <a:tabLst/>
-                        <a:defRPr/>
-                      </a:pPr>
-                      <a:r>
-                        <a:rPr lang="de-DE" sz="1500">
-                          <a:latin typeface="+mn-lt"/>
-                          <a:ea typeface="Arial" charset="0"/>
-                          <a:cs typeface="Arial" charset="0"/>
-                        </a:rPr>
-                        <a:t>1.000,00 EUR</a:t>
-                      </a:r>
-                    </a:p>
-                  </a:txBody>
-                  <a:tcPr marL="88360" marR="88360" marT="44181" marB="44181"/>
-                </a:tc>
-                <a:extLst>
-                  <a:ext uri="{0D108BD9-81ED-4DB2-BD59-A6C34878D82A}">
-                    <a16:rowId xmlns:a16="http://schemas.microsoft.com/office/drawing/2014/main" val="1603378953"/>
-                  </a:ext>
-                </a:extLst>
-              </a:tr>
-              <a:tr h="358352">
-                <a:tc>
-                  <a:txBody>
-                    <a:bodyPr/>
-                    <a:lstStyle/>
-                    <a:p>
-                      <a:r>
-                        <a:rPr lang="de-DE" sz="1500">
-                          <a:latin typeface="+mn-lt"/>
-                          <a:ea typeface="Arial" charset="0"/>
-                          <a:cs typeface="Arial" charset="0"/>
-                        </a:rPr>
-                        <a:t>Buchung 5</a:t>
-                      </a:r>
-                    </a:p>
-                  </a:txBody>
-                  <a:tcPr marL="88360" marR="88360" marT="44181" marB="44181"/>
-                </a:tc>
-                <a:tc>
-                  <a:txBody>
-                    <a:bodyPr/>
-                    <a:lstStyle/>
-                    <a:p>
-                      <a:pPr marL="0" marR="0" indent="0" algn="l" defTabSz="685800" rtl="0" eaLnBrk="1" fontAlgn="auto" latinLnBrk="0" hangingPunct="1">
-                        <a:lnSpc>
-                          <a:spcPct val="100000"/>
-                        </a:lnSpc>
-                        <a:spcBef>
-                          <a:spcPts val="0"/>
-                        </a:spcBef>
-                        <a:spcAft>
-                          <a:spcPts val="0"/>
-                        </a:spcAft>
-                        <a:buClrTx/>
-                        <a:buSzTx/>
-                        <a:buFontTx/>
-                        <a:buNone/>
-                        <a:tabLst/>
-                        <a:defRPr/>
-                      </a:pPr>
-                      <a:r>
-                        <a:rPr lang="de-DE" sz="1500">
-                          <a:latin typeface="+mn-lt"/>
-                          <a:ea typeface="Arial" charset="0"/>
-                          <a:cs typeface="Arial" charset="0"/>
-                        </a:rPr>
-                        <a:t>1.000,00 EUR</a:t>
-                      </a:r>
-                    </a:p>
-                  </a:txBody>
-                  <a:tcPr marL="88360" marR="88360" marT="44181" marB="44181"/>
-                </a:tc>
-                <a:tc>
-                  <a:txBody>
-                    <a:bodyPr/>
-                    <a:lstStyle/>
-                    <a:p>
-                      <a:pPr marL="0" marR="0" indent="0" algn="l" defTabSz="685800" rtl="0" eaLnBrk="1" fontAlgn="auto" latinLnBrk="0" hangingPunct="1">
-                        <a:lnSpc>
-                          <a:spcPct val="100000"/>
-                        </a:lnSpc>
-                        <a:spcBef>
-                          <a:spcPts val="0"/>
-                        </a:spcBef>
-                        <a:spcAft>
-                          <a:spcPts val="0"/>
-                        </a:spcAft>
-                        <a:buClrTx/>
-                        <a:buSzTx/>
-                        <a:buFontTx/>
-                        <a:buNone/>
-                        <a:tabLst/>
-                        <a:defRPr/>
-                      </a:pPr>
-                      <a:r>
-                        <a:rPr lang="de-DE" sz="1500">
-                          <a:latin typeface="+mn-lt"/>
-                          <a:ea typeface="Arial" charset="0"/>
-                          <a:cs typeface="Arial" charset="0"/>
-                        </a:rPr>
-                        <a:t>1.000,00 EUR</a:t>
-                      </a:r>
-                    </a:p>
-                  </a:txBody>
-                  <a:tcPr marL="88360" marR="88360" marT="44181" marB="44181"/>
-                </a:tc>
-                <a:extLst>
-                  <a:ext uri="{0D108BD9-81ED-4DB2-BD59-A6C34878D82A}">
-                    <a16:rowId xmlns:a16="http://schemas.microsoft.com/office/drawing/2014/main" val="3323963007"/>
-                  </a:ext>
-                </a:extLst>
-              </a:tr>
-              <a:tr h="358352">
-                <a:tc>
-                  <a:txBody>
-                    <a:bodyPr/>
-                    <a:lstStyle/>
-                    <a:p>
-                      <a:r>
-                        <a:rPr lang="de-DE" sz="1500">
-                          <a:latin typeface="+mn-lt"/>
-                          <a:ea typeface="Arial" charset="0"/>
-                          <a:cs typeface="Arial" charset="0"/>
-                        </a:rPr>
-                        <a:t>Buchung 6</a:t>
-                      </a:r>
-                    </a:p>
-                  </a:txBody>
-                  <a:tcPr marL="88360" marR="88360" marT="44181" marB="44181"/>
-                </a:tc>
-                <a:tc>
-                  <a:txBody>
-                    <a:bodyPr/>
-                    <a:lstStyle/>
-                    <a:p>
-                      <a:pPr marL="0" marR="0" indent="0" algn="l" defTabSz="685800" rtl="0" eaLnBrk="1" fontAlgn="auto" latinLnBrk="0" hangingPunct="1">
-                        <a:lnSpc>
-                          <a:spcPct val="100000"/>
-                        </a:lnSpc>
-                        <a:spcBef>
-                          <a:spcPts val="0"/>
-                        </a:spcBef>
-                        <a:spcAft>
-                          <a:spcPts val="0"/>
-                        </a:spcAft>
-                        <a:buClrTx/>
-                        <a:buSzTx/>
-                        <a:buFontTx/>
-                        <a:buNone/>
-                        <a:tabLst/>
-                        <a:defRPr/>
-                      </a:pPr>
-                      <a:r>
-                        <a:rPr lang="de-DE" sz="1500">
-                          <a:latin typeface="+mn-lt"/>
-                          <a:ea typeface="Arial" charset="0"/>
-                          <a:cs typeface="Arial" charset="0"/>
-                        </a:rPr>
-                        <a:t>1.000,00 EUR</a:t>
-                      </a:r>
-                    </a:p>
-                  </a:txBody>
-                  <a:tcPr marL="88360" marR="88360" marT="44181" marB="44181"/>
-                </a:tc>
-                <a:tc>
-                  <a:txBody>
-                    <a:bodyPr/>
-                    <a:lstStyle/>
-                    <a:p>
-                      <a:pPr marL="0" marR="0" indent="0" algn="l" defTabSz="685800" rtl="0" eaLnBrk="1" fontAlgn="auto" latinLnBrk="0" hangingPunct="1">
-                        <a:lnSpc>
-                          <a:spcPct val="100000"/>
-                        </a:lnSpc>
-                        <a:spcBef>
-                          <a:spcPts val="0"/>
-                        </a:spcBef>
-                        <a:spcAft>
-                          <a:spcPts val="0"/>
-                        </a:spcAft>
-                        <a:buClrTx/>
-                        <a:buSzTx/>
-                        <a:buFontTx/>
-                        <a:buNone/>
-                        <a:tabLst/>
-                        <a:defRPr/>
-                      </a:pPr>
-                      <a:r>
-                        <a:rPr lang="de-DE" sz="1500">
-                          <a:latin typeface="+mn-lt"/>
-                          <a:ea typeface="Arial" charset="0"/>
-                          <a:cs typeface="Arial" charset="0"/>
-                        </a:rPr>
-                        <a:t>1.000,00 EUR</a:t>
-                      </a:r>
-                    </a:p>
-                  </a:txBody>
-                  <a:tcPr marL="88360" marR="88360" marT="44181" marB="44181"/>
-                </a:tc>
-                <a:extLst>
-                  <a:ext uri="{0D108BD9-81ED-4DB2-BD59-A6C34878D82A}">
-                    <a16:rowId xmlns:a16="http://schemas.microsoft.com/office/drawing/2014/main" val="789594681"/>
-                  </a:ext>
-                </a:extLst>
-              </a:tr>
-              <a:tr h="358352">
-                <a:tc>
-                  <a:txBody>
-                    <a:bodyPr/>
-                    <a:lstStyle/>
-                    <a:p>
-                      <a:r>
-                        <a:rPr lang="de-DE" sz="1400" b="1">
-                          <a:latin typeface="+mn-lt"/>
-                          <a:ea typeface="Arial" charset="0"/>
-                          <a:cs typeface="Arial" charset="0"/>
-                        </a:rPr>
-                        <a:t>SUMME</a:t>
-                      </a:r>
-                    </a:p>
-                  </a:txBody>
-                  <a:tcPr marL="88360" marR="88360" marT="44181" marB="44181"/>
-                </a:tc>
-                <a:tc>
-                  <a:txBody>
-                    <a:bodyPr/>
-                    <a:lstStyle/>
-                    <a:p>
-                      <a:r>
-                        <a:rPr lang="de-DE" sz="1400" b="1">
-                          <a:latin typeface="+mn-lt"/>
-                          <a:ea typeface="Arial" charset="0"/>
-                          <a:cs typeface="Arial" charset="0"/>
-                        </a:rPr>
-                        <a:t>6.000,00</a:t>
-                      </a:r>
-                      <a:r>
-                        <a:rPr lang="de-DE" sz="1400" b="1" baseline="0">
-                          <a:latin typeface="+mn-lt"/>
-                          <a:ea typeface="Arial" charset="0"/>
-                          <a:cs typeface="Arial" charset="0"/>
-                        </a:rPr>
-                        <a:t> EUR</a:t>
-                      </a:r>
-                      <a:endParaRPr lang="de-DE" sz="1400" b="1">
-                        <a:latin typeface="+mn-lt"/>
-                        <a:ea typeface="Arial" charset="0"/>
-                        <a:cs typeface="Arial" charset="0"/>
-                      </a:endParaRPr>
-                    </a:p>
-                  </a:txBody>
-                  <a:tcPr marL="88360" marR="88360" marT="44181" marB="44181"/>
-                </a:tc>
-                <a:tc>
-                  <a:txBody>
-                    <a:bodyPr/>
-                    <a:lstStyle/>
-                    <a:p>
-                      <a:r>
-                        <a:rPr lang="de-DE" sz="1400" b="1">
-                          <a:latin typeface="+mn-lt"/>
-                          <a:ea typeface="Arial" charset="0"/>
-                          <a:cs typeface="Arial" charset="0"/>
-                        </a:rPr>
-                        <a:t>6.000,00</a:t>
-                      </a:r>
-                      <a:r>
-                        <a:rPr lang="de-DE" sz="1400" b="1" baseline="0">
-                          <a:latin typeface="+mn-lt"/>
-                          <a:ea typeface="Arial" charset="0"/>
-                          <a:cs typeface="Arial" charset="0"/>
-                        </a:rPr>
-                        <a:t> EUR</a:t>
-                      </a:r>
-                      <a:endParaRPr lang="de-DE" sz="1400" b="1">
-                        <a:latin typeface="+mn-lt"/>
-                        <a:ea typeface="Arial" charset="0"/>
-                        <a:cs typeface="Arial" charset="0"/>
-                      </a:endParaRPr>
-                    </a:p>
-                  </a:txBody>
-                  <a:tcPr marL="88360" marR="88360" marT="44181" marB="44181"/>
-                </a:tc>
-                <a:extLst>
-                  <a:ext uri="{0D108BD9-81ED-4DB2-BD59-A6C34878D82A}">
-                    <a16:rowId xmlns:a16="http://schemas.microsoft.com/office/drawing/2014/main" val="1099997984"/>
-                  </a:ext>
-                </a:extLst>
-              </a:tr>
-            </a:tbl>
-          </a:graphicData>
-        </a:graphic>
-      </p:graphicFrame>
-      <p:sp>
-        <p:nvSpPr>
-          <p:cNvPr id="7" name="Textfeld 6"/>
+            <a:pPr algn="ctr"/>
+            <a:endParaRPr lang="de-DE" dirty="0"/>
+          </a:p>
+        </p:txBody>
+      </p:sp>
+      <p:sp>
+        <p:nvSpPr>
+          <p:cNvPr id="11" name="Textfeld 10">
+            <a:extLst>
+              <a:ext uri="{FF2B5EF4-FFF2-40B4-BE49-F238E27FC236}">
+                <a16:creationId xmlns:a16="http://schemas.microsoft.com/office/drawing/2014/main" id="{2EB20C70-9258-7CE2-457C-3DBDF3EE462B}"/>
+              </a:ext>
+            </a:extLst>
+          </p:cNvPr>
           <p:cNvSpPr txBox="1"/>
           <p:nvPr/>
         </p:nvSpPr>
         <p:spPr>
           <a:xfrm>
-            <a:off x="6414922" y="1125538"/>
-            <a:ext cx="5297653" cy="1477328"/>
+            <a:off x="6096000" y="1802394"/>
+            <a:ext cx="4540091" cy="369332"/>
           </a:xfrm>
           <a:prstGeom prst="rect">
             <a:avLst/>
@@ -10084,9 +6233,17 @@
           </a:bodyPr>
           <a:lstStyle/>
           <a:p>
-            <a:r>
-              <a:rPr lang="de-DE" sz="1800"/>
-              <a:t>Die Breite der Tabelle geht bei der Erstellung über die gesamte Präsentationsfläche und kann bei Bedarf verkleinert werden. Die Textgröße passt sich nicht dynamisch an. Sie passt sich nur an, wenn die Tabelle diagonal verkleinert wird.</a:t>
+            <a:pPr marL="0" indent="0">
+              <a:buFontTx/>
+              <a:buNone/>
+            </a:pPr>
+            <a:r>
+              <a:rPr lang="de-DE" sz="1800" dirty="0">
+                <a:solidFill>
+                  <a:srgbClr val="000000"/>
+                </a:solidFill>
+              </a:rPr>
+              <a:t>Reguläre Rückkehr an den Strommarkt</a:t>
             </a:r>
           </a:p>
         </p:txBody>
@@ -10094,297 +6251,7 @@
     </p:spTree>
     <p:extLst>
       <p:ext uri="{BB962C8B-B14F-4D97-AF65-F5344CB8AC3E}">
-        <p14:creationId xmlns:p14="http://schemas.microsoft.com/office/powerpoint/2010/main" val="74002493"/>
-      </p:ext>
-    </p:extLst>
-  </p:cSld>
-  <p:clrMapOvr>
-    <a:masterClrMapping/>
-  </p:clrMapOvr>
-</p:sld>
-</file>
-
-<file path=ppt/slides/slide14.xml><?xml version="1.0" encoding="utf-8"?>
-<p:sld xmlns:a="http://schemas.openxmlformats.org/drawingml/2006/main" xmlns:r="http://schemas.openxmlformats.org/officeDocument/2006/relationships" xmlns:p="http://schemas.openxmlformats.org/presentationml/2006/main">
-  <p:cSld>
-    <p:spTree>
-      <p:nvGrpSpPr>
-        <p:cNvPr id="1" name=""/>
-        <p:cNvGrpSpPr/>
-        <p:nvPr/>
-      </p:nvGrpSpPr>
-      <p:grpSpPr>
-        <a:xfrm>
-          <a:off x="0" y="0"/>
-          <a:ext cx="0" cy="0"/>
-          <a:chOff x="0" y="0"/>
-          <a:chExt cx="0" cy="0"/>
-        </a:xfrm>
-      </p:grpSpPr>
-      <p:sp>
-        <p:nvSpPr>
-          <p:cNvPr id="2" name="Titel 1"/>
-          <p:cNvSpPr>
-            <a:spLocks noGrp="1"/>
-          </p:cNvSpPr>
-          <p:nvPr>
-            <p:ph type="title"/>
-          </p:nvPr>
-        </p:nvSpPr>
-        <p:spPr/>
-        <p:txBody>
-          <a:bodyPr/>
-          <a:lstStyle/>
-          <a:p>
-            <a:r>
-              <a:rPr lang="de-DE"/>
-              <a:t>Muster für Säulendiagramm</a:t>
-            </a:r>
-          </a:p>
-        </p:txBody>
-      </p:sp>
-      <p:sp>
-        <p:nvSpPr>
-          <p:cNvPr id="3" name="Datumsplatzhalter 2"/>
-          <p:cNvSpPr>
-            <a:spLocks noGrp="1"/>
-          </p:cNvSpPr>
-          <p:nvPr>
-            <p:ph type="dt" sz="half" idx="10"/>
-          </p:nvPr>
-        </p:nvSpPr>
-        <p:spPr/>
-        <p:txBody>
-          <a:bodyPr/>
-          <a:lstStyle/>
-          <a:p>
-            <a:r>
-              <a:rPr lang="de-DE"/>
-              <a:t>20.05.2018</a:t>
-            </a:r>
-          </a:p>
-        </p:txBody>
-      </p:sp>
-      <p:sp>
-        <p:nvSpPr>
-          <p:cNvPr id="4" name="Fußzeilenplatzhalter 3"/>
-          <p:cNvSpPr>
-            <a:spLocks noGrp="1"/>
-          </p:cNvSpPr>
-          <p:nvPr>
-            <p:ph type="ftr" sz="quarter" idx="11"/>
-          </p:nvPr>
-        </p:nvSpPr>
-        <p:spPr/>
-        <p:txBody>
-          <a:bodyPr/>
-          <a:lstStyle/>
-          <a:p>
-            <a:r>
-              <a:rPr lang="de-DE"/>
-              <a:t>Titel; Referent/in</a:t>
-            </a:r>
-          </a:p>
-        </p:txBody>
-      </p:sp>
-      <p:sp>
-        <p:nvSpPr>
-          <p:cNvPr id="5" name="Foliennummernplatzhalter 4"/>
-          <p:cNvSpPr>
-            <a:spLocks noGrp="1"/>
-          </p:cNvSpPr>
-          <p:nvPr>
-            <p:ph type="sldNum" sz="quarter" idx="12"/>
-          </p:nvPr>
-        </p:nvSpPr>
-        <p:spPr/>
-        <p:txBody>
-          <a:bodyPr/>
-          <a:lstStyle/>
-          <a:p>
-            <a:fld id="{70C9534A-BDEF-4E2F-87B7-7CFE3C6EE2A5}" type="slidenum">
-              <a:rPr lang="de-DE" smtClean="0"/>
-              <a:pPr/>
-              <a:t>14</a:t>
-            </a:fld>
-            <a:endParaRPr lang="de-DE"/>
-          </a:p>
-        </p:txBody>
-      </p:sp>
-      <p:graphicFrame>
-        <p:nvGraphicFramePr>
-          <p:cNvPr id="7" name="Diagrammplatzhalter 6"/>
-          <p:cNvGraphicFramePr>
-            <a:graphicFrameLocks noGrp="1"/>
-          </p:cNvGraphicFramePr>
-          <p:nvPr>
-            <p:ph type="chart" sz="quarter" idx="13"/>
-            <p:extLst>
-              <p:ext uri="{D42A27DB-BD31-4B8C-83A1-F6EECF244321}">
-                <p14:modId xmlns:p14="http://schemas.microsoft.com/office/powerpoint/2010/main" val="1202631428"/>
-              </p:ext>
-            </p:extLst>
-          </p:nvPr>
-        </p:nvGraphicFramePr>
-        <p:xfrm>
-          <a:off x="479425" y="1125538"/>
-          <a:ext cx="11233150" cy="5256212"/>
-        </p:xfrm>
-        <a:graphic>
-          <a:graphicData uri="http://schemas.openxmlformats.org/drawingml/2006/chart">
-            <c:chart xmlns:c="http://schemas.openxmlformats.org/drawingml/2006/chart" xmlns:r="http://schemas.openxmlformats.org/officeDocument/2006/relationships" r:id="rId2"/>
-          </a:graphicData>
-        </a:graphic>
-      </p:graphicFrame>
-    </p:spTree>
-    <p:extLst>
-      <p:ext uri="{BB962C8B-B14F-4D97-AF65-F5344CB8AC3E}">
-        <p14:creationId xmlns:p14="http://schemas.microsoft.com/office/powerpoint/2010/main" val="3335832959"/>
-      </p:ext>
-    </p:extLst>
-  </p:cSld>
-  <p:clrMapOvr>
-    <a:masterClrMapping/>
-  </p:clrMapOvr>
-</p:sld>
-</file>
-
-<file path=ppt/slides/slide15.xml><?xml version="1.0" encoding="utf-8"?>
-<p:sld xmlns:a="http://schemas.openxmlformats.org/drawingml/2006/main" xmlns:r="http://schemas.openxmlformats.org/officeDocument/2006/relationships" xmlns:p="http://schemas.openxmlformats.org/presentationml/2006/main">
-  <p:cSld>
-    <p:spTree>
-      <p:nvGrpSpPr>
-        <p:cNvPr id="1" name=""/>
-        <p:cNvGrpSpPr/>
-        <p:nvPr/>
-      </p:nvGrpSpPr>
-      <p:grpSpPr>
-        <a:xfrm>
-          <a:off x="0" y="0"/>
-          <a:ext cx="0" cy="0"/>
-          <a:chOff x="0" y="0"/>
-          <a:chExt cx="0" cy="0"/>
-        </a:xfrm>
-      </p:grpSpPr>
-      <p:sp>
-        <p:nvSpPr>
-          <p:cNvPr id="2" name="Titel 1"/>
-          <p:cNvSpPr>
-            <a:spLocks noGrp="1"/>
-          </p:cNvSpPr>
-          <p:nvPr>
-            <p:ph type="title"/>
-          </p:nvPr>
-        </p:nvSpPr>
-        <p:spPr/>
-        <p:txBody>
-          <a:bodyPr/>
-          <a:lstStyle/>
-          <a:p>
-            <a:r>
-              <a:rPr lang="de-DE"/>
-              <a:t>Muster für Kreisdiagramm</a:t>
-            </a:r>
-          </a:p>
-        </p:txBody>
-      </p:sp>
-      <p:sp>
-        <p:nvSpPr>
-          <p:cNvPr id="3" name="Datumsplatzhalter 2"/>
-          <p:cNvSpPr>
-            <a:spLocks noGrp="1"/>
-          </p:cNvSpPr>
-          <p:nvPr>
-            <p:ph type="dt" sz="half" idx="10"/>
-          </p:nvPr>
-        </p:nvSpPr>
-        <p:spPr/>
-        <p:txBody>
-          <a:bodyPr/>
-          <a:lstStyle/>
-          <a:p>
-            <a:r>
-              <a:rPr lang="de-DE"/>
-              <a:t>20.05.2018</a:t>
-            </a:r>
-          </a:p>
-        </p:txBody>
-      </p:sp>
-      <p:sp>
-        <p:nvSpPr>
-          <p:cNvPr id="4" name="Fußzeilenplatzhalter 3"/>
-          <p:cNvSpPr>
-            <a:spLocks noGrp="1"/>
-          </p:cNvSpPr>
-          <p:nvPr>
-            <p:ph type="ftr" sz="quarter" idx="11"/>
-          </p:nvPr>
-        </p:nvSpPr>
-        <p:spPr/>
-        <p:txBody>
-          <a:bodyPr/>
-          <a:lstStyle/>
-          <a:p>
-            <a:r>
-              <a:rPr lang="de-DE"/>
-              <a:t>Titel; Referent/in</a:t>
-            </a:r>
-          </a:p>
-        </p:txBody>
-      </p:sp>
-      <p:sp>
-        <p:nvSpPr>
-          <p:cNvPr id="5" name="Foliennummernplatzhalter 4"/>
-          <p:cNvSpPr>
-            <a:spLocks noGrp="1"/>
-          </p:cNvSpPr>
-          <p:nvPr>
-            <p:ph type="sldNum" sz="quarter" idx="12"/>
-          </p:nvPr>
-        </p:nvSpPr>
-        <p:spPr/>
-        <p:txBody>
-          <a:bodyPr/>
-          <a:lstStyle/>
-          <a:p>
-            <a:fld id="{70C9534A-BDEF-4E2F-87B7-7CFE3C6EE2A5}" type="slidenum">
-              <a:rPr lang="de-DE" smtClean="0"/>
-              <a:pPr/>
-              <a:t>15</a:t>
-            </a:fld>
-            <a:endParaRPr lang="de-DE"/>
-          </a:p>
-        </p:txBody>
-      </p:sp>
-      <p:graphicFrame>
-        <p:nvGraphicFramePr>
-          <p:cNvPr id="7" name="Diagrammplatzhalter 8"/>
-          <p:cNvGraphicFramePr>
-            <a:graphicFrameLocks noGrp="1"/>
-          </p:cNvGraphicFramePr>
-          <p:nvPr>
-            <p:ph type="chart" sz="quarter" idx="13"/>
-            <p:extLst>
-              <p:ext uri="{D42A27DB-BD31-4B8C-83A1-F6EECF244321}">
-                <p14:modId xmlns:p14="http://schemas.microsoft.com/office/powerpoint/2010/main" val="1945423819"/>
-              </p:ext>
-            </p:extLst>
-          </p:nvPr>
-        </p:nvGraphicFramePr>
-        <p:xfrm>
-          <a:off x="479425" y="1125538"/>
-          <a:ext cx="11233150" cy="5256212"/>
-        </p:xfrm>
-        <a:graphic>
-          <a:graphicData uri="http://schemas.openxmlformats.org/drawingml/2006/chart">
-            <c:chart xmlns:c="http://schemas.openxmlformats.org/drawingml/2006/chart" xmlns:r="http://schemas.openxmlformats.org/officeDocument/2006/relationships" r:id="rId2"/>
-          </a:graphicData>
-        </a:graphic>
-      </p:graphicFrame>
-    </p:spTree>
-    <p:extLst>
-      <p:ext uri="{BB962C8B-B14F-4D97-AF65-F5344CB8AC3E}">
-        <p14:creationId xmlns:p14="http://schemas.microsoft.com/office/powerpoint/2010/main" val="973325825"/>
+        <p14:creationId xmlns:p14="http://schemas.microsoft.com/office/powerpoint/2010/main" val="3625094333"/>
       </p:ext>
     </p:extLst>
   </p:cSld>
@@ -10891,7 +6758,7 @@
             <a:pPr lvl="1"/>
             <a:r>
               <a:rPr lang="de-DE" dirty="0"/>
-              <a:t>Drückt den Strompreis</a:t>
+              <a:t>Drücken den Strompreis</a:t>
             </a:r>
           </a:p>
           <a:p>
@@ -10909,7 +6776,7 @@
               <a:rPr lang="de-DE" dirty="0">
                 <a:sym typeface="Wingdings" panose="05000000000000000000" pitchFamily="2" charset="2"/>
               </a:rPr>
-              <a:t> Volatile Strompreise, unvorhersehbare Betriebsstunden für  konventionelle Kraftwerke, häufig unwirtschaftlich</a:t>
+              <a:t> Folge: Volatile Strompreise, unvorhersehbare Betriebsstunden für  konventionelle Kraftwerke, häufig unwirtschaftlich</a:t>
             </a:r>
             <a:endParaRPr lang="de-DE" dirty="0"/>
           </a:p>
@@ -11092,41 +6959,12 @@
           <a:chExt cx="0" cy="0"/>
         </a:xfrm>
       </p:grpSpPr>
-      <p:sp>
-        <p:nvSpPr>
-          <p:cNvPr id="2" name="Titel 1"/>
-          <p:cNvSpPr>
-            <a:spLocks noGrp="1"/>
-          </p:cNvSpPr>
-          <p:nvPr>
-            <p:ph type="title"/>
-          </p:nvPr>
-        </p:nvSpPr>
-        <p:spPr>
-          <a:xfrm>
-            <a:off x="479425" y="260350"/>
-            <a:ext cx="11235319" cy="720725"/>
-          </a:xfrm>
-        </p:spPr>
-        <p:txBody>
-          <a:bodyPr anchor="t">
-            <a:normAutofit/>
-          </a:bodyPr>
-          <a:lstStyle/>
-          <a:p>
-            <a:r>
-              <a:rPr lang="de-DE" dirty="0"/>
-              <a:t>Kraftwerksreserven zur Frequenzstabilisierung</a:t>
-            </a:r>
-          </a:p>
-        </p:txBody>
-      </p:sp>
       <p:pic>
         <p:nvPicPr>
-          <p:cNvPr id="8" name="Grafik 7">
+          <p:cNvPr id="10" name="Grafik 9">
             <a:extLst>
               <a:ext uri="{FF2B5EF4-FFF2-40B4-BE49-F238E27FC236}">
-                <a16:creationId xmlns:a16="http://schemas.microsoft.com/office/drawing/2014/main" id="{BD1D4AF8-8C60-5558-9605-CFD4CB1A4A4A}"/>
+                <a16:creationId xmlns:a16="http://schemas.microsoft.com/office/drawing/2014/main" id="{98C2638A-AD61-346F-7BF0-4812C13057E7}"/>
               </a:ext>
             </a:extLst>
           </p:cNvPr>
@@ -11143,15 +6981,73 @@
         </p:blipFill>
         <p:spPr>
           <a:xfrm>
-            <a:off x="930184" y="2304000"/>
-            <a:ext cx="10324531" cy="4104000"/>
+            <a:off x="3879500" y="3429000"/>
+            <a:ext cx="8022824" cy="2810221"/>
           </a:xfrm>
           <a:prstGeom prst="rect">
             <a:avLst/>
           </a:prstGeom>
-          <a:noFill/>
         </p:spPr>
       </p:pic>
+      <p:pic>
+        <p:nvPicPr>
+          <p:cNvPr id="7" name="Grafik 6">
+            <a:extLst>
+              <a:ext uri="{FF2B5EF4-FFF2-40B4-BE49-F238E27FC236}">
+                <a16:creationId xmlns:a16="http://schemas.microsoft.com/office/drawing/2014/main" id="{316BDE89-C09E-1655-95FE-C462218183C4}"/>
+              </a:ext>
+            </a:extLst>
+          </p:cNvPr>
+          <p:cNvPicPr>
+            <a:picLocks noChangeAspect="1"/>
+          </p:cNvPicPr>
+          <p:nvPr/>
+        </p:nvPicPr>
+        <p:blipFill>
+          <a:blip r:embed="rId3"/>
+          <a:stretch>
+            <a:fillRect/>
+          </a:stretch>
+        </p:blipFill>
+        <p:spPr>
+          <a:xfrm>
+            <a:off x="8512142" y="914399"/>
+            <a:ext cx="3238721" cy="2846968"/>
+          </a:xfrm>
+          <a:prstGeom prst="rect">
+            <a:avLst/>
+          </a:prstGeom>
+        </p:spPr>
+      </p:pic>
+      <p:sp>
+        <p:nvSpPr>
+          <p:cNvPr id="2" name="Titel 1"/>
+          <p:cNvSpPr>
+            <a:spLocks noGrp="1"/>
+          </p:cNvSpPr>
+          <p:nvPr>
+            <p:ph type="title"/>
+          </p:nvPr>
+        </p:nvSpPr>
+        <p:spPr>
+          <a:xfrm>
+            <a:off x="479425" y="260350"/>
+            <a:ext cx="11235319" cy="720725"/>
+          </a:xfrm>
+        </p:spPr>
+        <p:txBody>
+          <a:bodyPr anchor="t">
+            <a:normAutofit/>
+          </a:bodyPr>
+          <a:lstStyle/>
+          <a:p>
+            <a:r>
+              <a:rPr lang="de-DE" dirty="0"/>
+              <a:t>Kraftwerksreserven zur Frequenzstabilisierung</a:t>
+            </a:r>
+          </a:p>
+        </p:txBody>
+      </p:sp>
       <p:sp>
         <p:nvSpPr>
           <p:cNvPr id="4" name="Datumsplatzhalter 3"/>
@@ -11279,7 +7175,7 @@
         <p:spPr>
           <a:xfrm>
             <a:off x="479425" y="1134000"/>
-            <a:ext cx="11233150" cy="1095375"/>
+            <a:ext cx="8112484" cy="5105221"/>
           </a:xfrm>
         </p:spPr>
         <p:txBody>
@@ -11288,7 +7184,15 @@
           <a:p>
             <a:r>
               <a:rPr lang="en-US" dirty="0" err="1"/>
-              <a:t>Zeitliche</a:t>
+              <a:t>Werden</a:t>
+            </a:r>
+            <a:r>
+              <a:rPr lang="en-US" dirty="0"/>
+              <a:t> am </a:t>
+            </a:r>
+            <a:r>
+              <a:rPr lang="en-US" dirty="0" err="1"/>
+              <a:t>Regelenergiemarkt</a:t>
             </a:r>
             <a:r>
               <a:rPr lang="en-US" dirty="0"/>
@@ -11296,23 +7200,57 @@
             </a:r>
             <a:r>
               <a:rPr lang="en-US" dirty="0" err="1"/>
-              <a:t>Abfolge</a:t>
+              <a:t>gehandelt</a:t>
+            </a:r>
+            <a:endParaRPr lang="en-US" dirty="0"/>
+          </a:p>
+          <a:p>
+            <a:r>
+              <a:rPr lang="en-US" dirty="0" err="1"/>
+              <a:t>Regelleistung</a:t>
             </a:r>
             <a:r>
               <a:rPr lang="en-US" dirty="0"/>
-              <a:t> der </a:t>
+              <a:t>: 	</a:t>
             </a:r>
             <a:r>
               <a:rPr lang="en-US" dirty="0" err="1"/>
-              <a:t>Systemdienstleistungen</a:t>
+              <a:t>Reservierung</a:t>
+            </a:r>
+            <a:r>
+              <a:rPr lang="en-US" dirty="0"/>
+              <a:t> von </a:t>
+            </a:r>
+            <a:r>
+              <a:rPr lang="en-US" dirty="0" err="1"/>
+              <a:t>Kraftwerksleistung</a:t>
             </a:r>
             <a:r>
               <a:rPr lang="en-US" dirty="0"/>
               <a:t> </a:t>
             </a:r>
+          </a:p>
+          <a:p>
+            <a:pPr marL="0" indent="0">
+              <a:buNone/>
+            </a:pPr>
+            <a:r>
+              <a:rPr lang="en-US" dirty="0">
+                <a:sym typeface="Wingdings" panose="05000000000000000000" pitchFamily="2" charset="2"/>
+              </a:rPr>
+              <a:t>       </a:t>
+            </a:r>
             <a:r>
               <a:rPr lang="en-US" dirty="0" err="1"/>
-              <a:t>zur</a:t>
+              <a:t>Vergütung</a:t>
+            </a:r>
+            <a:r>
+              <a:rPr lang="en-US" dirty="0"/>
+              <a:t> von </a:t>
+            </a:r>
+            <a:r>
+              <a:rPr lang="en-US" dirty="0" err="1"/>
+              <a:t>vorgehaltener</a:t>
             </a:r>
             <a:r>
               <a:rPr lang="en-US" dirty="0"/>
@@ -11320,11 +7258,296 @@
             </a:r>
             <a:r>
               <a:rPr lang="en-US" dirty="0" err="1"/>
-              <a:t>Frequenzstabilisierung</a:t>
-            </a:r>
+              <a:t>Leistung</a:t>
+            </a:r>
+            <a:r>
+              <a:rPr lang="en-US" dirty="0"/>
+              <a:t> (</a:t>
+            </a:r>
+            <a:r>
+              <a:rPr lang="en-US" dirty="0" err="1"/>
+              <a:t>Leistungspreis</a:t>
+            </a:r>
+            <a:r>
+              <a:rPr lang="en-US" dirty="0"/>
+              <a:t>) </a:t>
+            </a:r>
+          </a:p>
+          <a:p>
+            <a:r>
+              <a:rPr lang="en-US" dirty="0" err="1"/>
+              <a:t>Regelarbeit</a:t>
+            </a:r>
+            <a:r>
+              <a:rPr lang="en-US" dirty="0"/>
+              <a:t>: </a:t>
+            </a:r>
+            <a:r>
+              <a:rPr lang="en-US" dirty="0" err="1"/>
+              <a:t>Ausgleich</a:t>
+            </a:r>
+            <a:r>
+              <a:rPr lang="en-US" dirty="0"/>
+              <a:t> von </a:t>
+            </a:r>
+            <a:r>
+              <a:rPr lang="en-US" dirty="0" err="1"/>
+              <a:t>Regelzonenungleichgewichten</a:t>
+            </a:r>
+            <a:r>
+              <a:rPr lang="en-US" dirty="0"/>
+              <a:t> </a:t>
+            </a:r>
+          </a:p>
+          <a:p>
+            <a:pPr marL="0" indent="0">
+              <a:buNone/>
+            </a:pPr>
+            <a:r>
+              <a:rPr lang="en-US" dirty="0">
+                <a:sym typeface="Wingdings" panose="05000000000000000000" pitchFamily="2" charset="2"/>
+              </a:rPr>
+              <a:t>       </a:t>
+            </a:r>
+            <a:r>
+              <a:rPr lang="en-US" dirty="0" err="1"/>
+              <a:t>Vergütung</a:t>
+            </a:r>
+            <a:r>
+              <a:rPr lang="en-US" dirty="0"/>
+              <a:t> von </a:t>
+            </a:r>
+            <a:r>
+              <a:rPr lang="en-US" dirty="0" err="1"/>
+              <a:t>tatsächlich</a:t>
+            </a:r>
+            <a:r>
+              <a:rPr lang="en-US" dirty="0"/>
+              <a:t> </a:t>
+            </a:r>
+            <a:r>
+              <a:rPr lang="en-US" dirty="0" err="1"/>
+              <a:t>erbrachter</a:t>
+            </a:r>
+            <a:r>
+              <a:rPr lang="en-US" dirty="0"/>
+              <a:t> Arbeit in MWh (</a:t>
+            </a:r>
+            <a:r>
+              <a:rPr lang="en-US" dirty="0" err="1"/>
+              <a:t>Arbeitspreis</a:t>
+            </a:r>
+            <a:r>
+              <a:rPr lang="en-US" dirty="0"/>
+              <a:t>)</a:t>
+            </a:r>
+          </a:p>
+          <a:p>
+            <a:pPr marL="0" indent="0">
+              <a:buNone/>
+            </a:pPr>
+            <a:r>
+              <a:rPr lang="en-US" dirty="0"/>
+              <a:t>      </a:t>
+            </a:r>
+            <a:r>
+              <a:rPr lang="en-US" dirty="0">
+                <a:sym typeface="Wingdings" panose="05000000000000000000" pitchFamily="2" charset="2"/>
+              </a:rPr>
+              <a:t> </a:t>
+            </a:r>
+            <a:r>
+              <a:rPr lang="en-US" dirty="0" err="1">
+                <a:sym typeface="Wingdings" panose="05000000000000000000" pitchFamily="2" charset="2"/>
+              </a:rPr>
+              <a:t>Möglich</a:t>
+            </a:r>
+            <a:r>
+              <a:rPr lang="en-US" dirty="0">
+                <a:sym typeface="Wingdings" panose="05000000000000000000" pitchFamily="2" charset="2"/>
+              </a:rPr>
+              <a:t> </a:t>
+            </a:r>
+            <a:r>
+              <a:rPr lang="en-US" dirty="0" err="1">
+                <a:sym typeface="Wingdings" panose="05000000000000000000" pitchFamily="2" charset="2"/>
+              </a:rPr>
+              <a:t>ist</a:t>
+            </a:r>
+            <a:r>
+              <a:rPr lang="en-US" dirty="0">
+                <a:sym typeface="Wingdings" panose="05000000000000000000" pitchFamily="2" charset="2"/>
+              </a:rPr>
+              <a:t> positive </a:t>
+            </a:r>
+            <a:r>
+              <a:rPr lang="en-US" dirty="0" err="1">
+                <a:sym typeface="Wingdings" panose="05000000000000000000" pitchFamily="2" charset="2"/>
+              </a:rPr>
+              <a:t>als</a:t>
+            </a:r>
+            <a:r>
+              <a:rPr lang="en-US" dirty="0">
+                <a:sym typeface="Wingdings" panose="05000000000000000000" pitchFamily="2" charset="2"/>
+              </a:rPr>
+              <a:t> </a:t>
+            </a:r>
+            <a:r>
+              <a:rPr lang="en-US" dirty="0" err="1">
+                <a:sym typeface="Wingdings" panose="05000000000000000000" pitchFamily="2" charset="2"/>
+              </a:rPr>
+              <a:t>auch</a:t>
+            </a:r>
+            <a:r>
+              <a:rPr lang="en-US" dirty="0">
+                <a:sym typeface="Wingdings" panose="05000000000000000000" pitchFamily="2" charset="2"/>
+              </a:rPr>
+              <a:t> negative </a:t>
+            </a:r>
+            <a:r>
+              <a:rPr lang="en-US" dirty="0" err="1">
+                <a:sym typeface="Wingdings" panose="05000000000000000000" pitchFamily="2" charset="2"/>
+              </a:rPr>
+              <a:t>Regelarbeit</a:t>
+            </a:r>
+            <a:endParaRPr lang="en-US" dirty="0">
+              <a:sym typeface="Wingdings" panose="05000000000000000000" pitchFamily="2" charset="2"/>
+            </a:endParaRPr>
+          </a:p>
+          <a:p>
+            <a:r>
+              <a:rPr lang="en-US" dirty="0" err="1">
+                <a:sym typeface="Wingdings" panose="05000000000000000000" pitchFamily="2" charset="2"/>
+              </a:rPr>
+              <a:t>Frequenz</a:t>
+            </a:r>
+            <a:r>
+              <a:rPr lang="en-US" dirty="0">
+                <a:sym typeface="Wingdings" panose="05000000000000000000" pitchFamily="2" charset="2"/>
+              </a:rPr>
+              <a:t> &lt; 50 Hz </a:t>
+            </a:r>
+          </a:p>
+          <a:p>
+            <a:pPr marL="0" indent="0">
+              <a:buNone/>
+            </a:pPr>
+            <a:r>
+              <a:rPr lang="en-US" dirty="0">
+                <a:sym typeface="Wingdings" panose="05000000000000000000" pitchFamily="2" charset="2"/>
+              </a:rPr>
+              <a:t>       Zu </a:t>
+            </a:r>
+            <a:r>
+              <a:rPr lang="en-US" dirty="0" err="1">
+                <a:sym typeface="Wingdings" panose="05000000000000000000" pitchFamily="2" charset="2"/>
+              </a:rPr>
+              <a:t>wenig</a:t>
+            </a:r>
+            <a:r>
+              <a:rPr lang="en-US" dirty="0">
+                <a:sym typeface="Wingdings" panose="05000000000000000000" pitchFamily="2" charset="2"/>
+              </a:rPr>
+              <a:t> Strom </a:t>
+            </a:r>
+            <a:r>
+              <a:rPr lang="en-US" dirty="0" err="1">
+                <a:sym typeface="Wingdings" panose="05000000000000000000" pitchFamily="2" charset="2"/>
+              </a:rPr>
+              <a:t>im</a:t>
+            </a:r>
+            <a:r>
+              <a:rPr lang="en-US" dirty="0">
+                <a:sym typeface="Wingdings" panose="05000000000000000000" pitchFamily="2" charset="2"/>
+              </a:rPr>
+              <a:t> </a:t>
+            </a:r>
+            <a:r>
+              <a:rPr lang="en-US" dirty="0" err="1">
+                <a:sym typeface="Wingdings" panose="05000000000000000000" pitchFamily="2" charset="2"/>
+              </a:rPr>
+              <a:t>Netz</a:t>
+            </a:r>
+            <a:endParaRPr lang="en-US" dirty="0">
+              <a:sym typeface="Wingdings" panose="05000000000000000000" pitchFamily="2" charset="2"/>
+            </a:endParaRPr>
+          </a:p>
+          <a:p>
+            <a:r>
+              <a:rPr lang="en-US" dirty="0" err="1">
+                <a:sym typeface="Wingdings" panose="05000000000000000000" pitchFamily="2" charset="2"/>
+              </a:rPr>
+              <a:t>Frequenz</a:t>
+            </a:r>
+            <a:r>
+              <a:rPr lang="en-US" dirty="0">
+                <a:sym typeface="Wingdings" panose="05000000000000000000" pitchFamily="2" charset="2"/>
+              </a:rPr>
+              <a:t> &gt; 50 Hz </a:t>
+            </a:r>
+          </a:p>
+          <a:p>
+            <a:pPr marL="0" indent="0">
+              <a:buNone/>
+            </a:pPr>
+            <a:r>
+              <a:rPr lang="en-US" dirty="0">
+                <a:sym typeface="Wingdings" panose="05000000000000000000" pitchFamily="2" charset="2"/>
+              </a:rPr>
+              <a:t>       Zu </a:t>
+            </a:r>
+            <a:r>
+              <a:rPr lang="en-US" dirty="0" err="1">
+                <a:sym typeface="Wingdings" panose="05000000000000000000" pitchFamily="2" charset="2"/>
+              </a:rPr>
+              <a:t>viel</a:t>
+            </a:r>
+            <a:r>
+              <a:rPr lang="en-US" dirty="0">
+                <a:sym typeface="Wingdings" panose="05000000000000000000" pitchFamily="2" charset="2"/>
+              </a:rPr>
+              <a:t> Strom </a:t>
+            </a:r>
+            <a:r>
+              <a:rPr lang="en-US" dirty="0" err="1">
+                <a:sym typeface="Wingdings" panose="05000000000000000000" pitchFamily="2" charset="2"/>
+              </a:rPr>
+              <a:t>im</a:t>
+            </a:r>
+            <a:r>
+              <a:rPr lang="en-US" dirty="0">
+                <a:sym typeface="Wingdings" panose="05000000000000000000" pitchFamily="2" charset="2"/>
+              </a:rPr>
+              <a:t> </a:t>
+            </a:r>
+            <a:r>
+              <a:rPr lang="en-US" dirty="0" err="1">
+                <a:sym typeface="Wingdings" panose="05000000000000000000" pitchFamily="2" charset="2"/>
+              </a:rPr>
+              <a:t>Netz</a:t>
+            </a:r>
+            <a:endParaRPr lang="en-US" dirty="0">
+              <a:sym typeface="Wingdings" panose="05000000000000000000" pitchFamily="2" charset="2"/>
+            </a:endParaRPr>
+          </a:p>
+          <a:p>
+            <a:pPr marL="0" indent="0">
+              <a:buNone/>
+            </a:pPr>
+            <a:endParaRPr lang="en-US" dirty="0">
+              <a:sym typeface="Wingdings" panose="05000000000000000000" pitchFamily="2" charset="2"/>
+            </a:endParaRPr>
+          </a:p>
+          <a:p>
+            <a:pPr marL="0" indent="0">
+              <a:buNone/>
+            </a:pPr>
             <a:endParaRPr lang="en-US" dirty="0"/>
           </a:p>
           <a:p>
+            <a:pPr marL="0" indent="0">
+              <a:buNone/>
+            </a:pPr>
             <a:endParaRPr lang="en-US" dirty="0"/>
           </a:p>
           <a:p>
@@ -11370,12 +7593,12 @@
       </p:grpSpPr>
       <p:sp>
         <p:nvSpPr>
-          <p:cNvPr id="2" name="Titel 1"/>
-          <p:cNvSpPr>
-            <a:spLocks noGrp="1"/>
-          </p:cNvSpPr>
-          <p:nvPr>
-            <p:ph type="title"/>
+          <p:cNvPr id="3" name="Inhaltsplatzhalter 2"/>
+          <p:cNvSpPr>
+            <a:spLocks noGrp="1"/>
+          </p:cNvSpPr>
+          <p:nvPr>
+            <p:ph idx="1"/>
           </p:nvPr>
         </p:nvSpPr>
         <p:spPr/>
@@ -11385,7 +7608,97 @@
           <a:p>
             <a:r>
               <a:rPr lang="de-DE" dirty="0"/>
-              <a:t>Kraftwerksreserven zur Reserveleistungsvorhaltung</a:t>
+              <a:t>Rotierende Schwungmassen aus z. B. Generatoren</a:t>
+            </a:r>
+          </a:p>
+          <a:p>
+            <a:r>
+              <a:rPr lang="de-DE" dirty="0"/>
+              <a:t>Wirken intrinsisch auf die Netzfrequenz</a:t>
+            </a:r>
+          </a:p>
+          <a:p>
+            <a:r>
+              <a:rPr lang="de-DE" dirty="0"/>
+              <a:t>Bei Frequenzabfall langsamere Rotation</a:t>
+            </a:r>
+          </a:p>
+          <a:p>
+            <a:r>
+              <a:rPr lang="de-DE" dirty="0"/>
+              <a:t>Bei Frequenzanstieg schnellere Rotation</a:t>
+            </a:r>
+          </a:p>
+          <a:p>
+            <a:r>
+              <a:rPr lang="de-DE" dirty="0"/>
+              <a:t>Vorzuhaltende </a:t>
+            </a:r>
+            <a:r>
+              <a:rPr lang="de-DE" dirty="0" err="1"/>
+              <a:t>Momentanreserve</a:t>
+            </a:r>
+            <a:r>
+              <a:rPr lang="de-DE" dirty="0"/>
+              <a:t> bemisst sich an Leistungssprung bzw. -abfall von 3 GW</a:t>
+            </a:r>
+          </a:p>
+          <a:p>
+            <a:pPr marL="0" indent="0">
+              <a:buNone/>
+            </a:pPr>
+            <a:endParaRPr lang="de-DE" dirty="0"/>
+          </a:p>
+        </p:txBody>
+      </p:sp>
+      <p:pic>
+        <p:nvPicPr>
+          <p:cNvPr id="8" name="Grafik 7">
+            <a:extLst>
+              <a:ext uri="{FF2B5EF4-FFF2-40B4-BE49-F238E27FC236}">
+                <a16:creationId xmlns:a16="http://schemas.microsoft.com/office/drawing/2014/main" id="{33BD2802-CEC7-5844-7923-25008BCBFF61}"/>
+              </a:ext>
+            </a:extLst>
+          </p:cNvPr>
+          <p:cNvPicPr>
+            <a:picLocks noChangeAspect="1"/>
+          </p:cNvPicPr>
+          <p:nvPr/>
+        </p:nvPicPr>
+        <p:blipFill>
+          <a:blip r:embed="rId2"/>
+          <a:stretch>
+            <a:fillRect/>
+          </a:stretch>
+        </p:blipFill>
+        <p:spPr>
+          <a:xfrm>
+            <a:off x="7372891" y="1178345"/>
+            <a:ext cx="2280068" cy="1568658"/>
+          </a:xfrm>
+          <a:prstGeom prst="rect">
+            <a:avLst/>
+          </a:prstGeom>
+        </p:spPr>
+      </p:pic>
+      <p:sp>
+        <p:nvSpPr>
+          <p:cNvPr id="2" name="Titel 1"/>
+          <p:cNvSpPr>
+            <a:spLocks noGrp="1"/>
+          </p:cNvSpPr>
+          <p:nvPr>
+            <p:ph type="title"/>
+          </p:nvPr>
+        </p:nvSpPr>
+        <p:spPr/>
+        <p:txBody>
+          <a:bodyPr/>
+          <a:lstStyle/>
+          <a:p>
+            <a:r>
+              <a:rPr lang="de-DE" dirty="0"/>
+              <a:t>Kraftwerksreserven zur Frequenzstabilisierung</a:t>
             </a:r>
             <a:br>
               <a:rPr lang="de-DE" dirty="0"/>
@@ -11407,69 +7720,6 @@
       </p:sp>
       <p:sp>
         <p:nvSpPr>
-          <p:cNvPr id="3" name="Inhaltsplatzhalter 2"/>
-          <p:cNvSpPr>
-            <a:spLocks noGrp="1"/>
-          </p:cNvSpPr>
-          <p:nvPr>
-            <p:ph idx="1"/>
-          </p:nvPr>
-        </p:nvSpPr>
-        <p:spPr/>
-        <p:txBody>
-          <a:bodyPr/>
-          <a:lstStyle/>
-          <a:p>
-            <a:r>
-              <a:rPr lang="de-DE" dirty="0"/>
-              <a:t>Rotierende Schwungmassen aus z. B. Generatoren</a:t>
-            </a:r>
-          </a:p>
-          <a:p>
-            <a:r>
-              <a:rPr lang="de-DE" dirty="0"/>
-              <a:t>Wirken intrinsisch auf die Netzfrequenz</a:t>
-            </a:r>
-          </a:p>
-          <a:p>
-            <a:r>
-              <a:rPr lang="de-DE" dirty="0"/>
-              <a:t>Bei Frequenzabfall langsamere Rotation</a:t>
-            </a:r>
-          </a:p>
-          <a:p>
-            <a:r>
-              <a:rPr lang="de-DE" dirty="0"/>
-              <a:t>Bei Frequenzanstieg schnellere Rotation</a:t>
-            </a:r>
-          </a:p>
-          <a:p>
-            <a:r>
-              <a:rPr lang="de-DE" dirty="0"/>
-              <a:t>Vorzuhaltende </a:t>
-            </a:r>
-            <a:r>
-              <a:rPr lang="de-DE" dirty="0" err="1"/>
-              <a:t>Momentanreserve</a:t>
-            </a:r>
-            <a:r>
-              <a:rPr lang="de-DE" dirty="0"/>
-              <a:t> bemisst sich an Leistungssprung und Lastabfall von 3 GW</a:t>
-            </a:r>
-          </a:p>
-          <a:p>
-            <a:r>
-              <a:rPr lang="de-DE" dirty="0"/>
-              <a:t>Weiterhin von großer Bedeutung bei Ausbau erneuerbaren Energien</a:t>
-            </a:r>
-          </a:p>
-          <a:p>
-            <a:endParaRPr lang="de-DE" dirty="0"/>
-          </a:p>
-        </p:txBody>
-      </p:sp>
-      <p:sp>
-        <p:nvSpPr>
           <p:cNvPr id="4" name="Datumsplatzhalter 3"/>
           <p:cNvSpPr>
             <a:spLocks noGrp="1"/>
@@ -11536,6 +7786,37 @@
           </a:p>
         </p:txBody>
       </p:sp>
+      <p:pic>
+        <p:nvPicPr>
+          <p:cNvPr id="9" name="Grafik 8">
+            <a:extLst>
+              <a:ext uri="{FF2B5EF4-FFF2-40B4-BE49-F238E27FC236}">
+                <a16:creationId xmlns:a16="http://schemas.microsoft.com/office/drawing/2014/main" id="{354B09C0-81C9-7C3C-308D-F4CD8F9E3B3E}"/>
+              </a:ext>
+            </a:extLst>
+          </p:cNvPr>
+          <p:cNvPicPr>
+            <a:picLocks noChangeAspect="1"/>
+          </p:cNvPicPr>
+          <p:nvPr/>
+        </p:nvPicPr>
+        <p:blipFill>
+          <a:blip r:embed="rId3"/>
+          <a:stretch>
+            <a:fillRect/>
+          </a:stretch>
+        </p:blipFill>
+        <p:spPr>
+          <a:xfrm>
+            <a:off x="2685782" y="3597216"/>
+            <a:ext cx="6820437" cy="2711122"/>
+          </a:xfrm>
+          <a:prstGeom prst="rect">
+            <a:avLst/>
+          </a:prstGeom>
+          <a:noFill/>
+        </p:spPr>
+      </p:pic>
     </p:spTree>
     <p:extLst>
       <p:ext uri="{BB962C8B-B14F-4D97-AF65-F5344CB8AC3E}">
@@ -11566,6 +7847,36 @@
           <a:chExt cx="0" cy="0"/>
         </a:xfrm>
       </p:grpSpPr>
+      <p:pic>
+        <p:nvPicPr>
+          <p:cNvPr id="8" name="Grafik 7">
+            <a:extLst>
+              <a:ext uri="{FF2B5EF4-FFF2-40B4-BE49-F238E27FC236}">
+                <a16:creationId xmlns:a16="http://schemas.microsoft.com/office/drawing/2014/main" id="{BCDEDCE7-1E4A-E593-1A93-4A9D54AA5973}"/>
+              </a:ext>
+            </a:extLst>
+          </p:cNvPr>
+          <p:cNvPicPr>
+            <a:picLocks noChangeAspect="1"/>
+          </p:cNvPicPr>
+          <p:nvPr/>
+        </p:nvPicPr>
+        <p:blipFill>
+          <a:blip r:embed="rId2"/>
+          <a:stretch>
+            <a:fillRect/>
+          </a:stretch>
+        </p:blipFill>
+        <p:spPr>
+          <a:xfrm>
+            <a:off x="8517610" y="2954755"/>
+            <a:ext cx="3156104" cy="3144119"/>
+          </a:xfrm>
+          <a:prstGeom prst="rect">
+            <a:avLst/>
+          </a:prstGeom>
+        </p:spPr>
+      </p:pic>
       <p:sp>
         <p:nvSpPr>
           <p:cNvPr id="2" name="Titel 1"/>
@@ -11583,7 +7894,7 @@
           <a:p>
             <a:r>
               <a:rPr lang="de-DE" dirty="0"/>
-              <a:t>Kraftwerksreserven zur Reserveleistungsvorhaltung</a:t>
+              <a:t>Kraftwerksreserven zur Frequenzstabilisierung</a:t>
             </a:r>
             <a:br>
               <a:rPr lang="de-DE" dirty="0"/>
@@ -11651,25 +7962,70 @@
                 </a:r>
               </a:p>
               <a:p>
+                <a:pPr marL="0" indent="0">
+                  <a:buNone/>
+                </a:pPr>
                 <a:r>
                   <a:rPr lang="de-DE" dirty="0"/>
-                  <a:t>Kapazität wird anhand des eingespeisten Stroms auf die Mitglieder aufgeteilt</a:t>
+                  <a:t>      </a:t>
+                </a:r>
+                <a:r>
+                  <a:rPr lang="de-DE" dirty="0">
+                    <a:sym typeface="Wingdings" panose="05000000000000000000" pitchFamily="2" charset="2"/>
+                  </a:rPr>
+                  <a:t> Ermittlung erfolgt anhand des Ausfalls der zwei größten Kraftwerksblöcke innerhalb des Netzes</a:t>
+                </a:r>
+                <a:endParaRPr lang="de-DE" dirty="0"/>
+              </a:p>
+              <a:p>
+                <a:r>
+                  <a:rPr lang="de-DE" dirty="0"/>
+                  <a:t>Kapazität wird anhand des eingespeisten Stroms auf die Teilnehmer aufgeteilt</a:t>
                 </a:r>
               </a:p>
               <a:p>
                 <a:r>
                   <a:rPr lang="de-DE" dirty="0"/>
-                  <a:t>Nach 30 Sekunden komplette Leistung</a:t>
+                  <a:t>Nach 30 Sekunden vollständige Leistung abrufbereit </a:t>
                 </a:r>
               </a:p>
               <a:p>
                 <a:r>
                   <a:rPr lang="de-DE" dirty="0"/>
-                  <a:t>Arbeit muss für 15 Minuten erbracht werden</a:t>
+                  <a:t>Vollständige Leistung muss für 15 Minuten bereitstehen</a:t>
                 </a:r>
               </a:p>
               <a:p>
+                <a:r>
+                  <a:rPr lang="de-DE" dirty="0"/>
+                  <a:t>Wirtschaftliche Aspekte:</a:t>
+                </a:r>
+              </a:p>
+              <a:p>
+                <a:pPr lvl="1"/>
+                <a:r>
+                  <a:rPr lang="de-DE" dirty="0"/>
+                  <a:t>Preisfindung: „Marginal Pricing“</a:t>
+                </a:r>
+              </a:p>
+              <a:p>
+                <a:pPr lvl="1"/>
+                <a:r>
+                  <a:rPr lang="de-DE" dirty="0">
+                    <a:sym typeface="Wingdings" panose="05000000000000000000" pitchFamily="2" charset="2"/>
+                  </a:rPr>
+                  <a:t>Vergütung von Leistungspreis</a:t>
+                </a:r>
                 <a:endParaRPr lang="de-DE" dirty="0"/>
+              </a:p>
+              <a:p>
+                <a:pPr marL="0" indent="0">
+                  <a:buNone/>
+                </a:pPr>
+                <a:r>
+                  <a:rPr lang="de-DE" dirty="0"/>
+                  <a:t>    </a:t>
+                </a:r>
               </a:p>
             </p:txBody>
           </p:sp>
@@ -11687,7 +8043,7 @@
             </p:nvSpPr>
             <p:spPr>
               <a:blipFill>
-                <a:blip r:embed="rId2"/>
+                <a:blip r:embed="rId3"/>
                 <a:stretch>
                   <a:fillRect l="-1194" t="-928"/>
                 </a:stretch>
@@ -11823,7 +8179,7 @@
           <a:p>
             <a:r>
               <a:rPr lang="de-DE" dirty="0"/>
-              <a:t>Kraftwerksreserven zur Reserveleistungsvorhaltung</a:t>
+              <a:t>Kraftwerksreserven zur Frequenzstabilisierung</a:t>
             </a:r>
             <a:br>
               <a:rPr lang="de-DE" dirty="0"/>
@@ -11858,6 +8214,75 @@
           <a:bodyPr/>
           <a:lstStyle/>
           <a:p>
+            <a:r>
+              <a:rPr lang="de-DE" dirty="0"/>
+              <a:t>Von ÜNB per Signal automatisch angefordert</a:t>
+            </a:r>
+          </a:p>
+          <a:p>
+            <a:r>
+              <a:rPr lang="de-DE" dirty="0"/>
+              <a:t>Nach 30 Sekunden zugeschaltet</a:t>
+            </a:r>
+          </a:p>
+          <a:p>
+            <a:r>
+              <a:rPr lang="de-DE" dirty="0"/>
+              <a:t>Nach 5 Minuten vollständige Leistung abrufbereit </a:t>
+            </a:r>
+          </a:p>
+          <a:p>
+            <a:r>
+              <a:rPr lang="de-DE" dirty="0"/>
+              <a:t>Vollständige Leistung muss für 15 Minuten bereitstehen</a:t>
+            </a:r>
+          </a:p>
+          <a:p>
+            <a:r>
+              <a:rPr lang="de-DE" dirty="0"/>
+              <a:t>Wird nahezu immer angefordert </a:t>
+            </a:r>
+            <a:r>
+              <a:rPr lang="de-DE" dirty="0">
+                <a:sym typeface="Wingdings" panose="05000000000000000000" pitchFamily="2" charset="2"/>
+              </a:rPr>
+              <a:t> Geknüpft an Regelgenauigkeit</a:t>
+            </a:r>
+            <a:endParaRPr lang="de-DE" dirty="0"/>
+          </a:p>
+          <a:p>
+            <a:r>
+              <a:rPr lang="de-DE" dirty="0"/>
+              <a:t>Wirtschaftliche Aspekte:</a:t>
+            </a:r>
+          </a:p>
+          <a:p>
+            <a:pPr lvl="1"/>
+            <a:r>
+              <a:rPr lang="de-DE" dirty="0"/>
+              <a:t>Preisfindung: Merit-Order</a:t>
+            </a:r>
+          </a:p>
+          <a:p>
+            <a:pPr lvl="1"/>
+            <a:r>
+              <a:rPr lang="de-DE" dirty="0">
+                <a:sym typeface="Wingdings" panose="05000000000000000000" pitchFamily="2" charset="2"/>
+              </a:rPr>
+              <a:t>Vergütung von Leistungs- und Arbeitspreis</a:t>
+            </a:r>
+            <a:endParaRPr lang="de-DE" dirty="0"/>
+          </a:p>
+          <a:p>
+            <a:pPr marL="0" indent="0">
+              <a:buNone/>
+            </a:pPr>
+            <a:r>
+              <a:rPr lang="de-DE" dirty="0"/>
+              <a:t>     </a:t>
+            </a:r>
+          </a:p>
+          <a:p>
             <a:endParaRPr lang="de-DE" dirty="0"/>
           </a:p>
         </p:txBody>
@@ -11930,6 +8355,37 @@
           </a:p>
         </p:txBody>
       </p:sp>
+      <p:pic>
+        <p:nvPicPr>
+          <p:cNvPr id="7" name="Grafik 6">
+            <a:extLst>
+              <a:ext uri="{FF2B5EF4-FFF2-40B4-BE49-F238E27FC236}">
+                <a16:creationId xmlns:a16="http://schemas.microsoft.com/office/drawing/2014/main" id="{C4BCE042-6587-E9D0-A7C6-9EA89355E0EE}"/>
+              </a:ext>
+            </a:extLst>
+          </p:cNvPr>
+          <p:cNvPicPr>
+            <a:picLocks noChangeAspect="1"/>
+          </p:cNvPicPr>
+          <p:nvPr/>
+        </p:nvPicPr>
+        <p:blipFill>
+          <a:blip r:embed="rId2"/>
+          <a:stretch>
+            <a:fillRect/>
+          </a:stretch>
+        </p:blipFill>
+        <p:spPr>
+          <a:xfrm>
+            <a:off x="5689905" y="3599010"/>
+            <a:ext cx="6186572" cy="2459161"/>
+          </a:xfrm>
+          <a:prstGeom prst="rect">
+            <a:avLst/>
+          </a:prstGeom>
+          <a:noFill/>
+        </p:spPr>
+      </p:pic>
     </p:spTree>
     <p:extLst>
       <p:ext uri="{BB962C8B-B14F-4D97-AF65-F5344CB8AC3E}">
@@ -11977,7 +8433,7 @@
           <a:p>
             <a:r>
               <a:rPr lang="de-DE" dirty="0"/>
-              <a:t>Kraftwerksreserven zur Reserveleistungsvorhaltung</a:t>
+              <a:t>Kraftwerksreserven zur Frequenzstabilisierung</a:t>
             </a:r>
             <a:br>
               <a:rPr lang="de-DE" dirty="0"/>
@@ -12012,6 +8468,53 @@
           <a:bodyPr/>
           <a:lstStyle/>
           <a:p>
+            <a:r>
+              <a:rPr lang="de-DE" dirty="0"/>
+              <a:t>Wird nach 5 Minuten aktiviert</a:t>
+            </a:r>
+          </a:p>
+          <a:p>
+            <a:r>
+              <a:rPr lang="de-DE" dirty="0"/>
+              <a:t>Ab 15 Minuten volle Leistung</a:t>
+            </a:r>
+          </a:p>
+          <a:p>
+            <a:r>
+              <a:rPr lang="de-DE" dirty="0"/>
+              <a:t>Anschließend 45 Minuten lang volle Leistung</a:t>
+            </a:r>
+          </a:p>
+          <a:p>
+            <a:r>
+              <a:rPr lang="de-DE" dirty="0"/>
+              <a:t>Wirtschaftliche Aspekte:</a:t>
+            </a:r>
+          </a:p>
+          <a:p>
+            <a:pPr lvl="1"/>
+            <a:r>
+              <a:rPr lang="de-DE" dirty="0"/>
+              <a:t>Preisfindung: Merit-Order     </a:t>
+            </a:r>
+          </a:p>
+          <a:p>
+            <a:pPr lvl="1"/>
+            <a:r>
+              <a:rPr lang="de-DE" dirty="0">
+                <a:sym typeface="Wingdings" panose="05000000000000000000" pitchFamily="2" charset="2"/>
+              </a:rPr>
+              <a:t>Vergütung von Leistungs- und Arbeitspreis</a:t>
+            </a:r>
+            <a:r>
+              <a:rPr lang="de-DE" dirty="0"/>
+              <a:t>     </a:t>
+            </a:r>
+          </a:p>
+          <a:p>
+            <a:endParaRPr lang="de-DE" dirty="0"/>
+          </a:p>
+          <a:p>
             <a:endParaRPr lang="de-DE" dirty="0"/>
           </a:p>
         </p:txBody>
@@ -12084,6 +8587,37 @@
           </a:p>
         </p:txBody>
       </p:sp>
+      <p:pic>
+        <p:nvPicPr>
+          <p:cNvPr id="7" name="Grafik 6">
+            <a:extLst>
+              <a:ext uri="{FF2B5EF4-FFF2-40B4-BE49-F238E27FC236}">
+                <a16:creationId xmlns:a16="http://schemas.microsoft.com/office/drawing/2014/main" id="{518AABAE-3C51-96D4-91CC-FE648314CCE3}"/>
+              </a:ext>
+            </a:extLst>
+          </p:cNvPr>
+          <p:cNvPicPr>
+            <a:picLocks noChangeAspect="1"/>
+          </p:cNvPicPr>
+          <p:nvPr/>
+        </p:nvPicPr>
+        <p:blipFill>
+          <a:blip r:embed="rId2"/>
+          <a:stretch>
+            <a:fillRect/>
+          </a:stretch>
+        </p:blipFill>
+        <p:spPr>
+          <a:xfrm>
+            <a:off x="5689905" y="3599010"/>
+            <a:ext cx="6186572" cy="2459161"/>
+          </a:xfrm>
+          <a:prstGeom prst="rect">
+            <a:avLst/>
+          </a:prstGeom>
+          <a:noFill/>
+        </p:spPr>
+      </p:pic>
     </p:spTree>
     <p:extLst>
       <p:ext uri="{BB962C8B-B14F-4D97-AF65-F5344CB8AC3E}">
@@ -12114,6 +8648,36 @@
           <a:chExt cx="0" cy="0"/>
         </a:xfrm>
       </p:grpSpPr>
+      <p:pic>
+        <p:nvPicPr>
+          <p:cNvPr id="11" name="Grafik 10">
+            <a:extLst>
+              <a:ext uri="{FF2B5EF4-FFF2-40B4-BE49-F238E27FC236}">
+                <a16:creationId xmlns:a16="http://schemas.microsoft.com/office/drawing/2014/main" id="{10EC84E2-095D-5897-4E87-135A70B3C990}"/>
+              </a:ext>
+            </a:extLst>
+          </p:cNvPr>
+          <p:cNvPicPr>
+            <a:picLocks noChangeAspect="1"/>
+          </p:cNvPicPr>
+          <p:nvPr/>
+        </p:nvPicPr>
+        <p:blipFill>
+          <a:blip r:embed="rId2"/>
+          <a:stretch>
+            <a:fillRect/>
+          </a:stretch>
+        </p:blipFill>
+        <p:spPr>
+          <a:xfrm>
+            <a:off x="6329011" y="620712"/>
+            <a:ext cx="6107324" cy="4756860"/>
+          </a:xfrm>
+          <a:prstGeom prst="rect">
+            <a:avLst/>
+          </a:prstGeom>
+        </p:spPr>
+      </p:pic>
       <p:sp>
         <p:nvSpPr>
           <p:cNvPr id="2" name="Titel 1"/>
@@ -12130,20 +8694,32 @@
           <a:lstStyle/>
           <a:p>
             <a:r>
-              <a:rPr lang="de-DE"/>
-              <a:t>Musterüberschrift für eine zweispaltige Seite mit längerem Titel, der über zwei Zeilen lang ist und darstellt, wie das in der Bildschirmpräsentation wirkt</a:t>
-            </a:r>
-          </a:p>
-        </p:txBody>
-      </p:sp>
-      <p:sp>
-        <p:nvSpPr>
-          <p:cNvPr id="3" name="Inhaltsplatzhalter 2"/>
-          <p:cNvSpPr>
-            <a:spLocks noGrp="1"/>
-          </p:cNvSpPr>
-          <p:nvPr>
-            <p:ph sz="half" idx="1"/>
+              <a:rPr lang="de-DE" dirty="0"/>
+              <a:t>Kraftwerksreserven zur Reserveleistungsvorhaltung</a:t>
+            </a:r>
+            <a:br>
+              <a:rPr lang="de-DE" dirty="0"/>
+            </a:br>
+            <a:r>
+              <a:rPr lang="de-DE" sz="1800" dirty="0">
+                <a:solidFill>
+                  <a:srgbClr val="888888"/>
+                </a:solidFill>
+              </a:rPr>
+              <a:t>Netzreserve, Kapazitätsreserve und Sicherheitsbereitschaft</a:t>
+            </a:r>
+            <a:endParaRPr lang="de-DE" sz="1800" dirty="0"/>
+          </a:p>
+        </p:txBody>
+      </p:sp>
+      <p:sp>
+        <p:nvSpPr>
+          <p:cNvPr id="3" name="Datumsplatzhalter 2"/>
+          <p:cNvSpPr>
+            <a:spLocks noGrp="1"/>
+          </p:cNvSpPr>
+          <p:nvPr>
+            <p:ph type="dt" sz="half" idx="10"/>
           </p:nvPr>
         </p:nvSpPr>
         <p:spPr/>
@@ -12153,31 +8729,19 @@
           <a:p>
             <a:r>
               <a:rPr lang="de-DE"/>
-              <a:t>Lorem ipsum dolor sit amet, consetetur sadipscing elitr, sed diam nonumy eirmod tempor invidunt ut labore et dolore magna aliquyam erat, sed diam voluptua. </a:t>
-            </a:r>
-          </a:p>
-          <a:p>
-            <a:r>
-              <a:rPr lang="de-DE"/>
-              <a:t>At vero eos et accusam et justo duo dolores et ea rebum. Stet clita kasd gubergren, no sea takimata sanctus est Lorem ipsum dolor sit amet. </a:t>
-            </a:r>
-          </a:p>
-          <a:p>
-            <a:r>
-              <a:rPr lang="de-DE"/>
-              <a:t>Lorem ipsum dolor sit amet, consetetur sadipscing elitr, sed diam nonumy eirmod tempor invidunt ut labore et dolore magna aliquyam erat, sed diam voluptua. </a:t>
-            </a:r>
-          </a:p>
-        </p:txBody>
-      </p:sp>
-      <p:sp>
-        <p:nvSpPr>
-          <p:cNvPr id="4" name="Inhaltsplatzhalter 3"/>
-          <p:cNvSpPr>
-            <a:spLocks noGrp="1"/>
-          </p:cNvSpPr>
-          <p:nvPr>
-            <p:ph sz="half" idx="2"/>
+              <a:t>20.05.2018</a:t>
+            </a:r>
+          </a:p>
+        </p:txBody>
+      </p:sp>
+      <p:sp>
+        <p:nvSpPr>
+          <p:cNvPr id="4" name="Fußzeilenplatzhalter 3"/>
+          <p:cNvSpPr>
+            <a:spLocks noGrp="1"/>
+          </p:cNvSpPr>
+          <p:nvPr>
+            <p:ph type="ftr" sz="quarter" idx="11"/>
           </p:nvPr>
         </p:nvSpPr>
         <p:spPr/>
@@ -12187,65 +8751,6 @@
           <a:p>
             <a:r>
               <a:rPr lang="de-DE"/>
-              <a:t>Lorem ipsum dolor sit amet, consetetur sadipscing elitr, sed diam nonumy eirmod tempor invidunt ut labore et dolore magna aliquyam erat, sed diam voluptua. </a:t>
-            </a:r>
-          </a:p>
-          <a:p>
-            <a:r>
-              <a:rPr lang="de-DE"/>
-              <a:t>At vero eos et accusam et justo duo dolores et ea rebum. Stet clita kasd gubergren, no sea takimata sanctus est Lorem ipsum dolor sit amet. </a:t>
-            </a:r>
-          </a:p>
-          <a:p>
-            <a:r>
-              <a:rPr lang="de-DE"/>
-              <a:t>Lorem ipsum dolor sit amet, consetetur sadipscing elitr, sed diam nonumy eirmod tempor invidunt ut labore et dolore magna aliquyam erat, sed diam voluptua. </a:t>
-            </a:r>
-          </a:p>
-          <a:p>
-            <a:endParaRPr lang="de-DE"/>
-          </a:p>
-        </p:txBody>
-      </p:sp>
-      <p:sp>
-        <p:nvSpPr>
-          <p:cNvPr id="5" name="Datumsplatzhalter 4"/>
-          <p:cNvSpPr>
-            <a:spLocks noGrp="1"/>
-          </p:cNvSpPr>
-          <p:nvPr>
-            <p:ph type="dt" sz="half" idx="10"/>
-          </p:nvPr>
-        </p:nvSpPr>
-        <p:spPr/>
-        <p:txBody>
-          <a:bodyPr/>
-          <a:lstStyle/>
-          <a:p>
-            <a:r>
-              <a:rPr lang="de-DE"/>
-              <a:t>20.05.2018</a:t>
-            </a:r>
-          </a:p>
-        </p:txBody>
-      </p:sp>
-      <p:sp>
-        <p:nvSpPr>
-          <p:cNvPr id="6" name="Fußzeilenplatzhalter 5"/>
-          <p:cNvSpPr>
-            <a:spLocks noGrp="1"/>
-          </p:cNvSpPr>
-          <p:nvPr>
-            <p:ph type="ftr" sz="quarter" idx="11"/>
-          </p:nvPr>
-        </p:nvSpPr>
-        <p:spPr/>
-        <p:txBody>
-          <a:bodyPr/>
-          <a:lstStyle/>
-          <a:p>
-            <a:r>
-              <a:rPr lang="de-DE"/>
               <a:t>Titel; Referent/in</a:t>
             </a:r>
           </a:p>
@@ -12253,7 +8758,7 @@
       </p:sp>
       <p:sp>
         <p:nvSpPr>
-          <p:cNvPr id="7" name="Foliennummernplatzhalter 6"/>
+          <p:cNvPr id="5" name="Foliennummernplatzhalter 4"/>
           <p:cNvSpPr>
             <a:spLocks noGrp="1"/>
           </p:cNvSpPr>
@@ -12275,10 +8780,125 @@
           </a:p>
         </p:txBody>
       </p:sp>
+      <p:sp>
+        <p:nvSpPr>
+          <p:cNvPr id="6" name="Textplatzhalter 5"/>
+          <p:cNvSpPr>
+            <a:spLocks noGrp="1"/>
+          </p:cNvSpPr>
+          <p:nvPr>
+            <p:ph type="body" sz="quarter" idx="14"/>
+          </p:nvPr>
+        </p:nvSpPr>
+        <p:spPr>
+          <a:xfrm>
+            <a:off x="478800" y="1125539"/>
+            <a:ext cx="11304883" cy="5256212"/>
+          </a:xfrm>
+        </p:spPr>
+        <p:txBody>
+          <a:bodyPr/>
+          <a:lstStyle/>
+          <a:p>
+            <a:r>
+              <a:rPr lang="de-DE" dirty="0"/>
+              <a:t>Netzreserve:</a:t>
+            </a:r>
+          </a:p>
+          <a:p>
+            <a:pPr lvl="1"/>
+            <a:r>
+              <a:rPr lang="de-DE" dirty="0"/>
+              <a:t>Kraftwerke für den </a:t>
+            </a:r>
+            <a:r>
+              <a:rPr lang="de-DE" dirty="0" err="1"/>
+              <a:t>Redispatch</a:t>
+            </a:r>
+            <a:r>
+              <a:rPr lang="de-DE" dirty="0"/>
+              <a:t> (vorrangig im Süden)</a:t>
+            </a:r>
+          </a:p>
+          <a:p>
+            <a:pPr lvl="1"/>
+            <a:r>
+              <a:rPr lang="de-DE" dirty="0"/>
+              <a:t>Höhe wird aus Berechnungen der BNetzA und der ÜNB ermittelt</a:t>
+            </a:r>
+          </a:p>
+          <a:p>
+            <a:pPr lvl="1"/>
+            <a:r>
+              <a:rPr lang="de-DE" dirty="0"/>
+              <a:t>Winter 2022/2023: 8,264 GW; Winter 2023/2024: 5,361 GW</a:t>
+            </a:r>
+          </a:p>
+          <a:p>
+            <a:r>
+              <a:rPr lang="de-DE" dirty="0"/>
+              <a:t> Kapazitätsreserve:	</a:t>
+            </a:r>
+          </a:p>
+          <a:p>
+            <a:pPr lvl="1"/>
+            <a:r>
+              <a:rPr lang="de-DE" dirty="0"/>
+              <a:t>Aktivierung, bei Unterdeckung von Angebot und Nachfrage</a:t>
+            </a:r>
+          </a:p>
+          <a:p>
+            <a:pPr lvl="1"/>
+            <a:r>
+              <a:rPr lang="de-DE" dirty="0"/>
+              <a:t>Zeitlich nach Strombörse und Systemdienstleistungen</a:t>
+            </a:r>
+          </a:p>
+          <a:p>
+            <a:pPr lvl="1"/>
+            <a:r>
+              <a:rPr lang="de-DE" dirty="0"/>
+              <a:t>2 GW ausgeschrieben </a:t>
+            </a:r>
+            <a:r>
+              <a:rPr lang="de-DE" dirty="0">
+                <a:sym typeface="Wingdings" panose="05000000000000000000" pitchFamily="2" charset="2"/>
+              </a:rPr>
+              <a:t> 1,263 GW kontrahiert</a:t>
+            </a:r>
+          </a:p>
+          <a:p>
+            <a:r>
+              <a:rPr lang="de-DE" dirty="0">
+                <a:sym typeface="Wingdings" panose="05000000000000000000" pitchFamily="2" charset="2"/>
+              </a:rPr>
+              <a:t>Sicherheitsbereitschaft:</a:t>
+            </a:r>
+          </a:p>
+          <a:p>
+            <a:pPr lvl="1"/>
+            <a:r>
+              <a:rPr lang="de-DE" dirty="0">
+                <a:sym typeface="Wingdings" panose="05000000000000000000" pitchFamily="2" charset="2"/>
+              </a:rPr>
+              <a:t>Besteht ausschließlich aus Braunkohlekraftwerken, welche frühzeitig                                                               stillegelegt werden sollen, jedoch von der BNetzA als systemrelevant eingestuft sind</a:t>
+            </a:r>
+          </a:p>
+          <a:p>
+            <a:pPr lvl="1"/>
+            <a:r>
+              <a:rPr lang="de-DE" dirty="0">
+                <a:sym typeface="Wingdings" panose="05000000000000000000" pitchFamily="2" charset="2"/>
+              </a:rPr>
+              <a:t>Nach 10 Tagen betriebsbereit  weiteren 11 Stunden Minimallast  weiteren 13 Stunden Volllast</a:t>
+            </a:r>
+          </a:p>
+        </p:txBody>
+      </p:sp>
     </p:spTree>
     <p:extLst>
       <p:ext uri="{BB962C8B-B14F-4D97-AF65-F5344CB8AC3E}">
-        <p14:creationId xmlns:p14="http://schemas.microsoft.com/office/powerpoint/2010/main" val="3625094333"/>
+        <p14:creationId xmlns:p14="http://schemas.microsoft.com/office/powerpoint/2010/main" val="4162983354"/>
       </p:ext>
     </p:extLst>
   </p:cSld>

--- a/Präsentation - Wo befinden sich Kraftwerksreserven in Deutschland.pptx
+++ b/Präsentation - Wo befinden sich Kraftwerksreserven in Deutschland.pptx
@@ -5,19 +5,20 @@
     <p:sldMasterId id="2147483715" r:id="rId1"/>
   </p:sldMasterIdLst>
   <p:notesMasterIdLst>
-    <p:notesMasterId r:id="rId12"/>
+    <p:notesMasterId r:id="rId13"/>
   </p:notesMasterIdLst>
   <p:sldIdLst>
     <p:sldId id="256" r:id="rId2"/>
     <p:sldId id="263" r:id="rId3"/>
-    <p:sldId id="262" r:id="rId4"/>
-    <p:sldId id="272" r:id="rId5"/>
-    <p:sldId id="273" r:id="rId6"/>
-    <p:sldId id="277" r:id="rId7"/>
-    <p:sldId id="278" r:id="rId8"/>
-    <p:sldId id="279" r:id="rId9"/>
-    <p:sldId id="266" r:id="rId10"/>
-    <p:sldId id="265" r:id="rId11"/>
+    <p:sldId id="280" r:id="rId4"/>
+    <p:sldId id="262" r:id="rId5"/>
+    <p:sldId id="272" r:id="rId6"/>
+    <p:sldId id="273" r:id="rId7"/>
+    <p:sldId id="277" r:id="rId8"/>
+    <p:sldId id="278" r:id="rId9"/>
+    <p:sldId id="279" r:id="rId10"/>
+    <p:sldId id="266" r:id="rId11"/>
+    <p:sldId id="265" r:id="rId12"/>
   </p:sldIdLst>
   <p:sldSz cx="12192000" cy="6858000"/>
   <p:notesSz cx="6858000" cy="9144000"/>
@@ -138,7 +139,7 @@
 <file path=ppt/revisionInfo.xml><?xml version="1.0" encoding="utf-8"?>
 <p1510:revInfo xmlns:a="http://schemas.openxmlformats.org/drawingml/2006/main" xmlns:r="http://schemas.openxmlformats.org/officeDocument/2006/relationships" xmlns:p1510="http://schemas.microsoft.com/office/powerpoint/2015/10/main">
   <p1510:revLst>
-    <p1510:client id="{05967C33-193C-40B1-BAFF-7211CFC8C8B3}" v="185" dt="2022-11-12T15:51:29.799"/>
+    <p1510:client id="{05967C33-193C-40B1-BAFF-7211CFC8C8B3}" v="188" dt="2022-11-13T15:22:39.404"/>
   </p1510:revLst>
 </p1510:revInfo>
 </file>
@@ -148,10 +149,33 @@
   <pc:docChgLst>
     <pc:chgData name="Fynn L." userId="8ad7fb526861aa9e" providerId="LiveId" clId="{05967C33-193C-40B1-BAFF-7211CFC8C8B3}"/>
     <pc:docChg chg="undo custSel addSld delSld modSld sldOrd addMainMaster delMainMaster modMainMaster">
-      <pc:chgData name="Fynn L." userId="8ad7fb526861aa9e" providerId="LiveId" clId="{05967C33-193C-40B1-BAFF-7211CFC8C8B3}" dt="2022-11-12T16:02:56.561" v="5207" actId="2696"/>
+      <pc:chgData name="Fynn L." userId="8ad7fb526861aa9e" providerId="LiveId" clId="{05967C33-193C-40B1-BAFF-7211CFC8C8B3}" dt="2022-11-13T16:06:57.331" v="6287" actId="20577"/>
       <pc:docMkLst>
         <pc:docMk/>
       </pc:docMkLst>
+      <pc:sldChg chg="addSp modSp mod">
+        <pc:chgData name="Fynn L." userId="8ad7fb526861aa9e" providerId="LiveId" clId="{05967C33-193C-40B1-BAFF-7211CFC8C8B3}" dt="2022-11-13T15:19:42.929" v="5266" actId="29295"/>
+        <pc:sldMkLst>
+          <pc:docMk/>
+          <pc:sldMk cId="3936611301" sldId="256"/>
+        </pc:sldMkLst>
+        <pc:spChg chg="mod">
+          <ac:chgData name="Fynn L." userId="8ad7fb526861aa9e" providerId="LiveId" clId="{05967C33-193C-40B1-BAFF-7211CFC8C8B3}" dt="2022-11-13T15:19:26.069" v="5265" actId="207"/>
+          <ac:spMkLst>
+            <pc:docMk/>
+            <pc:sldMk cId="3936611301" sldId="256"/>
+            <ac:spMk id="10" creationId="{00000000-0000-0000-0000-000000000000}"/>
+          </ac:spMkLst>
+        </pc:spChg>
+        <pc:picChg chg="add mod ord">
+          <ac:chgData name="Fynn L." userId="8ad7fb526861aa9e" providerId="LiveId" clId="{05967C33-193C-40B1-BAFF-7211CFC8C8B3}" dt="2022-11-13T15:19:42.929" v="5266" actId="29295"/>
+          <ac:picMkLst>
+            <pc:docMk/>
+            <pc:sldMk cId="3936611301" sldId="256"/>
+            <ac:picMk id="3" creationId="{D92D3A50-026B-0362-6219-546D0712EC99}"/>
+          </ac:picMkLst>
+        </pc:picChg>
+      </pc:sldChg>
       <pc:sldChg chg="del">
         <pc:chgData name="Fynn L." userId="8ad7fb526861aa9e" providerId="LiveId" clId="{05967C33-193C-40B1-BAFF-7211CFC8C8B3}" dt="2022-11-09T18:22:20.134" v="1067" actId="2696"/>
         <pc:sldMkLst>
@@ -188,7 +212,7 @@
         </pc:sldMkLst>
       </pc:sldChg>
       <pc:sldChg chg="addSp delSp modSp mod">
-        <pc:chgData name="Fynn L." userId="8ad7fb526861aa9e" providerId="LiveId" clId="{05967C33-193C-40B1-BAFF-7211CFC8C8B3}" dt="2022-11-12T15:38:08.802" v="3832" actId="20577"/>
+        <pc:chgData name="Fynn L." userId="8ad7fb526861aa9e" providerId="LiveId" clId="{05967C33-193C-40B1-BAFF-7211CFC8C8B3}" dt="2022-11-13T15:22:39.404" v="5352" actId="1076"/>
         <pc:sldMkLst>
           <pc:docMk/>
           <pc:sldMk cId="3197269984" sldId="262"/>
@@ -210,7 +234,7 @@
           </ac:spMkLst>
         </pc:spChg>
         <pc:spChg chg="mod">
-          <ac:chgData name="Fynn L." userId="8ad7fb526861aa9e" providerId="LiveId" clId="{05967C33-193C-40B1-BAFF-7211CFC8C8B3}" dt="2022-11-09T16:14:23.239" v="533" actId="338"/>
+          <ac:chgData name="Fynn L." userId="8ad7fb526861aa9e" providerId="LiveId" clId="{05967C33-193C-40B1-BAFF-7211CFC8C8B3}" dt="2022-11-13T15:16:00.058" v="5236"/>
           <ac:spMkLst>
             <pc:docMk/>
             <pc:sldMk cId="3197269984" sldId="262"/>
@@ -218,7 +242,7 @@
           </ac:spMkLst>
         </pc:spChg>
         <pc:spChg chg="mod">
-          <ac:chgData name="Fynn L." userId="8ad7fb526861aa9e" providerId="LiveId" clId="{05967C33-193C-40B1-BAFF-7211CFC8C8B3}" dt="2022-11-09T16:14:23.239" v="533" actId="338"/>
+          <ac:chgData name="Fynn L." userId="8ad7fb526861aa9e" providerId="LiveId" clId="{05967C33-193C-40B1-BAFF-7211CFC8C8B3}" dt="2022-11-13T15:15:01.419" v="5208"/>
           <ac:spMkLst>
             <pc:docMk/>
             <pc:sldMk cId="3197269984" sldId="262"/>
@@ -258,7 +282,7 @@
           </ac:spMkLst>
         </pc:spChg>
         <pc:spChg chg="mod">
-          <ac:chgData name="Fynn L." userId="8ad7fb526861aa9e" providerId="LiveId" clId="{05967C33-193C-40B1-BAFF-7211CFC8C8B3}" dt="2022-11-09T16:15:24.804" v="628" actId="1076"/>
+          <ac:chgData name="Fynn L." userId="8ad7fb526861aa9e" providerId="LiveId" clId="{05967C33-193C-40B1-BAFF-7211CFC8C8B3}" dt="2022-11-13T15:22:39.404" v="5352" actId="1076"/>
           <ac:spMkLst>
             <pc:docMk/>
             <pc:sldMk cId="3197269984" sldId="262"/>
@@ -266,7 +290,7 @@
           </ac:spMkLst>
         </pc:spChg>
         <pc:spChg chg="mod">
-          <ac:chgData name="Fynn L." userId="8ad7fb526861aa9e" providerId="LiveId" clId="{05967C33-193C-40B1-BAFF-7211CFC8C8B3}" dt="2022-11-09T16:15:24.804" v="628" actId="1076"/>
+          <ac:chgData name="Fynn L." userId="8ad7fb526861aa9e" providerId="LiveId" clId="{05967C33-193C-40B1-BAFF-7211CFC8C8B3}" dt="2022-11-13T15:22:39.404" v="5352" actId="1076"/>
           <ac:spMkLst>
             <pc:docMk/>
             <pc:sldMk cId="3197269984" sldId="262"/>
@@ -282,7 +306,7 @@
           </ac:grpSpMkLst>
         </pc:grpChg>
         <pc:grpChg chg="mod">
-          <ac:chgData name="Fynn L." userId="8ad7fb526861aa9e" providerId="LiveId" clId="{05967C33-193C-40B1-BAFF-7211CFC8C8B3}" dt="2022-11-09T16:15:24.804" v="628" actId="1076"/>
+          <ac:chgData name="Fynn L." userId="8ad7fb526861aa9e" providerId="LiveId" clId="{05967C33-193C-40B1-BAFF-7211CFC8C8B3}" dt="2022-11-13T15:22:39.404" v="5352" actId="1076"/>
           <ac:grpSpMkLst>
             <pc:docMk/>
             <pc:sldMk cId="3197269984" sldId="262"/>
@@ -290,7 +314,7 @@
           </ac:grpSpMkLst>
         </pc:grpChg>
         <pc:grpChg chg="mod">
-          <ac:chgData name="Fynn L." userId="8ad7fb526861aa9e" providerId="LiveId" clId="{05967C33-193C-40B1-BAFF-7211CFC8C8B3}" dt="2022-11-09T16:15:24.804" v="628" actId="1076"/>
+          <ac:chgData name="Fynn L." userId="8ad7fb526861aa9e" providerId="LiveId" clId="{05967C33-193C-40B1-BAFF-7211CFC8C8B3}" dt="2022-11-13T15:22:39.404" v="5352" actId="1076"/>
           <ac:grpSpMkLst>
             <pc:docMk/>
             <pc:sldMk cId="3197269984" sldId="262"/>
@@ -338,7 +362,7 @@
           </ac:picMkLst>
         </pc:picChg>
         <pc:picChg chg="mod">
-          <ac:chgData name="Fynn L." userId="8ad7fb526861aa9e" providerId="LiveId" clId="{05967C33-193C-40B1-BAFF-7211CFC8C8B3}" dt="2022-11-09T16:15:24.804" v="628" actId="1076"/>
+          <ac:chgData name="Fynn L." userId="8ad7fb526861aa9e" providerId="LiveId" clId="{05967C33-193C-40B1-BAFF-7211CFC8C8B3}" dt="2022-11-13T15:22:39.404" v="5352" actId="1076"/>
           <ac:picMkLst>
             <pc:docMk/>
             <pc:sldMk cId="3197269984" sldId="262"/>
@@ -346,13 +370,28 @@
           </ac:picMkLst>
         </pc:picChg>
         <pc:picChg chg="mod">
-          <ac:chgData name="Fynn L." userId="8ad7fb526861aa9e" providerId="LiveId" clId="{05967C33-193C-40B1-BAFF-7211CFC8C8B3}" dt="2022-11-09T16:15:24.804" v="628" actId="1076"/>
+          <ac:chgData name="Fynn L." userId="8ad7fb526861aa9e" providerId="LiveId" clId="{05967C33-193C-40B1-BAFF-7211CFC8C8B3}" dt="2022-11-13T15:22:39.404" v="5352" actId="1076"/>
           <ac:picMkLst>
             <pc:docMk/>
             <pc:sldMk cId="3197269984" sldId="262"/>
             <ac:picMk id="3081" creationId="{9BB80C62-FEBC-47CA-E94D-A13246BD2A43}"/>
           </ac:picMkLst>
         </pc:picChg>
+      </pc:sldChg>
+      <pc:sldChg chg="modSp mod">
+        <pc:chgData name="Fynn L." userId="8ad7fb526861aa9e" providerId="LiveId" clId="{05967C33-193C-40B1-BAFF-7211CFC8C8B3}" dt="2022-11-13T15:47:21.438" v="6279" actId="6549"/>
+        <pc:sldMkLst>
+          <pc:docMk/>
+          <pc:sldMk cId="1673992739" sldId="263"/>
+        </pc:sldMkLst>
+        <pc:spChg chg="mod">
+          <ac:chgData name="Fynn L." userId="8ad7fb526861aa9e" providerId="LiveId" clId="{05967C33-193C-40B1-BAFF-7211CFC8C8B3}" dt="2022-11-13T15:47:21.438" v="6279" actId="6549"/>
+          <ac:spMkLst>
+            <pc:docMk/>
+            <pc:sldMk cId="1673992739" sldId="263"/>
+            <ac:spMk id="3" creationId="{00000000-0000-0000-0000-000000000000}"/>
+          </ac:spMkLst>
+        </pc:spChg>
       </pc:sldChg>
       <pc:sldChg chg="del">
         <pc:chgData name="Fynn L." userId="8ad7fb526861aa9e" providerId="LiveId" clId="{05967C33-193C-40B1-BAFF-7211CFC8C8B3}" dt="2022-11-12T16:02:56.561" v="5207" actId="2696"/>
@@ -362,7 +401,7 @@
         </pc:sldMkLst>
       </pc:sldChg>
       <pc:sldChg chg="addSp delSp modSp mod">
-        <pc:chgData name="Fynn L." userId="8ad7fb526861aa9e" providerId="LiveId" clId="{05967C33-193C-40B1-BAFF-7211CFC8C8B3}" dt="2022-11-12T16:01:51.558" v="5206" actId="113"/>
+        <pc:chgData name="Fynn L." userId="8ad7fb526861aa9e" providerId="LiveId" clId="{05967C33-193C-40B1-BAFF-7211CFC8C8B3}" dt="2022-11-13T15:24:42.216" v="5353" actId="14100"/>
         <pc:sldMkLst>
           <pc:docMk/>
           <pc:sldMk cId="3625094333" sldId="265"/>
@@ -376,7 +415,7 @@
           </ac:spMkLst>
         </pc:spChg>
         <pc:spChg chg="mod">
-          <ac:chgData name="Fynn L." userId="8ad7fb526861aa9e" providerId="LiveId" clId="{05967C33-193C-40B1-BAFF-7211CFC8C8B3}" dt="2022-11-12T16:01:37.803" v="5204" actId="20577"/>
+          <ac:chgData name="Fynn L." userId="8ad7fb526861aa9e" providerId="LiveId" clId="{05967C33-193C-40B1-BAFF-7211CFC8C8B3}" dt="2022-11-13T15:24:42.216" v="5353" actId="14100"/>
           <ac:spMkLst>
             <pc:docMk/>
             <pc:sldMk cId="3625094333" sldId="265"/>
@@ -389,6 +428,22 @@
             <pc:docMk/>
             <pc:sldMk cId="3625094333" sldId="265"/>
             <ac:spMk id="4" creationId="{00000000-0000-0000-0000-000000000000}"/>
+          </ac:spMkLst>
+        </pc:spChg>
+        <pc:spChg chg="mod">
+          <ac:chgData name="Fynn L." userId="8ad7fb526861aa9e" providerId="LiveId" clId="{05967C33-193C-40B1-BAFF-7211CFC8C8B3}" dt="2022-11-13T15:16:27.775" v="5249"/>
+          <ac:spMkLst>
+            <pc:docMk/>
+            <pc:sldMk cId="3625094333" sldId="265"/>
+            <ac:spMk id="5" creationId="{00000000-0000-0000-0000-000000000000}"/>
+          </ac:spMkLst>
+        </pc:spChg>
+        <pc:spChg chg="mod">
+          <ac:chgData name="Fynn L." userId="8ad7fb526861aa9e" providerId="LiveId" clId="{05967C33-193C-40B1-BAFF-7211CFC8C8B3}" dt="2022-11-13T15:15:52.204" v="5235"/>
+          <ac:spMkLst>
+            <pc:docMk/>
+            <pc:sldMk cId="3625094333" sldId="265"/>
+            <ac:spMk id="6" creationId="{00000000-0000-0000-0000-000000000000}"/>
           </ac:spMkLst>
         </pc:spChg>
         <pc:spChg chg="add del mod">
@@ -417,7 +472,7 @@
         </pc:spChg>
       </pc:sldChg>
       <pc:sldChg chg="addSp delSp modSp mod ord">
-        <pc:chgData name="Fynn L." userId="8ad7fb526861aa9e" providerId="LiveId" clId="{05967C33-193C-40B1-BAFF-7211CFC8C8B3}" dt="2022-11-12T15:48:17.143" v="4644" actId="1076"/>
+        <pc:chgData name="Fynn L." userId="8ad7fb526861aa9e" providerId="LiveId" clId="{05967C33-193C-40B1-BAFF-7211CFC8C8B3}" dt="2022-11-13T15:16:26.052" v="5248"/>
         <pc:sldMkLst>
           <pc:docMk/>
           <pc:sldMk cId="4162983354" sldId="266"/>
@@ -428,6 +483,22 @@
             <pc:docMk/>
             <pc:sldMk cId="4162983354" sldId="266"/>
             <ac:spMk id="2" creationId="{00000000-0000-0000-0000-000000000000}"/>
+          </ac:spMkLst>
+        </pc:spChg>
+        <pc:spChg chg="mod">
+          <ac:chgData name="Fynn L." userId="8ad7fb526861aa9e" providerId="LiveId" clId="{05967C33-193C-40B1-BAFF-7211CFC8C8B3}" dt="2022-11-13T15:16:26.052" v="5248"/>
+          <ac:spMkLst>
+            <pc:docMk/>
+            <pc:sldMk cId="4162983354" sldId="266"/>
+            <ac:spMk id="3" creationId="{00000000-0000-0000-0000-000000000000}"/>
+          </ac:spMkLst>
+        </pc:spChg>
+        <pc:spChg chg="mod">
+          <ac:chgData name="Fynn L." userId="8ad7fb526861aa9e" providerId="LiveId" clId="{05967C33-193C-40B1-BAFF-7211CFC8C8B3}" dt="2022-11-13T15:15:48.373" v="5234"/>
+          <ac:spMkLst>
+            <pc:docMk/>
+            <pc:sldMk cId="4162983354" sldId="266"/>
+            <ac:spMk id="4" creationId="{00000000-0000-0000-0000-000000000000}"/>
           </ac:spMkLst>
         </pc:spChg>
         <pc:spChg chg="mod">
@@ -492,7 +563,7 @@
         </pc:sldMkLst>
       </pc:sldChg>
       <pc:sldChg chg="addSp delSp modSp mod modClrScheme delAnim modAnim chgLayout">
-        <pc:chgData name="Fynn L." userId="8ad7fb526861aa9e" providerId="LiveId" clId="{05967C33-193C-40B1-BAFF-7211CFC8C8B3}" dt="2022-11-12T14:54:06.873" v="2814" actId="14100"/>
+        <pc:chgData name="Fynn L." userId="8ad7fb526861aa9e" providerId="LiveId" clId="{05967C33-193C-40B1-BAFF-7211CFC8C8B3}" dt="2022-11-13T15:16:14.021" v="5243"/>
         <pc:sldMkLst>
           <pc:docMk/>
           <pc:sldMk cId="2064965787" sldId="272"/>
@@ -514,7 +585,7 @@
           </ac:spMkLst>
         </pc:spChg>
         <pc:spChg chg="mod">
-          <ac:chgData name="Fynn L." userId="8ad7fb526861aa9e" providerId="LiveId" clId="{05967C33-193C-40B1-BAFF-7211CFC8C8B3}" dt="2022-11-09T16:42:53.690" v="961" actId="26606"/>
+          <ac:chgData name="Fynn L." userId="8ad7fb526861aa9e" providerId="LiveId" clId="{05967C33-193C-40B1-BAFF-7211CFC8C8B3}" dt="2022-11-13T15:16:14.021" v="5243"/>
           <ac:spMkLst>
             <pc:docMk/>
             <pc:sldMk cId="2064965787" sldId="272"/>
@@ -522,7 +593,7 @@
           </ac:spMkLst>
         </pc:spChg>
         <pc:spChg chg="mod">
-          <ac:chgData name="Fynn L." userId="8ad7fb526861aa9e" providerId="LiveId" clId="{05967C33-193C-40B1-BAFF-7211CFC8C8B3}" dt="2022-11-09T16:42:53.690" v="961" actId="26606"/>
+          <ac:chgData name="Fynn L." userId="8ad7fb526861aa9e" providerId="LiveId" clId="{05967C33-193C-40B1-BAFF-7211CFC8C8B3}" dt="2022-11-13T15:15:30.545" v="5229" actId="255"/>
           <ac:spMkLst>
             <pc:docMk/>
             <pc:sldMk cId="2064965787" sldId="272"/>
@@ -546,7 +617,7 @@
           </ac:spMkLst>
         </pc:spChg>
         <pc:spChg chg="add mod">
-          <ac:chgData name="Fynn L." userId="8ad7fb526861aa9e" providerId="LiveId" clId="{05967C33-193C-40B1-BAFF-7211CFC8C8B3}" dt="2022-11-12T14:53:56.110" v="2812" actId="20577"/>
+          <ac:chgData name="Fynn L." userId="8ad7fb526861aa9e" providerId="LiveId" clId="{05967C33-193C-40B1-BAFF-7211CFC8C8B3}" dt="2022-11-13T15:16:11.461" v="5242" actId="20577"/>
           <ac:spMkLst>
             <pc:docMk/>
             <pc:sldMk cId="2064965787" sldId="272"/>
@@ -579,13 +650,13 @@
         </pc:picChg>
       </pc:sldChg>
       <pc:sldChg chg="addSp modSp mod">
-        <pc:chgData name="Fynn L." userId="8ad7fb526861aa9e" providerId="LiveId" clId="{05967C33-193C-40B1-BAFF-7211CFC8C8B3}" dt="2022-11-12T15:37:49.575" v="3823" actId="12788"/>
+        <pc:chgData name="Fynn L." userId="8ad7fb526861aa9e" providerId="LiveId" clId="{05967C33-193C-40B1-BAFF-7211CFC8C8B3}" dt="2022-11-13T15:21:12.003" v="5288" actId="20577"/>
         <pc:sldMkLst>
           <pc:docMk/>
           <pc:sldMk cId="2153387122" sldId="273"/>
         </pc:sldMkLst>
         <pc:spChg chg="mod">
-          <ac:chgData name="Fynn L." userId="8ad7fb526861aa9e" providerId="LiveId" clId="{05967C33-193C-40B1-BAFF-7211CFC8C8B3}" dt="2022-11-12T15:29:18.707" v="3434"/>
+          <ac:chgData name="Fynn L." userId="8ad7fb526861aa9e" providerId="LiveId" clId="{05967C33-193C-40B1-BAFF-7211CFC8C8B3}" dt="2022-11-13T15:21:12.003" v="5288" actId="20577"/>
           <ac:spMkLst>
             <pc:docMk/>
             <pc:sldMk cId="2153387122" sldId="273"/>
@@ -598,6 +669,22 @@
             <pc:docMk/>
             <pc:sldMk cId="2153387122" sldId="273"/>
             <ac:spMk id="3" creationId="{00000000-0000-0000-0000-000000000000}"/>
+          </ac:spMkLst>
+        </pc:spChg>
+        <pc:spChg chg="mod">
+          <ac:chgData name="Fynn L." userId="8ad7fb526861aa9e" providerId="LiveId" clId="{05967C33-193C-40B1-BAFF-7211CFC8C8B3}" dt="2022-11-13T15:16:16.727" v="5244"/>
+          <ac:spMkLst>
+            <pc:docMk/>
+            <pc:sldMk cId="2153387122" sldId="273"/>
+            <ac:spMk id="4" creationId="{00000000-0000-0000-0000-000000000000}"/>
+          </ac:spMkLst>
+        </pc:spChg>
+        <pc:spChg chg="mod">
+          <ac:chgData name="Fynn L." userId="8ad7fb526861aa9e" providerId="LiveId" clId="{05967C33-193C-40B1-BAFF-7211CFC8C8B3}" dt="2022-11-13T15:15:35.895" v="5230"/>
+          <ac:spMkLst>
+            <pc:docMk/>
+            <pc:sldMk cId="2153387122" sldId="273"/>
+            <ac:spMk id="5" creationId="{00000000-0000-0000-0000-000000000000}"/>
           </ac:spMkLst>
         </pc:spChg>
         <pc:picChg chg="add mod ord">
@@ -671,13 +758,13 @@
         </pc:spChg>
       </pc:sldChg>
       <pc:sldChg chg="addSp modSp add mod">
-        <pc:chgData name="Fynn L." userId="8ad7fb526861aa9e" providerId="LiveId" clId="{05967C33-193C-40B1-BAFF-7211CFC8C8B3}" dt="2022-11-12T15:37:08.519" v="3814" actId="20577"/>
+        <pc:chgData name="Fynn L." userId="8ad7fb526861aa9e" providerId="LiveId" clId="{05967C33-193C-40B1-BAFF-7211CFC8C8B3}" dt="2022-11-13T15:21:22.714" v="5305" actId="20577"/>
         <pc:sldMkLst>
           <pc:docMk/>
           <pc:sldMk cId="1786571581" sldId="277"/>
         </pc:sldMkLst>
         <pc:spChg chg="mod">
-          <ac:chgData name="Fynn L." userId="8ad7fb526861aa9e" providerId="LiveId" clId="{05967C33-193C-40B1-BAFF-7211CFC8C8B3}" dt="2022-11-12T15:29:21.305" v="3435"/>
+          <ac:chgData name="Fynn L." userId="8ad7fb526861aa9e" providerId="LiveId" clId="{05967C33-193C-40B1-BAFF-7211CFC8C8B3}" dt="2022-11-13T15:21:22.714" v="5305" actId="20577"/>
           <ac:spMkLst>
             <pc:docMk/>
             <pc:sldMk cId="1786571581" sldId="277"/>
@@ -692,6 +779,22 @@
             <ac:spMk id="3" creationId="{00000000-0000-0000-0000-000000000000}"/>
           </ac:spMkLst>
         </pc:spChg>
+        <pc:spChg chg="mod">
+          <ac:chgData name="Fynn L." userId="8ad7fb526861aa9e" providerId="LiveId" clId="{05967C33-193C-40B1-BAFF-7211CFC8C8B3}" dt="2022-11-13T15:16:19.091" v="5245"/>
+          <ac:spMkLst>
+            <pc:docMk/>
+            <pc:sldMk cId="1786571581" sldId="277"/>
+            <ac:spMk id="4" creationId="{00000000-0000-0000-0000-000000000000}"/>
+          </ac:spMkLst>
+        </pc:spChg>
+        <pc:spChg chg="mod">
+          <ac:chgData name="Fynn L." userId="8ad7fb526861aa9e" providerId="LiveId" clId="{05967C33-193C-40B1-BAFF-7211CFC8C8B3}" dt="2022-11-13T15:15:38.532" v="5231"/>
+          <ac:spMkLst>
+            <pc:docMk/>
+            <pc:sldMk cId="1786571581" sldId="277"/>
+            <ac:spMk id="5" creationId="{00000000-0000-0000-0000-000000000000}"/>
+          </ac:spMkLst>
+        </pc:spChg>
         <pc:picChg chg="add mod ord">
           <ac:chgData name="Fynn L." userId="8ad7fb526861aa9e" providerId="LiveId" clId="{05967C33-193C-40B1-BAFF-7211CFC8C8B3}" dt="2022-11-12T14:37:46.320" v="2485" actId="167"/>
           <ac:picMkLst>
@@ -702,13 +805,13 @@
         </pc:picChg>
       </pc:sldChg>
       <pc:sldChg chg="addSp modSp add mod">
-        <pc:chgData name="Fynn L." userId="8ad7fb526861aa9e" providerId="LiveId" clId="{05967C33-193C-40B1-BAFF-7211CFC8C8B3}" dt="2022-11-12T15:36:48.365" v="3804" actId="20577"/>
+        <pc:chgData name="Fynn L." userId="8ad7fb526861aa9e" providerId="LiveId" clId="{05967C33-193C-40B1-BAFF-7211CFC8C8B3}" dt="2022-11-13T15:29:07.902" v="5424" actId="20577"/>
         <pc:sldMkLst>
           <pc:docMk/>
           <pc:sldMk cId="1188651743" sldId="278"/>
         </pc:sldMkLst>
         <pc:spChg chg="mod">
-          <ac:chgData name="Fynn L." userId="8ad7fb526861aa9e" providerId="LiveId" clId="{05967C33-193C-40B1-BAFF-7211CFC8C8B3}" dt="2022-11-12T15:29:24.202" v="3436"/>
+          <ac:chgData name="Fynn L." userId="8ad7fb526861aa9e" providerId="LiveId" clId="{05967C33-193C-40B1-BAFF-7211CFC8C8B3}" dt="2022-11-13T15:21:32.169" v="5328" actId="20577"/>
           <ac:spMkLst>
             <pc:docMk/>
             <pc:sldMk cId="1188651743" sldId="278"/>
@@ -716,11 +819,27 @@
           </ac:spMkLst>
         </pc:spChg>
         <pc:spChg chg="mod">
-          <ac:chgData name="Fynn L." userId="8ad7fb526861aa9e" providerId="LiveId" clId="{05967C33-193C-40B1-BAFF-7211CFC8C8B3}" dt="2022-11-12T15:36:48.365" v="3804" actId="20577"/>
+          <ac:chgData name="Fynn L." userId="8ad7fb526861aa9e" providerId="LiveId" clId="{05967C33-193C-40B1-BAFF-7211CFC8C8B3}" dt="2022-11-13T15:29:07.902" v="5424" actId="20577"/>
           <ac:spMkLst>
             <pc:docMk/>
             <pc:sldMk cId="1188651743" sldId="278"/>
             <ac:spMk id="3" creationId="{00000000-0000-0000-0000-000000000000}"/>
+          </ac:spMkLst>
+        </pc:spChg>
+        <pc:spChg chg="mod">
+          <ac:chgData name="Fynn L." userId="8ad7fb526861aa9e" providerId="LiveId" clId="{05967C33-193C-40B1-BAFF-7211CFC8C8B3}" dt="2022-11-13T15:16:21.360" v="5246"/>
+          <ac:spMkLst>
+            <pc:docMk/>
+            <pc:sldMk cId="1188651743" sldId="278"/>
+            <ac:spMk id="4" creationId="{00000000-0000-0000-0000-000000000000}"/>
+          </ac:spMkLst>
+        </pc:spChg>
+        <pc:spChg chg="mod">
+          <ac:chgData name="Fynn L." userId="8ad7fb526861aa9e" providerId="LiveId" clId="{05967C33-193C-40B1-BAFF-7211CFC8C8B3}" dt="2022-11-13T15:15:41.765" v="5232"/>
+          <ac:spMkLst>
+            <pc:docMk/>
+            <pc:sldMk cId="1188651743" sldId="278"/>
+            <ac:spMk id="5" creationId="{00000000-0000-0000-0000-000000000000}"/>
           </ac:spMkLst>
         </pc:spChg>
         <pc:picChg chg="add mod">
@@ -733,13 +852,13 @@
         </pc:picChg>
       </pc:sldChg>
       <pc:sldChg chg="addSp modSp add mod">
-        <pc:chgData name="Fynn L." userId="8ad7fb526861aa9e" providerId="LiveId" clId="{05967C33-193C-40B1-BAFF-7211CFC8C8B3}" dt="2022-11-12T15:36:23.177" v="3794" actId="20577"/>
+        <pc:chgData name="Fynn L." userId="8ad7fb526861aa9e" providerId="LiveId" clId="{05967C33-193C-40B1-BAFF-7211CFC8C8B3}" dt="2022-11-13T15:21:45.338" v="5350" actId="20577"/>
         <pc:sldMkLst>
           <pc:docMk/>
           <pc:sldMk cId="3887125834" sldId="279"/>
         </pc:sldMkLst>
         <pc:spChg chg="mod">
-          <ac:chgData name="Fynn L." userId="8ad7fb526861aa9e" providerId="LiveId" clId="{05967C33-193C-40B1-BAFF-7211CFC8C8B3}" dt="2022-11-12T15:29:29.088" v="3437"/>
+          <ac:chgData name="Fynn L." userId="8ad7fb526861aa9e" providerId="LiveId" clId="{05967C33-193C-40B1-BAFF-7211CFC8C8B3}" dt="2022-11-13T15:21:45.338" v="5350" actId="20577"/>
           <ac:spMkLst>
             <pc:docMk/>
             <pc:sldMk cId="3887125834" sldId="279"/>
@@ -754,6 +873,22 @@
             <ac:spMk id="3" creationId="{00000000-0000-0000-0000-000000000000}"/>
           </ac:spMkLst>
         </pc:spChg>
+        <pc:spChg chg="mod">
+          <ac:chgData name="Fynn L." userId="8ad7fb526861aa9e" providerId="LiveId" clId="{05967C33-193C-40B1-BAFF-7211CFC8C8B3}" dt="2022-11-13T15:16:23.709" v="5247"/>
+          <ac:spMkLst>
+            <pc:docMk/>
+            <pc:sldMk cId="3887125834" sldId="279"/>
+            <ac:spMk id="4" creationId="{00000000-0000-0000-0000-000000000000}"/>
+          </ac:spMkLst>
+        </pc:spChg>
+        <pc:spChg chg="mod">
+          <ac:chgData name="Fynn L." userId="8ad7fb526861aa9e" providerId="LiveId" clId="{05967C33-193C-40B1-BAFF-7211CFC8C8B3}" dt="2022-11-13T15:15:44.218" v="5233"/>
+          <ac:spMkLst>
+            <pc:docMk/>
+            <pc:sldMk cId="3887125834" sldId="279"/>
+            <ac:spMk id="5" creationId="{00000000-0000-0000-0000-000000000000}"/>
+          </ac:spMkLst>
+        </pc:spChg>
         <pc:picChg chg="add mod">
           <ac:chgData name="Fynn L." userId="8ad7fb526861aa9e" providerId="LiveId" clId="{05967C33-193C-40B1-BAFF-7211CFC8C8B3}" dt="2022-11-12T15:26:06.003" v="3422"/>
           <ac:picMkLst>
@@ -762,6 +897,37 @@
             <ac:picMk id="7" creationId="{518AABAE-3C51-96D4-91CC-FE648314CCE3}"/>
           </ac:picMkLst>
         </pc:picChg>
+      </pc:sldChg>
+      <pc:sldChg chg="delSp modSp new mod">
+        <pc:chgData name="Fynn L." userId="8ad7fb526861aa9e" providerId="LiveId" clId="{05967C33-193C-40B1-BAFF-7211CFC8C8B3}" dt="2022-11-13T16:06:57.331" v="6287" actId="20577"/>
+        <pc:sldMkLst>
+          <pc:docMk/>
+          <pc:sldMk cId="2678280316" sldId="280"/>
+        </pc:sldMkLst>
+        <pc:spChg chg="mod">
+          <ac:chgData name="Fynn L." userId="8ad7fb526861aa9e" providerId="LiveId" clId="{05967C33-193C-40B1-BAFF-7211CFC8C8B3}" dt="2022-11-13T15:47:07.910" v="6249" actId="20577"/>
+          <ac:spMkLst>
+            <pc:docMk/>
+            <pc:sldMk cId="2678280316" sldId="280"/>
+            <ac:spMk id="2" creationId="{91399541-9D53-F5A0-9C1D-787DCE0AA9CB}"/>
+          </ac:spMkLst>
+        </pc:spChg>
+        <pc:spChg chg="mod">
+          <ac:chgData name="Fynn L." userId="8ad7fb526861aa9e" providerId="LiveId" clId="{05967C33-193C-40B1-BAFF-7211CFC8C8B3}" dt="2022-11-13T16:06:57.331" v="6287" actId="20577"/>
+          <ac:spMkLst>
+            <pc:docMk/>
+            <pc:sldMk cId="2678280316" sldId="280"/>
+            <ac:spMk id="3" creationId="{3B2FE8C5-D37F-6CC4-6670-71B1751EDF14}"/>
+          </ac:spMkLst>
+        </pc:spChg>
+        <pc:spChg chg="del">
+          <ac:chgData name="Fynn L." userId="8ad7fb526861aa9e" providerId="LiveId" clId="{05967C33-193C-40B1-BAFF-7211CFC8C8B3}" dt="2022-11-13T15:34:12.982" v="5492" actId="478"/>
+          <ac:spMkLst>
+            <pc:docMk/>
+            <pc:sldMk cId="2678280316" sldId="280"/>
+            <ac:spMk id="7" creationId="{EAFD2CDF-54A4-2017-EB2B-E40789573E4E}"/>
+          </ac:spMkLst>
+        </pc:spChg>
       </pc:sldChg>
       <pc:sldMasterChg chg="modSldLayout">
         <pc:chgData name="Fynn L." userId="8ad7fb526861aa9e" providerId="LiveId" clId="{05967C33-193C-40B1-BAFF-7211CFC8C8B3}" dt="2022-11-09T16:03:29.234" v="111" actId="20577"/>
@@ -1002,7 +1168,7 @@
           <a:p>
             <a:fld id="{3743E2BA-3F93-428C-8AA0-502F22A34CA1}" type="datetimeFigureOut">
               <a:rPr lang="de-DE" smtClean="0"/>
-              <a:t>12.11.2022</a:t>
+              <a:t>13.11.2022</a:t>
             </a:fld>
             <a:endParaRPr lang="de-DE"/>
           </a:p>
@@ -5885,6 +6051,38 @@
           <a:chExt cx="0" cy="0"/>
         </a:xfrm>
       </p:grpSpPr>
+      <p:pic>
+        <p:nvPicPr>
+          <p:cNvPr id="3" name="Grafik 2">
+            <a:extLst>
+              <a:ext uri="{FF2B5EF4-FFF2-40B4-BE49-F238E27FC236}">
+                <a16:creationId xmlns:a16="http://schemas.microsoft.com/office/drawing/2014/main" id="{D92D3A50-026B-0362-6219-546D0712EC99}"/>
+              </a:ext>
+            </a:extLst>
+          </p:cNvPr>
+          <p:cNvPicPr>
+            <a:picLocks noChangeAspect="1"/>
+          </p:cNvPicPr>
+          <p:nvPr/>
+        </p:nvPicPr>
+        <p:blipFill>
+          <a:blip r:embed="rId2">
+            <a:alphaModFix amt="20000"/>
+          </a:blip>
+          <a:stretch>
+            <a:fillRect/>
+          </a:stretch>
+        </p:blipFill>
+        <p:spPr>
+          <a:xfrm>
+            <a:off x="0" y="0"/>
+            <a:ext cx="12192000" cy="6874773"/>
+          </a:xfrm>
+          <a:prstGeom prst="rect">
+            <a:avLst/>
+          </a:prstGeom>
+        </p:spPr>
+      </p:pic>
       <p:sp>
         <p:nvSpPr>
           <p:cNvPr id="9" name="Titel 8"/>
@@ -5918,28 +6116,49 @@
             <p:ph type="subTitle" idx="1"/>
           </p:nvPr>
         </p:nvSpPr>
-        <p:spPr/>
+        <p:spPr>
+          <a:xfrm>
+            <a:off x="479426" y="3573378"/>
+            <a:ext cx="11233150" cy="1990660"/>
+          </a:xfrm>
+        </p:spPr>
         <p:txBody>
           <a:bodyPr/>
           <a:lstStyle/>
           <a:p>
             <a:r>
-              <a:rPr lang="de-DE" dirty="0"/>
+              <a:rPr lang="de-DE" dirty="0">
+                <a:solidFill>
+                  <a:srgbClr val="000000"/>
+                </a:solidFill>
+              </a:rPr>
               <a:t>Seminarfach – Regenerative Energietechnik</a:t>
             </a:r>
           </a:p>
           <a:p>
-            <a:endParaRPr lang="de-DE" dirty="0"/>
-          </a:p>
-          <a:p>
-            <a:r>
-              <a:rPr lang="de-DE" dirty="0"/>
+            <a:endParaRPr lang="de-DE" dirty="0">
+              <a:solidFill>
+                <a:srgbClr val="000000"/>
+              </a:solidFill>
+            </a:endParaRPr>
+          </a:p>
+          <a:p>
+            <a:r>
+              <a:rPr lang="de-DE" dirty="0">
+                <a:solidFill>
+                  <a:srgbClr val="000000"/>
+                </a:solidFill>
+              </a:rPr>
               <a:t>Deckert, Moritz</a:t>
             </a:r>
           </a:p>
           <a:p>
             <a:r>
-              <a:rPr lang="de-DE" dirty="0"/>
+              <a:rPr lang="de-DE" dirty="0">
+                <a:solidFill>
+                  <a:srgbClr val="000000"/>
+                </a:solidFill>
+              </a:rPr>
               <a:t>Linnenbrügger, Fynn</a:t>
             </a:r>
           </a:p>
@@ -6000,6 +6219,36 @@
           <a:chExt cx="0" cy="0"/>
         </a:xfrm>
       </p:grpSpPr>
+      <p:pic>
+        <p:nvPicPr>
+          <p:cNvPr id="11" name="Grafik 10">
+            <a:extLst>
+              <a:ext uri="{FF2B5EF4-FFF2-40B4-BE49-F238E27FC236}">
+                <a16:creationId xmlns:a16="http://schemas.microsoft.com/office/drawing/2014/main" id="{10EC84E2-095D-5897-4E87-135A70B3C990}"/>
+              </a:ext>
+            </a:extLst>
+          </p:cNvPr>
+          <p:cNvPicPr>
+            <a:picLocks noChangeAspect="1"/>
+          </p:cNvPicPr>
+          <p:nvPr/>
+        </p:nvPicPr>
+        <p:blipFill>
+          <a:blip r:embed="rId2"/>
+          <a:stretch>
+            <a:fillRect/>
+          </a:stretch>
+        </p:blipFill>
+        <p:spPr>
+          <a:xfrm>
+            <a:off x="6329011" y="620712"/>
+            <a:ext cx="6107324" cy="4756860"/>
+          </a:xfrm>
+          <a:prstGeom prst="rect">
+            <a:avLst/>
+          </a:prstGeom>
+        </p:spPr>
+      </p:pic>
       <p:sp>
         <p:nvSpPr>
           <p:cNvPr id="2" name="Titel 1"/>
@@ -6017,85 +6266,53 @@
           <a:p>
             <a:r>
               <a:rPr lang="de-DE" dirty="0"/>
-              <a:t>Veränderungen durch den Überfall Russlands auf die Ukraine</a:t>
-            </a:r>
-          </a:p>
-        </p:txBody>
-      </p:sp>
-      <p:sp>
-        <p:nvSpPr>
-          <p:cNvPr id="3" name="Inhaltsplatzhalter 2"/>
-          <p:cNvSpPr>
-            <a:spLocks noGrp="1"/>
-          </p:cNvSpPr>
-          <p:nvPr>
-            <p:ph sz="half" idx="1"/>
-          </p:nvPr>
-        </p:nvSpPr>
-        <p:spPr>
-          <a:xfrm>
-            <a:off x="479423" y="1125538"/>
-            <a:ext cx="10932991" cy="5256212"/>
-          </a:xfrm>
-        </p:spPr>
+              <a:t>Kraftwerksreserven zur Reserveleistungsvorhaltung</a:t>
+            </a:r>
+            <a:br>
+              <a:rPr lang="de-DE" dirty="0"/>
+            </a:br>
+            <a:r>
+              <a:rPr lang="de-DE" sz="1800" dirty="0">
+                <a:solidFill>
+                  <a:srgbClr val="888888"/>
+                </a:solidFill>
+              </a:rPr>
+              <a:t>Netzreserve, Kapazitätsreserve und Sicherheitsbereitschaft</a:t>
+            </a:r>
+            <a:endParaRPr lang="de-DE" sz="1800" dirty="0"/>
+          </a:p>
+        </p:txBody>
+      </p:sp>
+      <p:sp>
+        <p:nvSpPr>
+          <p:cNvPr id="3" name="Datumsplatzhalter 2"/>
+          <p:cNvSpPr>
+            <a:spLocks noGrp="1"/>
+          </p:cNvSpPr>
+          <p:nvPr>
+            <p:ph type="dt" sz="half" idx="10"/>
+          </p:nvPr>
+        </p:nvSpPr>
+        <p:spPr/>
         <p:txBody>
           <a:bodyPr/>
           <a:lstStyle/>
           <a:p>
             <a:r>
               <a:rPr lang="de-DE" dirty="0"/>
-              <a:t>Anteil von Erdgas an Stromproduktion soll verringert werden</a:t>
-            </a:r>
-          </a:p>
-          <a:p>
-            <a:r>
-              <a:rPr lang="de-DE" dirty="0"/>
-              <a:t>Steinkohlekraftwerke aus Netzreserve </a:t>
-            </a:r>
-          </a:p>
-          <a:p>
-            <a:pPr algn="just"/>
-            <a:r>
-              <a:rPr lang="de-DE" dirty="0"/>
-              <a:t>Braunkohlekraftwerke aus </a:t>
-            </a:r>
-            <a:r>
-              <a:rPr lang="de-DE" dirty="0" err="1"/>
-              <a:t>Sicherheitsbreitschaft</a:t>
-            </a:r>
-            <a:endParaRPr lang="de-DE" dirty="0"/>
-          </a:p>
-          <a:p>
-            <a:pPr algn="just"/>
-            <a:r>
-              <a:rPr lang="de-DE" dirty="0"/>
-              <a:t>Gelten vorübergehend bis Frühling 2024 und Sommer 2023</a:t>
-            </a:r>
-          </a:p>
-          <a:p>
-            <a:pPr algn="just"/>
-            <a:r>
-              <a:rPr lang="de-DE" dirty="0"/>
-              <a:t>Bedingung: Alarm- oder Notfallstufe Gas ausgerufen</a:t>
-            </a:r>
-          </a:p>
-          <a:p>
-            <a:pPr algn="just"/>
-            <a:r>
-              <a:rPr lang="de-DE" dirty="0"/>
-              <a:t>Kraftwerk Mehrum und Petershagen (Heyden 4) bereits wieder am Netz</a:t>
-            </a:r>
-          </a:p>
-        </p:txBody>
-      </p:sp>
-      <p:sp>
-        <p:nvSpPr>
-          <p:cNvPr id="5" name="Datumsplatzhalter 4"/>
-          <p:cNvSpPr>
-            <a:spLocks noGrp="1"/>
-          </p:cNvSpPr>
-          <p:nvPr>
-            <p:ph type="dt" sz="half" idx="10"/>
+              <a:t>22.11.2022</a:t>
+            </a:r>
+          </a:p>
+        </p:txBody>
+      </p:sp>
+      <p:sp>
+        <p:nvSpPr>
+          <p:cNvPr id="4" name="Fußzeilenplatzhalter 3"/>
+          <p:cNvSpPr>
+            <a:spLocks noGrp="1"/>
+          </p:cNvSpPr>
+          <p:nvPr>
+            <p:ph type="ftr" sz="quarter" idx="11"/>
           </p:nvPr>
         </p:nvSpPr>
         <p:spPr/>
@@ -6104,37 +6321,15 @@
           <a:lstStyle/>
           <a:p>
             <a:r>
-              <a:rPr lang="de-DE"/>
-              <a:t>20.05.2018</a:t>
-            </a:r>
-          </a:p>
-        </p:txBody>
-      </p:sp>
-      <p:sp>
-        <p:nvSpPr>
-          <p:cNvPr id="6" name="Fußzeilenplatzhalter 5"/>
-          <p:cNvSpPr>
-            <a:spLocks noGrp="1"/>
-          </p:cNvSpPr>
-          <p:nvPr>
-            <p:ph type="ftr" sz="quarter" idx="11"/>
-          </p:nvPr>
-        </p:nvSpPr>
-        <p:spPr/>
-        <p:txBody>
-          <a:bodyPr/>
-          <a:lstStyle/>
-          <a:p>
-            <a:r>
-              <a:rPr lang="de-DE"/>
-              <a:t>Titel; Referent/in</a:t>
-            </a:r>
-          </a:p>
-        </p:txBody>
-      </p:sp>
-      <p:sp>
-        <p:nvSpPr>
-          <p:cNvPr id="7" name="Foliennummernplatzhalter 6"/>
+              <a:rPr lang="de-DE" dirty="0"/>
+              <a:t>Wo befinden sich Kraftwerksreserven in Deutschland; Moritz Deckert, Fynn Linnenbrügger</a:t>
+            </a:r>
+          </a:p>
+        </p:txBody>
+      </p:sp>
+      <p:sp>
+        <p:nvSpPr>
+          <p:cNvPr id="5" name="Foliennummernplatzhalter 4"/>
           <p:cNvSpPr>
             <a:spLocks noGrp="1"/>
           </p:cNvSpPr>
@@ -6151,6 +6346,307 @@
               <a:rPr lang="de-DE" smtClean="0"/>
               <a:pPr/>
               <a:t>10</a:t>
+            </a:fld>
+            <a:endParaRPr lang="de-DE"/>
+          </a:p>
+        </p:txBody>
+      </p:sp>
+      <p:sp>
+        <p:nvSpPr>
+          <p:cNvPr id="6" name="Textplatzhalter 5"/>
+          <p:cNvSpPr>
+            <a:spLocks noGrp="1"/>
+          </p:cNvSpPr>
+          <p:nvPr>
+            <p:ph type="body" sz="quarter" idx="14"/>
+          </p:nvPr>
+        </p:nvSpPr>
+        <p:spPr>
+          <a:xfrm>
+            <a:off x="478800" y="1125539"/>
+            <a:ext cx="11304883" cy="5256212"/>
+          </a:xfrm>
+        </p:spPr>
+        <p:txBody>
+          <a:bodyPr/>
+          <a:lstStyle/>
+          <a:p>
+            <a:r>
+              <a:rPr lang="de-DE" dirty="0"/>
+              <a:t>Netzreserve:</a:t>
+            </a:r>
+          </a:p>
+          <a:p>
+            <a:pPr lvl="1"/>
+            <a:r>
+              <a:rPr lang="de-DE" dirty="0"/>
+              <a:t>Kraftwerke für den </a:t>
+            </a:r>
+            <a:r>
+              <a:rPr lang="de-DE" dirty="0" err="1"/>
+              <a:t>Redispatch</a:t>
+            </a:r>
+            <a:r>
+              <a:rPr lang="de-DE" dirty="0"/>
+              <a:t> (vorrangig im Süden)</a:t>
+            </a:r>
+          </a:p>
+          <a:p>
+            <a:pPr lvl="1"/>
+            <a:r>
+              <a:rPr lang="de-DE" dirty="0"/>
+              <a:t>Höhe wird aus Berechnungen der BNetzA und der ÜNB ermittelt</a:t>
+            </a:r>
+          </a:p>
+          <a:p>
+            <a:pPr lvl="1"/>
+            <a:r>
+              <a:rPr lang="de-DE" dirty="0"/>
+              <a:t>Winter 2022/2023: 8,264 GW; Winter 2023/2024: 5,361 GW</a:t>
+            </a:r>
+          </a:p>
+          <a:p>
+            <a:r>
+              <a:rPr lang="de-DE" dirty="0"/>
+              <a:t> Kapazitätsreserve:	</a:t>
+            </a:r>
+          </a:p>
+          <a:p>
+            <a:pPr lvl="1"/>
+            <a:r>
+              <a:rPr lang="de-DE" dirty="0"/>
+              <a:t>Aktivierung, bei Unterdeckung von Angebot und Nachfrage</a:t>
+            </a:r>
+          </a:p>
+          <a:p>
+            <a:pPr lvl="1"/>
+            <a:r>
+              <a:rPr lang="de-DE" dirty="0"/>
+              <a:t>Zeitlich nach Strombörse und Systemdienstleistungen</a:t>
+            </a:r>
+          </a:p>
+          <a:p>
+            <a:pPr lvl="1"/>
+            <a:r>
+              <a:rPr lang="de-DE" dirty="0"/>
+              <a:t>2 GW ausgeschrieben </a:t>
+            </a:r>
+            <a:r>
+              <a:rPr lang="de-DE" dirty="0">
+                <a:sym typeface="Wingdings" panose="05000000000000000000" pitchFamily="2" charset="2"/>
+              </a:rPr>
+              <a:t> 1,263 GW kontrahiert</a:t>
+            </a:r>
+          </a:p>
+          <a:p>
+            <a:r>
+              <a:rPr lang="de-DE" dirty="0">
+                <a:sym typeface="Wingdings" panose="05000000000000000000" pitchFamily="2" charset="2"/>
+              </a:rPr>
+              <a:t>Sicherheitsbereitschaft:</a:t>
+            </a:r>
+          </a:p>
+          <a:p>
+            <a:pPr lvl="1"/>
+            <a:r>
+              <a:rPr lang="de-DE" dirty="0">
+                <a:sym typeface="Wingdings" panose="05000000000000000000" pitchFamily="2" charset="2"/>
+              </a:rPr>
+              <a:t>Besteht ausschließlich aus Braunkohlekraftwerken, welche frühzeitig                                                               stillegelegt werden sollen, jedoch von der BNetzA als systemrelevant eingestuft sind</a:t>
+            </a:r>
+          </a:p>
+          <a:p>
+            <a:pPr lvl="1"/>
+            <a:r>
+              <a:rPr lang="de-DE" dirty="0">
+                <a:sym typeface="Wingdings" panose="05000000000000000000" pitchFamily="2" charset="2"/>
+              </a:rPr>
+              <a:t>Nach 10 Tagen betriebsbereit  weiteren 11 Stunden Minimallast  weiteren 13 Stunden Volllast</a:t>
+            </a:r>
+          </a:p>
+        </p:txBody>
+      </p:sp>
+    </p:spTree>
+    <p:extLst>
+      <p:ext uri="{BB962C8B-B14F-4D97-AF65-F5344CB8AC3E}">
+        <p14:creationId xmlns:p14="http://schemas.microsoft.com/office/powerpoint/2010/main" val="4162983354"/>
+      </p:ext>
+    </p:extLst>
+  </p:cSld>
+  <p:clrMapOvr>
+    <a:masterClrMapping/>
+  </p:clrMapOvr>
+</p:sld>
+</file>
+
+<file path=ppt/slides/slide11.xml><?xml version="1.0" encoding="utf-8"?>
+<p:sld xmlns:a="http://schemas.openxmlformats.org/drawingml/2006/main" xmlns:r="http://schemas.openxmlformats.org/officeDocument/2006/relationships" xmlns:p="http://schemas.openxmlformats.org/presentationml/2006/main">
+  <p:cSld>
+    <p:spTree>
+      <p:nvGrpSpPr>
+        <p:cNvPr id="1" name=""/>
+        <p:cNvGrpSpPr/>
+        <p:nvPr/>
+      </p:nvGrpSpPr>
+      <p:grpSpPr>
+        <a:xfrm>
+          <a:off x="0" y="0"/>
+          <a:ext cx="0" cy="0"/>
+          <a:chOff x="0" y="0"/>
+          <a:chExt cx="0" cy="0"/>
+        </a:xfrm>
+      </p:grpSpPr>
+      <p:sp>
+        <p:nvSpPr>
+          <p:cNvPr id="2" name="Titel 1"/>
+          <p:cNvSpPr>
+            <a:spLocks noGrp="1"/>
+          </p:cNvSpPr>
+          <p:nvPr>
+            <p:ph type="title"/>
+          </p:nvPr>
+        </p:nvSpPr>
+        <p:spPr/>
+        <p:txBody>
+          <a:bodyPr/>
+          <a:lstStyle/>
+          <a:p>
+            <a:r>
+              <a:rPr lang="de-DE" dirty="0"/>
+              <a:t>Veränderungen durch den Überfall Russlands auf die Ukraine</a:t>
+            </a:r>
+          </a:p>
+        </p:txBody>
+      </p:sp>
+      <p:sp>
+        <p:nvSpPr>
+          <p:cNvPr id="3" name="Inhaltsplatzhalter 2"/>
+          <p:cNvSpPr>
+            <a:spLocks noGrp="1"/>
+          </p:cNvSpPr>
+          <p:nvPr>
+            <p:ph sz="half" idx="1"/>
+          </p:nvPr>
+        </p:nvSpPr>
+        <p:spPr>
+          <a:xfrm>
+            <a:off x="479423" y="1125538"/>
+            <a:ext cx="10932991" cy="4981964"/>
+          </a:xfrm>
+        </p:spPr>
+        <p:txBody>
+          <a:bodyPr/>
+          <a:lstStyle/>
+          <a:p>
+            <a:r>
+              <a:rPr lang="de-DE" dirty="0"/>
+              <a:t>Anteil von Erdgas an Stromproduktion soll verringert werden</a:t>
+            </a:r>
+          </a:p>
+          <a:p>
+            <a:r>
+              <a:rPr lang="de-DE" dirty="0"/>
+              <a:t>Steinkohlekraftwerke aus Netzreserve </a:t>
+            </a:r>
+          </a:p>
+          <a:p>
+            <a:pPr algn="just"/>
+            <a:r>
+              <a:rPr lang="de-DE" dirty="0"/>
+              <a:t>Braunkohlekraftwerke aus </a:t>
+            </a:r>
+            <a:r>
+              <a:rPr lang="de-DE" dirty="0" err="1"/>
+              <a:t>Sicherheitsbreitschaft</a:t>
+            </a:r>
+            <a:endParaRPr lang="de-DE" dirty="0"/>
+          </a:p>
+          <a:p>
+            <a:pPr algn="just"/>
+            <a:r>
+              <a:rPr lang="de-DE" dirty="0"/>
+              <a:t>Gelten vorübergehend bis Frühling 2024 und Sommer 2023</a:t>
+            </a:r>
+          </a:p>
+          <a:p>
+            <a:pPr algn="just"/>
+            <a:r>
+              <a:rPr lang="de-DE" dirty="0"/>
+              <a:t>Bedingung: Alarm- oder Notfallstufe Gas ausgerufen</a:t>
+            </a:r>
+          </a:p>
+          <a:p>
+            <a:pPr algn="just"/>
+            <a:r>
+              <a:rPr lang="de-DE" dirty="0"/>
+              <a:t>Kraftwerk Mehrum und Petershagen (Heyden 4) bereits wieder am Netz</a:t>
+            </a:r>
+          </a:p>
+        </p:txBody>
+      </p:sp>
+      <p:sp>
+        <p:nvSpPr>
+          <p:cNvPr id="5" name="Datumsplatzhalter 4"/>
+          <p:cNvSpPr>
+            <a:spLocks noGrp="1"/>
+          </p:cNvSpPr>
+          <p:nvPr>
+            <p:ph type="dt" sz="half" idx="10"/>
+          </p:nvPr>
+        </p:nvSpPr>
+        <p:spPr/>
+        <p:txBody>
+          <a:bodyPr/>
+          <a:lstStyle/>
+          <a:p>
+            <a:r>
+              <a:rPr lang="de-DE" dirty="0"/>
+              <a:t>22.11.2022</a:t>
+            </a:r>
+          </a:p>
+        </p:txBody>
+      </p:sp>
+      <p:sp>
+        <p:nvSpPr>
+          <p:cNvPr id="6" name="Fußzeilenplatzhalter 5"/>
+          <p:cNvSpPr>
+            <a:spLocks noGrp="1"/>
+          </p:cNvSpPr>
+          <p:nvPr>
+            <p:ph type="ftr" sz="quarter" idx="11"/>
+          </p:nvPr>
+        </p:nvSpPr>
+        <p:spPr/>
+        <p:txBody>
+          <a:bodyPr/>
+          <a:lstStyle/>
+          <a:p>
+            <a:r>
+              <a:rPr lang="de-DE" dirty="0"/>
+              <a:t>Wo befinden sich Kraftwerksreserven in Deutschland; Moritz Deckert, Fynn Linnenbrügger</a:t>
+            </a:r>
+          </a:p>
+        </p:txBody>
+      </p:sp>
+      <p:sp>
+        <p:nvSpPr>
+          <p:cNvPr id="7" name="Foliennummernplatzhalter 6"/>
+          <p:cNvSpPr>
+            <a:spLocks noGrp="1"/>
+          </p:cNvSpPr>
+          <p:nvPr>
+            <p:ph type="sldNum" sz="quarter" idx="12"/>
+          </p:nvPr>
+        </p:nvSpPr>
+        <p:spPr/>
+        <p:txBody>
+          <a:bodyPr/>
+          <a:lstStyle/>
+          <a:p>
+            <a:fld id="{70C9534A-BDEF-4E2F-87B7-7CFE3C6EE2A5}" type="slidenum">
+              <a:rPr lang="de-DE" smtClean="0"/>
+              <a:pPr/>
+              <a:t>11</a:t>
             </a:fld>
             <a:endParaRPr lang="de-DE"/>
           </a:p>
@@ -6322,6 +6818,12 @@
           <a:p>
             <a:r>
               <a:rPr lang="de-DE" dirty="0"/>
+              <a:t>Thematische und begriffliche Einleitung in den Begriff der Kraftwerksreserven</a:t>
+            </a:r>
+          </a:p>
+          <a:p>
+            <a:r>
+              <a:rPr lang="de-DE" dirty="0"/>
               <a:t>Wie funktioniert der deutsche Strommarkt?</a:t>
             </a:r>
           </a:p>
@@ -6329,6 +6831,35 @@
             <a:r>
               <a:rPr lang="de-DE" dirty="0"/>
               <a:t>Kraftwerksreserven zur Frequenzstabilisierung</a:t>
+            </a:r>
+          </a:p>
+          <a:p>
+            <a:pPr lvl="1"/>
+            <a:r>
+              <a:rPr lang="de-DE" dirty="0" err="1"/>
+              <a:t>Momentanreserve</a:t>
+            </a:r>
+            <a:endParaRPr lang="de-DE" dirty="0"/>
+          </a:p>
+          <a:p>
+            <a:pPr lvl="1"/>
+            <a:r>
+              <a:rPr lang="de-DE" dirty="0"/>
+              <a:t>Primärreserve</a:t>
+            </a:r>
+          </a:p>
+          <a:p>
+            <a:pPr lvl="1"/>
+            <a:r>
+              <a:rPr lang="de-DE" dirty="0"/>
+              <a:t>Sekundärreserve</a:t>
+            </a:r>
+          </a:p>
+          <a:p>
+            <a:pPr lvl="1"/>
+            <a:r>
+              <a:rPr lang="de-DE" dirty="0"/>
+              <a:t>Minutenreserve</a:t>
             </a:r>
           </a:p>
           <a:p>
@@ -6449,6 +6980,433 @@
           <a:chExt cx="0" cy="0"/>
         </a:xfrm>
       </p:grpSpPr>
+      <p:sp>
+        <p:nvSpPr>
+          <p:cNvPr id="2" name="Titel 1">
+            <a:extLst>
+              <a:ext uri="{FF2B5EF4-FFF2-40B4-BE49-F238E27FC236}">
+                <a16:creationId xmlns:a16="http://schemas.microsoft.com/office/drawing/2014/main" id="{91399541-9D53-F5A0-9C1D-787DCE0AA9CB}"/>
+              </a:ext>
+            </a:extLst>
+          </p:cNvPr>
+          <p:cNvSpPr>
+            <a:spLocks noGrp="1"/>
+          </p:cNvSpPr>
+          <p:nvPr>
+            <p:ph type="title"/>
+          </p:nvPr>
+        </p:nvSpPr>
+        <p:spPr/>
+        <p:txBody>
+          <a:bodyPr/>
+          <a:lstStyle/>
+          <a:p>
+            <a:r>
+              <a:rPr lang="de-DE" dirty="0"/>
+              <a:t>Thematische und begriffliche Einleitung in den Begriff der Kraftwerksreserven</a:t>
+            </a:r>
+            <a:br>
+              <a:rPr lang="de-DE" dirty="0"/>
+            </a:br>
+            <a:endParaRPr lang="de-DE" dirty="0"/>
+          </a:p>
+        </p:txBody>
+      </p:sp>
+      <p:sp>
+        <p:nvSpPr>
+          <p:cNvPr id="3" name="Inhaltsplatzhalter 2">
+            <a:extLst>
+              <a:ext uri="{FF2B5EF4-FFF2-40B4-BE49-F238E27FC236}">
+                <a16:creationId xmlns:a16="http://schemas.microsoft.com/office/drawing/2014/main" id="{3B2FE8C5-D37F-6CC4-6670-71B1751EDF14}"/>
+              </a:ext>
+            </a:extLst>
+          </p:cNvPr>
+          <p:cNvSpPr>
+            <a:spLocks noGrp="1"/>
+          </p:cNvSpPr>
+          <p:nvPr>
+            <p:ph idx="1"/>
+          </p:nvPr>
+        </p:nvSpPr>
+        <p:spPr>
+          <a:xfrm>
+            <a:off x="478800" y="981075"/>
+            <a:ext cx="11227300" cy="5426925"/>
+          </a:xfrm>
+        </p:spPr>
+        <p:txBody>
+          <a:bodyPr/>
+          <a:lstStyle/>
+          <a:p>
+            <a:r>
+              <a:rPr lang="de-DE" dirty="0"/>
+              <a:t>Weit gefächerter Bereich</a:t>
+            </a:r>
+          </a:p>
+          <a:p>
+            <a:r>
+              <a:rPr lang="de-DE" dirty="0"/>
+              <a:t>Frequenzstabilisierung</a:t>
+            </a:r>
+          </a:p>
+          <a:p>
+            <a:r>
+              <a:rPr lang="de-DE" dirty="0"/>
+              <a:t>Reserveleistungsvorhaltung</a:t>
+            </a:r>
+          </a:p>
+          <a:p>
+            <a:r>
+              <a:rPr lang="de-DE" dirty="0"/>
+              <a:t>Herausforderungen aufgrund des Russland-Ukraine-Konflikts</a:t>
+            </a:r>
+          </a:p>
+          <a:p>
+            <a:pPr lvl="1"/>
+            <a:r>
+              <a:rPr lang="de-DE" dirty="0"/>
+              <a:t>Ausgefallene Gaslieferungen </a:t>
+            </a:r>
+            <a:r>
+              <a:rPr lang="de-DE" dirty="0">
+                <a:sym typeface="Wingdings" panose="05000000000000000000" pitchFamily="2" charset="2"/>
+              </a:rPr>
+              <a:t> steigende Energiepreise</a:t>
+            </a:r>
+          </a:p>
+          <a:p>
+            <a:pPr lvl="1"/>
+            <a:r>
+              <a:rPr lang="de-DE" dirty="0">
+                <a:sym typeface="Wingdings" panose="05000000000000000000" pitchFamily="2" charset="2"/>
+              </a:rPr>
+              <a:t>Maßnahmen zur Reduzierung </a:t>
+            </a:r>
+            <a:r>
+              <a:rPr lang="de-DE">
+                <a:sym typeface="Wingdings" panose="05000000000000000000" pitchFamily="2" charset="2"/>
+              </a:rPr>
+              <a:t>von Gas an </a:t>
+            </a:r>
+            <a:r>
+              <a:rPr lang="de-DE" dirty="0">
+                <a:sym typeface="Wingdings" panose="05000000000000000000" pitchFamily="2" charset="2"/>
+              </a:rPr>
+              <a:t>der Stromproduktion</a:t>
+            </a:r>
+          </a:p>
+          <a:p>
+            <a:r>
+              <a:rPr lang="de-DE" dirty="0">
+                <a:sym typeface="Wingdings" panose="05000000000000000000" pitchFamily="2" charset="2"/>
+              </a:rPr>
+              <a:t>Herausforderungen aufgrund des steigenden Anteils erneuerbarer Energien an der Stromproduktion</a:t>
+            </a:r>
+          </a:p>
+          <a:p>
+            <a:pPr lvl="1"/>
+            <a:r>
+              <a:rPr lang="de-DE" dirty="0">
+                <a:sym typeface="Wingdings" panose="05000000000000000000" pitchFamily="2" charset="2"/>
+              </a:rPr>
+              <a:t>Fehlende </a:t>
+            </a:r>
+            <a:r>
+              <a:rPr lang="de-DE" dirty="0" err="1">
+                <a:sym typeface="Wingdings" panose="05000000000000000000" pitchFamily="2" charset="2"/>
+              </a:rPr>
+              <a:t>Momentanreserve</a:t>
+            </a:r>
+            <a:endParaRPr lang="de-DE" dirty="0">
+              <a:sym typeface="Wingdings" panose="05000000000000000000" pitchFamily="2" charset="2"/>
+            </a:endParaRPr>
+          </a:p>
+          <a:p>
+            <a:pPr lvl="1"/>
+            <a:r>
+              <a:rPr lang="de-DE" dirty="0">
+                <a:sym typeface="Wingdings" panose="05000000000000000000" pitchFamily="2" charset="2"/>
+              </a:rPr>
+              <a:t>Größere Reserven um überregionale Schwankungen auszugleichen (geht mit Netzausbau einher)</a:t>
+            </a:r>
+          </a:p>
+          <a:p>
+            <a:pPr lvl="1"/>
+            <a:r>
+              <a:rPr lang="de-DE" dirty="0">
+                <a:sym typeface="Wingdings" panose="05000000000000000000" pitchFamily="2" charset="2"/>
+              </a:rPr>
+              <a:t>Fehlende Planbarkeit von Betriebsstunden  geringe Wirtschaftlichkeit</a:t>
+            </a:r>
+          </a:p>
+          <a:p>
+            <a:pPr lvl="1"/>
+            <a:endParaRPr lang="de-DE" dirty="0"/>
+          </a:p>
+          <a:p>
+            <a:pPr lvl="1"/>
+            <a:endParaRPr lang="de-DE" dirty="0"/>
+          </a:p>
+        </p:txBody>
+      </p:sp>
+      <p:sp>
+        <p:nvSpPr>
+          <p:cNvPr id="4" name="Datumsplatzhalter 3">
+            <a:extLst>
+              <a:ext uri="{FF2B5EF4-FFF2-40B4-BE49-F238E27FC236}">
+                <a16:creationId xmlns:a16="http://schemas.microsoft.com/office/drawing/2014/main" id="{6633A891-C5AA-6631-A633-0190476895DB}"/>
+              </a:ext>
+            </a:extLst>
+          </p:cNvPr>
+          <p:cNvSpPr>
+            <a:spLocks noGrp="1"/>
+          </p:cNvSpPr>
+          <p:nvPr>
+            <p:ph type="dt" sz="half" idx="10"/>
+          </p:nvPr>
+        </p:nvSpPr>
+        <p:spPr/>
+        <p:txBody>
+          <a:bodyPr/>
+          <a:lstStyle/>
+          <a:p>
+            <a:r>
+              <a:rPr lang="de-DE"/>
+              <a:t>22.11.2022</a:t>
+            </a:r>
+            <a:endParaRPr lang="de-DE" dirty="0"/>
+          </a:p>
+        </p:txBody>
+      </p:sp>
+      <p:sp>
+        <p:nvSpPr>
+          <p:cNvPr id="5" name="Fußzeilenplatzhalter 4">
+            <a:extLst>
+              <a:ext uri="{FF2B5EF4-FFF2-40B4-BE49-F238E27FC236}">
+                <a16:creationId xmlns:a16="http://schemas.microsoft.com/office/drawing/2014/main" id="{F5936867-4CA3-854F-C5AD-CEA05401FE83}"/>
+              </a:ext>
+            </a:extLst>
+          </p:cNvPr>
+          <p:cNvSpPr>
+            <a:spLocks noGrp="1"/>
+          </p:cNvSpPr>
+          <p:nvPr>
+            <p:ph type="ftr" sz="quarter" idx="11"/>
+          </p:nvPr>
+        </p:nvSpPr>
+        <p:spPr/>
+        <p:txBody>
+          <a:bodyPr/>
+          <a:lstStyle/>
+          <a:p>
+            <a:r>
+              <a:rPr lang="de-DE"/>
+              <a:t>Wo befinden sich Kraftwerksreserven in Deutschland?; Moritz Deckert, Fynn Linnenbrügger</a:t>
+            </a:r>
+            <a:endParaRPr lang="de-DE" dirty="0"/>
+          </a:p>
+        </p:txBody>
+      </p:sp>
+      <p:sp>
+        <p:nvSpPr>
+          <p:cNvPr id="6" name="Foliennummernplatzhalter 5">
+            <a:extLst>
+              <a:ext uri="{FF2B5EF4-FFF2-40B4-BE49-F238E27FC236}">
+                <a16:creationId xmlns:a16="http://schemas.microsoft.com/office/drawing/2014/main" id="{BAB37AB5-4237-B77E-F9A2-DB9B82CA2F47}"/>
+              </a:ext>
+            </a:extLst>
+          </p:cNvPr>
+          <p:cNvSpPr>
+            <a:spLocks noGrp="1"/>
+          </p:cNvSpPr>
+          <p:nvPr>
+            <p:ph type="sldNum" sz="quarter" idx="12"/>
+          </p:nvPr>
+        </p:nvSpPr>
+        <p:spPr/>
+        <p:txBody>
+          <a:bodyPr/>
+          <a:lstStyle/>
+          <a:p>
+            <a:fld id="{70C9534A-BDEF-4E2F-87B7-7CFE3C6EE2A5}" type="slidenum">
+              <a:rPr lang="de-DE" smtClean="0"/>
+              <a:t>3</a:t>
+            </a:fld>
+            <a:endParaRPr lang="de-DE"/>
+          </a:p>
+        </p:txBody>
+      </p:sp>
+    </p:spTree>
+    <p:extLst>
+      <p:ext uri="{BB962C8B-B14F-4D97-AF65-F5344CB8AC3E}">
+        <p14:creationId xmlns:p14="http://schemas.microsoft.com/office/powerpoint/2010/main" val="2678280316"/>
+      </p:ext>
+    </p:extLst>
+  </p:cSld>
+  <p:clrMapOvr>
+    <a:masterClrMapping/>
+  </p:clrMapOvr>
+</p:sld>
+</file>
+
+<file path=ppt/slides/slide4.xml><?xml version="1.0" encoding="utf-8"?>
+<p:sld xmlns:a="http://schemas.openxmlformats.org/drawingml/2006/main" xmlns:r="http://schemas.openxmlformats.org/officeDocument/2006/relationships" xmlns:p="http://schemas.openxmlformats.org/presentationml/2006/main">
+  <p:cSld>
+    <p:spTree>
+      <p:nvGrpSpPr>
+        <p:cNvPr id="1" name=""/>
+        <p:cNvGrpSpPr/>
+        <p:nvPr/>
+      </p:nvGrpSpPr>
+      <p:grpSpPr>
+        <a:xfrm>
+          <a:off x="0" y="0"/>
+          <a:ext cx="0" cy="0"/>
+          <a:chOff x="0" y="0"/>
+          <a:chExt cx="0" cy="0"/>
+        </a:xfrm>
+      </p:grpSpPr>
+      <p:grpSp>
+        <p:nvGrpSpPr>
+          <p:cNvPr id="25" name="Group 8">
+            <a:extLst>
+              <a:ext uri="{FF2B5EF4-FFF2-40B4-BE49-F238E27FC236}">
+                <a16:creationId xmlns:a16="http://schemas.microsoft.com/office/drawing/2014/main" id="{2538D068-3FF8-D52E-313D-593F4C526468}"/>
+              </a:ext>
+            </a:extLst>
+          </p:cNvPr>
+          <p:cNvGrpSpPr>
+            <a:grpSpLocks noChangeAspect="1"/>
+          </p:cNvGrpSpPr>
+          <p:nvPr/>
+        </p:nvGrpSpPr>
+        <p:grpSpPr bwMode="auto">
+          <a:xfrm>
+            <a:off x="7244693" y="3407225"/>
+            <a:ext cx="4176000" cy="3132000"/>
+            <a:chOff x="4391" y="2419"/>
+            <a:chExt cx="2316" cy="1737"/>
+          </a:xfrm>
+        </p:grpSpPr>
+        <p:sp>
+          <p:nvSpPr>
+            <p:cNvPr id="26" name="AutoShape 7">
+              <a:extLst>
+                <a:ext uri="{FF2B5EF4-FFF2-40B4-BE49-F238E27FC236}">
+                  <a16:creationId xmlns:a16="http://schemas.microsoft.com/office/drawing/2014/main" id="{9D6CA7A4-FF7C-91CE-9F4C-B0CC92C944CA}"/>
+                </a:ext>
+              </a:extLst>
+            </p:cNvPr>
+            <p:cNvSpPr>
+              <a:spLocks noChangeAspect="1" noChangeArrowheads="1" noTextEdit="1"/>
+            </p:cNvSpPr>
+            <p:nvPr/>
+          </p:nvSpPr>
+          <p:spPr bwMode="auto">
+            <a:xfrm>
+              <a:off x="4391" y="2419"/>
+              <a:ext cx="2316" cy="1737"/>
+            </a:xfrm>
+            <a:prstGeom prst="rect">
+              <a:avLst/>
+            </a:prstGeom>
+            <a:noFill/>
+            <a:ln>
+              <a:noFill/>
+            </a:ln>
+            <a:extLst>
+              <a:ext uri="{909E8E84-426E-40DD-AFC4-6F175D3DCCD1}">
+                <a14:hiddenFill xmlns:a14="http://schemas.microsoft.com/office/drawing/2010/main">
+                  <a:solidFill>
+                    <a:srgbClr val="FFFFFF"/>
+                  </a:solidFill>
+                </a14:hiddenFill>
+              </a:ext>
+              <a:ext uri="{91240B29-F687-4F45-9708-019B960494DF}">
+                <a14:hiddenLine xmlns:a14="http://schemas.microsoft.com/office/drawing/2010/main" w="9525">
+                  <a:solidFill>
+                    <a:srgbClr val="000000"/>
+                  </a:solidFill>
+                  <a:miter lim="800000"/>
+                  <a:headEnd/>
+                  <a:tailEnd/>
+                </a14:hiddenLine>
+              </a:ext>
+            </a:extLst>
+          </p:spPr>
+          <p:txBody>
+            <a:bodyPr vert="horz" wrap="square" lIns="91440" tIns="45720" rIns="91440" bIns="45720" numCol="1" anchor="t" anchorCtr="0" compatLnSpc="1">
+              <a:prstTxWarp prst="textNoShape">
+                <a:avLst/>
+              </a:prstTxWarp>
+            </a:bodyPr>
+            <a:lstStyle/>
+            <a:p>
+              <a:endParaRPr lang="de-DE"/>
+            </a:p>
+          </p:txBody>
+        </p:sp>
+        <p:pic>
+          <p:nvPicPr>
+            <p:cNvPr id="3081" name="Picture 9">
+              <a:extLst>
+                <a:ext uri="{FF2B5EF4-FFF2-40B4-BE49-F238E27FC236}">
+                  <a16:creationId xmlns:a16="http://schemas.microsoft.com/office/drawing/2014/main" id="{9BB80C62-FEBC-47CA-E94D-A13246BD2A43}"/>
+                </a:ext>
+              </a:extLst>
+            </p:cNvPr>
+            <p:cNvPicPr>
+              <a:picLocks noChangeAspect="1" noChangeArrowheads="1"/>
+            </p:cNvPicPr>
+            <p:nvPr/>
+          </p:nvPicPr>
+          <p:blipFill>
+            <a:blip r:embed="rId2">
+              <a:extLst>
+                <a:ext uri="{28A0092B-C50C-407E-A947-70E740481C1C}">
+                  <a14:useLocalDpi xmlns:a14="http://schemas.microsoft.com/office/drawing/2010/main" val="0"/>
+                </a:ext>
+              </a:extLst>
+            </a:blip>
+            <a:srcRect/>
+            <a:stretch>
+              <a:fillRect/>
+            </a:stretch>
+          </p:blipFill>
+          <p:spPr bwMode="auto">
+            <a:xfrm>
+              <a:off x="4391" y="2419"/>
+              <a:ext cx="2317" cy="1738"/>
+            </a:xfrm>
+            <a:prstGeom prst="rect">
+              <a:avLst/>
+            </a:prstGeom>
+            <a:noFill/>
+            <a:ln>
+              <a:noFill/>
+            </a:ln>
+            <a:extLst>
+              <a:ext uri="{909E8E84-426E-40DD-AFC4-6F175D3DCCD1}">
+                <a14:hiddenFill xmlns:a14="http://schemas.microsoft.com/office/drawing/2010/main">
+                  <a:solidFill>
+                    <a:srgbClr val="FFFFFF"/>
+                  </a:solidFill>
+                </a14:hiddenFill>
+              </a:ext>
+              <a:ext uri="{91240B29-F687-4F45-9708-019B960494DF}">
+                <a14:hiddenLine xmlns:a14="http://schemas.microsoft.com/office/drawing/2010/main" w="9525">
+                  <a:solidFill>
+                    <a:srgbClr val="000000"/>
+                  </a:solidFill>
+                  <a:miter lim="800000"/>
+                  <a:headEnd/>
+                  <a:tailEnd/>
+                </a14:hiddenLine>
+              </a:ext>
+            </a:extLst>
+          </p:spPr>
+        </p:pic>
+      </p:grpSp>
       <p:grpSp>
         <p:nvGrpSpPr>
           <p:cNvPr id="21" name="Group 4">
@@ -6465,7 +7423,7 @@
         </p:nvGrpSpPr>
         <p:grpSpPr bwMode="auto">
           <a:xfrm>
-            <a:off x="7246148" y="706994"/>
+            <a:off x="7246148" y="491126"/>
             <a:ext cx="4178001" cy="3132000"/>
             <a:chOff x="4171" y="256"/>
             <a:chExt cx="2812" cy="2108"/>
@@ -6544,7 +7502,7 @@
             <p:nvPr/>
           </p:nvPicPr>
           <p:blipFill>
-            <a:blip r:embed="rId2">
+            <a:blip r:embed="rId3">
               <a:extLst>
                 <a:ext uri="{28A0092B-C50C-407E-A947-70E740481C1C}">
                   <a14:useLocalDpi xmlns:a14="http://schemas.microsoft.com/office/drawing/2010/main" val="0"/>
@@ -6628,8 +7586,8 @@
           <a:lstStyle/>
           <a:p>
             <a:r>
-              <a:rPr lang="de-DE"/>
-              <a:t>20.05.2018</a:t>
+              <a:rPr lang="de-DE" dirty="0"/>
+              <a:t>22.11.2022</a:t>
             </a:r>
           </a:p>
         </p:txBody>
@@ -6650,8 +7608,8 @@
           <a:lstStyle/>
           <a:p>
             <a:r>
-              <a:rPr lang="de-DE"/>
-              <a:t>Titel; Referent/in</a:t>
+              <a:rPr lang="de-DE" dirty="0"/>
+              <a:t>Wo befinden sich Kraftwerksreserven in Deutschland; Moritz Deckert, Fynn Linnenbrügger</a:t>
             </a:r>
           </a:p>
         </p:txBody>
@@ -6674,7 +7632,7 @@
             <a:fld id="{70C9534A-BDEF-4E2F-87B7-7CFE3C6EE2A5}" type="slidenum">
               <a:rPr lang="de-DE" smtClean="0"/>
               <a:pPr/>
-              <a:t>3</a:t>
+              <a:t>4</a:t>
             </a:fld>
             <a:endParaRPr lang="de-DE"/>
           </a:p>
@@ -6788,147 +7746,6 @@
           </a:p>
         </p:txBody>
       </p:sp>
-      <p:grpSp>
-        <p:nvGrpSpPr>
-          <p:cNvPr id="25" name="Group 8">
-            <a:extLst>
-              <a:ext uri="{FF2B5EF4-FFF2-40B4-BE49-F238E27FC236}">
-                <a16:creationId xmlns:a16="http://schemas.microsoft.com/office/drawing/2014/main" id="{2538D068-3FF8-D52E-313D-593F4C526468}"/>
-              </a:ext>
-            </a:extLst>
-          </p:cNvPr>
-          <p:cNvGrpSpPr>
-            <a:grpSpLocks noChangeAspect="1"/>
-          </p:cNvGrpSpPr>
-          <p:nvPr/>
-        </p:nvGrpSpPr>
-        <p:grpSpPr bwMode="auto">
-          <a:xfrm>
-            <a:off x="7244693" y="3623093"/>
-            <a:ext cx="4176000" cy="3132000"/>
-            <a:chOff x="4391" y="2419"/>
-            <a:chExt cx="2316" cy="1737"/>
-          </a:xfrm>
-        </p:grpSpPr>
-        <p:sp>
-          <p:nvSpPr>
-            <p:cNvPr id="26" name="AutoShape 7">
-              <a:extLst>
-                <a:ext uri="{FF2B5EF4-FFF2-40B4-BE49-F238E27FC236}">
-                  <a16:creationId xmlns:a16="http://schemas.microsoft.com/office/drawing/2014/main" id="{9D6CA7A4-FF7C-91CE-9F4C-B0CC92C944CA}"/>
-                </a:ext>
-              </a:extLst>
-            </p:cNvPr>
-            <p:cNvSpPr>
-              <a:spLocks noChangeAspect="1" noChangeArrowheads="1" noTextEdit="1"/>
-            </p:cNvSpPr>
-            <p:nvPr/>
-          </p:nvSpPr>
-          <p:spPr bwMode="auto">
-            <a:xfrm>
-              <a:off x="4391" y="2419"/>
-              <a:ext cx="2316" cy="1737"/>
-            </a:xfrm>
-            <a:prstGeom prst="rect">
-              <a:avLst/>
-            </a:prstGeom>
-            <a:noFill/>
-            <a:ln>
-              <a:noFill/>
-            </a:ln>
-            <a:extLst>
-              <a:ext uri="{909E8E84-426E-40DD-AFC4-6F175D3DCCD1}">
-                <a14:hiddenFill xmlns:a14="http://schemas.microsoft.com/office/drawing/2010/main">
-                  <a:solidFill>
-                    <a:srgbClr val="FFFFFF"/>
-                  </a:solidFill>
-                </a14:hiddenFill>
-              </a:ext>
-              <a:ext uri="{91240B29-F687-4F45-9708-019B960494DF}">
-                <a14:hiddenLine xmlns:a14="http://schemas.microsoft.com/office/drawing/2010/main" w="9525">
-                  <a:solidFill>
-                    <a:srgbClr val="000000"/>
-                  </a:solidFill>
-                  <a:miter lim="800000"/>
-                  <a:headEnd/>
-                  <a:tailEnd/>
-                </a14:hiddenLine>
-              </a:ext>
-            </a:extLst>
-          </p:spPr>
-          <p:txBody>
-            <a:bodyPr vert="horz" wrap="square" lIns="91440" tIns="45720" rIns="91440" bIns="45720" numCol="1" anchor="t" anchorCtr="0" compatLnSpc="1">
-              <a:prstTxWarp prst="textNoShape">
-                <a:avLst/>
-              </a:prstTxWarp>
-            </a:bodyPr>
-            <a:lstStyle/>
-            <a:p>
-              <a:endParaRPr lang="de-DE"/>
-            </a:p>
-          </p:txBody>
-        </p:sp>
-        <p:pic>
-          <p:nvPicPr>
-            <p:cNvPr id="3081" name="Picture 9">
-              <a:extLst>
-                <a:ext uri="{FF2B5EF4-FFF2-40B4-BE49-F238E27FC236}">
-                  <a16:creationId xmlns:a16="http://schemas.microsoft.com/office/drawing/2014/main" id="{9BB80C62-FEBC-47CA-E94D-A13246BD2A43}"/>
-                </a:ext>
-              </a:extLst>
-            </p:cNvPr>
-            <p:cNvPicPr>
-              <a:picLocks noChangeAspect="1" noChangeArrowheads="1"/>
-            </p:cNvPicPr>
-            <p:nvPr/>
-          </p:nvPicPr>
-          <p:blipFill>
-            <a:blip r:embed="rId3">
-              <a:extLst>
-                <a:ext uri="{28A0092B-C50C-407E-A947-70E740481C1C}">
-                  <a14:useLocalDpi xmlns:a14="http://schemas.microsoft.com/office/drawing/2010/main" val="0"/>
-                </a:ext>
-              </a:extLst>
-            </a:blip>
-            <a:srcRect/>
-            <a:stretch>
-              <a:fillRect/>
-            </a:stretch>
-          </p:blipFill>
-          <p:spPr bwMode="auto">
-            <a:xfrm>
-              <a:off x="4391" y="2419"/>
-              <a:ext cx="2317" cy="1738"/>
-            </a:xfrm>
-            <a:prstGeom prst="rect">
-              <a:avLst/>
-            </a:prstGeom>
-            <a:noFill/>
-            <a:ln>
-              <a:noFill/>
-            </a:ln>
-            <a:extLst>
-              <a:ext uri="{909E8E84-426E-40DD-AFC4-6F175D3DCCD1}">
-                <a14:hiddenFill xmlns:a14="http://schemas.microsoft.com/office/drawing/2010/main">
-                  <a:solidFill>
-                    <a:srgbClr val="FFFFFF"/>
-                  </a:solidFill>
-                </a14:hiddenFill>
-              </a:ext>
-              <a:ext uri="{91240B29-F687-4F45-9708-019B960494DF}">
-                <a14:hiddenLine xmlns:a14="http://schemas.microsoft.com/office/drawing/2010/main" w="9525">
-                  <a:solidFill>
-                    <a:srgbClr val="000000"/>
-                  </a:solidFill>
-                  <a:miter lim="800000"/>
-                  <a:headEnd/>
-                  <a:tailEnd/>
-                </a14:hiddenLine>
-              </a:ext>
-            </a:extLst>
-          </p:spPr>
-        </p:pic>
-      </p:grpSp>
     </p:spTree>
     <p:extLst>
       <p:ext uri="{BB962C8B-B14F-4D97-AF65-F5344CB8AC3E}">
@@ -6942,7 +7759,7 @@
 </p:sld>
 </file>
 
-<file path=ppt/slides/slide4.xml><?xml version="1.0" encoding="utf-8"?>
+<file path=ppt/slides/slide5.xml><?xml version="1.0" encoding="utf-8"?>
 <p:sld xmlns:a="http://schemas.openxmlformats.org/drawingml/2006/main" xmlns:r="http://schemas.openxmlformats.org/officeDocument/2006/relationships" xmlns:p="http://schemas.openxmlformats.org/presentationml/2006/main">
   <p:cSld>
     <p:spTree>
@@ -7076,8 +7893,8 @@
               </a:spcAft>
             </a:pPr>
             <a:r>
-              <a:rPr lang="de-DE"/>
-              <a:t>20.05.2018</a:t>
+              <a:rPr lang="de-DE" dirty="0"/>
+              <a:t>22.11.2022</a:t>
             </a:r>
           </a:p>
         </p:txBody>
@@ -7100,7 +7917,7 @@
         </p:spPr>
         <p:txBody>
           <a:bodyPr anchor="t">
-            <a:normAutofit/>
+            <a:noAutofit/>
           </a:bodyPr>
           <a:lstStyle/>
           <a:p>
@@ -7110,9 +7927,17 @@
               </a:spcAft>
             </a:pPr>
             <a:r>
-              <a:rPr lang="de-DE"/>
-              <a:t>Titel; Referent/in</a:t>
-            </a:r>
+              <a:rPr lang="de-DE" dirty="0"/>
+              <a:t>Wo befinden sich Kraftwerksreserven in Deutschland; Moritz Deckert, Fynn Linnenbrügger</a:t>
+            </a:r>
+          </a:p>
+          <a:p>
+            <a:pPr>
+              <a:spcAft>
+                <a:spcPts val="600"/>
+              </a:spcAft>
+            </a:pPr>
+            <a:endParaRPr lang="de-DE" dirty="0"/>
           </a:p>
         </p:txBody>
       </p:sp>
@@ -7150,7 +7975,7 @@
                   <a:spcPts val="600"/>
                 </a:spcAft>
               </a:pPr>
-              <a:t>4</a:t>
+              <a:t>5</a:t>
             </a:fld>
             <a:endParaRPr lang="de-DE"/>
           </a:p>
@@ -7175,7 +8000,7 @@
         <p:spPr>
           <a:xfrm>
             <a:off x="479425" y="1134000"/>
-            <a:ext cx="8112484" cy="5105221"/>
+            <a:ext cx="8112484" cy="4292015"/>
           </a:xfrm>
         </p:spPr>
         <p:txBody>
@@ -7534,26 +8359,6 @@
             <a:pPr marL="0" indent="0">
               <a:buNone/>
             </a:pPr>
-            <a:endParaRPr lang="en-US" dirty="0">
-              <a:sym typeface="Wingdings" panose="05000000000000000000" pitchFamily="2" charset="2"/>
-            </a:endParaRPr>
-          </a:p>
-          <a:p>
-            <a:pPr marL="0" indent="0">
-              <a:buNone/>
-            </a:pPr>
-            <a:endParaRPr lang="en-US" dirty="0"/>
-          </a:p>
-          <a:p>
-            <a:pPr marL="0" indent="0">
-              <a:buNone/>
-            </a:pPr>
-            <a:endParaRPr lang="en-US" dirty="0"/>
-          </a:p>
-          <a:p>
-            <a:endParaRPr lang="en-US" dirty="0"/>
-          </a:p>
-          <a:p>
             <a:endParaRPr lang="en-US" dirty="0"/>
           </a:p>
           <a:p>
@@ -7574,7 +8379,7 @@
 </p:sld>
 </file>
 
-<file path=ppt/slides/slide5.xml><?xml version="1.0" encoding="utf-8"?>
+<file path=ppt/slides/slide6.xml><?xml version="1.0" encoding="utf-8"?>
 <p:sld xmlns:a="http://schemas.openxmlformats.org/drawingml/2006/main" xmlns:r="http://schemas.openxmlformats.org/officeDocument/2006/relationships" xmlns:p="http://schemas.openxmlformats.org/presentationml/2006/main">
   <p:cSld>
     <p:spTree>
@@ -7698,19 +8503,15 @@
           <a:p>
             <a:r>
               <a:rPr lang="de-DE" dirty="0"/>
-              <a:t>Kraftwerksreserven zur Frequenzstabilisierung</a:t>
+              <a:t>Kraftwerksreserven zur Frequenzstabilisierung - </a:t>
+            </a:r>
+            <a:r>
+              <a:rPr lang="de-DE" dirty="0" err="1"/>
+              <a:t>Momentanreserve</a:t>
             </a:r>
             <a:br>
               <a:rPr lang="de-DE" dirty="0"/>
             </a:br>
-            <a:r>
-              <a:rPr lang="de-DE" sz="1800" dirty="0" err="1">
-                <a:solidFill>
-                  <a:srgbClr val="888888"/>
-                </a:solidFill>
-              </a:rPr>
-              <a:t>Momentanreserve</a:t>
-            </a:r>
             <a:br>
               <a:rPr lang="de-DE" dirty="0"/>
             </a:br>
@@ -7734,8 +8535,8 @@
           <a:lstStyle/>
           <a:p>
             <a:r>
-              <a:rPr lang="de-DE"/>
-              <a:t>20.05.2018</a:t>
+              <a:rPr lang="de-DE" dirty="0"/>
+              <a:t>22.11.2022</a:t>
             </a:r>
           </a:p>
         </p:txBody>
@@ -7756,8 +8557,8 @@
           <a:lstStyle/>
           <a:p>
             <a:r>
-              <a:rPr lang="de-DE"/>
-              <a:t>Titel; Referent/in</a:t>
+              <a:rPr lang="de-DE" dirty="0"/>
+              <a:t>Wo befinden sich Kraftwerksreserven in Deutschland; Moritz Deckert, Fynn Linnenbrügger</a:t>
             </a:r>
           </a:p>
         </p:txBody>
@@ -7780,7 +8581,7 @@
             <a:fld id="{70C9534A-BDEF-4E2F-87B7-7CFE3C6EE2A5}" type="slidenum">
               <a:rPr lang="de-DE" smtClean="0"/>
               <a:pPr/>
-              <a:t>5</a:t>
+              <a:t>6</a:t>
             </a:fld>
             <a:endParaRPr lang="de-DE"/>
           </a:p>
@@ -7830,7 +8631,7 @@
 </p:sld>
 </file>
 
-<file path=ppt/slides/slide6.xml><?xml version="1.0" encoding="utf-8"?>
+<file path=ppt/slides/slide7.xml><?xml version="1.0" encoding="utf-8"?>
 <p:sld xmlns:a="http://schemas.openxmlformats.org/drawingml/2006/main" xmlns:r="http://schemas.openxmlformats.org/officeDocument/2006/relationships" xmlns:p="http://schemas.openxmlformats.org/presentationml/2006/main">
   <p:cSld>
     <p:spTree>
@@ -7894,19 +8695,11 @@
           <a:p>
             <a:r>
               <a:rPr lang="de-DE" dirty="0"/>
-              <a:t>Kraftwerksreserven zur Frequenzstabilisierung</a:t>
+              <a:t>Kraftwerksreserven zur Frequenzstabilisierung - Primärreserve</a:t>
             </a:r>
             <a:br>
               <a:rPr lang="de-DE" dirty="0"/>
             </a:br>
-            <a:r>
-              <a:rPr lang="de-DE" sz="1800" dirty="0">
-                <a:solidFill>
-                  <a:srgbClr val="888888"/>
-                </a:solidFill>
-              </a:rPr>
-              <a:t>Primärreserve</a:t>
-            </a:r>
             <a:br>
               <a:rPr lang="de-DE" dirty="0"/>
             </a:br>
@@ -7914,8 +8707,8 @@
           </a:p>
         </p:txBody>
       </p:sp>
-      <mc:AlternateContent xmlns:mc="http://schemas.openxmlformats.org/markup-compatibility/2006">
-        <mc:Choice xmlns:a14="http://schemas.microsoft.com/office/drawing/2010/main" Requires="a14">
+      <mc:AlternateContent xmlns:mc="http://schemas.openxmlformats.org/markup-compatibility/2006" xmlns:a14="http://schemas.microsoft.com/office/drawing/2010/main">
+        <mc:Choice Requires="a14">
           <p:sp>
             <p:nvSpPr>
               <p:cNvPr id="3" name="Inhaltsplatzhalter 2"/>
@@ -8030,7 +8823,7 @@
             </p:txBody>
           </p:sp>
         </mc:Choice>
-        <mc:Fallback>
+        <mc:Fallback xmlns="">
           <p:sp>
             <p:nvSpPr>
               <p:cNvPr id="3" name="Inhaltsplatzhalter 2"/>
@@ -8080,8 +8873,8 @@
           <a:lstStyle/>
           <a:p>
             <a:r>
-              <a:rPr lang="de-DE"/>
-              <a:t>20.05.2018</a:t>
+              <a:rPr lang="de-DE" dirty="0"/>
+              <a:t>22.11.2022</a:t>
             </a:r>
           </a:p>
         </p:txBody>
@@ -8102,8 +8895,8 @@
           <a:lstStyle/>
           <a:p>
             <a:r>
-              <a:rPr lang="de-DE"/>
-              <a:t>Titel; Referent/in</a:t>
+              <a:rPr lang="de-DE" dirty="0"/>
+              <a:t>Wo befinden sich Kraftwerksreserven in Deutschland; Moritz Deckert, Fynn Linnenbrügger</a:t>
             </a:r>
           </a:p>
         </p:txBody>
@@ -8126,7 +8919,7 @@
             <a:fld id="{70C9534A-BDEF-4E2F-87B7-7CFE3C6EE2A5}" type="slidenum">
               <a:rPr lang="de-DE" smtClean="0"/>
               <a:pPr/>
-              <a:t>6</a:t>
+              <a:t>7</a:t>
             </a:fld>
             <a:endParaRPr lang="de-DE"/>
           </a:p>
@@ -8145,7 +8938,7 @@
 </p:sld>
 </file>
 
-<file path=ppt/slides/slide7.xml><?xml version="1.0" encoding="utf-8"?>
+<file path=ppt/slides/slide8.xml><?xml version="1.0" encoding="utf-8"?>
 <p:sld xmlns:a="http://schemas.openxmlformats.org/drawingml/2006/main" xmlns:r="http://schemas.openxmlformats.org/officeDocument/2006/relationships" xmlns:p="http://schemas.openxmlformats.org/presentationml/2006/main">
   <p:cSld>
     <p:spTree>
@@ -8179,19 +8972,11 @@
           <a:p>
             <a:r>
               <a:rPr lang="de-DE" dirty="0"/>
-              <a:t>Kraftwerksreserven zur Frequenzstabilisierung</a:t>
+              <a:t>Kraftwerksreserven zur Frequenzstabilisierung - Sekundärreserve</a:t>
             </a:r>
             <a:br>
               <a:rPr lang="de-DE" dirty="0"/>
             </a:br>
-            <a:r>
-              <a:rPr lang="de-DE" sz="1800" dirty="0">
-                <a:solidFill>
-                  <a:srgbClr val="888888"/>
-                </a:solidFill>
-              </a:rPr>
-              <a:t>Sekundärreserve</a:t>
-            </a:r>
             <a:br>
               <a:rPr lang="de-DE" dirty="0"/>
             </a:br>
@@ -8234,7 +9019,7 @@
           <a:p>
             <a:r>
               <a:rPr lang="de-DE" dirty="0"/>
-              <a:t>Vollständige Leistung muss für 15 Minuten bereitstehen</a:t>
+              <a:t>Vollständige Leistung muss für 55 Minuten bereitstehen</a:t>
             </a:r>
           </a:p>
           <a:p>
@@ -8303,8 +9088,8 @@
           <a:lstStyle/>
           <a:p>
             <a:r>
-              <a:rPr lang="de-DE"/>
-              <a:t>20.05.2018</a:t>
+              <a:rPr lang="de-DE" dirty="0"/>
+              <a:t>22.11.2022</a:t>
             </a:r>
           </a:p>
         </p:txBody>
@@ -8325,8 +9110,8 @@
           <a:lstStyle/>
           <a:p>
             <a:r>
-              <a:rPr lang="de-DE"/>
-              <a:t>Titel; Referent/in</a:t>
+              <a:rPr lang="de-DE" dirty="0"/>
+              <a:t>Wo befinden sich Kraftwerksreserven in Deutschland; Moritz Deckert, Fynn Linnenbrügger</a:t>
             </a:r>
           </a:p>
         </p:txBody>
@@ -8349,7 +9134,7 @@
             <a:fld id="{70C9534A-BDEF-4E2F-87B7-7CFE3C6EE2A5}" type="slidenum">
               <a:rPr lang="de-DE" smtClean="0"/>
               <a:pPr/>
-              <a:t>7</a:t>
+              <a:t>8</a:t>
             </a:fld>
             <a:endParaRPr lang="de-DE"/>
           </a:p>
@@ -8399,7 +9184,7 @@
 </p:sld>
 </file>
 
-<file path=ppt/slides/slide8.xml><?xml version="1.0" encoding="utf-8"?>
+<file path=ppt/slides/slide9.xml><?xml version="1.0" encoding="utf-8"?>
 <p:sld xmlns:a="http://schemas.openxmlformats.org/drawingml/2006/main" xmlns:r="http://schemas.openxmlformats.org/officeDocument/2006/relationships" xmlns:p="http://schemas.openxmlformats.org/presentationml/2006/main">
   <p:cSld>
     <p:spTree>
@@ -8433,19 +9218,11 @@
           <a:p>
             <a:r>
               <a:rPr lang="de-DE" dirty="0"/>
-              <a:t>Kraftwerksreserven zur Frequenzstabilisierung</a:t>
+              <a:t>Kraftwerksreserven zur Frequenzstabilisierung - Minutenreserve</a:t>
             </a:r>
             <a:br>
               <a:rPr lang="de-DE" dirty="0"/>
             </a:br>
-            <a:r>
-              <a:rPr lang="de-DE" sz="1800" dirty="0">
-                <a:solidFill>
-                  <a:srgbClr val="888888"/>
-                </a:solidFill>
-              </a:rPr>
-              <a:t>Minutenreserve und nachfolgender Bilanzausgleich </a:t>
-            </a:r>
             <a:br>
               <a:rPr lang="de-DE" dirty="0"/>
             </a:br>
@@ -8535,8 +9312,8 @@
           <a:lstStyle/>
           <a:p>
             <a:r>
-              <a:rPr lang="de-DE"/>
-              <a:t>20.05.2018</a:t>
+              <a:rPr lang="de-DE" dirty="0"/>
+              <a:t>22.11.2022</a:t>
             </a:r>
           </a:p>
         </p:txBody>
@@ -8557,8 +9334,8 @@
           <a:lstStyle/>
           <a:p>
             <a:r>
-              <a:rPr lang="de-DE"/>
-              <a:t>Titel; Referent/in</a:t>
+              <a:rPr lang="de-DE" dirty="0"/>
+              <a:t>Wo befinden sich Kraftwerksreserven in Deutschland; Moritz Deckert, Fynn Linnenbrügger</a:t>
             </a:r>
           </a:p>
         </p:txBody>
@@ -8581,7 +9358,7 @@
             <a:fld id="{70C9534A-BDEF-4E2F-87B7-7CFE3C6EE2A5}" type="slidenum">
               <a:rPr lang="de-DE" smtClean="0"/>
               <a:pPr/>
-              <a:t>8</a:t>
+              <a:t>9</a:t>
             </a:fld>
             <a:endParaRPr lang="de-DE"/>
           </a:p>
@@ -8622,283 +9399,6 @@
     <p:extLst>
       <p:ext uri="{BB962C8B-B14F-4D97-AF65-F5344CB8AC3E}">
         <p14:creationId xmlns:p14="http://schemas.microsoft.com/office/powerpoint/2010/main" val="3887125834"/>
-      </p:ext>
-    </p:extLst>
-  </p:cSld>
-  <p:clrMapOvr>
-    <a:masterClrMapping/>
-  </p:clrMapOvr>
-</p:sld>
-</file>
-
-<file path=ppt/slides/slide9.xml><?xml version="1.0" encoding="utf-8"?>
-<p:sld xmlns:a="http://schemas.openxmlformats.org/drawingml/2006/main" xmlns:r="http://schemas.openxmlformats.org/officeDocument/2006/relationships" xmlns:p="http://schemas.openxmlformats.org/presentationml/2006/main">
-  <p:cSld>
-    <p:spTree>
-      <p:nvGrpSpPr>
-        <p:cNvPr id="1" name=""/>
-        <p:cNvGrpSpPr/>
-        <p:nvPr/>
-      </p:nvGrpSpPr>
-      <p:grpSpPr>
-        <a:xfrm>
-          <a:off x="0" y="0"/>
-          <a:ext cx="0" cy="0"/>
-          <a:chOff x="0" y="0"/>
-          <a:chExt cx="0" cy="0"/>
-        </a:xfrm>
-      </p:grpSpPr>
-      <p:pic>
-        <p:nvPicPr>
-          <p:cNvPr id="11" name="Grafik 10">
-            <a:extLst>
-              <a:ext uri="{FF2B5EF4-FFF2-40B4-BE49-F238E27FC236}">
-                <a16:creationId xmlns:a16="http://schemas.microsoft.com/office/drawing/2014/main" id="{10EC84E2-095D-5897-4E87-135A70B3C990}"/>
-              </a:ext>
-            </a:extLst>
-          </p:cNvPr>
-          <p:cNvPicPr>
-            <a:picLocks noChangeAspect="1"/>
-          </p:cNvPicPr>
-          <p:nvPr/>
-        </p:nvPicPr>
-        <p:blipFill>
-          <a:blip r:embed="rId2"/>
-          <a:stretch>
-            <a:fillRect/>
-          </a:stretch>
-        </p:blipFill>
-        <p:spPr>
-          <a:xfrm>
-            <a:off x="6329011" y="620712"/>
-            <a:ext cx="6107324" cy="4756860"/>
-          </a:xfrm>
-          <a:prstGeom prst="rect">
-            <a:avLst/>
-          </a:prstGeom>
-        </p:spPr>
-      </p:pic>
-      <p:sp>
-        <p:nvSpPr>
-          <p:cNvPr id="2" name="Titel 1"/>
-          <p:cNvSpPr>
-            <a:spLocks noGrp="1"/>
-          </p:cNvSpPr>
-          <p:nvPr>
-            <p:ph type="title"/>
-          </p:nvPr>
-        </p:nvSpPr>
-        <p:spPr/>
-        <p:txBody>
-          <a:bodyPr/>
-          <a:lstStyle/>
-          <a:p>
-            <a:r>
-              <a:rPr lang="de-DE" dirty="0"/>
-              <a:t>Kraftwerksreserven zur Reserveleistungsvorhaltung</a:t>
-            </a:r>
-            <a:br>
-              <a:rPr lang="de-DE" dirty="0"/>
-            </a:br>
-            <a:r>
-              <a:rPr lang="de-DE" sz="1800" dirty="0">
-                <a:solidFill>
-                  <a:srgbClr val="888888"/>
-                </a:solidFill>
-              </a:rPr>
-              <a:t>Netzreserve, Kapazitätsreserve und Sicherheitsbereitschaft</a:t>
-            </a:r>
-            <a:endParaRPr lang="de-DE" sz="1800" dirty="0"/>
-          </a:p>
-        </p:txBody>
-      </p:sp>
-      <p:sp>
-        <p:nvSpPr>
-          <p:cNvPr id="3" name="Datumsplatzhalter 2"/>
-          <p:cNvSpPr>
-            <a:spLocks noGrp="1"/>
-          </p:cNvSpPr>
-          <p:nvPr>
-            <p:ph type="dt" sz="half" idx="10"/>
-          </p:nvPr>
-        </p:nvSpPr>
-        <p:spPr/>
-        <p:txBody>
-          <a:bodyPr/>
-          <a:lstStyle/>
-          <a:p>
-            <a:r>
-              <a:rPr lang="de-DE"/>
-              <a:t>20.05.2018</a:t>
-            </a:r>
-          </a:p>
-        </p:txBody>
-      </p:sp>
-      <p:sp>
-        <p:nvSpPr>
-          <p:cNvPr id="4" name="Fußzeilenplatzhalter 3"/>
-          <p:cNvSpPr>
-            <a:spLocks noGrp="1"/>
-          </p:cNvSpPr>
-          <p:nvPr>
-            <p:ph type="ftr" sz="quarter" idx="11"/>
-          </p:nvPr>
-        </p:nvSpPr>
-        <p:spPr/>
-        <p:txBody>
-          <a:bodyPr/>
-          <a:lstStyle/>
-          <a:p>
-            <a:r>
-              <a:rPr lang="de-DE"/>
-              <a:t>Titel; Referent/in</a:t>
-            </a:r>
-          </a:p>
-        </p:txBody>
-      </p:sp>
-      <p:sp>
-        <p:nvSpPr>
-          <p:cNvPr id="5" name="Foliennummernplatzhalter 4"/>
-          <p:cNvSpPr>
-            <a:spLocks noGrp="1"/>
-          </p:cNvSpPr>
-          <p:nvPr>
-            <p:ph type="sldNum" sz="quarter" idx="12"/>
-          </p:nvPr>
-        </p:nvSpPr>
-        <p:spPr/>
-        <p:txBody>
-          <a:bodyPr/>
-          <a:lstStyle/>
-          <a:p>
-            <a:fld id="{70C9534A-BDEF-4E2F-87B7-7CFE3C6EE2A5}" type="slidenum">
-              <a:rPr lang="de-DE" smtClean="0"/>
-              <a:pPr/>
-              <a:t>9</a:t>
-            </a:fld>
-            <a:endParaRPr lang="de-DE"/>
-          </a:p>
-        </p:txBody>
-      </p:sp>
-      <p:sp>
-        <p:nvSpPr>
-          <p:cNvPr id="6" name="Textplatzhalter 5"/>
-          <p:cNvSpPr>
-            <a:spLocks noGrp="1"/>
-          </p:cNvSpPr>
-          <p:nvPr>
-            <p:ph type="body" sz="quarter" idx="14"/>
-          </p:nvPr>
-        </p:nvSpPr>
-        <p:spPr>
-          <a:xfrm>
-            <a:off x="478800" y="1125539"/>
-            <a:ext cx="11304883" cy="5256212"/>
-          </a:xfrm>
-        </p:spPr>
-        <p:txBody>
-          <a:bodyPr/>
-          <a:lstStyle/>
-          <a:p>
-            <a:r>
-              <a:rPr lang="de-DE" dirty="0"/>
-              <a:t>Netzreserve:</a:t>
-            </a:r>
-          </a:p>
-          <a:p>
-            <a:pPr lvl="1"/>
-            <a:r>
-              <a:rPr lang="de-DE" dirty="0"/>
-              <a:t>Kraftwerke für den </a:t>
-            </a:r>
-            <a:r>
-              <a:rPr lang="de-DE" dirty="0" err="1"/>
-              <a:t>Redispatch</a:t>
-            </a:r>
-            <a:r>
-              <a:rPr lang="de-DE" dirty="0"/>
-              <a:t> (vorrangig im Süden)</a:t>
-            </a:r>
-          </a:p>
-          <a:p>
-            <a:pPr lvl="1"/>
-            <a:r>
-              <a:rPr lang="de-DE" dirty="0"/>
-              <a:t>Höhe wird aus Berechnungen der BNetzA und der ÜNB ermittelt</a:t>
-            </a:r>
-          </a:p>
-          <a:p>
-            <a:pPr lvl="1"/>
-            <a:r>
-              <a:rPr lang="de-DE" dirty="0"/>
-              <a:t>Winter 2022/2023: 8,264 GW; Winter 2023/2024: 5,361 GW</a:t>
-            </a:r>
-          </a:p>
-          <a:p>
-            <a:r>
-              <a:rPr lang="de-DE" dirty="0"/>
-              <a:t> Kapazitätsreserve:	</a:t>
-            </a:r>
-          </a:p>
-          <a:p>
-            <a:pPr lvl="1"/>
-            <a:r>
-              <a:rPr lang="de-DE" dirty="0"/>
-              <a:t>Aktivierung, bei Unterdeckung von Angebot und Nachfrage</a:t>
-            </a:r>
-          </a:p>
-          <a:p>
-            <a:pPr lvl="1"/>
-            <a:r>
-              <a:rPr lang="de-DE" dirty="0"/>
-              <a:t>Zeitlich nach Strombörse und Systemdienstleistungen</a:t>
-            </a:r>
-          </a:p>
-          <a:p>
-            <a:pPr lvl="1"/>
-            <a:r>
-              <a:rPr lang="de-DE" dirty="0"/>
-              <a:t>2 GW ausgeschrieben </a:t>
-            </a:r>
-            <a:r>
-              <a:rPr lang="de-DE" dirty="0">
-                <a:sym typeface="Wingdings" panose="05000000000000000000" pitchFamily="2" charset="2"/>
-              </a:rPr>
-              <a:t> 1,263 GW kontrahiert</a:t>
-            </a:r>
-          </a:p>
-          <a:p>
-            <a:r>
-              <a:rPr lang="de-DE" dirty="0">
-                <a:sym typeface="Wingdings" panose="05000000000000000000" pitchFamily="2" charset="2"/>
-              </a:rPr>
-              <a:t>Sicherheitsbereitschaft:</a:t>
-            </a:r>
-          </a:p>
-          <a:p>
-            <a:pPr lvl="1"/>
-            <a:r>
-              <a:rPr lang="de-DE" dirty="0">
-                <a:sym typeface="Wingdings" panose="05000000000000000000" pitchFamily="2" charset="2"/>
-              </a:rPr>
-              <a:t>Besteht ausschließlich aus Braunkohlekraftwerken, welche frühzeitig                                                               stillegelegt werden sollen, jedoch von der BNetzA als systemrelevant eingestuft sind</a:t>
-            </a:r>
-          </a:p>
-          <a:p>
-            <a:pPr lvl="1"/>
-            <a:r>
-              <a:rPr lang="de-DE" dirty="0">
-                <a:sym typeface="Wingdings" panose="05000000000000000000" pitchFamily="2" charset="2"/>
-              </a:rPr>
-              <a:t>Nach 10 Tagen betriebsbereit  weiteren 11 Stunden Minimallast  weiteren 13 Stunden Volllast</a:t>
-            </a:r>
-          </a:p>
-        </p:txBody>
-      </p:sp>
-    </p:spTree>
-    <p:extLst>
-      <p:ext uri="{BB962C8B-B14F-4D97-AF65-F5344CB8AC3E}">
-        <p14:creationId xmlns:p14="http://schemas.microsoft.com/office/powerpoint/2010/main" val="4162983354"/>
       </p:ext>
     </p:extLst>
   </p:cSld>

--- a/Präsentation - Wo befinden sich Kraftwerksreserven in Deutschland.pptx
+++ b/Präsentation - Wo befinden sich Kraftwerksreserven in Deutschland.pptx
@@ -14,9 +14,9 @@
     <p:sldId id="262" r:id="rId5"/>
     <p:sldId id="272" r:id="rId6"/>
     <p:sldId id="273" r:id="rId7"/>
-    <p:sldId id="277" r:id="rId8"/>
+    <p:sldId id="281" r:id="rId8"/>
     <p:sldId id="278" r:id="rId9"/>
-    <p:sldId id="279" r:id="rId10"/>
+    <p:sldId id="282" r:id="rId10"/>
     <p:sldId id="266" r:id="rId11"/>
     <p:sldId id="265" r:id="rId12"/>
   </p:sldIdLst>
@@ -139,7 +139,7 @@
 <file path=ppt/revisionInfo.xml><?xml version="1.0" encoding="utf-8"?>
 <p1510:revInfo xmlns:a="http://schemas.openxmlformats.org/drawingml/2006/main" xmlns:r="http://schemas.openxmlformats.org/officeDocument/2006/relationships" xmlns:p1510="http://schemas.microsoft.com/office/powerpoint/2015/10/main">
   <p1510:revLst>
-    <p1510:client id="{05967C33-193C-40B1-BAFF-7211CFC8C8B3}" v="188" dt="2022-11-13T15:22:39.404"/>
+    <p1510:client id="{05967C33-193C-40B1-BAFF-7211CFC8C8B3}" v="205" dt="2022-11-16T19:14:24.569"/>
   </p1510:revLst>
 </p1510:revInfo>
 </file>
@@ -149,18 +149,18 @@
   <pc:docChgLst>
     <pc:chgData name="Fynn L." userId="8ad7fb526861aa9e" providerId="LiveId" clId="{05967C33-193C-40B1-BAFF-7211CFC8C8B3}"/>
     <pc:docChg chg="undo custSel addSld delSld modSld sldOrd addMainMaster delMainMaster modMainMaster">
-      <pc:chgData name="Fynn L." userId="8ad7fb526861aa9e" providerId="LiveId" clId="{05967C33-193C-40B1-BAFF-7211CFC8C8B3}" dt="2022-11-13T16:06:57.331" v="6287" actId="20577"/>
+      <pc:chgData name="Fynn L." userId="8ad7fb526861aa9e" providerId="LiveId" clId="{05967C33-193C-40B1-BAFF-7211CFC8C8B3}" dt="2022-11-16T19:16:07.493" v="8645"/>
       <pc:docMkLst>
         <pc:docMk/>
       </pc:docMkLst>
       <pc:sldChg chg="addSp modSp mod">
-        <pc:chgData name="Fynn L." userId="8ad7fb526861aa9e" providerId="LiveId" clId="{05967C33-193C-40B1-BAFF-7211CFC8C8B3}" dt="2022-11-13T15:19:42.929" v="5266" actId="29295"/>
+        <pc:chgData name="Fynn L." userId="8ad7fb526861aa9e" providerId="LiveId" clId="{05967C33-193C-40B1-BAFF-7211CFC8C8B3}" dt="2022-11-16T11:49:12.526" v="6412" actId="20577"/>
         <pc:sldMkLst>
           <pc:docMk/>
           <pc:sldMk cId="3936611301" sldId="256"/>
         </pc:sldMkLst>
         <pc:spChg chg="mod">
-          <ac:chgData name="Fynn L." userId="8ad7fb526861aa9e" providerId="LiveId" clId="{05967C33-193C-40B1-BAFF-7211CFC8C8B3}" dt="2022-11-13T15:19:26.069" v="5265" actId="207"/>
+          <ac:chgData name="Fynn L." userId="8ad7fb526861aa9e" providerId="LiveId" clId="{05967C33-193C-40B1-BAFF-7211CFC8C8B3}" dt="2022-11-16T11:49:12.526" v="6412" actId="20577"/>
           <ac:spMkLst>
             <pc:docMk/>
             <pc:sldMk cId="3936611301" sldId="256"/>
@@ -212,7 +212,7 @@
         </pc:sldMkLst>
       </pc:sldChg>
       <pc:sldChg chg="addSp delSp modSp mod">
-        <pc:chgData name="Fynn L." userId="8ad7fb526861aa9e" providerId="LiveId" clId="{05967C33-193C-40B1-BAFF-7211CFC8C8B3}" dt="2022-11-13T15:22:39.404" v="5352" actId="1076"/>
+        <pc:chgData name="Fynn L." userId="8ad7fb526861aa9e" providerId="LiveId" clId="{05967C33-193C-40B1-BAFF-7211CFC8C8B3}" dt="2022-11-16T19:07:14.947" v="8541" actId="1076"/>
         <pc:sldMkLst>
           <pc:docMk/>
           <pc:sldMk cId="3197269984" sldId="262"/>
@@ -233,6 +233,14 @@
             <ac:spMk id="3" creationId="{00000000-0000-0000-0000-000000000000}"/>
           </ac:spMkLst>
         </pc:spChg>
+        <pc:spChg chg="add mod">
+          <ac:chgData name="Fynn L." userId="8ad7fb526861aa9e" providerId="LiveId" clId="{05967C33-193C-40B1-BAFF-7211CFC8C8B3}" dt="2022-11-16T19:07:10.131" v="8539"/>
+          <ac:spMkLst>
+            <pc:docMk/>
+            <pc:sldMk cId="3197269984" sldId="262"/>
+            <ac:spMk id="3" creationId="{1D239E70-C670-EB8F-3FC0-CFBFA575B8AC}"/>
+          </ac:spMkLst>
+        </pc:spChg>
         <pc:spChg chg="mod">
           <ac:chgData name="Fynn L." userId="8ad7fb526861aa9e" providerId="LiveId" clId="{05967C33-193C-40B1-BAFF-7211CFC8C8B3}" dt="2022-11-13T15:16:00.058" v="5236"/>
           <ac:spMkLst>
@@ -242,7 +250,7 @@
           </ac:spMkLst>
         </pc:spChg>
         <pc:spChg chg="mod">
-          <ac:chgData name="Fynn L." userId="8ad7fb526861aa9e" providerId="LiveId" clId="{05967C33-193C-40B1-BAFF-7211CFC8C8B3}" dt="2022-11-13T15:15:01.419" v="5208"/>
+          <ac:chgData name="Fynn L." userId="8ad7fb526861aa9e" providerId="LiveId" clId="{05967C33-193C-40B1-BAFF-7211CFC8C8B3}" dt="2022-11-16T11:56:28.679" v="6518" actId="20577"/>
           <ac:spMkLst>
             <pc:docMk/>
             <pc:sldMk cId="3197269984" sldId="262"/>
@@ -255,6 +263,14 @@
             <pc:docMk/>
             <pc:sldMk cId="3197269984" sldId="262"/>
             <ac:spMk id="6" creationId="{00000000-0000-0000-0000-000000000000}"/>
+          </ac:spMkLst>
+        </pc:spChg>
+        <pc:spChg chg="add mod">
+          <ac:chgData name="Fynn L." userId="8ad7fb526861aa9e" providerId="LiveId" clId="{05967C33-193C-40B1-BAFF-7211CFC8C8B3}" dt="2022-11-16T19:07:14.947" v="8541" actId="1076"/>
+          <ac:spMkLst>
+            <pc:docMk/>
+            <pc:sldMk cId="3197269984" sldId="262"/>
+            <ac:spMk id="7" creationId="{EA692F10-7783-A50F-7139-53480913CF16}"/>
           </ac:spMkLst>
         </pc:spChg>
         <pc:spChg chg="add del mod">
@@ -274,7 +290,7 @@
           </ac:spMkLst>
         </pc:spChg>
         <pc:spChg chg="add mod">
-          <ac:chgData name="Fynn L." userId="8ad7fb526861aa9e" providerId="LiveId" clId="{05967C33-193C-40B1-BAFF-7211CFC8C8B3}" dt="2022-11-12T15:38:08.802" v="3832" actId="20577"/>
+          <ac:chgData name="Fynn L." userId="8ad7fb526861aa9e" providerId="LiveId" clId="{05967C33-193C-40B1-BAFF-7211CFC8C8B3}" dt="2022-11-16T12:26:28.105" v="7466" actId="20577"/>
           <ac:spMkLst>
             <pc:docMk/>
             <pc:sldMk cId="3197269984" sldId="262"/>
@@ -379,17 +395,33 @@
         </pc:picChg>
       </pc:sldChg>
       <pc:sldChg chg="modSp mod">
-        <pc:chgData name="Fynn L." userId="8ad7fb526861aa9e" providerId="LiveId" clId="{05967C33-193C-40B1-BAFF-7211CFC8C8B3}" dt="2022-11-13T15:47:21.438" v="6279" actId="6549"/>
+        <pc:chgData name="Fynn L." userId="8ad7fb526861aa9e" providerId="LiveId" clId="{05967C33-193C-40B1-BAFF-7211CFC8C8B3}" dt="2022-11-16T11:57:12.755" v="6532" actId="20577"/>
         <pc:sldMkLst>
           <pc:docMk/>
           <pc:sldMk cId="1673992739" sldId="263"/>
         </pc:sldMkLst>
         <pc:spChg chg="mod">
-          <ac:chgData name="Fynn L." userId="8ad7fb526861aa9e" providerId="LiveId" clId="{05967C33-193C-40B1-BAFF-7211CFC8C8B3}" dt="2022-11-13T15:47:21.438" v="6279" actId="6549"/>
+          <ac:chgData name="Fynn L." userId="8ad7fb526861aa9e" providerId="LiveId" clId="{05967C33-193C-40B1-BAFF-7211CFC8C8B3}" dt="2022-11-16T11:49:51.958" v="6447" actId="20577"/>
+          <ac:spMkLst>
+            <pc:docMk/>
+            <pc:sldMk cId="1673992739" sldId="263"/>
+            <ac:spMk id="2" creationId="{00000000-0000-0000-0000-000000000000}"/>
+          </ac:spMkLst>
+        </pc:spChg>
+        <pc:spChg chg="mod">
+          <ac:chgData name="Fynn L." userId="8ad7fb526861aa9e" providerId="LiveId" clId="{05967C33-193C-40B1-BAFF-7211CFC8C8B3}" dt="2022-11-16T11:50:03.062" v="6448" actId="20577"/>
           <ac:spMkLst>
             <pc:docMk/>
             <pc:sldMk cId="1673992739" sldId="263"/>
             <ac:spMk id="3" creationId="{00000000-0000-0000-0000-000000000000}"/>
+          </ac:spMkLst>
+        </pc:spChg>
+        <pc:spChg chg="mod">
+          <ac:chgData name="Fynn L." userId="8ad7fb526861aa9e" providerId="LiveId" clId="{05967C33-193C-40B1-BAFF-7211CFC8C8B3}" dt="2022-11-16T11:57:12.755" v="6532" actId="20577"/>
+          <ac:spMkLst>
+            <pc:docMk/>
+            <pc:sldMk cId="1673992739" sldId="263"/>
+            <ac:spMk id="5" creationId="{00000000-0000-0000-0000-000000000000}"/>
           </ac:spMkLst>
         </pc:spChg>
       </pc:sldChg>
@@ -401,7 +433,7 @@
         </pc:sldMkLst>
       </pc:sldChg>
       <pc:sldChg chg="addSp delSp modSp mod">
-        <pc:chgData name="Fynn L." userId="8ad7fb526861aa9e" providerId="LiveId" clId="{05967C33-193C-40B1-BAFF-7211CFC8C8B3}" dt="2022-11-13T15:24:42.216" v="5353" actId="14100"/>
+        <pc:chgData name="Fynn L." userId="8ad7fb526861aa9e" providerId="LiveId" clId="{05967C33-193C-40B1-BAFF-7211CFC8C8B3}" dt="2022-11-16T11:56:58.747" v="6530" actId="20577"/>
         <pc:sldMkLst>
           <pc:docMk/>
           <pc:sldMk cId="3625094333" sldId="265"/>
@@ -439,7 +471,7 @@
           </ac:spMkLst>
         </pc:spChg>
         <pc:spChg chg="mod">
-          <ac:chgData name="Fynn L." userId="8ad7fb526861aa9e" providerId="LiveId" clId="{05967C33-193C-40B1-BAFF-7211CFC8C8B3}" dt="2022-11-13T15:15:52.204" v="5235"/>
+          <ac:chgData name="Fynn L." userId="8ad7fb526861aa9e" providerId="LiveId" clId="{05967C33-193C-40B1-BAFF-7211CFC8C8B3}" dt="2022-11-16T11:56:58.747" v="6530" actId="20577"/>
           <ac:spMkLst>
             <pc:docMk/>
             <pc:sldMk cId="3625094333" sldId="265"/>
@@ -472,7 +504,7 @@
         </pc:spChg>
       </pc:sldChg>
       <pc:sldChg chg="addSp delSp modSp mod ord">
-        <pc:chgData name="Fynn L." userId="8ad7fb526861aa9e" providerId="LiveId" clId="{05967C33-193C-40B1-BAFF-7211CFC8C8B3}" dt="2022-11-13T15:16:26.052" v="5248"/>
+        <pc:chgData name="Fynn L." userId="8ad7fb526861aa9e" providerId="LiveId" clId="{05967C33-193C-40B1-BAFF-7211CFC8C8B3}" dt="2022-11-16T19:12:15.747" v="8599" actId="732"/>
         <pc:sldMkLst>
           <pc:docMk/>
           <pc:sldMk cId="4162983354" sldId="266"/>
@@ -494,7 +526,7 @@
           </ac:spMkLst>
         </pc:spChg>
         <pc:spChg chg="mod">
-          <ac:chgData name="Fynn L." userId="8ad7fb526861aa9e" providerId="LiveId" clId="{05967C33-193C-40B1-BAFF-7211CFC8C8B3}" dt="2022-11-13T15:15:48.373" v="5234"/>
+          <ac:chgData name="Fynn L." userId="8ad7fb526861aa9e" providerId="LiveId" clId="{05967C33-193C-40B1-BAFF-7211CFC8C8B3}" dt="2022-11-16T11:57:02.744" v="6531" actId="20577"/>
           <ac:spMkLst>
             <pc:docMk/>
             <pc:sldMk cId="4162983354" sldId="266"/>
@@ -502,11 +534,19 @@
           </ac:spMkLst>
         </pc:spChg>
         <pc:spChg chg="mod">
-          <ac:chgData name="Fynn L." userId="8ad7fb526861aa9e" providerId="LiveId" clId="{05967C33-193C-40B1-BAFF-7211CFC8C8B3}" dt="2022-11-12T15:48:07.650" v="4643" actId="20577"/>
+          <ac:chgData name="Fynn L." userId="8ad7fb526861aa9e" providerId="LiveId" clId="{05967C33-193C-40B1-BAFF-7211CFC8C8B3}" dt="2022-11-16T11:59:45.333" v="6535" actId="20577"/>
           <ac:spMkLst>
             <pc:docMk/>
             <pc:sldMk cId="4162983354" sldId="266"/>
             <ac:spMk id="6" creationId="{00000000-0000-0000-0000-000000000000}"/>
+          </ac:spMkLst>
+        </pc:spChg>
+        <pc:spChg chg="add mod">
+          <ac:chgData name="Fynn L." userId="8ad7fb526861aa9e" providerId="LiveId" clId="{05967C33-193C-40B1-BAFF-7211CFC8C8B3}" dt="2022-11-16T19:12:05.742" v="8598" actId="14100"/>
+          <ac:spMkLst>
+            <pc:docMk/>
+            <pc:sldMk cId="4162983354" sldId="266"/>
+            <ac:spMk id="7" creationId="{BCBF2FEA-476D-FA48-5D05-1FB375F70739}"/>
           </ac:spMkLst>
         </pc:spChg>
         <pc:spChg chg="add del mod">
@@ -525,8 +565,8 @@
             <ac:picMk id="8" creationId="{00000000-0000-0000-0000-000000000000}"/>
           </ac:picMkLst>
         </pc:picChg>
-        <pc:picChg chg="add mod ord">
-          <ac:chgData name="Fynn L." userId="8ad7fb526861aa9e" providerId="LiveId" clId="{05967C33-193C-40B1-BAFF-7211CFC8C8B3}" dt="2022-11-12T15:48:17.143" v="4644" actId="1076"/>
+        <pc:picChg chg="add mod ord modCrop">
+          <ac:chgData name="Fynn L." userId="8ad7fb526861aa9e" providerId="LiveId" clId="{05967C33-193C-40B1-BAFF-7211CFC8C8B3}" dt="2022-11-16T19:12:15.747" v="8599" actId="732"/>
           <ac:picMkLst>
             <pc:docMk/>
             <pc:sldMk cId="4162983354" sldId="266"/>
@@ -563,13 +603,13 @@
         </pc:sldMkLst>
       </pc:sldChg>
       <pc:sldChg chg="addSp delSp modSp mod modClrScheme delAnim modAnim chgLayout">
-        <pc:chgData name="Fynn L." userId="8ad7fb526861aa9e" providerId="LiveId" clId="{05967C33-193C-40B1-BAFF-7211CFC8C8B3}" dt="2022-11-13T15:16:14.021" v="5243"/>
+        <pc:chgData name="Fynn L." userId="8ad7fb526861aa9e" providerId="LiveId" clId="{05967C33-193C-40B1-BAFF-7211CFC8C8B3}" dt="2022-11-16T19:09:51.759" v="8557"/>
         <pc:sldMkLst>
           <pc:docMk/>
           <pc:sldMk cId="2064965787" sldId="272"/>
         </pc:sldMkLst>
         <pc:spChg chg="mod">
-          <ac:chgData name="Fynn L." userId="8ad7fb526861aa9e" providerId="LiveId" clId="{05967C33-193C-40B1-BAFF-7211CFC8C8B3}" dt="2022-11-09T16:42:53.690" v="961" actId="26606"/>
+          <ac:chgData name="Fynn L." userId="8ad7fb526861aa9e" providerId="LiveId" clId="{05967C33-193C-40B1-BAFF-7211CFC8C8B3}" dt="2022-11-16T19:08:38.205" v="8543"/>
           <ac:spMkLst>
             <pc:docMk/>
             <pc:sldMk cId="2064965787" sldId="272"/>
@@ -584,6 +624,14 @@
             <ac:spMk id="3" creationId="{00000000-0000-0000-0000-000000000000}"/>
           </ac:spMkLst>
         </pc:spChg>
+        <pc:spChg chg="add mod">
+          <ac:chgData name="Fynn L." userId="8ad7fb526861aa9e" providerId="LiveId" clId="{05967C33-193C-40B1-BAFF-7211CFC8C8B3}" dt="2022-11-16T19:09:51.759" v="8557"/>
+          <ac:spMkLst>
+            <pc:docMk/>
+            <pc:sldMk cId="2064965787" sldId="272"/>
+            <ac:spMk id="3" creationId="{A629C19D-1CB2-68D4-C6BD-2274393F64AF}"/>
+          </ac:spMkLst>
+        </pc:spChg>
         <pc:spChg chg="mod">
           <ac:chgData name="Fynn L." userId="8ad7fb526861aa9e" providerId="LiveId" clId="{05967C33-193C-40B1-BAFF-7211CFC8C8B3}" dt="2022-11-13T15:16:14.021" v="5243"/>
           <ac:spMkLst>
@@ -593,7 +641,7 @@
           </ac:spMkLst>
         </pc:spChg>
         <pc:spChg chg="mod">
-          <ac:chgData name="Fynn L." userId="8ad7fb526861aa9e" providerId="LiveId" clId="{05967C33-193C-40B1-BAFF-7211CFC8C8B3}" dt="2022-11-13T15:15:30.545" v="5229" actId="255"/>
+          <ac:chgData name="Fynn L." userId="8ad7fb526861aa9e" providerId="LiveId" clId="{05967C33-193C-40B1-BAFF-7211CFC8C8B3}" dt="2022-11-16T11:56:32.120" v="6519" actId="20577"/>
           <ac:spMkLst>
             <pc:docMk/>
             <pc:sldMk cId="2064965787" sldId="272"/>
@@ -608,6 +656,14 @@
             <ac:spMk id="6" creationId="{00000000-0000-0000-0000-000000000000}"/>
           </ac:spMkLst>
         </pc:spChg>
+        <pc:spChg chg="add mod">
+          <ac:chgData name="Fynn L." userId="8ad7fb526861aa9e" providerId="LiveId" clId="{05967C33-193C-40B1-BAFF-7211CFC8C8B3}" dt="2022-11-16T19:09:43.729" v="8555" actId="1076"/>
+          <ac:spMkLst>
+            <pc:docMk/>
+            <pc:sldMk cId="2064965787" sldId="272"/>
+            <ac:spMk id="8" creationId="{4DAB7B08-4866-4EA6-AA5E-DBEC756B3E95}"/>
+          </ac:spMkLst>
+        </pc:spChg>
         <pc:spChg chg="add del mod">
           <ac:chgData name="Fynn L." userId="8ad7fb526861aa9e" providerId="LiveId" clId="{05967C33-193C-40B1-BAFF-7211CFC8C8B3}" dt="2022-11-09T18:30:41.790" v="1120" actId="478"/>
           <ac:spMkLst>
@@ -617,7 +673,7 @@
           </ac:spMkLst>
         </pc:spChg>
         <pc:spChg chg="add mod">
-          <ac:chgData name="Fynn L." userId="8ad7fb526861aa9e" providerId="LiveId" clId="{05967C33-193C-40B1-BAFF-7211CFC8C8B3}" dt="2022-11-13T15:16:11.461" v="5242" actId="20577"/>
+          <ac:chgData name="Fynn L." userId="8ad7fb526861aa9e" providerId="LiveId" clId="{05967C33-193C-40B1-BAFF-7211CFC8C8B3}" dt="2022-11-16T12:23:15.389" v="7426" actId="20577"/>
           <ac:spMkLst>
             <pc:docMk/>
             <pc:sldMk cId="2064965787" sldId="272"/>
@@ -641,7 +697,7 @@
           </ac:picMkLst>
         </pc:picChg>
         <pc:picChg chg="add mod ord">
-          <ac:chgData name="Fynn L." userId="8ad7fb526861aa9e" providerId="LiveId" clId="{05967C33-193C-40B1-BAFF-7211CFC8C8B3}" dt="2022-11-12T14:54:06.873" v="2814" actId="14100"/>
+          <ac:chgData name="Fynn L." userId="8ad7fb526861aa9e" providerId="LiveId" clId="{05967C33-193C-40B1-BAFF-7211CFC8C8B3}" dt="2022-11-16T19:08:59.145" v="8548" actId="1076"/>
           <ac:picMkLst>
             <pc:docMk/>
             <pc:sldMk cId="2064965787" sldId="272"/>
@@ -649,8 +705,8 @@
           </ac:picMkLst>
         </pc:picChg>
       </pc:sldChg>
-      <pc:sldChg chg="addSp modSp mod">
-        <pc:chgData name="Fynn L." userId="8ad7fb526861aa9e" providerId="LiveId" clId="{05967C33-193C-40B1-BAFF-7211CFC8C8B3}" dt="2022-11-13T15:21:12.003" v="5288" actId="20577"/>
+      <pc:sldChg chg="addSp delSp modSp mod">
+        <pc:chgData name="Fynn L." userId="8ad7fb526861aa9e" providerId="LiveId" clId="{05967C33-193C-40B1-BAFF-7211CFC8C8B3}" dt="2022-11-16T19:14:31.322" v="8641" actId="1076"/>
         <pc:sldMkLst>
           <pc:docMk/>
           <pc:sldMk cId="2153387122" sldId="273"/>
@@ -664,7 +720,7 @@
           </ac:spMkLst>
         </pc:spChg>
         <pc:spChg chg="mod ord">
-          <ac:chgData name="Fynn L." userId="8ad7fb526861aa9e" providerId="LiveId" clId="{05967C33-193C-40B1-BAFF-7211CFC8C8B3}" dt="2022-11-12T15:37:41.136" v="3821" actId="5793"/>
+          <ac:chgData name="Fynn L." userId="8ad7fb526861aa9e" providerId="LiveId" clId="{05967C33-193C-40B1-BAFF-7211CFC8C8B3}" dt="2022-11-16T11:52:19.027" v="6473" actId="20577"/>
           <ac:spMkLst>
             <pc:docMk/>
             <pc:sldMk cId="2153387122" sldId="273"/>
@@ -680,15 +736,39 @@
           </ac:spMkLst>
         </pc:spChg>
         <pc:spChg chg="mod">
-          <ac:chgData name="Fynn L." userId="8ad7fb526861aa9e" providerId="LiveId" clId="{05967C33-193C-40B1-BAFF-7211CFC8C8B3}" dt="2022-11-13T15:15:35.895" v="5230"/>
+          <ac:chgData name="Fynn L." userId="8ad7fb526861aa9e" providerId="LiveId" clId="{05967C33-193C-40B1-BAFF-7211CFC8C8B3}" dt="2022-11-16T11:56:36.299" v="6520" actId="20577"/>
           <ac:spMkLst>
             <pc:docMk/>
             <pc:sldMk cId="2153387122" sldId="273"/>
             <ac:spMk id="5" creationId="{00000000-0000-0000-0000-000000000000}"/>
           </ac:spMkLst>
         </pc:spChg>
-        <pc:picChg chg="add mod ord">
-          <ac:chgData name="Fynn L." userId="8ad7fb526861aa9e" providerId="LiveId" clId="{05967C33-193C-40B1-BAFF-7211CFC8C8B3}" dt="2022-11-12T14:51:21.446" v="2727" actId="14100"/>
+        <pc:spChg chg="add del mod">
+          <ac:chgData name="Fynn L." userId="8ad7fb526861aa9e" providerId="LiveId" clId="{05967C33-193C-40B1-BAFF-7211CFC8C8B3}" dt="2022-11-16T19:14:27.120" v="8640" actId="478"/>
+          <ac:spMkLst>
+            <pc:docMk/>
+            <pc:sldMk cId="2153387122" sldId="273"/>
+            <ac:spMk id="7" creationId="{5FAF0494-6A99-C7F4-3F69-2993E5C626F8}"/>
+          </ac:spMkLst>
+        </pc:spChg>
+        <pc:spChg chg="add mod">
+          <ac:chgData name="Fynn L." userId="8ad7fb526861aa9e" providerId="LiveId" clId="{05967C33-193C-40B1-BAFF-7211CFC8C8B3}" dt="2022-11-16T19:14:31.322" v="8641" actId="1076"/>
+          <ac:spMkLst>
+            <pc:docMk/>
+            <pc:sldMk cId="2153387122" sldId="273"/>
+            <ac:spMk id="8" creationId="{532B27D0-F818-C896-1467-A44BEDA54C6B}"/>
+          </ac:spMkLst>
+        </pc:spChg>
+        <pc:picChg chg="add del">
+          <ac:chgData name="Fynn L." userId="8ad7fb526861aa9e" providerId="LiveId" clId="{05967C33-193C-40B1-BAFF-7211CFC8C8B3}" dt="2022-11-16T12:02:44.224" v="6539" actId="478"/>
+          <ac:picMkLst>
+            <pc:docMk/>
+            <pc:sldMk cId="2153387122" sldId="273"/>
+            <ac:picMk id="7" creationId="{7BBEC8C9-662E-CEE1-0CC4-9457EAD3275E}"/>
+          </ac:picMkLst>
+        </pc:picChg>
+        <pc:picChg chg="add del mod ord">
+          <ac:chgData name="Fynn L." userId="8ad7fb526861aa9e" providerId="LiveId" clId="{05967C33-193C-40B1-BAFF-7211CFC8C8B3}" dt="2022-11-16T11:51:53.226" v="6472" actId="478"/>
           <ac:picMkLst>
             <pc:docMk/>
             <pc:sldMk cId="2153387122" sldId="273"/>
@@ -696,11 +776,19 @@
           </ac:picMkLst>
         </pc:picChg>
         <pc:picChg chg="add mod">
-          <ac:chgData name="Fynn L." userId="8ad7fb526861aa9e" providerId="LiveId" clId="{05967C33-193C-40B1-BAFF-7211CFC8C8B3}" dt="2022-11-12T15:37:49.575" v="3823" actId="12788"/>
+          <ac:chgData name="Fynn L." userId="8ad7fb526861aa9e" providerId="LiveId" clId="{05967C33-193C-40B1-BAFF-7211CFC8C8B3}" dt="2022-11-16T11:52:22.356" v="6474" actId="1076"/>
           <ac:picMkLst>
             <pc:docMk/>
             <pc:sldMk cId="2153387122" sldId="273"/>
             <ac:picMk id="9" creationId="{354B09C0-81C9-7C3C-308D-F4CD8F9E3B3E}"/>
+          </ac:picMkLst>
+        </pc:picChg>
+        <pc:picChg chg="del">
+          <ac:chgData name="Fynn L." userId="8ad7fb526861aa9e" providerId="LiveId" clId="{05967C33-193C-40B1-BAFF-7211CFC8C8B3}" dt="2022-11-16T12:02:51.909" v="6540" actId="478"/>
+          <ac:picMkLst>
+            <pc:docMk/>
+            <pc:sldMk cId="2153387122" sldId="273"/>
+            <ac:picMk id="10" creationId="{8E5555CF-E2D8-E3FC-F2EA-1373D4E317AF}"/>
           </ac:picMkLst>
         </pc:picChg>
       </pc:sldChg>
@@ -757,8 +845,8 @@
           </ac:spMkLst>
         </pc:spChg>
       </pc:sldChg>
-      <pc:sldChg chg="addSp modSp add mod">
-        <pc:chgData name="Fynn L." userId="8ad7fb526861aa9e" providerId="LiveId" clId="{05967C33-193C-40B1-BAFF-7211CFC8C8B3}" dt="2022-11-13T15:21:22.714" v="5305" actId="20577"/>
+      <pc:sldChg chg="addSp modSp add del mod modShow">
+        <pc:chgData name="Fynn L." userId="8ad7fb526861aa9e" providerId="LiveId" clId="{05967C33-193C-40B1-BAFF-7211CFC8C8B3}" dt="2022-11-16T12:22:04.637" v="7412" actId="2696"/>
         <pc:sldMkLst>
           <pc:docMk/>
           <pc:sldMk cId="1786571581" sldId="277"/>
@@ -772,7 +860,7 @@
           </ac:spMkLst>
         </pc:spChg>
         <pc:spChg chg="mod">
-          <ac:chgData name="Fynn L." userId="8ad7fb526861aa9e" providerId="LiveId" clId="{05967C33-193C-40B1-BAFF-7211CFC8C8B3}" dt="2022-11-12T15:37:08.519" v="3814" actId="20577"/>
+          <ac:chgData name="Fynn L." userId="8ad7fb526861aa9e" providerId="LiveId" clId="{05967C33-193C-40B1-BAFF-7211CFC8C8B3}" dt="2022-11-16T12:12:46.654" v="6905" actId="14100"/>
           <ac:spMkLst>
             <pc:docMk/>
             <pc:sldMk cId="1786571581" sldId="277"/>
@@ -788,7 +876,7 @@
           </ac:spMkLst>
         </pc:spChg>
         <pc:spChg chg="mod">
-          <ac:chgData name="Fynn L." userId="8ad7fb526861aa9e" providerId="LiveId" clId="{05967C33-193C-40B1-BAFF-7211CFC8C8B3}" dt="2022-11-13T15:15:38.532" v="5231"/>
+          <ac:chgData name="Fynn L." userId="8ad7fb526861aa9e" providerId="LiveId" clId="{05967C33-193C-40B1-BAFF-7211CFC8C8B3}" dt="2022-11-16T11:56:40.252" v="6521" actId="20577"/>
           <ac:spMkLst>
             <pc:docMk/>
             <pc:sldMk cId="1786571581" sldId="277"/>
@@ -796,7 +884,7 @@
           </ac:spMkLst>
         </pc:spChg>
         <pc:picChg chg="add mod ord">
-          <ac:chgData name="Fynn L." userId="8ad7fb526861aa9e" providerId="LiveId" clId="{05967C33-193C-40B1-BAFF-7211CFC8C8B3}" dt="2022-11-12T14:37:46.320" v="2485" actId="167"/>
+          <ac:chgData name="Fynn L." userId="8ad7fb526861aa9e" providerId="LiveId" clId="{05967C33-193C-40B1-BAFF-7211CFC8C8B3}" dt="2022-11-16T12:01:09.573" v="6537" actId="1076"/>
           <ac:picMkLst>
             <pc:docMk/>
             <pc:sldMk cId="1786571581" sldId="277"/>
@@ -804,14 +892,14 @@
           </ac:picMkLst>
         </pc:picChg>
       </pc:sldChg>
-      <pc:sldChg chg="addSp modSp add mod">
-        <pc:chgData name="Fynn L." userId="8ad7fb526861aa9e" providerId="LiveId" clId="{05967C33-193C-40B1-BAFF-7211CFC8C8B3}" dt="2022-11-13T15:29:07.902" v="5424" actId="20577"/>
+      <pc:sldChg chg="addSp delSp modSp add mod">
+        <pc:chgData name="Fynn L." userId="8ad7fb526861aa9e" providerId="LiveId" clId="{05967C33-193C-40B1-BAFF-7211CFC8C8B3}" dt="2022-11-16T19:14:50.651" v="8642" actId="20577"/>
         <pc:sldMkLst>
           <pc:docMk/>
           <pc:sldMk cId="1188651743" sldId="278"/>
         </pc:sldMkLst>
         <pc:spChg chg="mod">
-          <ac:chgData name="Fynn L." userId="8ad7fb526861aa9e" providerId="LiveId" clId="{05967C33-193C-40B1-BAFF-7211CFC8C8B3}" dt="2022-11-13T15:21:32.169" v="5328" actId="20577"/>
+          <ac:chgData name="Fynn L." userId="8ad7fb526861aa9e" providerId="LiveId" clId="{05967C33-193C-40B1-BAFF-7211CFC8C8B3}" dt="2022-11-16T11:55:43.845" v="6511" actId="20577"/>
           <ac:spMkLst>
             <pc:docMk/>
             <pc:sldMk cId="1188651743" sldId="278"/>
@@ -819,7 +907,7 @@
           </ac:spMkLst>
         </pc:spChg>
         <pc:spChg chg="mod">
-          <ac:chgData name="Fynn L." userId="8ad7fb526861aa9e" providerId="LiveId" clId="{05967C33-193C-40B1-BAFF-7211CFC8C8B3}" dt="2022-11-13T15:29:07.902" v="5424" actId="20577"/>
+          <ac:chgData name="Fynn L." userId="8ad7fb526861aa9e" providerId="LiveId" clId="{05967C33-193C-40B1-BAFF-7211CFC8C8B3}" dt="2022-11-16T12:14:54.599" v="6931" actId="20577"/>
           <ac:spMkLst>
             <pc:docMk/>
             <pc:sldMk cId="1188651743" sldId="278"/>
@@ -835,15 +923,31 @@
           </ac:spMkLst>
         </pc:spChg>
         <pc:spChg chg="mod">
-          <ac:chgData name="Fynn L." userId="8ad7fb526861aa9e" providerId="LiveId" clId="{05967C33-193C-40B1-BAFF-7211CFC8C8B3}" dt="2022-11-13T15:15:41.765" v="5232"/>
+          <ac:chgData name="Fynn L." userId="8ad7fb526861aa9e" providerId="LiveId" clId="{05967C33-193C-40B1-BAFF-7211CFC8C8B3}" dt="2022-11-16T11:56:45.138" v="6522" actId="20577"/>
           <ac:spMkLst>
             <pc:docMk/>
             <pc:sldMk cId="1188651743" sldId="278"/>
             <ac:spMk id="5" creationId="{00000000-0000-0000-0000-000000000000}"/>
           </ac:spMkLst>
         </pc:spChg>
+        <pc:spChg chg="add del mod">
+          <ac:chgData name="Fynn L." userId="8ad7fb526861aa9e" providerId="LiveId" clId="{05967C33-193C-40B1-BAFF-7211CFC8C8B3}" dt="2022-11-16T19:14:05.523" v="8636" actId="478"/>
+          <ac:spMkLst>
+            <pc:docMk/>
+            <pc:sldMk cId="1188651743" sldId="278"/>
+            <ac:spMk id="9" creationId="{402E2753-8697-B2F3-15D2-BB5AB502ED58}"/>
+          </ac:spMkLst>
+        </pc:spChg>
+        <pc:graphicFrameChg chg="add mod modGraphic">
+          <ac:chgData name="Fynn L." userId="8ad7fb526861aa9e" providerId="LiveId" clId="{05967C33-193C-40B1-BAFF-7211CFC8C8B3}" dt="2022-11-16T19:14:50.651" v="8642" actId="20577"/>
+          <ac:graphicFrameMkLst>
+            <pc:docMk/>
+            <pc:sldMk cId="1188651743" sldId="278"/>
+            <ac:graphicFrameMk id="8" creationId="{83CE32DB-5959-F590-64E0-6E6AB2980A01}"/>
+          </ac:graphicFrameMkLst>
+        </pc:graphicFrameChg>
         <pc:picChg chg="add mod">
-          <ac:chgData name="Fynn L." userId="8ad7fb526861aa9e" providerId="LiveId" clId="{05967C33-193C-40B1-BAFF-7211CFC8C8B3}" dt="2022-11-12T15:03:59.801" v="3186" actId="1076"/>
+          <ac:chgData name="Fynn L." userId="8ad7fb526861aa9e" providerId="LiveId" clId="{05967C33-193C-40B1-BAFF-7211CFC8C8B3}" dt="2022-11-16T19:13:36.207" v="8633" actId="12788"/>
           <ac:picMkLst>
             <pc:docMk/>
             <pc:sldMk cId="1188651743" sldId="278"/>
@@ -851,8 +955,8 @@
           </ac:picMkLst>
         </pc:picChg>
       </pc:sldChg>
-      <pc:sldChg chg="addSp modSp add mod">
-        <pc:chgData name="Fynn L." userId="8ad7fb526861aa9e" providerId="LiveId" clId="{05967C33-193C-40B1-BAFF-7211CFC8C8B3}" dt="2022-11-13T15:21:45.338" v="5350" actId="20577"/>
+      <pc:sldChg chg="addSp modSp add del mod modShow">
+        <pc:chgData name="Fynn L." userId="8ad7fb526861aa9e" providerId="LiveId" clId="{05967C33-193C-40B1-BAFF-7211CFC8C8B3}" dt="2022-11-16T12:22:09.012" v="7413" actId="2696"/>
         <pc:sldMkLst>
           <pc:docMk/>
           <pc:sldMk cId="3887125834" sldId="279"/>
@@ -882,7 +986,7 @@
           </ac:spMkLst>
         </pc:spChg>
         <pc:spChg chg="mod">
-          <ac:chgData name="Fynn L." userId="8ad7fb526861aa9e" providerId="LiveId" clId="{05967C33-193C-40B1-BAFF-7211CFC8C8B3}" dt="2022-11-13T15:15:44.218" v="5233"/>
+          <ac:chgData name="Fynn L." userId="8ad7fb526861aa9e" providerId="LiveId" clId="{05967C33-193C-40B1-BAFF-7211CFC8C8B3}" dt="2022-11-16T11:56:50.725" v="6526" actId="20577"/>
           <ac:spMkLst>
             <pc:docMk/>
             <pc:sldMk cId="3887125834" sldId="279"/>
@@ -899,13 +1003,13 @@
         </pc:picChg>
       </pc:sldChg>
       <pc:sldChg chg="delSp modSp new mod">
-        <pc:chgData name="Fynn L." userId="8ad7fb526861aa9e" providerId="LiveId" clId="{05967C33-193C-40B1-BAFF-7211CFC8C8B3}" dt="2022-11-13T16:06:57.331" v="6287" actId="20577"/>
+        <pc:chgData name="Fynn L." userId="8ad7fb526861aa9e" providerId="LiveId" clId="{05967C33-193C-40B1-BAFF-7211CFC8C8B3}" dt="2022-11-16T12:25:59.379" v="7465" actId="20577"/>
         <pc:sldMkLst>
           <pc:docMk/>
           <pc:sldMk cId="2678280316" sldId="280"/>
         </pc:sldMkLst>
         <pc:spChg chg="mod">
-          <ac:chgData name="Fynn L." userId="8ad7fb526861aa9e" providerId="LiveId" clId="{05967C33-193C-40B1-BAFF-7211CFC8C8B3}" dt="2022-11-13T15:47:07.910" v="6249" actId="20577"/>
+          <ac:chgData name="Fynn L." userId="8ad7fb526861aa9e" providerId="LiveId" clId="{05967C33-193C-40B1-BAFF-7211CFC8C8B3}" dt="2022-11-16T11:50:40.223" v="6471" actId="20577"/>
           <ac:spMkLst>
             <pc:docMk/>
             <pc:sldMk cId="2678280316" sldId="280"/>
@@ -913,11 +1017,19 @@
           </ac:spMkLst>
         </pc:spChg>
         <pc:spChg chg="mod">
-          <ac:chgData name="Fynn L." userId="8ad7fb526861aa9e" providerId="LiveId" clId="{05967C33-193C-40B1-BAFF-7211CFC8C8B3}" dt="2022-11-13T16:06:57.331" v="6287" actId="20577"/>
+          <ac:chgData name="Fynn L." userId="8ad7fb526861aa9e" providerId="LiveId" clId="{05967C33-193C-40B1-BAFF-7211CFC8C8B3}" dt="2022-11-16T12:25:59.379" v="7465" actId="20577"/>
           <ac:spMkLst>
             <pc:docMk/>
             <pc:sldMk cId="2678280316" sldId="280"/>
             <ac:spMk id="3" creationId="{3B2FE8C5-D37F-6CC4-6670-71B1751EDF14}"/>
+          </ac:spMkLst>
+        </pc:spChg>
+        <pc:spChg chg="mod">
+          <ac:chgData name="Fynn L." userId="8ad7fb526861aa9e" providerId="LiveId" clId="{05967C33-193C-40B1-BAFF-7211CFC8C8B3}" dt="2022-11-16T11:56:24.125" v="6517" actId="20577"/>
+          <ac:spMkLst>
+            <pc:docMk/>
+            <pc:sldMk cId="2678280316" sldId="280"/>
+            <ac:spMk id="5" creationId="{F5936867-4CA3-854F-C5AD-CEA05401FE83}"/>
           </ac:spMkLst>
         </pc:spChg>
         <pc:spChg chg="del">
@@ -928,6 +1040,195 @@
             <ac:spMk id="7" creationId="{EAFD2CDF-54A4-2017-EB2B-E40789573E4E}"/>
           </ac:spMkLst>
         </pc:spChg>
+      </pc:sldChg>
+      <pc:sldChg chg="addSp delSp modSp new mod">
+        <pc:chgData name="Fynn L." userId="8ad7fb526861aa9e" providerId="LiveId" clId="{05967C33-193C-40B1-BAFF-7211CFC8C8B3}" dt="2022-11-16T19:16:07.493" v="8645"/>
+        <pc:sldMkLst>
+          <pc:docMk/>
+          <pc:sldMk cId="2203707081" sldId="281"/>
+        </pc:sldMkLst>
+        <pc:spChg chg="mod">
+          <ac:chgData name="Fynn L." userId="8ad7fb526861aa9e" providerId="LiveId" clId="{05967C33-193C-40B1-BAFF-7211CFC8C8B3}" dt="2022-11-16T19:13:02.834" v="8626" actId="20577"/>
+          <ac:spMkLst>
+            <pc:docMk/>
+            <pc:sldMk cId="2203707081" sldId="281"/>
+            <ac:spMk id="2" creationId="{74BAA6C6-CA51-059D-FFE5-398BA5EE0C2C}"/>
+          </ac:spMkLst>
+        </pc:spChg>
+        <pc:spChg chg="mod">
+          <ac:chgData name="Fynn L." userId="8ad7fb526861aa9e" providerId="LiveId" clId="{05967C33-193C-40B1-BAFF-7211CFC8C8B3}" dt="2022-11-16T12:04:58.094" v="6553" actId="14100"/>
+          <ac:spMkLst>
+            <pc:docMk/>
+            <pc:sldMk cId="2203707081" sldId="281"/>
+            <ac:spMk id="3" creationId="{2D48D2D8-390E-779A-7082-6D63DE002008}"/>
+          </ac:spMkLst>
+        </pc:spChg>
+        <pc:spChg chg="mod">
+          <ac:chgData name="Fynn L." userId="8ad7fb526861aa9e" providerId="LiveId" clId="{05967C33-193C-40B1-BAFF-7211CFC8C8B3}" dt="2022-11-16T12:03:03.199" v="6542"/>
+          <ac:spMkLst>
+            <pc:docMk/>
+            <pc:sldMk cId="2203707081" sldId="281"/>
+            <ac:spMk id="4" creationId="{94AB0551-218E-14D9-F1F5-5C6FEBDBB5A4}"/>
+          </ac:spMkLst>
+        </pc:spChg>
+        <pc:spChg chg="mod">
+          <ac:chgData name="Fynn L." userId="8ad7fb526861aa9e" providerId="LiveId" clId="{05967C33-193C-40B1-BAFF-7211CFC8C8B3}" dt="2022-11-16T12:03:10.158" v="6543"/>
+          <ac:spMkLst>
+            <pc:docMk/>
+            <pc:sldMk cId="2203707081" sldId="281"/>
+            <ac:spMk id="5" creationId="{7A6CDDEF-AC6D-3286-FD8E-9F4409CABB55}"/>
+          </ac:spMkLst>
+        </pc:spChg>
+        <pc:spChg chg="add del mod">
+          <ac:chgData name="Fynn L." userId="8ad7fb526861aa9e" providerId="LiveId" clId="{05967C33-193C-40B1-BAFF-7211CFC8C8B3}" dt="2022-11-16T19:14:20.852" v="8638" actId="478"/>
+          <ac:spMkLst>
+            <pc:docMk/>
+            <pc:sldMk cId="2203707081" sldId="281"/>
+            <ac:spMk id="7" creationId="{BD79ADFB-B0AF-CEAC-A7A6-509DC5189213}"/>
+          </ac:spMkLst>
+        </pc:spChg>
+        <pc:spChg chg="add mod">
+          <ac:chgData name="Fynn L." userId="8ad7fb526861aa9e" providerId="LiveId" clId="{05967C33-193C-40B1-BAFF-7211CFC8C8B3}" dt="2022-11-16T19:16:07.493" v="8645"/>
+          <ac:spMkLst>
+            <pc:docMk/>
+            <pc:sldMk cId="2203707081" sldId="281"/>
+            <ac:spMk id="8" creationId="{361CA707-D6A2-DD96-B53A-C1A93A4CC2AF}"/>
+          </ac:spMkLst>
+        </pc:spChg>
+        <pc:graphicFrameChg chg="add mod modGraphic">
+          <ac:chgData name="Fynn L." userId="8ad7fb526861aa9e" providerId="LiveId" clId="{05967C33-193C-40B1-BAFF-7211CFC8C8B3}" dt="2022-11-16T12:21:35.653" v="7410" actId="20577"/>
+          <ac:graphicFrameMkLst>
+            <pc:docMk/>
+            <pc:sldMk cId="2203707081" sldId="281"/>
+            <ac:graphicFrameMk id="9" creationId="{2A42DBC3-88A6-F051-319B-EF7093150B5D}"/>
+          </ac:graphicFrameMkLst>
+        </pc:graphicFrameChg>
+        <pc:picChg chg="add del mod">
+          <ac:chgData name="Fynn L." userId="8ad7fb526861aa9e" providerId="LiveId" clId="{05967C33-193C-40B1-BAFF-7211CFC8C8B3}" dt="2022-11-16T12:05:34.715" v="6556" actId="478"/>
+          <ac:picMkLst>
+            <pc:docMk/>
+            <pc:sldMk cId="2203707081" sldId="281"/>
+            <ac:picMk id="8" creationId="{8EA023FA-387C-BB91-280E-6AA2149FCBE9}"/>
+          </ac:picMkLst>
+        </pc:picChg>
+        <pc:picChg chg="add mod">
+          <ac:chgData name="Fynn L." userId="8ad7fb526861aa9e" providerId="LiveId" clId="{05967C33-193C-40B1-BAFF-7211CFC8C8B3}" dt="2022-11-16T12:12:57.533" v="6910" actId="1076"/>
+          <ac:picMkLst>
+            <pc:docMk/>
+            <pc:sldMk cId="2203707081" sldId="281"/>
+            <ac:picMk id="10" creationId="{F9C5458D-BE4F-6FD7-7F73-AD798526885A}"/>
+          </ac:picMkLst>
+        </pc:picChg>
+        <pc:picChg chg="add mod">
+          <ac:chgData name="Fynn L." userId="8ad7fb526861aa9e" providerId="LiveId" clId="{05967C33-193C-40B1-BAFF-7211CFC8C8B3}" dt="2022-11-16T12:13:45.028" v="6919" actId="12788"/>
+          <ac:picMkLst>
+            <pc:docMk/>
+            <pc:sldMk cId="2203707081" sldId="281"/>
+            <ac:picMk id="11" creationId="{65673DC4-B63C-7051-4716-68C2930AC232}"/>
+          </ac:picMkLst>
+        </pc:picChg>
+      </pc:sldChg>
+      <pc:sldChg chg="addSp delSp modSp add mod">
+        <pc:chgData name="Fynn L." userId="8ad7fb526861aa9e" providerId="LiveId" clId="{05967C33-193C-40B1-BAFF-7211CFC8C8B3}" dt="2022-11-16T19:15:28.575" v="8644" actId="1076"/>
+        <pc:sldMkLst>
+          <pc:docMk/>
+          <pc:sldMk cId="2694231971" sldId="282"/>
+        </pc:sldMkLst>
+        <pc:spChg chg="mod">
+          <ac:chgData name="Fynn L." userId="8ad7fb526861aa9e" providerId="LiveId" clId="{05967C33-193C-40B1-BAFF-7211CFC8C8B3}" dt="2022-11-16T12:27:32.945" v="7546" actId="20577"/>
+          <ac:spMkLst>
+            <pc:docMk/>
+            <pc:sldMk cId="2694231971" sldId="282"/>
+            <ac:spMk id="2" creationId="{00000000-0000-0000-0000-000000000000}"/>
+          </ac:spMkLst>
+        </pc:spChg>
+        <pc:spChg chg="mod">
+          <ac:chgData name="Fynn L." userId="8ad7fb526861aa9e" providerId="LiveId" clId="{05967C33-193C-40B1-BAFF-7211CFC8C8B3}" dt="2022-11-16T13:03:00.444" v="8464" actId="20577"/>
+          <ac:spMkLst>
+            <pc:docMk/>
+            <pc:sldMk cId="2694231971" sldId="282"/>
+            <ac:spMk id="3" creationId="{00000000-0000-0000-0000-000000000000}"/>
+          </ac:spMkLst>
+        </pc:spChg>
+        <pc:spChg chg="add mod">
+          <ac:chgData name="Fynn L." userId="8ad7fb526861aa9e" providerId="LiveId" clId="{05967C33-193C-40B1-BAFF-7211CFC8C8B3}" dt="2022-11-16T19:15:28.575" v="8644" actId="1076"/>
+          <ac:spMkLst>
+            <pc:docMk/>
+            <pc:sldMk cId="2694231971" sldId="282"/>
+            <ac:spMk id="7" creationId="{A4B12BC6-8A50-D3AC-528A-2328EAE471FF}"/>
+          </ac:spMkLst>
+        </pc:spChg>
+        <pc:spChg chg="add del mod">
+          <ac:chgData name="Fynn L." userId="8ad7fb526861aa9e" providerId="LiveId" clId="{05967C33-193C-40B1-BAFF-7211CFC8C8B3}" dt="2022-11-16T12:51:16.071" v="7982" actId="478"/>
+          <ac:spMkLst>
+            <pc:docMk/>
+            <pc:sldMk cId="2694231971" sldId="282"/>
+            <ac:spMk id="11" creationId="{404F9999-7FA9-50BE-BFCE-E11752ED269B}"/>
+          </ac:spMkLst>
+        </pc:spChg>
+        <pc:spChg chg="add del mod">
+          <ac:chgData name="Fynn L." userId="8ad7fb526861aa9e" providerId="LiveId" clId="{05967C33-193C-40B1-BAFF-7211CFC8C8B3}" dt="2022-11-16T12:51:16.071" v="7982" actId="478"/>
+          <ac:spMkLst>
+            <pc:docMk/>
+            <pc:sldMk cId="2694231971" sldId="282"/>
+            <ac:spMk id="12" creationId="{99BA6676-9B9F-0A58-8696-54199BE3A33D}"/>
+          </ac:spMkLst>
+        </pc:spChg>
+        <pc:spChg chg="add mod">
+          <ac:chgData name="Fynn L." userId="8ad7fb526861aa9e" providerId="LiveId" clId="{05967C33-193C-40B1-BAFF-7211CFC8C8B3}" dt="2022-11-16T13:04:04.318" v="8522" actId="1076"/>
+          <ac:spMkLst>
+            <pc:docMk/>
+            <pc:sldMk cId="2694231971" sldId="282"/>
+            <ac:spMk id="14" creationId="{8F9ADC6C-09BF-8753-4620-8BD63AF5DFF9}"/>
+          </ac:spMkLst>
+        </pc:spChg>
+        <pc:graphicFrameChg chg="del mod modGraphic">
+          <ac:chgData name="Fynn L." userId="8ad7fb526861aa9e" providerId="LiveId" clId="{05967C33-193C-40B1-BAFF-7211CFC8C8B3}" dt="2022-11-16T12:30:08.323" v="7575" actId="478"/>
+          <ac:graphicFrameMkLst>
+            <pc:docMk/>
+            <pc:sldMk cId="2694231971" sldId="282"/>
+            <ac:graphicFrameMk id="8" creationId="{83CE32DB-5959-F590-64E0-6E6AB2980A01}"/>
+          </ac:graphicFrameMkLst>
+        </pc:graphicFrameChg>
+        <pc:graphicFrameChg chg="add del mod modGraphic">
+          <ac:chgData name="Fynn L." userId="8ad7fb526861aa9e" providerId="LiveId" clId="{05967C33-193C-40B1-BAFF-7211CFC8C8B3}" dt="2022-11-16T12:31:14.840" v="7636" actId="478"/>
+          <ac:graphicFrameMkLst>
+            <pc:docMk/>
+            <pc:sldMk cId="2694231971" sldId="282"/>
+            <ac:graphicFrameMk id="9" creationId="{54EA7FD6-7943-BFEE-2AB9-B85489829D32}"/>
+          </ac:graphicFrameMkLst>
+        </pc:graphicFrameChg>
+        <pc:graphicFrameChg chg="add mod modGraphic">
+          <ac:chgData name="Fynn L." userId="8ad7fb526861aa9e" providerId="LiveId" clId="{05967C33-193C-40B1-BAFF-7211CFC8C8B3}" dt="2022-11-16T13:04:15.190" v="8524" actId="1076"/>
+          <ac:graphicFrameMkLst>
+            <pc:docMk/>
+            <pc:sldMk cId="2694231971" sldId="282"/>
+            <ac:graphicFrameMk id="10" creationId="{2D8A1A34-C938-69B8-7548-CE374DB10196}"/>
+          </ac:graphicFrameMkLst>
+        </pc:graphicFrameChg>
+        <pc:graphicFrameChg chg="add del mod modGraphic">
+          <ac:chgData name="Fynn L." userId="8ad7fb526861aa9e" providerId="LiveId" clId="{05967C33-193C-40B1-BAFF-7211CFC8C8B3}" dt="2022-11-16T13:03:36.093" v="8518" actId="478"/>
+          <ac:graphicFrameMkLst>
+            <pc:docMk/>
+            <pc:sldMk cId="2694231971" sldId="282"/>
+            <ac:graphicFrameMk id="13" creationId="{1AB2595C-C2AE-BAD5-91F0-A7979564FC22}"/>
+          </ac:graphicFrameMkLst>
+        </pc:graphicFrameChg>
+        <pc:picChg chg="del">
+          <ac:chgData name="Fynn L." userId="8ad7fb526861aa9e" providerId="LiveId" clId="{05967C33-193C-40B1-BAFF-7211CFC8C8B3}" dt="2022-11-16T12:29:02.902" v="7547" actId="478"/>
+          <ac:picMkLst>
+            <pc:docMk/>
+            <pc:sldMk cId="2694231971" sldId="282"/>
+            <ac:picMk id="7" creationId="{C4BCE042-6587-E9D0-A7C6-9EA89355E0EE}"/>
+          </ac:picMkLst>
+        </pc:picChg>
+      </pc:sldChg>
+      <pc:sldChg chg="add del mod modShow">
+        <pc:chgData name="Fynn L." userId="8ad7fb526861aa9e" providerId="LiveId" clId="{05967C33-193C-40B1-BAFF-7211CFC8C8B3}" dt="2022-11-16T12:22:09.012" v="7413" actId="2696"/>
+        <pc:sldMkLst>
+          <pc:docMk/>
+          <pc:sldMk cId="2844924891" sldId="282"/>
+        </pc:sldMkLst>
       </pc:sldChg>
       <pc:sldMasterChg chg="modSldLayout">
         <pc:chgData name="Fynn L." userId="8ad7fb526861aa9e" providerId="LiveId" clId="{05967C33-193C-40B1-BAFF-7211CFC8C8B3}" dt="2022-11-09T16:03:29.234" v="111" actId="20577"/>
@@ -1168,7 +1469,7 @@
           <a:p>
             <a:fld id="{3743E2BA-3F93-428C-8AA0-502F22A34CA1}" type="datetimeFigureOut">
               <a:rPr lang="de-DE" smtClean="0"/>
-              <a:t>13.11.2022</a:t>
+              <a:t>16.11.2022</a:t>
             </a:fld>
             <a:endParaRPr lang="de-DE"/>
           </a:p>
@@ -6132,7 +6433,7 @@
                   <a:srgbClr val="000000"/>
                 </a:solidFill>
               </a:rPr>
-              <a:t>Seminarfach – Regenerative Energietechnik</a:t>
+              <a:t>Welche Herausforderungen ergeben sich in der Zukunft?</a:t>
             </a:r>
           </a:p>
           <a:p>
@@ -6221,10 +6522,13 @@
       </p:grpSpPr>
       <p:pic>
         <p:nvPicPr>
-          <p:cNvPr id="11" name="Grafik 10">
+          <p:cNvPr id="11" name="Grafik 10" descr="Ein Bild, das Karte enthält.&#10;&#10;Automatisch generierte Beschreibung">
             <a:extLst>
               <a:ext uri="{FF2B5EF4-FFF2-40B4-BE49-F238E27FC236}">
                 <a16:creationId xmlns:a16="http://schemas.microsoft.com/office/drawing/2014/main" id="{10EC84E2-095D-5897-4E87-135A70B3C990}"/>
+              </a:ext>
+              <a:ext uri="{C183D7F6-B498-43B3-948B-1728B52AA6E4}">
+                <adec:decorative xmlns:adec="http://schemas.microsoft.com/office/drawing/2017/decorative" val="0"/>
               </a:ext>
             </a:extLst>
           </p:cNvPr>
@@ -6233,16 +6537,15 @@
           </p:cNvPicPr>
           <p:nvPr/>
         </p:nvPicPr>
-        <p:blipFill>
+        <p:blipFill rotWithShape="1">
           <a:blip r:embed="rId2"/>
-          <a:stretch>
-            <a:fillRect/>
-          </a:stretch>
+          <a:srcRect r="6873"/>
+          <a:stretch/>
         </p:blipFill>
         <p:spPr>
           <a:xfrm>
             <a:off x="6329011" y="620712"/>
-            <a:ext cx="6107324" cy="4756860"/>
+            <a:ext cx="5687585" cy="4756860"/>
           </a:xfrm>
           <a:prstGeom prst="rect">
             <a:avLst/>
@@ -6322,7 +6625,7 @@
           <a:p>
             <a:r>
               <a:rPr lang="de-DE" dirty="0"/>
-              <a:t>Wo befinden sich Kraftwerksreserven in Deutschland; Moritz Deckert, Fynn Linnenbrügger</a:t>
+              <a:t>Wo befinden sich Kraftwerksreserven in Deutschland?</a:t>
             </a:r>
           </a:p>
         </p:txBody>
@@ -6388,7 +6691,7 @@
             </a:r>
             <a:r>
               <a:rPr lang="de-DE" dirty="0"/>
-              <a:t> (vorrangig im Süden)</a:t>
+              <a:t> </a:t>
             </a:r>
           </a:p>
           <a:p>
@@ -6415,7 +6718,7 @@
             <a:pPr lvl="1"/>
             <a:r>
               <a:rPr lang="de-DE" dirty="0"/>
-              <a:t>Aktivierung, bei Unterdeckung von Angebot und Nachfrage</a:t>
+              <a:t>Aktivierung bei Unterdeckung von Angebot und Nachfrage</a:t>
             </a:r>
           </a:p>
           <a:p>
@@ -6462,6 +6765,215 @@
                 <a:sym typeface="Wingdings" panose="05000000000000000000" pitchFamily="2" charset="2"/>
               </a:rPr>
               <a:t>Nach 10 Tagen betriebsbereit  weiteren 11 Stunden Minimallast  weiteren 13 Stunden Volllast</a:t>
+            </a:r>
+          </a:p>
+        </p:txBody>
+      </p:sp>
+      <p:sp>
+        <p:nvSpPr>
+          <p:cNvPr id="7" name="Inhaltsplatzhalter 17">
+            <a:extLst>
+              <a:ext uri="{FF2B5EF4-FFF2-40B4-BE49-F238E27FC236}">
+                <a16:creationId xmlns:a16="http://schemas.microsoft.com/office/drawing/2014/main" id="{BCBF2FEA-476D-FA48-5D05-1FB375F70739}"/>
+              </a:ext>
+            </a:extLst>
+          </p:cNvPr>
+          <p:cNvSpPr txBox="1">
+            <a:spLocks/>
+          </p:cNvSpPr>
+          <p:nvPr/>
+        </p:nvSpPr>
+        <p:spPr>
+          <a:xfrm>
+            <a:off x="10321733" y="5001579"/>
+            <a:ext cx="1117059" cy="425623"/>
+          </a:xfrm>
+          <a:prstGeom prst="rect">
+            <a:avLst/>
+          </a:prstGeom>
+        </p:spPr>
+        <p:txBody>
+          <a:bodyPr vert="horz" lIns="0" tIns="0" rIns="0" bIns="0" rtlCol="0">
+            <a:noAutofit/>
+          </a:bodyPr>
+          <a:lstStyle>
+            <a:lvl1pPr marL="228600" indent="-228600" algn="l" defTabSz="914400" rtl="0" eaLnBrk="1" latinLnBrk="0" hangingPunct="1">
+              <a:lnSpc>
+                <a:spcPct val="120000"/>
+              </a:lnSpc>
+              <a:spcBef>
+                <a:spcPts val="1000"/>
+              </a:spcBef>
+              <a:buFont typeface="Arial" panose="020B0604020202020204" pitchFamily="34" charset="0"/>
+              <a:buChar char="•"/>
+              <a:defRPr lang="de-DE" sz="1800" kern="1200">
+                <a:solidFill>
+                  <a:srgbClr val="000000"/>
+                </a:solidFill>
+                <a:latin typeface="+mn-lt"/>
+                <a:ea typeface="+mn-ea"/>
+                <a:cs typeface="+mn-cs"/>
+              </a:defRPr>
+            </a:lvl1pPr>
+            <a:lvl2pPr marL="685800" indent="-228600" algn="l" defTabSz="914400" rtl="0" eaLnBrk="1" latinLnBrk="0" hangingPunct="1">
+              <a:lnSpc>
+                <a:spcPct val="120000"/>
+              </a:lnSpc>
+              <a:spcBef>
+                <a:spcPts val="1000"/>
+              </a:spcBef>
+              <a:buFont typeface="Symbol" panose="05050102010706020507" pitchFamily="18" charset="2"/>
+              <a:buChar char="-"/>
+              <a:defRPr lang="de-DE" sz="1600" kern="1200">
+                <a:solidFill>
+                  <a:srgbClr val="000000"/>
+                </a:solidFill>
+                <a:latin typeface="+mn-lt"/>
+                <a:ea typeface="+mn-ea"/>
+                <a:cs typeface="+mn-cs"/>
+              </a:defRPr>
+            </a:lvl2pPr>
+            <a:lvl3pPr marL="1143000" indent="-228600" algn="l" defTabSz="914400" rtl="0" eaLnBrk="1" latinLnBrk="0" hangingPunct="1">
+              <a:lnSpc>
+                <a:spcPct val="120000"/>
+              </a:lnSpc>
+              <a:spcBef>
+                <a:spcPts val="1000"/>
+              </a:spcBef>
+              <a:buFont typeface="Courier New" panose="02070309020205020404" pitchFamily="49" charset="0"/>
+              <a:buChar char="o"/>
+              <a:defRPr lang="de-DE" sz="1600" kern="1200">
+                <a:solidFill>
+                  <a:srgbClr val="000000"/>
+                </a:solidFill>
+                <a:latin typeface="+mn-lt"/>
+                <a:ea typeface="+mn-ea"/>
+                <a:cs typeface="+mn-cs"/>
+              </a:defRPr>
+            </a:lvl3pPr>
+            <a:lvl4pPr marL="1600200" indent="-228600" algn="l" defTabSz="914400" rtl="0" eaLnBrk="1" latinLnBrk="0" hangingPunct="1">
+              <a:lnSpc>
+                <a:spcPct val="120000"/>
+              </a:lnSpc>
+              <a:spcBef>
+                <a:spcPts val="1000"/>
+              </a:spcBef>
+              <a:buFont typeface="Wingdings" panose="05000000000000000000" pitchFamily="2" charset="2"/>
+              <a:buChar char="§"/>
+              <a:defRPr lang="de-DE" sz="1600" kern="1200">
+                <a:solidFill>
+                  <a:srgbClr val="000000"/>
+                </a:solidFill>
+                <a:latin typeface="+mn-lt"/>
+                <a:ea typeface="+mn-ea"/>
+                <a:cs typeface="+mn-cs"/>
+              </a:defRPr>
+            </a:lvl4pPr>
+            <a:lvl5pPr marL="2057400" indent="-228600" algn="l" defTabSz="914400" rtl="0" eaLnBrk="1" latinLnBrk="0" hangingPunct="1">
+              <a:lnSpc>
+                <a:spcPct val="120000"/>
+              </a:lnSpc>
+              <a:spcBef>
+                <a:spcPts val="1000"/>
+              </a:spcBef>
+              <a:buFont typeface="Arial" panose="020B0604020202020204" pitchFamily="34" charset="0"/>
+              <a:buChar char="•"/>
+              <a:defRPr lang="en-US" sz="1600" kern="1200">
+                <a:solidFill>
+                  <a:srgbClr val="000000"/>
+                </a:solidFill>
+                <a:latin typeface="+mn-lt"/>
+                <a:ea typeface="+mn-ea"/>
+                <a:cs typeface="+mn-cs"/>
+              </a:defRPr>
+            </a:lvl5pPr>
+            <a:lvl6pPr marL="2514600" indent="-228600" algn="l" defTabSz="914400" rtl="0" eaLnBrk="1" latinLnBrk="0" hangingPunct="1">
+              <a:lnSpc>
+                <a:spcPct val="90000"/>
+              </a:lnSpc>
+              <a:spcBef>
+                <a:spcPts val="500"/>
+              </a:spcBef>
+              <a:buFont typeface="Arial" panose="020B0604020202020204" pitchFamily="34" charset="0"/>
+              <a:buChar char="•"/>
+              <a:defRPr sz="1800" kern="1200">
+                <a:solidFill>
+                  <a:schemeClr val="tx1"/>
+                </a:solidFill>
+                <a:latin typeface="+mn-lt"/>
+                <a:ea typeface="+mn-ea"/>
+                <a:cs typeface="+mn-cs"/>
+              </a:defRPr>
+            </a:lvl6pPr>
+            <a:lvl7pPr marL="2971800" indent="-228600" algn="l" defTabSz="914400" rtl="0" eaLnBrk="1" latinLnBrk="0" hangingPunct="1">
+              <a:lnSpc>
+                <a:spcPct val="90000"/>
+              </a:lnSpc>
+              <a:spcBef>
+                <a:spcPts val="500"/>
+              </a:spcBef>
+              <a:buFont typeface="Arial" panose="020B0604020202020204" pitchFamily="34" charset="0"/>
+              <a:buChar char="•"/>
+              <a:defRPr sz="1800" kern="1200">
+                <a:solidFill>
+                  <a:schemeClr val="tx1"/>
+                </a:solidFill>
+                <a:latin typeface="+mn-lt"/>
+                <a:ea typeface="+mn-ea"/>
+                <a:cs typeface="+mn-cs"/>
+              </a:defRPr>
+            </a:lvl7pPr>
+            <a:lvl8pPr marL="3429000" indent="-228600" algn="l" defTabSz="914400" rtl="0" eaLnBrk="1" latinLnBrk="0" hangingPunct="1">
+              <a:lnSpc>
+                <a:spcPct val="90000"/>
+              </a:lnSpc>
+              <a:spcBef>
+                <a:spcPts val="500"/>
+              </a:spcBef>
+              <a:buFont typeface="Arial" panose="020B0604020202020204" pitchFamily="34" charset="0"/>
+              <a:buChar char="•"/>
+              <a:defRPr sz="1800" kern="1200">
+                <a:solidFill>
+                  <a:schemeClr val="tx1"/>
+                </a:solidFill>
+                <a:latin typeface="+mn-lt"/>
+                <a:ea typeface="+mn-ea"/>
+                <a:cs typeface="+mn-cs"/>
+              </a:defRPr>
+            </a:lvl8pPr>
+            <a:lvl9pPr marL="3886200" indent="-228600" algn="l" defTabSz="914400" rtl="0" eaLnBrk="1" latinLnBrk="0" hangingPunct="1">
+              <a:lnSpc>
+                <a:spcPct val="90000"/>
+              </a:lnSpc>
+              <a:spcBef>
+                <a:spcPts val="500"/>
+              </a:spcBef>
+              <a:buFont typeface="Arial" panose="020B0604020202020204" pitchFamily="34" charset="0"/>
+              <a:buChar char="•"/>
+              <a:defRPr sz="1800" kern="1200">
+                <a:solidFill>
+                  <a:schemeClr val="tx1"/>
+                </a:solidFill>
+                <a:latin typeface="+mn-lt"/>
+                <a:ea typeface="+mn-ea"/>
+                <a:cs typeface="+mn-cs"/>
+              </a:defRPr>
+            </a:lvl9pPr>
+          </a:lstStyle>
+          <a:p>
+            <a:pPr marL="0" indent="0">
+              <a:buFont typeface="Arial" panose="020B0604020202020204" pitchFamily="34" charset="0"/>
+              <a:buNone/>
+            </a:pPr>
+            <a:r>
+              <a:rPr lang="de-DE" sz="800" dirty="0">
+                <a:solidFill>
+                  <a:schemeClr val="bg2">
+                    <a:lumMod val="75000"/>
+                  </a:schemeClr>
+                </a:solidFill>
+              </a:rPr>
+              <a:t>Eigene Darstellung</a:t>
             </a:r>
           </a:p>
         </p:txBody>
@@ -6623,7 +7135,7 @@
           <a:p>
             <a:r>
               <a:rPr lang="de-DE" dirty="0"/>
-              <a:t>Wo befinden sich Kraftwerksreserven in Deutschland; Moritz Deckert, Fynn Linnenbrügger</a:t>
+              <a:t>Wo befinden sich Kraftwerksreserven in Deutschland?</a:t>
             </a:r>
           </a:p>
         </p:txBody>
@@ -6791,7 +7303,7 @@
           <a:p>
             <a:r>
               <a:rPr lang="de-DE" dirty="0"/>
-              <a:t>Inhaltsverzeichnis</a:t>
+              <a:t>Gliederung der Präsentation</a:t>
             </a:r>
           </a:p>
         </p:txBody>
@@ -6834,35 +7346,6 @@
             </a:r>
           </a:p>
           <a:p>
-            <a:pPr lvl="1"/>
-            <a:r>
-              <a:rPr lang="de-DE" dirty="0" err="1"/>
-              <a:t>Momentanreserve</a:t>
-            </a:r>
-            <a:endParaRPr lang="de-DE" dirty="0"/>
-          </a:p>
-          <a:p>
-            <a:pPr lvl="1"/>
-            <a:r>
-              <a:rPr lang="de-DE" dirty="0"/>
-              <a:t>Primärreserve</a:t>
-            </a:r>
-          </a:p>
-          <a:p>
-            <a:pPr lvl="1"/>
-            <a:r>
-              <a:rPr lang="de-DE" dirty="0"/>
-              <a:t>Sekundärreserve</a:t>
-            </a:r>
-          </a:p>
-          <a:p>
-            <a:pPr lvl="1"/>
-            <a:r>
-              <a:rPr lang="de-DE" dirty="0"/>
-              <a:t>Minutenreserve</a:t>
-            </a:r>
-          </a:p>
-          <a:p>
             <a:r>
               <a:rPr lang="de-DE" dirty="0"/>
               <a:t>Kraftwerksreserven zur Reserveleistungsvorhaltung</a:t>
@@ -6921,7 +7404,7 @@
           <a:p>
             <a:r>
               <a:rPr lang="de-DE" dirty="0"/>
-              <a:t>Wo befinden sich Kraftwerksreserven in Deutschland; Moritz Deckert, Fynn Linnenbrügger</a:t>
+              <a:t>Wo befinden sich Kraftwerksreserven in Deutschland</a:t>
             </a:r>
           </a:p>
         </p:txBody>
@@ -7003,7 +7486,7 @@
           <a:p>
             <a:r>
               <a:rPr lang="de-DE" dirty="0"/>
-              <a:t>Thematische und begriffliche Einleitung in den Begriff der Kraftwerksreserven</a:t>
+              <a:t>Begriffliche und thematische Einleitung in den Begriff der Kraftwerksreserven</a:t>
             </a:r>
             <a:br>
               <a:rPr lang="de-DE" dirty="0"/>
@@ -7040,25 +7523,13 @@
           <a:p>
             <a:r>
               <a:rPr lang="de-DE" dirty="0"/>
-              <a:t>Weit gefächerter Bereich</a:t>
+              <a:t>Frequenzstabilisierung und Reserveleistungsvorhaltung</a:t>
             </a:r>
           </a:p>
           <a:p>
             <a:r>
               <a:rPr lang="de-DE" dirty="0"/>
-              <a:t>Frequenzstabilisierung</a:t>
-            </a:r>
-          </a:p>
-          <a:p>
-            <a:r>
-              <a:rPr lang="de-DE" dirty="0"/>
-              <a:t>Reserveleistungsvorhaltung</a:t>
-            </a:r>
-          </a:p>
-          <a:p>
-            <a:r>
-              <a:rPr lang="de-DE" dirty="0"/>
-              <a:t>Herausforderungen aufgrund des Russland-Ukraine-Konflikts</a:t>
+              <a:t>Herausforderungen aufgrund des Russland-Ukraine-Konflikts:</a:t>
             </a:r>
           </a:p>
           <a:p>
@@ -7080,27 +7551,15 @@
               <a:rPr lang="de-DE" dirty="0">
                 <a:sym typeface="Wingdings" panose="05000000000000000000" pitchFamily="2" charset="2"/>
               </a:rPr>
-              <a:t>Maßnahmen zur Reduzierung </a:t>
-            </a:r>
-            <a:r>
-              <a:rPr lang="de-DE">
-                <a:sym typeface="Wingdings" panose="05000000000000000000" pitchFamily="2" charset="2"/>
-              </a:rPr>
-              <a:t>von Gas an </a:t>
-            </a:r>
+              <a:t>Maßnahmen zur Reduzierung von Gas an der Stromproduktion</a:t>
+            </a:r>
+          </a:p>
+          <a:p>
             <a:r>
               <a:rPr lang="de-DE" dirty="0">
                 <a:sym typeface="Wingdings" panose="05000000000000000000" pitchFamily="2" charset="2"/>
               </a:rPr>
-              <a:t>der Stromproduktion</a:t>
-            </a:r>
-          </a:p>
-          <a:p>
-            <a:r>
-              <a:rPr lang="de-DE" dirty="0">
-                <a:sym typeface="Wingdings" panose="05000000000000000000" pitchFamily="2" charset="2"/>
-              </a:rPr>
-              <a:t>Herausforderungen aufgrund des steigenden Anteils erneuerbarer Energien an der Stromproduktion</a:t>
+              <a:t>Herausforderungen aufgrund des steigenden Anteils erneuerbarer Energien an der Stromproduktion:</a:t>
             </a:r>
           </a:p>
           <a:p>
@@ -7200,10 +7659,9 @@
           <a:lstStyle/>
           <a:p>
             <a:r>
-              <a:rPr lang="de-DE"/>
-              <a:t>Wo befinden sich Kraftwerksreserven in Deutschland?; Moritz Deckert, Fynn Linnenbrügger</a:t>
-            </a:r>
-            <a:endParaRPr lang="de-DE" dirty="0"/>
+              <a:rPr lang="de-DE" dirty="0"/>
+              <a:t>Wo befinden sich Kraftwerksreserven in Deutschland?</a:t>
+            </a:r>
           </a:p>
         </p:txBody>
       </p:sp>
@@ -7609,7 +8067,7 @@
           <a:p>
             <a:r>
               <a:rPr lang="de-DE" dirty="0"/>
-              <a:t>Wo befinden sich Kraftwerksreserven in Deutschland; Moritz Deckert, Fynn Linnenbrügger</a:t>
+              <a:t>Wo befinden sich Kraftwerksreserven in Deutschland?</a:t>
             </a:r>
           </a:p>
         </p:txBody>
@@ -7686,7 +8144,7 @@
           <a:p>
             <a:r>
               <a:rPr lang="de-DE" dirty="0"/>
-              <a:t>Grenzkostenkraftwerk – Kraftwerk deckt Angebot und Nachfrage </a:t>
+              <a:t>Grenzkostenkraftwerk deckt Angebot und Nachfrage </a:t>
             </a:r>
             <a:r>
               <a:rPr lang="de-DE" dirty="0">
@@ -7743,6 +8201,431 @@
               <a:buNone/>
             </a:pPr>
             <a:endParaRPr lang="de-DE" dirty="0"/>
+          </a:p>
+        </p:txBody>
+      </p:sp>
+      <p:sp>
+        <p:nvSpPr>
+          <p:cNvPr id="3" name="Inhaltsplatzhalter 17">
+            <a:extLst>
+              <a:ext uri="{FF2B5EF4-FFF2-40B4-BE49-F238E27FC236}">
+                <a16:creationId xmlns:a16="http://schemas.microsoft.com/office/drawing/2014/main" id="{1D239E70-C670-EB8F-3FC0-CFBFA575B8AC}"/>
+              </a:ext>
+            </a:extLst>
+          </p:cNvPr>
+          <p:cNvSpPr txBox="1">
+            <a:spLocks/>
+          </p:cNvSpPr>
+          <p:nvPr/>
+        </p:nvSpPr>
+        <p:spPr>
+          <a:xfrm>
+            <a:off x="7510693" y="3259653"/>
+            <a:ext cx="6490718" cy="425623"/>
+          </a:xfrm>
+          <a:prstGeom prst="rect">
+            <a:avLst/>
+          </a:prstGeom>
+        </p:spPr>
+        <p:txBody>
+          <a:bodyPr vert="horz" lIns="0" tIns="0" rIns="0" bIns="0" rtlCol="0">
+            <a:noAutofit/>
+          </a:bodyPr>
+          <a:lstStyle>
+            <a:lvl1pPr marL="228600" indent="-228600" algn="l" defTabSz="914400" rtl="0" eaLnBrk="1" latinLnBrk="0" hangingPunct="1">
+              <a:lnSpc>
+                <a:spcPct val="120000"/>
+              </a:lnSpc>
+              <a:spcBef>
+                <a:spcPts val="1000"/>
+              </a:spcBef>
+              <a:buFont typeface="Arial" panose="020B0604020202020204" pitchFamily="34" charset="0"/>
+              <a:buChar char="•"/>
+              <a:defRPr lang="de-DE" sz="1800" kern="1200">
+                <a:solidFill>
+                  <a:srgbClr val="000000"/>
+                </a:solidFill>
+                <a:latin typeface="+mn-lt"/>
+                <a:ea typeface="+mn-ea"/>
+                <a:cs typeface="+mn-cs"/>
+              </a:defRPr>
+            </a:lvl1pPr>
+            <a:lvl2pPr marL="685800" indent="-228600" algn="l" defTabSz="914400" rtl="0" eaLnBrk="1" latinLnBrk="0" hangingPunct="1">
+              <a:lnSpc>
+                <a:spcPct val="120000"/>
+              </a:lnSpc>
+              <a:spcBef>
+                <a:spcPts val="1000"/>
+              </a:spcBef>
+              <a:buFont typeface="Symbol" panose="05050102010706020507" pitchFamily="18" charset="2"/>
+              <a:buChar char="-"/>
+              <a:defRPr lang="de-DE" sz="1600" kern="1200">
+                <a:solidFill>
+                  <a:srgbClr val="000000"/>
+                </a:solidFill>
+                <a:latin typeface="+mn-lt"/>
+                <a:ea typeface="+mn-ea"/>
+                <a:cs typeface="+mn-cs"/>
+              </a:defRPr>
+            </a:lvl2pPr>
+            <a:lvl3pPr marL="1143000" indent="-228600" algn="l" defTabSz="914400" rtl="0" eaLnBrk="1" latinLnBrk="0" hangingPunct="1">
+              <a:lnSpc>
+                <a:spcPct val="120000"/>
+              </a:lnSpc>
+              <a:spcBef>
+                <a:spcPts val="1000"/>
+              </a:spcBef>
+              <a:buFont typeface="Courier New" panose="02070309020205020404" pitchFamily="49" charset="0"/>
+              <a:buChar char="o"/>
+              <a:defRPr lang="de-DE" sz="1600" kern="1200">
+                <a:solidFill>
+                  <a:srgbClr val="000000"/>
+                </a:solidFill>
+                <a:latin typeface="+mn-lt"/>
+                <a:ea typeface="+mn-ea"/>
+                <a:cs typeface="+mn-cs"/>
+              </a:defRPr>
+            </a:lvl3pPr>
+            <a:lvl4pPr marL="1600200" indent="-228600" algn="l" defTabSz="914400" rtl="0" eaLnBrk="1" latinLnBrk="0" hangingPunct="1">
+              <a:lnSpc>
+                <a:spcPct val="120000"/>
+              </a:lnSpc>
+              <a:spcBef>
+                <a:spcPts val="1000"/>
+              </a:spcBef>
+              <a:buFont typeface="Wingdings" panose="05000000000000000000" pitchFamily="2" charset="2"/>
+              <a:buChar char="§"/>
+              <a:defRPr lang="de-DE" sz="1600" kern="1200">
+                <a:solidFill>
+                  <a:srgbClr val="000000"/>
+                </a:solidFill>
+                <a:latin typeface="+mn-lt"/>
+                <a:ea typeface="+mn-ea"/>
+                <a:cs typeface="+mn-cs"/>
+              </a:defRPr>
+            </a:lvl4pPr>
+            <a:lvl5pPr marL="2057400" indent="-228600" algn="l" defTabSz="914400" rtl="0" eaLnBrk="1" latinLnBrk="0" hangingPunct="1">
+              <a:lnSpc>
+                <a:spcPct val="120000"/>
+              </a:lnSpc>
+              <a:spcBef>
+                <a:spcPts val="1000"/>
+              </a:spcBef>
+              <a:buFont typeface="Arial" panose="020B0604020202020204" pitchFamily="34" charset="0"/>
+              <a:buChar char="•"/>
+              <a:defRPr lang="en-US" sz="1600" kern="1200">
+                <a:solidFill>
+                  <a:srgbClr val="000000"/>
+                </a:solidFill>
+                <a:latin typeface="+mn-lt"/>
+                <a:ea typeface="+mn-ea"/>
+                <a:cs typeface="+mn-cs"/>
+              </a:defRPr>
+            </a:lvl5pPr>
+            <a:lvl6pPr marL="2514600" indent="-228600" algn="l" defTabSz="914400" rtl="0" eaLnBrk="1" latinLnBrk="0" hangingPunct="1">
+              <a:lnSpc>
+                <a:spcPct val="90000"/>
+              </a:lnSpc>
+              <a:spcBef>
+                <a:spcPts val="500"/>
+              </a:spcBef>
+              <a:buFont typeface="Arial" panose="020B0604020202020204" pitchFamily="34" charset="0"/>
+              <a:buChar char="•"/>
+              <a:defRPr sz="1800" kern="1200">
+                <a:solidFill>
+                  <a:schemeClr val="tx1"/>
+                </a:solidFill>
+                <a:latin typeface="+mn-lt"/>
+                <a:ea typeface="+mn-ea"/>
+                <a:cs typeface="+mn-cs"/>
+              </a:defRPr>
+            </a:lvl6pPr>
+            <a:lvl7pPr marL="2971800" indent="-228600" algn="l" defTabSz="914400" rtl="0" eaLnBrk="1" latinLnBrk="0" hangingPunct="1">
+              <a:lnSpc>
+                <a:spcPct val="90000"/>
+              </a:lnSpc>
+              <a:spcBef>
+                <a:spcPts val="500"/>
+              </a:spcBef>
+              <a:buFont typeface="Arial" panose="020B0604020202020204" pitchFamily="34" charset="0"/>
+              <a:buChar char="•"/>
+              <a:defRPr sz="1800" kern="1200">
+                <a:solidFill>
+                  <a:schemeClr val="tx1"/>
+                </a:solidFill>
+                <a:latin typeface="+mn-lt"/>
+                <a:ea typeface="+mn-ea"/>
+                <a:cs typeface="+mn-cs"/>
+              </a:defRPr>
+            </a:lvl7pPr>
+            <a:lvl8pPr marL="3429000" indent="-228600" algn="l" defTabSz="914400" rtl="0" eaLnBrk="1" latinLnBrk="0" hangingPunct="1">
+              <a:lnSpc>
+                <a:spcPct val="90000"/>
+              </a:lnSpc>
+              <a:spcBef>
+                <a:spcPts val="500"/>
+              </a:spcBef>
+              <a:buFont typeface="Arial" panose="020B0604020202020204" pitchFamily="34" charset="0"/>
+              <a:buChar char="•"/>
+              <a:defRPr sz="1800" kern="1200">
+                <a:solidFill>
+                  <a:schemeClr val="tx1"/>
+                </a:solidFill>
+                <a:latin typeface="+mn-lt"/>
+                <a:ea typeface="+mn-ea"/>
+                <a:cs typeface="+mn-cs"/>
+              </a:defRPr>
+            </a:lvl8pPr>
+            <a:lvl9pPr marL="3886200" indent="-228600" algn="l" defTabSz="914400" rtl="0" eaLnBrk="1" latinLnBrk="0" hangingPunct="1">
+              <a:lnSpc>
+                <a:spcPct val="90000"/>
+              </a:lnSpc>
+              <a:spcBef>
+                <a:spcPts val="500"/>
+              </a:spcBef>
+              <a:buFont typeface="Arial" panose="020B0604020202020204" pitchFamily="34" charset="0"/>
+              <a:buChar char="•"/>
+              <a:defRPr sz="1800" kern="1200">
+                <a:solidFill>
+                  <a:schemeClr val="tx1"/>
+                </a:solidFill>
+                <a:latin typeface="+mn-lt"/>
+                <a:ea typeface="+mn-ea"/>
+                <a:cs typeface="+mn-cs"/>
+              </a:defRPr>
+            </a:lvl9pPr>
+          </a:lstStyle>
+          <a:p>
+            <a:pPr marL="0" indent="0">
+              <a:buFont typeface="Arial" panose="020B0604020202020204" pitchFamily="34" charset="0"/>
+              <a:buNone/>
+            </a:pPr>
+            <a:r>
+              <a:rPr lang="de-DE" sz="800">
+                <a:solidFill>
+                  <a:schemeClr val="bg2">
+                    <a:lumMod val="75000"/>
+                  </a:schemeClr>
+                </a:solidFill>
+              </a:rPr>
+              <a:t>https://mediatum.ub.tum.de/node?id=1608886</a:t>
+            </a:r>
+            <a:endParaRPr lang="de-DE" sz="800" dirty="0">
+              <a:solidFill>
+                <a:schemeClr val="bg2">
+                  <a:lumMod val="75000"/>
+                </a:schemeClr>
+              </a:solidFill>
+            </a:endParaRPr>
+          </a:p>
+        </p:txBody>
+      </p:sp>
+      <p:sp>
+        <p:nvSpPr>
+          <p:cNvPr id="7" name="Inhaltsplatzhalter 17">
+            <a:extLst>
+              <a:ext uri="{FF2B5EF4-FFF2-40B4-BE49-F238E27FC236}">
+                <a16:creationId xmlns:a16="http://schemas.microsoft.com/office/drawing/2014/main" id="{EA692F10-7783-A50F-7139-53480913CF16}"/>
+              </a:ext>
+            </a:extLst>
+          </p:cNvPr>
+          <p:cNvSpPr txBox="1">
+            <a:spLocks/>
+          </p:cNvSpPr>
+          <p:nvPr/>
+        </p:nvSpPr>
+        <p:spPr>
+          <a:xfrm>
+            <a:off x="7480532" y="6147546"/>
+            <a:ext cx="6490718" cy="425623"/>
+          </a:xfrm>
+          <a:prstGeom prst="rect">
+            <a:avLst/>
+          </a:prstGeom>
+        </p:spPr>
+        <p:txBody>
+          <a:bodyPr vert="horz" lIns="0" tIns="0" rIns="0" bIns="0" rtlCol="0">
+            <a:noAutofit/>
+          </a:bodyPr>
+          <a:lstStyle>
+            <a:lvl1pPr marL="228600" indent="-228600" algn="l" defTabSz="914400" rtl="0" eaLnBrk="1" latinLnBrk="0" hangingPunct="1">
+              <a:lnSpc>
+                <a:spcPct val="120000"/>
+              </a:lnSpc>
+              <a:spcBef>
+                <a:spcPts val="1000"/>
+              </a:spcBef>
+              <a:buFont typeface="Arial" panose="020B0604020202020204" pitchFamily="34" charset="0"/>
+              <a:buChar char="•"/>
+              <a:defRPr lang="de-DE" sz="1800" kern="1200">
+                <a:solidFill>
+                  <a:srgbClr val="000000"/>
+                </a:solidFill>
+                <a:latin typeface="+mn-lt"/>
+                <a:ea typeface="+mn-ea"/>
+                <a:cs typeface="+mn-cs"/>
+              </a:defRPr>
+            </a:lvl1pPr>
+            <a:lvl2pPr marL="685800" indent="-228600" algn="l" defTabSz="914400" rtl="0" eaLnBrk="1" latinLnBrk="0" hangingPunct="1">
+              <a:lnSpc>
+                <a:spcPct val="120000"/>
+              </a:lnSpc>
+              <a:spcBef>
+                <a:spcPts val="1000"/>
+              </a:spcBef>
+              <a:buFont typeface="Symbol" panose="05050102010706020507" pitchFamily="18" charset="2"/>
+              <a:buChar char="-"/>
+              <a:defRPr lang="de-DE" sz="1600" kern="1200">
+                <a:solidFill>
+                  <a:srgbClr val="000000"/>
+                </a:solidFill>
+                <a:latin typeface="+mn-lt"/>
+                <a:ea typeface="+mn-ea"/>
+                <a:cs typeface="+mn-cs"/>
+              </a:defRPr>
+            </a:lvl2pPr>
+            <a:lvl3pPr marL="1143000" indent="-228600" algn="l" defTabSz="914400" rtl="0" eaLnBrk="1" latinLnBrk="0" hangingPunct="1">
+              <a:lnSpc>
+                <a:spcPct val="120000"/>
+              </a:lnSpc>
+              <a:spcBef>
+                <a:spcPts val="1000"/>
+              </a:spcBef>
+              <a:buFont typeface="Courier New" panose="02070309020205020404" pitchFamily="49" charset="0"/>
+              <a:buChar char="o"/>
+              <a:defRPr lang="de-DE" sz="1600" kern="1200">
+                <a:solidFill>
+                  <a:srgbClr val="000000"/>
+                </a:solidFill>
+                <a:latin typeface="+mn-lt"/>
+                <a:ea typeface="+mn-ea"/>
+                <a:cs typeface="+mn-cs"/>
+              </a:defRPr>
+            </a:lvl3pPr>
+            <a:lvl4pPr marL="1600200" indent="-228600" algn="l" defTabSz="914400" rtl="0" eaLnBrk="1" latinLnBrk="0" hangingPunct="1">
+              <a:lnSpc>
+                <a:spcPct val="120000"/>
+              </a:lnSpc>
+              <a:spcBef>
+                <a:spcPts val="1000"/>
+              </a:spcBef>
+              <a:buFont typeface="Wingdings" panose="05000000000000000000" pitchFamily="2" charset="2"/>
+              <a:buChar char="§"/>
+              <a:defRPr lang="de-DE" sz="1600" kern="1200">
+                <a:solidFill>
+                  <a:srgbClr val="000000"/>
+                </a:solidFill>
+                <a:latin typeface="+mn-lt"/>
+                <a:ea typeface="+mn-ea"/>
+                <a:cs typeface="+mn-cs"/>
+              </a:defRPr>
+            </a:lvl4pPr>
+            <a:lvl5pPr marL="2057400" indent="-228600" algn="l" defTabSz="914400" rtl="0" eaLnBrk="1" latinLnBrk="0" hangingPunct="1">
+              <a:lnSpc>
+                <a:spcPct val="120000"/>
+              </a:lnSpc>
+              <a:spcBef>
+                <a:spcPts val="1000"/>
+              </a:spcBef>
+              <a:buFont typeface="Arial" panose="020B0604020202020204" pitchFamily="34" charset="0"/>
+              <a:buChar char="•"/>
+              <a:defRPr lang="en-US" sz="1600" kern="1200">
+                <a:solidFill>
+                  <a:srgbClr val="000000"/>
+                </a:solidFill>
+                <a:latin typeface="+mn-lt"/>
+                <a:ea typeface="+mn-ea"/>
+                <a:cs typeface="+mn-cs"/>
+              </a:defRPr>
+            </a:lvl5pPr>
+            <a:lvl6pPr marL="2514600" indent="-228600" algn="l" defTabSz="914400" rtl="0" eaLnBrk="1" latinLnBrk="0" hangingPunct="1">
+              <a:lnSpc>
+                <a:spcPct val="90000"/>
+              </a:lnSpc>
+              <a:spcBef>
+                <a:spcPts val="500"/>
+              </a:spcBef>
+              <a:buFont typeface="Arial" panose="020B0604020202020204" pitchFamily="34" charset="0"/>
+              <a:buChar char="•"/>
+              <a:defRPr sz="1800" kern="1200">
+                <a:solidFill>
+                  <a:schemeClr val="tx1"/>
+                </a:solidFill>
+                <a:latin typeface="+mn-lt"/>
+                <a:ea typeface="+mn-ea"/>
+                <a:cs typeface="+mn-cs"/>
+              </a:defRPr>
+            </a:lvl6pPr>
+            <a:lvl7pPr marL="2971800" indent="-228600" algn="l" defTabSz="914400" rtl="0" eaLnBrk="1" latinLnBrk="0" hangingPunct="1">
+              <a:lnSpc>
+                <a:spcPct val="90000"/>
+              </a:lnSpc>
+              <a:spcBef>
+                <a:spcPts val="500"/>
+              </a:spcBef>
+              <a:buFont typeface="Arial" panose="020B0604020202020204" pitchFamily="34" charset="0"/>
+              <a:buChar char="•"/>
+              <a:defRPr sz="1800" kern="1200">
+                <a:solidFill>
+                  <a:schemeClr val="tx1"/>
+                </a:solidFill>
+                <a:latin typeface="+mn-lt"/>
+                <a:ea typeface="+mn-ea"/>
+                <a:cs typeface="+mn-cs"/>
+              </a:defRPr>
+            </a:lvl7pPr>
+            <a:lvl8pPr marL="3429000" indent="-228600" algn="l" defTabSz="914400" rtl="0" eaLnBrk="1" latinLnBrk="0" hangingPunct="1">
+              <a:lnSpc>
+                <a:spcPct val="90000"/>
+              </a:lnSpc>
+              <a:spcBef>
+                <a:spcPts val="500"/>
+              </a:spcBef>
+              <a:buFont typeface="Arial" panose="020B0604020202020204" pitchFamily="34" charset="0"/>
+              <a:buChar char="•"/>
+              <a:defRPr sz="1800" kern="1200">
+                <a:solidFill>
+                  <a:schemeClr val="tx1"/>
+                </a:solidFill>
+                <a:latin typeface="+mn-lt"/>
+                <a:ea typeface="+mn-ea"/>
+                <a:cs typeface="+mn-cs"/>
+              </a:defRPr>
+            </a:lvl8pPr>
+            <a:lvl9pPr marL="3886200" indent="-228600" algn="l" defTabSz="914400" rtl="0" eaLnBrk="1" latinLnBrk="0" hangingPunct="1">
+              <a:lnSpc>
+                <a:spcPct val="90000"/>
+              </a:lnSpc>
+              <a:spcBef>
+                <a:spcPts val="500"/>
+              </a:spcBef>
+              <a:buFont typeface="Arial" panose="020B0604020202020204" pitchFamily="34" charset="0"/>
+              <a:buChar char="•"/>
+              <a:defRPr sz="1800" kern="1200">
+                <a:solidFill>
+                  <a:schemeClr val="tx1"/>
+                </a:solidFill>
+                <a:latin typeface="+mn-lt"/>
+                <a:ea typeface="+mn-ea"/>
+                <a:cs typeface="+mn-cs"/>
+              </a:defRPr>
+            </a:lvl9pPr>
+          </a:lstStyle>
+          <a:p>
+            <a:pPr marL="0" indent="0">
+              <a:buFont typeface="Arial" panose="020B0604020202020204" pitchFamily="34" charset="0"/>
+              <a:buNone/>
+            </a:pPr>
+            <a:r>
+              <a:rPr lang="de-DE" sz="800" dirty="0">
+                <a:solidFill>
+                  <a:schemeClr val="bg2">
+                    <a:lumMod val="75000"/>
+                  </a:schemeClr>
+                </a:solidFill>
+              </a:rPr>
+              <a:t>https://mediatum.ub.tum.de/node?id=1608886</a:t>
+            </a:r>
           </a:p>
         </p:txBody>
       </p:sp>
@@ -7860,7 +8743,7 @@
           <a:p>
             <a:r>
               <a:rPr lang="de-DE" dirty="0"/>
-              <a:t>Kraftwerksreserven zur Frequenzstabilisierung</a:t>
+              <a:t>Kraftwerksreserven zur Frequenzstabilisierung https://link.springer.com/chapter/10.1007/978-3-658-38418-0_1</a:t>
             </a:r>
           </a:p>
         </p:txBody>
@@ -7928,16 +8811,8 @@
             </a:pPr>
             <a:r>
               <a:rPr lang="de-DE" dirty="0"/>
-              <a:t>Wo befinden sich Kraftwerksreserven in Deutschland; Moritz Deckert, Fynn Linnenbrügger</a:t>
-            </a:r>
-          </a:p>
-          <a:p>
-            <a:pPr>
-              <a:spcAft>
-                <a:spcPts val="600"/>
-              </a:spcAft>
-            </a:pPr>
-            <a:endParaRPr lang="de-DE" dirty="0"/>
+              <a:t>Wo befinden sich Kraftwerksreserven in Deutschland?</a:t>
+            </a:r>
           </a:p>
         </p:txBody>
       </p:sp>
@@ -8009,7 +8884,7 @@
           <a:p>
             <a:r>
               <a:rPr lang="en-US" dirty="0" err="1"/>
-              <a:t>Werden</a:t>
+              <a:t>Allgemein</a:t>
             </a:r>
             <a:r>
               <a:rPr lang="en-US" dirty="0"/>
@@ -8363,6 +9238,424 @@
           </a:p>
           <a:p>
             <a:endParaRPr lang="en-US" dirty="0"/>
+          </a:p>
+        </p:txBody>
+      </p:sp>
+      <p:sp>
+        <p:nvSpPr>
+          <p:cNvPr id="3" name="Inhaltsplatzhalter 17">
+            <a:extLst>
+              <a:ext uri="{FF2B5EF4-FFF2-40B4-BE49-F238E27FC236}">
+                <a16:creationId xmlns:a16="http://schemas.microsoft.com/office/drawing/2014/main" id="{A629C19D-1CB2-68D4-C6BD-2274393F64AF}"/>
+              </a:ext>
+            </a:extLst>
+          </p:cNvPr>
+          <p:cNvSpPr txBox="1">
+            <a:spLocks/>
+          </p:cNvSpPr>
+          <p:nvPr/>
+        </p:nvSpPr>
+        <p:spPr>
+          <a:xfrm>
+            <a:off x="4186903" y="6147305"/>
+            <a:ext cx="4939844" cy="425623"/>
+          </a:xfrm>
+          <a:prstGeom prst="rect">
+            <a:avLst/>
+          </a:prstGeom>
+        </p:spPr>
+        <p:txBody>
+          <a:bodyPr vert="horz" lIns="0" tIns="0" rIns="0" bIns="0" rtlCol="0">
+            <a:noAutofit/>
+          </a:bodyPr>
+          <a:lstStyle>
+            <a:lvl1pPr marL="228600" indent="-228600" algn="l" defTabSz="914400" rtl="0" eaLnBrk="1" latinLnBrk="0" hangingPunct="1">
+              <a:lnSpc>
+                <a:spcPct val="120000"/>
+              </a:lnSpc>
+              <a:spcBef>
+                <a:spcPts val="1000"/>
+              </a:spcBef>
+              <a:buFont typeface="Arial" panose="020B0604020202020204" pitchFamily="34" charset="0"/>
+              <a:buChar char="•"/>
+              <a:defRPr lang="de-DE" sz="1800" kern="1200">
+                <a:solidFill>
+                  <a:srgbClr val="000000"/>
+                </a:solidFill>
+                <a:latin typeface="+mn-lt"/>
+                <a:ea typeface="+mn-ea"/>
+                <a:cs typeface="+mn-cs"/>
+              </a:defRPr>
+            </a:lvl1pPr>
+            <a:lvl2pPr marL="685800" indent="-228600" algn="l" defTabSz="914400" rtl="0" eaLnBrk="1" latinLnBrk="0" hangingPunct="1">
+              <a:lnSpc>
+                <a:spcPct val="120000"/>
+              </a:lnSpc>
+              <a:spcBef>
+                <a:spcPts val="1000"/>
+              </a:spcBef>
+              <a:buFont typeface="Symbol" panose="05050102010706020507" pitchFamily="18" charset="2"/>
+              <a:buChar char="-"/>
+              <a:defRPr lang="de-DE" sz="1600" kern="1200">
+                <a:solidFill>
+                  <a:srgbClr val="000000"/>
+                </a:solidFill>
+                <a:latin typeface="+mn-lt"/>
+                <a:ea typeface="+mn-ea"/>
+                <a:cs typeface="+mn-cs"/>
+              </a:defRPr>
+            </a:lvl2pPr>
+            <a:lvl3pPr marL="1143000" indent="-228600" algn="l" defTabSz="914400" rtl="0" eaLnBrk="1" latinLnBrk="0" hangingPunct="1">
+              <a:lnSpc>
+                <a:spcPct val="120000"/>
+              </a:lnSpc>
+              <a:spcBef>
+                <a:spcPts val="1000"/>
+              </a:spcBef>
+              <a:buFont typeface="Courier New" panose="02070309020205020404" pitchFamily="49" charset="0"/>
+              <a:buChar char="o"/>
+              <a:defRPr lang="de-DE" sz="1600" kern="1200">
+                <a:solidFill>
+                  <a:srgbClr val="000000"/>
+                </a:solidFill>
+                <a:latin typeface="+mn-lt"/>
+                <a:ea typeface="+mn-ea"/>
+                <a:cs typeface="+mn-cs"/>
+              </a:defRPr>
+            </a:lvl3pPr>
+            <a:lvl4pPr marL="1600200" indent="-228600" algn="l" defTabSz="914400" rtl="0" eaLnBrk="1" latinLnBrk="0" hangingPunct="1">
+              <a:lnSpc>
+                <a:spcPct val="120000"/>
+              </a:lnSpc>
+              <a:spcBef>
+                <a:spcPts val="1000"/>
+              </a:spcBef>
+              <a:buFont typeface="Wingdings" panose="05000000000000000000" pitchFamily="2" charset="2"/>
+              <a:buChar char="§"/>
+              <a:defRPr lang="de-DE" sz="1600" kern="1200">
+                <a:solidFill>
+                  <a:srgbClr val="000000"/>
+                </a:solidFill>
+                <a:latin typeface="+mn-lt"/>
+                <a:ea typeface="+mn-ea"/>
+                <a:cs typeface="+mn-cs"/>
+              </a:defRPr>
+            </a:lvl4pPr>
+            <a:lvl5pPr marL="2057400" indent="-228600" algn="l" defTabSz="914400" rtl="0" eaLnBrk="1" latinLnBrk="0" hangingPunct="1">
+              <a:lnSpc>
+                <a:spcPct val="120000"/>
+              </a:lnSpc>
+              <a:spcBef>
+                <a:spcPts val="1000"/>
+              </a:spcBef>
+              <a:buFont typeface="Arial" panose="020B0604020202020204" pitchFamily="34" charset="0"/>
+              <a:buChar char="•"/>
+              <a:defRPr lang="en-US" sz="1600" kern="1200">
+                <a:solidFill>
+                  <a:srgbClr val="000000"/>
+                </a:solidFill>
+                <a:latin typeface="+mn-lt"/>
+                <a:ea typeface="+mn-ea"/>
+                <a:cs typeface="+mn-cs"/>
+              </a:defRPr>
+            </a:lvl5pPr>
+            <a:lvl6pPr marL="2514600" indent="-228600" algn="l" defTabSz="914400" rtl="0" eaLnBrk="1" latinLnBrk="0" hangingPunct="1">
+              <a:lnSpc>
+                <a:spcPct val="90000"/>
+              </a:lnSpc>
+              <a:spcBef>
+                <a:spcPts val="500"/>
+              </a:spcBef>
+              <a:buFont typeface="Arial" panose="020B0604020202020204" pitchFamily="34" charset="0"/>
+              <a:buChar char="•"/>
+              <a:defRPr sz="1800" kern="1200">
+                <a:solidFill>
+                  <a:schemeClr val="tx1"/>
+                </a:solidFill>
+                <a:latin typeface="+mn-lt"/>
+                <a:ea typeface="+mn-ea"/>
+                <a:cs typeface="+mn-cs"/>
+              </a:defRPr>
+            </a:lvl6pPr>
+            <a:lvl7pPr marL="2971800" indent="-228600" algn="l" defTabSz="914400" rtl="0" eaLnBrk="1" latinLnBrk="0" hangingPunct="1">
+              <a:lnSpc>
+                <a:spcPct val="90000"/>
+              </a:lnSpc>
+              <a:spcBef>
+                <a:spcPts val="500"/>
+              </a:spcBef>
+              <a:buFont typeface="Arial" panose="020B0604020202020204" pitchFamily="34" charset="0"/>
+              <a:buChar char="•"/>
+              <a:defRPr sz="1800" kern="1200">
+                <a:solidFill>
+                  <a:schemeClr val="tx1"/>
+                </a:solidFill>
+                <a:latin typeface="+mn-lt"/>
+                <a:ea typeface="+mn-ea"/>
+                <a:cs typeface="+mn-cs"/>
+              </a:defRPr>
+            </a:lvl7pPr>
+            <a:lvl8pPr marL="3429000" indent="-228600" algn="l" defTabSz="914400" rtl="0" eaLnBrk="1" latinLnBrk="0" hangingPunct="1">
+              <a:lnSpc>
+                <a:spcPct val="90000"/>
+              </a:lnSpc>
+              <a:spcBef>
+                <a:spcPts val="500"/>
+              </a:spcBef>
+              <a:buFont typeface="Arial" panose="020B0604020202020204" pitchFamily="34" charset="0"/>
+              <a:buChar char="•"/>
+              <a:defRPr sz="1800" kern="1200">
+                <a:solidFill>
+                  <a:schemeClr val="tx1"/>
+                </a:solidFill>
+                <a:latin typeface="+mn-lt"/>
+                <a:ea typeface="+mn-ea"/>
+                <a:cs typeface="+mn-cs"/>
+              </a:defRPr>
+            </a:lvl8pPr>
+            <a:lvl9pPr marL="3886200" indent="-228600" algn="l" defTabSz="914400" rtl="0" eaLnBrk="1" latinLnBrk="0" hangingPunct="1">
+              <a:lnSpc>
+                <a:spcPct val="90000"/>
+              </a:lnSpc>
+              <a:spcBef>
+                <a:spcPts val="500"/>
+              </a:spcBef>
+              <a:buFont typeface="Arial" panose="020B0604020202020204" pitchFamily="34" charset="0"/>
+              <a:buChar char="•"/>
+              <a:defRPr sz="1800" kern="1200">
+                <a:solidFill>
+                  <a:schemeClr val="tx1"/>
+                </a:solidFill>
+                <a:latin typeface="+mn-lt"/>
+                <a:ea typeface="+mn-ea"/>
+                <a:cs typeface="+mn-cs"/>
+              </a:defRPr>
+            </a:lvl9pPr>
+          </a:lstStyle>
+          <a:p>
+            <a:pPr marL="0" indent="0">
+              <a:buFont typeface="Arial" panose="020B0604020202020204" pitchFamily="34" charset="0"/>
+              <a:buNone/>
+            </a:pPr>
+            <a:r>
+              <a:rPr lang="de-DE" sz="800" dirty="0">
+                <a:solidFill>
+                  <a:schemeClr val="bg2">
+                    <a:lumMod val="75000"/>
+                  </a:schemeClr>
+                </a:solidFill>
+              </a:rPr>
+              <a:t>https://link.springer.com/book/10.1007/978-3-658-38418-0</a:t>
+            </a:r>
+          </a:p>
+        </p:txBody>
+      </p:sp>
+      <p:sp>
+        <p:nvSpPr>
+          <p:cNvPr id="8" name="Inhaltsplatzhalter 17">
+            <a:extLst>
+              <a:ext uri="{FF2B5EF4-FFF2-40B4-BE49-F238E27FC236}">
+                <a16:creationId xmlns:a16="http://schemas.microsoft.com/office/drawing/2014/main" id="{4DAB7B08-4866-4EA6-AA5E-DBEC756B3E95}"/>
+              </a:ext>
+            </a:extLst>
+          </p:cNvPr>
+          <p:cNvSpPr txBox="1">
+            <a:spLocks/>
+          </p:cNvSpPr>
+          <p:nvPr/>
+        </p:nvSpPr>
+        <p:spPr>
+          <a:xfrm rot="16200000">
+            <a:off x="10421483" y="2038015"/>
+            <a:ext cx="2810222" cy="425623"/>
+          </a:xfrm>
+          <a:prstGeom prst="rect">
+            <a:avLst/>
+          </a:prstGeom>
+        </p:spPr>
+        <p:txBody>
+          <a:bodyPr vert="horz" lIns="0" tIns="0" rIns="0" bIns="0" rtlCol="0">
+            <a:noAutofit/>
+          </a:bodyPr>
+          <a:lstStyle>
+            <a:lvl1pPr marL="228600" indent="-228600" algn="l" defTabSz="914400" rtl="0" eaLnBrk="1" latinLnBrk="0" hangingPunct="1">
+              <a:lnSpc>
+                <a:spcPct val="120000"/>
+              </a:lnSpc>
+              <a:spcBef>
+                <a:spcPts val="1000"/>
+              </a:spcBef>
+              <a:buFont typeface="Arial" panose="020B0604020202020204" pitchFamily="34" charset="0"/>
+              <a:buChar char="•"/>
+              <a:defRPr lang="de-DE" sz="1800" kern="1200">
+                <a:solidFill>
+                  <a:srgbClr val="000000"/>
+                </a:solidFill>
+                <a:latin typeface="+mn-lt"/>
+                <a:ea typeface="+mn-ea"/>
+                <a:cs typeface="+mn-cs"/>
+              </a:defRPr>
+            </a:lvl1pPr>
+            <a:lvl2pPr marL="685800" indent="-228600" algn="l" defTabSz="914400" rtl="0" eaLnBrk="1" latinLnBrk="0" hangingPunct="1">
+              <a:lnSpc>
+                <a:spcPct val="120000"/>
+              </a:lnSpc>
+              <a:spcBef>
+                <a:spcPts val="1000"/>
+              </a:spcBef>
+              <a:buFont typeface="Symbol" panose="05050102010706020507" pitchFamily="18" charset="2"/>
+              <a:buChar char="-"/>
+              <a:defRPr lang="de-DE" sz="1600" kern="1200">
+                <a:solidFill>
+                  <a:srgbClr val="000000"/>
+                </a:solidFill>
+                <a:latin typeface="+mn-lt"/>
+                <a:ea typeface="+mn-ea"/>
+                <a:cs typeface="+mn-cs"/>
+              </a:defRPr>
+            </a:lvl2pPr>
+            <a:lvl3pPr marL="1143000" indent="-228600" algn="l" defTabSz="914400" rtl="0" eaLnBrk="1" latinLnBrk="0" hangingPunct="1">
+              <a:lnSpc>
+                <a:spcPct val="120000"/>
+              </a:lnSpc>
+              <a:spcBef>
+                <a:spcPts val="1000"/>
+              </a:spcBef>
+              <a:buFont typeface="Courier New" panose="02070309020205020404" pitchFamily="49" charset="0"/>
+              <a:buChar char="o"/>
+              <a:defRPr lang="de-DE" sz="1600" kern="1200">
+                <a:solidFill>
+                  <a:srgbClr val="000000"/>
+                </a:solidFill>
+                <a:latin typeface="+mn-lt"/>
+                <a:ea typeface="+mn-ea"/>
+                <a:cs typeface="+mn-cs"/>
+              </a:defRPr>
+            </a:lvl3pPr>
+            <a:lvl4pPr marL="1600200" indent="-228600" algn="l" defTabSz="914400" rtl="0" eaLnBrk="1" latinLnBrk="0" hangingPunct="1">
+              <a:lnSpc>
+                <a:spcPct val="120000"/>
+              </a:lnSpc>
+              <a:spcBef>
+                <a:spcPts val="1000"/>
+              </a:spcBef>
+              <a:buFont typeface="Wingdings" panose="05000000000000000000" pitchFamily="2" charset="2"/>
+              <a:buChar char="§"/>
+              <a:defRPr lang="de-DE" sz="1600" kern="1200">
+                <a:solidFill>
+                  <a:srgbClr val="000000"/>
+                </a:solidFill>
+                <a:latin typeface="+mn-lt"/>
+                <a:ea typeface="+mn-ea"/>
+                <a:cs typeface="+mn-cs"/>
+              </a:defRPr>
+            </a:lvl4pPr>
+            <a:lvl5pPr marL="2057400" indent="-228600" algn="l" defTabSz="914400" rtl="0" eaLnBrk="1" latinLnBrk="0" hangingPunct="1">
+              <a:lnSpc>
+                <a:spcPct val="120000"/>
+              </a:lnSpc>
+              <a:spcBef>
+                <a:spcPts val="1000"/>
+              </a:spcBef>
+              <a:buFont typeface="Arial" panose="020B0604020202020204" pitchFamily="34" charset="0"/>
+              <a:buChar char="•"/>
+              <a:defRPr lang="en-US" sz="1600" kern="1200">
+                <a:solidFill>
+                  <a:srgbClr val="000000"/>
+                </a:solidFill>
+                <a:latin typeface="+mn-lt"/>
+                <a:ea typeface="+mn-ea"/>
+                <a:cs typeface="+mn-cs"/>
+              </a:defRPr>
+            </a:lvl5pPr>
+            <a:lvl6pPr marL="2514600" indent="-228600" algn="l" defTabSz="914400" rtl="0" eaLnBrk="1" latinLnBrk="0" hangingPunct="1">
+              <a:lnSpc>
+                <a:spcPct val="90000"/>
+              </a:lnSpc>
+              <a:spcBef>
+                <a:spcPts val="500"/>
+              </a:spcBef>
+              <a:buFont typeface="Arial" panose="020B0604020202020204" pitchFamily="34" charset="0"/>
+              <a:buChar char="•"/>
+              <a:defRPr sz="1800" kern="1200">
+                <a:solidFill>
+                  <a:schemeClr val="tx1"/>
+                </a:solidFill>
+                <a:latin typeface="+mn-lt"/>
+                <a:ea typeface="+mn-ea"/>
+                <a:cs typeface="+mn-cs"/>
+              </a:defRPr>
+            </a:lvl6pPr>
+            <a:lvl7pPr marL="2971800" indent="-228600" algn="l" defTabSz="914400" rtl="0" eaLnBrk="1" latinLnBrk="0" hangingPunct="1">
+              <a:lnSpc>
+                <a:spcPct val="90000"/>
+              </a:lnSpc>
+              <a:spcBef>
+                <a:spcPts val="500"/>
+              </a:spcBef>
+              <a:buFont typeface="Arial" panose="020B0604020202020204" pitchFamily="34" charset="0"/>
+              <a:buChar char="•"/>
+              <a:defRPr sz="1800" kern="1200">
+                <a:solidFill>
+                  <a:schemeClr val="tx1"/>
+                </a:solidFill>
+                <a:latin typeface="+mn-lt"/>
+                <a:ea typeface="+mn-ea"/>
+                <a:cs typeface="+mn-cs"/>
+              </a:defRPr>
+            </a:lvl7pPr>
+            <a:lvl8pPr marL="3429000" indent="-228600" algn="l" defTabSz="914400" rtl="0" eaLnBrk="1" latinLnBrk="0" hangingPunct="1">
+              <a:lnSpc>
+                <a:spcPct val="90000"/>
+              </a:lnSpc>
+              <a:spcBef>
+                <a:spcPts val="500"/>
+              </a:spcBef>
+              <a:buFont typeface="Arial" panose="020B0604020202020204" pitchFamily="34" charset="0"/>
+              <a:buChar char="•"/>
+              <a:defRPr sz="1800" kern="1200">
+                <a:solidFill>
+                  <a:schemeClr val="tx1"/>
+                </a:solidFill>
+                <a:latin typeface="+mn-lt"/>
+                <a:ea typeface="+mn-ea"/>
+                <a:cs typeface="+mn-cs"/>
+              </a:defRPr>
+            </a:lvl8pPr>
+            <a:lvl9pPr marL="3886200" indent="-228600" algn="l" defTabSz="914400" rtl="0" eaLnBrk="1" latinLnBrk="0" hangingPunct="1">
+              <a:lnSpc>
+                <a:spcPct val="90000"/>
+              </a:lnSpc>
+              <a:spcBef>
+                <a:spcPts val="500"/>
+              </a:spcBef>
+              <a:buFont typeface="Arial" panose="020B0604020202020204" pitchFamily="34" charset="0"/>
+              <a:buChar char="•"/>
+              <a:defRPr sz="1800" kern="1200">
+                <a:solidFill>
+                  <a:schemeClr val="tx1"/>
+                </a:solidFill>
+                <a:latin typeface="+mn-lt"/>
+                <a:ea typeface="+mn-ea"/>
+                <a:cs typeface="+mn-cs"/>
+              </a:defRPr>
+            </a:lvl9pPr>
+          </a:lstStyle>
+          <a:p>
+            <a:pPr marL="0" indent="0">
+              <a:buFont typeface="Arial" panose="020B0604020202020204" pitchFamily="34" charset="0"/>
+              <a:buNone/>
+            </a:pPr>
+            <a:r>
+              <a:rPr lang="de-DE" sz="800" dirty="0">
+                <a:solidFill>
+                  <a:schemeClr val="bg2">
+                    <a:lumMod val="75000"/>
+                  </a:schemeClr>
+                </a:solidFill>
+              </a:rPr>
+              <a:t>https://link.springer.com/book/10.1007/978-3-658-38418-0</a:t>
+            </a:r>
           </a:p>
         </p:txBody>
       </p:sp>
@@ -8435,20 +9728,6 @@
             </a:r>
           </a:p>
           <a:p>
-            <a:r>
-              <a:rPr lang="de-DE" dirty="0"/>
-              <a:t>Vorzuhaltende </a:t>
-            </a:r>
-            <a:r>
-              <a:rPr lang="de-DE" dirty="0" err="1"/>
-              <a:t>Momentanreserve</a:t>
-            </a:r>
-            <a:r>
-              <a:rPr lang="de-DE" dirty="0"/>
-              <a:t> bemisst sich an Leistungssprung bzw. -abfall von 3 GW</a:t>
-            </a:r>
-          </a:p>
-          <a:p>
             <a:pPr marL="0" indent="0">
               <a:buNone/>
             </a:pPr>
@@ -8456,12 +9735,113 @@
           </a:p>
         </p:txBody>
       </p:sp>
+      <p:sp>
+        <p:nvSpPr>
+          <p:cNvPr id="2" name="Titel 1"/>
+          <p:cNvSpPr>
+            <a:spLocks noGrp="1"/>
+          </p:cNvSpPr>
+          <p:nvPr>
+            <p:ph type="title"/>
+          </p:nvPr>
+        </p:nvSpPr>
+        <p:spPr/>
+        <p:txBody>
+          <a:bodyPr/>
+          <a:lstStyle/>
+          <a:p>
+            <a:r>
+              <a:rPr lang="de-DE" dirty="0"/>
+              <a:t>Kraftwerksreserven zur Frequenzstabilisierung - </a:t>
+            </a:r>
+            <a:r>
+              <a:rPr lang="de-DE" dirty="0" err="1"/>
+              <a:t>Momentanreserve</a:t>
+            </a:r>
+            <a:br>
+              <a:rPr lang="de-DE" dirty="0"/>
+            </a:br>
+            <a:br>
+              <a:rPr lang="de-DE" dirty="0"/>
+            </a:br>
+            <a:endParaRPr lang="de-DE" dirty="0"/>
+          </a:p>
+        </p:txBody>
+      </p:sp>
+      <p:sp>
+        <p:nvSpPr>
+          <p:cNvPr id="4" name="Datumsplatzhalter 3"/>
+          <p:cNvSpPr>
+            <a:spLocks noGrp="1"/>
+          </p:cNvSpPr>
+          <p:nvPr>
+            <p:ph type="dt" sz="half" idx="10"/>
+          </p:nvPr>
+        </p:nvSpPr>
+        <p:spPr/>
+        <p:txBody>
+          <a:bodyPr/>
+          <a:lstStyle/>
+          <a:p>
+            <a:r>
+              <a:rPr lang="de-DE" dirty="0"/>
+              <a:t>22.11.2022</a:t>
+            </a:r>
+          </a:p>
+        </p:txBody>
+      </p:sp>
+      <p:sp>
+        <p:nvSpPr>
+          <p:cNvPr id="5" name="Fußzeilenplatzhalter 4"/>
+          <p:cNvSpPr>
+            <a:spLocks noGrp="1"/>
+          </p:cNvSpPr>
+          <p:nvPr>
+            <p:ph type="ftr" sz="quarter" idx="11"/>
+          </p:nvPr>
+        </p:nvSpPr>
+        <p:spPr/>
+        <p:txBody>
+          <a:bodyPr/>
+          <a:lstStyle/>
+          <a:p>
+            <a:r>
+              <a:rPr lang="de-DE" dirty="0"/>
+              <a:t>Wo befinden sich Kraftwerksreserven in Deutschland?</a:t>
+            </a:r>
+          </a:p>
+        </p:txBody>
+      </p:sp>
+      <p:sp>
+        <p:nvSpPr>
+          <p:cNvPr id="6" name="Foliennummernplatzhalter 5"/>
+          <p:cNvSpPr>
+            <a:spLocks noGrp="1"/>
+          </p:cNvSpPr>
+          <p:nvPr>
+            <p:ph type="sldNum" sz="quarter" idx="12"/>
+          </p:nvPr>
+        </p:nvSpPr>
+        <p:spPr/>
+        <p:txBody>
+          <a:bodyPr/>
+          <a:lstStyle/>
+          <a:p>
+            <a:fld id="{70C9534A-BDEF-4E2F-87B7-7CFE3C6EE2A5}" type="slidenum">
+              <a:rPr lang="de-DE" smtClean="0"/>
+              <a:pPr/>
+              <a:t>6</a:t>
+            </a:fld>
+            <a:endParaRPr lang="de-DE"/>
+          </a:p>
+        </p:txBody>
+      </p:sp>
       <p:pic>
         <p:nvPicPr>
-          <p:cNvPr id="8" name="Grafik 7">
+          <p:cNvPr id="9" name="Grafik 8">
             <a:extLst>
               <a:ext uri="{FF2B5EF4-FFF2-40B4-BE49-F238E27FC236}">
-                <a16:creationId xmlns:a16="http://schemas.microsoft.com/office/drawing/2014/main" id="{33BD2802-CEC7-5844-7923-25008BCBFF61}"/>
+                <a16:creationId xmlns:a16="http://schemas.microsoft.com/office/drawing/2014/main" id="{354B09C0-81C9-7C3C-308D-F4CD8F9E3B3E}"/>
               </a:ext>
             </a:extLst>
           </p:cNvPr>
@@ -8478,138 +9858,7 @@
         </p:blipFill>
         <p:spPr>
           <a:xfrm>
-            <a:off x="7372891" y="1178345"/>
-            <a:ext cx="2280068" cy="1568658"/>
-          </a:xfrm>
-          <a:prstGeom prst="rect">
-            <a:avLst/>
-          </a:prstGeom>
-        </p:spPr>
-      </p:pic>
-      <p:sp>
-        <p:nvSpPr>
-          <p:cNvPr id="2" name="Titel 1"/>
-          <p:cNvSpPr>
-            <a:spLocks noGrp="1"/>
-          </p:cNvSpPr>
-          <p:nvPr>
-            <p:ph type="title"/>
-          </p:nvPr>
-        </p:nvSpPr>
-        <p:spPr/>
-        <p:txBody>
-          <a:bodyPr/>
-          <a:lstStyle/>
-          <a:p>
-            <a:r>
-              <a:rPr lang="de-DE" dirty="0"/>
-              <a:t>Kraftwerksreserven zur Frequenzstabilisierung - </a:t>
-            </a:r>
-            <a:r>
-              <a:rPr lang="de-DE" dirty="0" err="1"/>
-              <a:t>Momentanreserve</a:t>
-            </a:r>
-            <a:br>
-              <a:rPr lang="de-DE" dirty="0"/>
-            </a:br>
-            <a:br>
-              <a:rPr lang="de-DE" dirty="0"/>
-            </a:br>
-            <a:endParaRPr lang="de-DE" dirty="0"/>
-          </a:p>
-        </p:txBody>
-      </p:sp>
-      <p:sp>
-        <p:nvSpPr>
-          <p:cNvPr id="4" name="Datumsplatzhalter 3"/>
-          <p:cNvSpPr>
-            <a:spLocks noGrp="1"/>
-          </p:cNvSpPr>
-          <p:nvPr>
-            <p:ph type="dt" sz="half" idx="10"/>
-          </p:nvPr>
-        </p:nvSpPr>
-        <p:spPr/>
-        <p:txBody>
-          <a:bodyPr/>
-          <a:lstStyle/>
-          <a:p>
-            <a:r>
-              <a:rPr lang="de-DE" dirty="0"/>
-              <a:t>22.11.2022</a:t>
-            </a:r>
-          </a:p>
-        </p:txBody>
-      </p:sp>
-      <p:sp>
-        <p:nvSpPr>
-          <p:cNvPr id="5" name="Fußzeilenplatzhalter 4"/>
-          <p:cNvSpPr>
-            <a:spLocks noGrp="1"/>
-          </p:cNvSpPr>
-          <p:nvPr>
-            <p:ph type="ftr" sz="quarter" idx="11"/>
-          </p:nvPr>
-        </p:nvSpPr>
-        <p:spPr/>
-        <p:txBody>
-          <a:bodyPr/>
-          <a:lstStyle/>
-          <a:p>
-            <a:r>
-              <a:rPr lang="de-DE" dirty="0"/>
-              <a:t>Wo befinden sich Kraftwerksreserven in Deutschland; Moritz Deckert, Fynn Linnenbrügger</a:t>
-            </a:r>
-          </a:p>
-        </p:txBody>
-      </p:sp>
-      <p:sp>
-        <p:nvSpPr>
-          <p:cNvPr id="6" name="Foliennummernplatzhalter 5"/>
-          <p:cNvSpPr>
-            <a:spLocks noGrp="1"/>
-          </p:cNvSpPr>
-          <p:nvPr>
-            <p:ph type="sldNum" sz="quarter" idx="12"/>
-          </p:nvPr>
-        </p:nvSpPr>
-        <p:spPr/>
-        <p:txBody>
-          <a:bodyPr/>
-          <a:lstStyle/>
-          <a:p>
-            <a:fld id="{70C9534A-BDEF-4E2F-87B7-7CFE3C6EE2A5}" type="slidenum">
-              <a:rPr lang="de-DE" smtClean="0"/>
-              <a:pPr/>
-              <a:t>6</a:t>
-            </a:fld>
-            <a:endParaRPr lang="de-DE"/>
-          </a:p>
-        </p:txBody>
-      </p:sp>
-      <p:pic>
-        <p:nvPicPr>
-          <p:cNvPr id="9" name="Grafik 8">
-            <a:extLst>
-              <a:ext uri="{FF2B5EF4-FFF2-40B4-BE49-F238E27FC236}">
-                <a16:creationId xmlns:a16="http://schemas.microsoft.com/office/drawing/2014/main" id="{354B09C0-81C9-7C3C-308D-F4CD8F9E3B3E}"/>
-              </a:ext>
-            </a:extLst>
-          </p:cNvPr>
-          <p:cNvPicPr>
-            <a:picLocks noChangeAspect="1"/>
-          </p:cNvPicPr>
-          <p:nvPr/>
-        </p:nvPicPr>
-        <p:blipFill>
-          <a:blip r:embed="rId3"/>
-          <a:stretch>
-            <a:fillRect/>
-          </a:stretch>
-        </p:blipFill>
-        <p:spPr>
-          <a:xfrm>
-            <a:off x="2685782" y="3597216"/>
+            <a:off x="2685781" y="3234906"/>
             <a:ext cx="6820437" cy="2711122"/>
           </a:xfrm>
           <a:prstGeom prst="rect">
@@ -8618,6 +9867,215 @@
           <a:noFill/>
         </p:spPr>
       </p:pic>
+      <p:sp>
+        <p:nvSpPr>
+          <p:cNvPr id="8" name="Inhaltsplatzhalter 17">
+            <a:extLst>
+              <a:ext uri="{FF2B5EF4-FFF2-40B4-BE49-F238E27FC236}">
+                <a16:creationId xmlns:a16="http://schemas.microsoft.com/office/drawing/2014/main" id="{532B27D0-F818-C896-1467-A44BEDA54C6B}"/>
+              </a:ext>
+            </a:extLst>
+          </p:cNvPr>
+          <p:cNvSpPr txBox="1">
+            <a:spLocks/>
+          </p:cNvSpPr>
+          <p:nvPr/>
+        </p:nvSpPr>
+        <p:spPr>
+          <a:xfrm>
+            <a:off x="2932730" y="5946028"/>
+            <a:ext cx="7677751" cy="425623"/>
+          </a:xfrm>
+          <a:prstGeom prst="rect">
+            <a:avLst/>
+          </a:prstGeom>
+        </p:spPr>
+        <p:txBody>
+          <a:bodyPr vert="horz" lIns="0" tIns="0" rIns="0" bIns="0" rtlCol="0">
+            <a:noAutofit/>
+          </a:bodyPr>
+          <a:lstStyle>
+            <a:lvl1pPr marL="228600" indent="-228600" algn="l" defTabSz="914400" rtl="0" eaLnBrk="1" latinLnBrk="0" hangingPunct="1">
+              <a:lnSpc>
+                <a:spcPct val="120000"/>
+              </a:lnSpc>
+              <a:spcBef>
+                <a:spcPts val="1000"/>
+              </a:spcBef>
+              <a:buFont typeface="Arial" panose="020B0604020202020204" pitchFamily="34" charset="0"/>
+              <a:buChar char="•"/>
+              <a:defRPr lang="de-DE" sz="1800" kern="1200">
+                <a:solidFill>
+                  <a:srgbClr val="000000"/>
+                </a:solidFill>
+                <a:latin typeface="+mn-lt"/>
+                <a:ea typeface="+mn-ea"/>
+                <a:cs typeface="+mn-cs"/>
+              </a:defRPr>
+            </a:lvl1pPr>
+            <a:lvl2pPr marL="685800" indent="-228600" algn="l" defTabSz="914400" rtl="0" eaLnBrk="1" latinLnBrk="0" hangingPunct="1">
+              <a:lnSpc>
+                <a:spcPct val="120000"/>
+              </a:lnSpc>
+              <a:spcBef>
+                <a:spcPts val="1000"/>
+              </a:spcBef>
+              <a:buFont typeface="Symbol" panose="05050102010706020507" pitchFamily="18" charset="2"/>
+              <a:buChar char="-"/>
+              <a:defRPr lang="de-DE" sz="1600" kern="1200">
+                <a:solidFill>
+                  <a:srgbClr val="000000"/>
+                </a:solidFill>
+                <a:latin typeface="+mn-lt"/>
+                <a:ea typeface="+mn-ea"/>
+                <a:cs typeface="+mn-cs"/>
+              </a:defRPr>
+            </a:lvl2pPr>
+            <a:lvl3pPr marL="1143000" indent="-228600" algn="l" defTabSz="914400" rtl="0" eaLnBrk="1" latinLnBrk="0" hangingPunct="1">
+              <a:lnSpc>
+                <a:spcPct val="120000"/>
+              </a:lnSpc>
+              <a:spcBef>
+                <a:spcPts val="1000"/>
+              </a:spcBef>
+              <a:buFont typeface="Courier New" panose="02070309020205020404" pitchFamily="49" charset="0"/>
+              <a:buChar char="o"/>
+              <a:defRPr lang="de-DE" sz="1600" kern="1200">
+                <a:solidFill>
+                  <a:srgbClr val="000000"/>
+                </a:solidFill>
+                <a:latin typeface="+mn-lt"/>
+                <a:ea typeface="+mn-ea"/>
+                <a:cs typeface="+mn-cs"/>
+              </a:defRPr>
+            </a:lvl3pPr>
+            <a:lvl4pPr marL="1600200" indent="-228600" algn="l" defTabSz="914400" rtl="0" eaLnBrk="1" latinLnBrk="0" hangingPunct="1">
+              <a:lnSpc>
+                <a:spcPct val="120000"/>
+              </a:lnSpc>
+              <a:spcBef>
+                <a:spcPts val="1000"/>
+              </a:spcBef>
+              <a:buFont typeface="Wingdings" panose="05000000000000000000" pitchFamily="2" charset="2"/>
+              <a:buChar char="§"/>
+              <a:defRPr lang="de-DE" sz="1600" kern="1200">
+                <a:solidFill>
+                  <a:srgbClr val="000000"/>
+                </a:solidFill>
+                <a:latin typeface="+mn-lt"/>
+                <a:ea typeface="+mn-ea"/>
+                <a:cs typeface="+mn-cs"/>
+              </a:defRPr>
+            </a:lvl4pPr>
+            <a:lvl5pPr marL="2057400" indent="-228600" algn="l" defTabSz="914400" rtl="0" eaLnBrk="1" latinLnBrk="0" hangingPunct="1">
+              <a:lnSpc>
+                <a:spcPct val="120000"/>
+              </a:lnSpc>
+              <a:spcBef>
+                <a:spcPts val="1000"/>
+              </a:spcBef>
+              <a:buFont typeface="Arial" panose="020B0604020202020204" pitchFamily="34" charset="0"/>
+              <a:buChar char="•"/>
+              <a:defRPr lang="en-US" sz="1600" kern="1200">
+                <a:solidFill>
+                  <a:srgbClr val="000000"/>
+                </a:solidFill>
+                <a:latin typeface="+mn-lt"/>
+                <a:ea typeface="+mn-ea"/>
+                <a:cs typeface="+mn-cs"/>
+              </a:defRPr>
+            </a:lvl5pPr>
+            <a:lvl6pPr marL="2514600" indent="-228600" algn="l" defTabSz="914400" rtl="0" eaLnBrk="1" latinLnBrk="0" hangingPunct="1">
+              <a:lnSpc>
+                <a:spcPct val="90000"/>
+              </a:lnSpc>
+              <a:spcBef>
+                <a:spcPts val="500"/>
+              </a:spcBef>
+              <a:buFont typeface="Arial" panose="020B0604020202020204" pitchFamily="34" charset="0"/>
+              <a:buChar char="•"/>
+              <a:defRPr sz="1800" kern="1200">
+                <a:solidFill>
+                  <a:schemeClr val="tx1"/>
+                </a:solidFill>
+                <a:latin typeface="+mn-lt"/>
+                <a:ea typeface="+mn-ea"/>
+                <a:cs typeface="+mn-cs"/>
+              </a:defRPr>
+            </a:lvl6pPr>
+            <a:lvl7pPr marL="2971800" indent="-228600" algn="l" defTabSz="914400" rtl="0" eaLnBrk="1" latinLnBrk="0" hangingPunct="1">
+              <a:lnSpc>
+                <a:spcPct val="90000"/>
+              </a:lnSpc>
+              <a:spcBef>
+                <a:spcPts val="500"/>
+              </a:spcBef>
+              <a:buFont typeface="Arial" panose="020B0604020202020204" pitchFamily="34" charset="0"/>
+              <a:buChar char="•"/>
+              <a:defRPr sz="1800" kern="1200">
+                <a:solidFill>
+                  <a:schemeClr val="tx1"/>
+                </a:solidFill>
+                <a:latin typeface="+mn-lt"/>
+                <a:ea typeface="+mn-ea"/>
+                <a:cs typeface="+mn-cs"/>
+              </a:defRPr>
+            </a:lvl7pPr>
+            <a:lvl8pPr marL="3429000" indent="-228600" algn="l" defTabSz="914400" rtl="0" eaLnBrk="1" latinLnBrk="0" hangingPunct="1">
+              <a:lnSpc>
+                <a:spcPct val="90000"/>
+              </a:lnSpc>
+              <a:spcBef>
+                <a:spcPts val="500"/>
+              </a:spcBef>
+              <a:buFont typeface="Arial" panose="020B0604020202020204" pitchFamily="34" charset="0"/>
+              <a:buChar char="•"/>
+              <a:defRPr sz="1800" kern="1200">
+                <a:solidFill>
+                  <a:schemeClr val="tx1"/>
+                </a:solidFill>
+                <a:latin typeface="+mn-lt"/>
+                <a:ea typeface="+mn-ea"/>
+                <a:cs typeface="+mn-cs"/>
+              </a:defRPr>
+            </a:lvl8pPr>
+            <a:lvl9pPr marL="3886200" indent="-228600" algn="l" defTabSz="914400" rtl="0" eaLnBrk="1" latinLnBrk="0" hangingPunct="1">
+              <a:lnSpc>
+                <a:spcPct val="90000"/>
+              </a:lnSpc>
+              <a:spcBef>
+                <a:spcPts val="500"/>
+              </a:spcBef>
+              <a:buFont typeface="Arial" panose="020B0604020202020204" pitchFamily="34" charset="0"/>
+              <a:buChar char="•"/>
+              <a:defRPr sz="1800" kern="1200">
+                <a:solidFill>
+                  <a:schemeClr val="tx1"/>
+                </a:solidFill>
+                <a:latin typeface="+mn-lt"/>
+                <a:ea typeface="+mn-ea"/>
+                <a:cs typeface="+mn-cs"/>
+              </a:defRPr>
+            </a:lvl9pPr>
+          </a:lstStyle>
+          <a:p>
+            <a:pPr marL="0" indent="0">
+              <a:buFont typeface="Arial" panose="020B0604020202020204" pitchFamily="34" charset="0"/>
+              <a:buNone/>
+            </a:pPr>
+            <a:r>
+              <a:rPr lang="de-DE" sz="800" dirty="0">
+                <a:solidFill>
+                  <a:schemeClr val="bg2">
+                    <a:lumMod val="75000"/>
+                  </a:schemeClr>
+                </a:solidFill>
+              </a:rPr>
+              <a:t>https://www.bundesnetzagentur.de/SharedDocs/Mediathek/Monitoringberichte/Monitoringbericht_Energie2021.pdf?__blob=publicationFile&amp;v=2</a:t>
+            </a:r>
+          </a:p>
+        </p:txBody>
+      </p:sp>
     </p:spTree>
     <p:extLst>
       <p:ext uri="{BB962C8B-B14F-4D97-AF65-F5344CB8AC3E}">
@@ -8648,12 +10106,418 @@
           <a:chExt cx="0" cy="0"/>
         </a:xfrm>
       </p:grpSpPr>
+      <p:sp>
+        <p:nvSpPr>
+          <p:cNvPr id="2" name="Titel 1">
+            <a:extLst>
+              <a:ext uri="{FF2B5EF4-FFF2-40B4-BE49-F238E27FC236}">
+                <a16:creationId xmlns:a16="http://schemas.microsoft.com/office/drawing/2014/main" id="{74BAA6C6-CA51-059D-FFE5-398BA5EE0C2C}"/>
+              </a:ext>
+            </a:extLst>
+          </p:cNvPr>
+          <p:cNvSpPr>
+            <a:spLocks noGrp="1"/>
+          </p:cNvSpPr>
+          <p:nvPr>
+            <p:ph type="title"/>
+          </p:nvPr>
+        </p:nvSpPr>
+        <p:spPr/>
+        <p:txBody>
+          <a:bodyPr/>
+          <a:lstStyle/>
+          <a:p>
+            <a:r>
+              <a:rPr lang="de-DE" dirty="0"/>
+              <a:t>Kraftwerksreserven zur Frequenzstabilisierung - Primärreserve</a:t>
+            </a:r>
+          </a:p>
+        </p:txBody>
+      </p:sp>
+      <p:sp>
+        <p:nvSpPr>
+          <p:cNvPr id="3" name="Inhaltsplatzhalter 2">
+            <a:extLst>
+              <a:ext uri="{FF2B5EF4-FFF2-40B4-BE49-F238E27FC236}">
+                <a16:creationId xmlns:a16="http://schemas.microsoft.com/office/drawing/2014/main" id="{2D48D2D8-390E-779A-7082-6D63DE002008}"/>
+              </a:ext>
+            </a:extLst>
+          </p:cNvPr>
+          <p:cNvSpPr>
+            <a:spLocks noGrp="1"/>
+          </p:cNvSpPr>
+          <p:nvPr>
+            <p:ph idx="1"/>
+          </p:nvPr>
+        </p:nvSpPr>
+        <p:spPr>
+          <a:xfrm>
+            <a:off x="8997351" y="1125538"/>
+            <a:ext cx="2717393" cy="961960"/>
+          </a:xfrm>
+        </p:spPr>
+        <p:txBody>
+          <a:bodyPr/>
+          <a:lstStyle/>
+          <a:p>
+            <a:pPr marL="0" indent="0">
+              <a:buNone/>
+            </a:pPr>
+            <a:br>
+              <a:rPr lang="de-DE" dirty="0"/>
+            </a:br>
+            <a:br>
+              <a:rPr lang="de-DE" dirty="0"/>
+            </a:br>
+            <a:endParaRPr lang="de-DE" dirty="0"/>
+          </a:p>
+        </p:txBody>
+      </p:sp>
+      <p:sp>
+        <p:nvSpPr>
+          <p:cNvPr id="4" name="Datumsplatzhalter 3">
+            <a:extLst>
+              <a:ext uri="{FF2B5EF4-FFF2-40B4-BE49-F238E27FC236}">
+                <a16:creationId xmlns:a16="http://schemas.microsoft.com/office/drawing/2014/main" id="{94AB0551-218E-14D9-F1F5-5C6FEBDBB5A4}"/>
+              </a:ext>
+            </a:extLst>
+          </p:cNvPr>
+          <p:cNvSpPr>
+            <a:spLocks noGrp="1"/>
+          </p:cNvSpPr>
+          <p:nvPr>
+            <p:ph type="dt" sz="half" idx="10"/>
+          </p:nvPr>
+        </p:nvSpPr>
+        <p:spPr/>
+        <p:txBody>
+          <a:bodyPr/>
+          <a:lstStyle/>
+          <a:p>
+            <a:r>
+              <a:rPr lang="de-DE" dirty="0"/>
+              <a:t>22.11.2022</a:t>
+            </a:r>
+          </a:p>
+        </p:txBody>
+      </p:sp>
+      <p:sp>
+        <p:nvSpPr>
+          <p:cNvPr id="5" name="Fußzeilenplatzhalter 4">
+            <a:extLst>
+              <a:ext uri="{FF2B5EF4-FFF2-40B4-BE49-F238E27FC236}">
+                <a16:creationId xmlns:a16="http://schemas.microsoft.com/office/drawing/2014/main" id="{7A6CDDEF-AC6D-3286-FD8E-9F4409CABB55}"/>
+              </a:ext>
+            </a:extLst>
+          </p:cNvPr>
+          <p:cNvSpPr>
+            <a:spLocks noGrp="1"/>
+          </p:cNvSpPr>
+          <p:nvPr>
+            <p:ph type="ftr" sz="quarter" idx="11"/>
+          </p:nvPr>
+        </p:nvSpPr>
+        <p:spPr/>
+        <p:txBody>
+          <a:bodyPr/>
+          <a:lstStyle/>
+          <a:p>
+            <a:r>
+              <a:rPr lang="de-DE" dirty="0"/>
+              <a:t>Wo befinden sich Kraftwerksreserven in Deutschland?</a:t>
+            </a:r>
+          </a:p>
+        </p:txBody>
+      </p:sp>
+      <p:sp>
+        <p:nvSpPr>
+          <p:cNvPr id="6" name="Foliennummernplatzhalter 5">
+            <a:extLst>
+              <a:ext uri="{FF2B5EF4-FFF2-40B4-BE49-F238E27FC236}">
+                <a16:creationId xmlns:a16="http://schemas.microsoft.com/office/drawing/2014/main" id="{F32B71D9-91C0-AE8F-6C35-D85496DF31E1}"/>
+              </a:ext>
+            </a:extLst>
+          </p:cNvPr>
+          <p:cNvSpPr>
+            <a:spLocks noGrp="1"/>
+          </p:cNvSpPr>
+          <p:nvPr>
+            <p:ph type="sldNum" sz="quarter" idx="12"/>
+          </p:nvPr>
+        </p:nvSpPr>
+        <p:spPr/>
+        <p:txBody>
+          <a:bodyPr/>
+          <a:lstStyle/>
+          <a:p>
+            <a:fld id="{70C9534A-BDEF-4E2F-87B7-7CFE3C6EE2A5}" type="slidenum">
+              <a:rPr lang="de-DE" smtClean="0"/>
+              <a:t>7</a:t>
+            </a:fld>
+            <a:endParaRPr lang="de-DE"/>
+          </a:p>
+        </p:txBody>
+      </p:sp>
+      <p:graphicFrame>
+        <p:nvGraphicFramePr>
+          <p:cNvPr id="9" name="Tabelle 9">
+            <a:extLst>
+              <a:ext uri="{FF2B5EF4-FFF2-40B4-BE49-F238E27FC236}">
+                <a16:creationId xmlns:a16="http://schemas.microsoft.com/office/drawing/2014/main" id="{2A42DBC3-88A6-F051-319B-EF7093150B5D}"/>
+              </a:ext>
+            </a:extLst>
+          </p:cNvPr>
+          <p:cNvGraphicFramePr>
+            <a:graphicFrameLocks noGrp="1"/>
+          </p:cNvGraphicFramePr>
+          <p:nvPr>
+            <p:extLst>
+              <p:ext uri="{D42A27DB-BD31-4B8C-83A1-F6EECF244321}">
+                <p14:modId xmlns:p14="http://schemas.microsoft.com/office/powerpoint/2010/main" val="485890148"/>
+              </p:ext>
+            </p:extLst>
+          </p:nvPr>
+        </p:nvGraphicFramePr>
+        <p:xfrm>
+          <a:off x="603851" y="882630"/>
+          <a:ext cx="6788987" cy="2763520"/>
+        </p:xfrm>
+        <a:graphic>
+          <a:graphicData uri="http://schemas.openxmlformats.org/drawingml/2006/table">
+            <a:tbl>
+              <a:tblPr firstRow="1" bandRow="1">
+                <a:tableStyleId>{5C22544A-7EE6-4342-B048-85BDC9FD1C3A}</a:tableStyleId>
+              </a:tblPr>
+              <a:tblGrid>
+                <a:gridCol w="2877939">
+                  <a:extLst>
+                    <a:ext uri="{9D8B030D-6E8A-4147-A177-3AD203B41FA5}">
+                      <a16:colId xmlns:a16="http://schemas.microsoft.com/office/drawing/2014/main" val="4036590929"/>
+                    </a:ext>
+                  </a:extLst>
+                </a:gridCol>
+                <a:gridCol w="3911048">
+                  <a:extLst>
+                    <a:ext uri="{9D8B030D-6E8A-4147-A177-3AD203B41FA5}">
+                      <a16:colId xmlns:a16="http://schemas.microsoft.com/office/drawing/2014/main" val="459919114"/>
+                    </a:ext>
+                  </a:extLst>
+                </a:gridCol>
+              </a:tblGrid>
+              <a:tr h="370840">
+                <a:tc>
+                  <a:txBody>
+                    <a:bodyPr/>
+                    <a:lstStyle/>
+                    <a:p>
+                      <a:r>
+                        <a:rPr lang="de-DE" dirty="0"/>
+                        <a:t>Regelenergieart</a:t>
+                      </a:r>
+                    </a:p>
+                  </a:txBody>
+                  <a:tcPr/>
+                </a:tc>
+                <a:tc>
+                  <a:txBody>
+                    <a:bodyPr/>
+                    <a:lstStyle/>
+                    <a:p>
+                      <a:r>
+                        <a:rPr lang="de-DE" dirty="0"/>
+                        <a:t>Primärregelreserve</a:t>
+                      </a:r>
+                    </a:p>
+                  </a:txBody>
+                  <a:tcPr/>
+                </a:tc>
+                <a:extLst>
+                  <a:ext uri="{0D108BD9-81ED-4DB2-BD59-A6C34878D82A}">
+                    <a16:rowId xmlns:a16="http://schemas.microsoft.com/office/drawing/2014/main" val="2375129525"/>
+                  </a:ext>
+                </a:extLst>
+              </a:tr>
+              <a:tr h="370840">
+                <a:tc>
+                  <a:txBody>
+                    <a:bodyPr/>
+                    <a:lstStyle/>
+                    <a:p>
+                      <a:r>
+                        <a:rPr lang="de-DE" dirty="0"/>
+                        <a:t>Bereitstellung durch</a:t>
+                      </a:r>
+                    </a:p>
+                  </a:txBody>
+                  <a:tcPr anchor="ctr"/>
+                </a:tc>
+                <a:tc>
+                  <a:txBody>
+                    <a:bodyPr/>
+                    <a:lstStyle/>
+                    <a:p>
+                      <a:r>
+                        <a:rPr lang="de-DE" dirty="0"/>
+                        <a:t>ENTSO-E</a:t>
+                      </a:r>
+                    </a:p>
+                  </a:txBody>
+                  <a:tcPr anchor="ctr"/>
+                </a:tc>
+                <a:extLst>
+                  <a:ext uri="{0D108BD9-81ED-4DB2-BD59-A6C34878D82A}">
+                    <a16:rowId xmlns:a16="http://schemas.microsoft.com/office/drawing/2014/main" val="1538549665"/>
+                  </a:ext>
+                </a:extLst>
+              </a:tr>
+              <a:tr h="370840">
+                <a:tc>
+                  <a:txBody>
+                    <a:bodyPr/>
+                    <a:lstStyle/>
+                    <a:p>
+                      <a:r>
+                        <a:rPr lang="de-DE" dirty="0"/>
+                        <a:t>Aktivierung</a:t>
+                      </a:r>
+                    </a:p>
+                  </a:txBody>
+                  <a:tcPr anchor="ctr"/>
+                </a:tc>
+                <a:tc>
+                  <a:txBody>
+                    <a:bodyPr/>
+                    <a:lstStyle/>
+                    <a:p>
+                      <a:r>
+                        <a:rPr lang="de-DE" dirty="0"/>
+                        <a:t>Frequenzgesteuert: Eingriff vor Ort</a:t>
+                      </a:r>
+                    </a:p>
+                    <a:p>
+                      <a:r>
+                        <a:rPr lang="de-DE" dirty="0"/>
+                        <a:t>durch Anbieter der PRL</a:t>
+                      </a:r>
+                    </a:p>
+                  </a:txBody>
+                  <a:tcPr anchor="ctr"/>
+                </a:tc>
+                <a:extLst>
+                  <a:ext uri="{0D108BD9-81ED-4DB2-BD59-A6C34878D82A}">
+                    <a16:rowId xmlns:a16="http://schemas.microsoft.com/office/drawing/2014/main" val="4091464367"/>
+                  </a:ext>
+                </a:extLst>
+              </a:tr>
+              <a:tr h="370840">
+                <a:tc>
+                  <a:txBody>
+                    <a:bodyPr/>
+                    <a:lstStyle/>
+                    <a:p>
+                      <a:r>
+                        <a:rPr lang="de-DE" dirty="0"/>
+                        <a:t>Volle Leistung</a:t>
+                      </a:r>
+                    </a:p>
+                  </a:txBody>
+                  <a:tcPr anchor="ctr"/>
+                </a:tc>
+                <a:tc>
+                  <a:txBody>
+                    <a:bodyPr/>
+                    <a:lstStyle/>
+                    <a:p>
+                      <a:r>
+                        <a:rPr lang="de-DE" dirty="0"/>
+                        <a:t>Innerhalb von 30 Sekunden</a:t>
+                      </a:r>
+                    </a:p>
+                  </a:txBody>
+                  <a:tcPr anchor="ctr"/>
+                </a:tc>
+                <a:extLst>
+                  <a:ext uri="{0D108BD9-81ED-4DB2-BD59-A6C34878D82A}">
+                    <a16:rowId xmlns:a16="http://schemas.microsoft.com/office/drawing/2014/main" val="889389087"/>
+                  </a:ext>
+                </a:extLst>
+              </a:tr>
+              <a:tr h="370840">
+                <a:tc>
+                  <a:txBody>
+                    <a:bodyPr/>
+                    <a:lstStyle/>
+                    <a:p>
+                      <a:r>
+                        <a:rPr lang="de-DE" dirty="0"/>
+                        <a:t>Abzudeckender Zeitraum nach Störungsfall</a:t>
+                      </a:r>
+                    </a:p>
+                  </a:txBody>
+                  <a:tcPr anchor="ctr"/>
+                </a:tc>
+                <a:tc>
+                  <a:txBody>
+                    <a:bodyPr/>
+                    <a:lstStyle/>
+                    <a:p>
+                      <a:r>
+                        <a:rPr lang="de-DE" dirty="0"/>
+                        <a:t>0 bis 15 Minuten</a:t>
+                      </a:r>
+                    </a:p>
+                  </a:txBody>
+                  <a:tcPr anchor="ctr"/>
+                </a:tc>
+                <a:extLst>
+                  <a:ext uri="{0D108BD9-81ED-4DB2-BD59-A6C34878D82A}">
+                    <a16:rowId xmlns:a16="http://schemas.microsoft.com/office/drawing/2014/main" val="2441435563"/>
+                  </a:ext>
+                </a:extLst>
+              </a:tr>
+              <a:tr h="370840">
+                <a:tc>
+                  <a:txBody>
+                    <a:bodyPr/>
+                    <a:lstStyle/>
+                    <a:p>
+                      <a:r>
+                        <a:rPr lang="de-DE" dirty="0"/>
+                        <a:t>Vergütung</a:t>
+                      </a:r>
+                    </a:p>
+                  </a:txBody>
+                  <a:tcPr anchor="ctr"/>
+                </a:tc>
+                <a:tc>
+                  <a:txBody>
+                    <a:bodyPr/>
+                    <a:lstStyle/>
+                    <a:p>
+                      <a:r>
+                        <a:rPr lang="de-DE" dirty="0"/>
+                        <a:t>Leistungspreis</a:t>
+                      </a:r>
+                    </a:p>
+                  </a:txBody>
+                  <a:tcPr anchor="ctr"/>
+                </a:tc>
+                <a:extLst>
+                  <a:ext uri="{0D108BD9-81ED-4DB2-BD59-A6C34878D82A}">
+                    <a16:rowId xmlns:a16="http://schemas.microsoft.com/office/drawing/2014/main" val="2677125222"/>
+                  </a:ext>
+                </a:extLst>
+              </a:tr>
+            </a:tbl>
+          </a:graphicData>
+        </a:graphic>
+      </p:graphicFrame>
       <p:pic>
         <p:nvPicPr>
-          <p:cNvPr id="8" name="Grafik 7">
+          <p:cNvPr id="10" name="Grafik 9">
             <a:extLst>
               <a:ext uri="{FF2B5EF4-FFF2-40B4-BE49-F238E27FC236}">
-                <a16:creationId xmlns:a16="http://schemas.microsoft.com/office/drawing/2014/main" id="{BCDEDCE7-1E4A-E593-1A93-4A9D54AA5973}"/>
+                <a16:creationId xmlns:a16="http://schemas.microsoft.com/office/drawing/2014/main" id="{F9C5458D-BE4F-6FD7-7F73-AD798526885A}"/>
               </a:ext>
             </a:extLst>
           </p:cNvPr>
@@ -8670,265 +10534,258 @@
         </p:blipFill>
         <p:spPr>
           <a:xfrm>
-            <a:off x="8517610" y="2954755"/>
-            <a:ext cx="3156104" cy="3144119"/>
+            <a:off x="8488742" y="916236"/>
+            <a:ext cx="2811933" cy="2801255"/>
           </a:xfrm>
           <a:prstGeom prst="rect">
             <a:avLst/>
           </a:prstGeom>
         </p:spPr>
       </p:pic>
-      <p:sp>
-        <p:nvSpPr>
-          <p:cNvPr id="2" name="Titel 1"/>
-          <p:cNvSpPr>
-            <a:spLocks noGrp="1"/>
-          </p:cNvSpPr>
-          <p:nvPr>
-            <p:ph type="title"/>
-          </p:nvPr>
-        </p:nvSpPr>
-        <p:spPr/>
-        <p:txBody>
-          <a:bodyPr/>
-          <a:lstStyle/>
-          <a:p>
-            <a:r>
-              <a:rPr lang="de-DE" dirty="0"/>
-              <a:t>Kraftwerksreserven zur Frequenzstabilisierung - Primärreserve</a:t>
-            </a:r>
-            <a:br>
-              <a:rPr lang="de-DE" dirty="0"/>
-            </a:br>
-            <a:br>
-              <a:rPr lang="de-DE" dirty="0"/>
-            </a:br>
-            <a:endParaRPr lang="de-DE" dirty="0"/>
-          </a:p>
-        </p:txBody>
-      </p:sp>
-      <mc:AlternateContent xmlns:mc="http://schemas.openxmlformats.org/markup-compatibility/2006" xmlns:a14="http://schemas.microsoft.com/office/drawing/2010/main">
-        <mc:Choice Requires="a14">
-          <p:sp>
-            <p:nvSpPr>
-              <p:cNvPr id="3" name="Inhaltsplatzhalter 2"/>
-              <p:cNvSpPr>
-                <a:spLocks noGrp="1"/>
-              </p:cNvSpPr>
-              <p:nvPr>
-                <p:ph idx="1"/>
-              </p:nvPr>
-            </p:nvSpPr>
-            <p:spPr/>
-            <p:txBody>
-              <a:bodyPr/>
-              <a:lstStyle/>
-              <a:p>
-                <a:r>
-                  <a:rPr lang="de-DE" dirty="0">
-                    <a:ea typeface="Cambria Math" panose="02040503050406030204" pitchFamily="18" charset="0"/>
-                  </a:rPr>
-                  <a:t>Wird über einen Zusammenschluss mehrerer Staaten der ENTSO-E bereitgestellt</a:t>
-                </a:r>
-              </a:p>
-              <a:p>
-                <a:r>
-                  <a:rPr lang="de-DE" dirty="0">
-                    <a:ea typeface="Cambria Math" panose="02040503050406030204" pitchFamily="18" charset="0"/>
-                  </a:rPr>
-                  <a:t>Kapazität der PRL: </a:t>
-                </a:r>
-                <a14:m>
-                  <m:oMath xmlns:m="http://schemas.openxmlformats.org/officeDocument/2006/math">
-                    <m:r>
-                      <a:rPr lang="de-DE" i="1" smtClean="0">
-                        <a:latin typeface="Cambria Math" panose="02040503050406030204" pitchFamily="18" charset="0"/>
-                        <a:ea typeface="Cambria Math" panose="02040503050406030204" pitchFamily="18" charset="0"/>
-                      </a:rPr>
-                      <m:t>±</m:t>
-                    </m:r>
-                  </m:oMath>
-                </a14:m>
-                <a:r>
-                  <a:rPr lang="de-DE" dirty="0"/>
-                  <a:t>3 GW </a:t>
-                </a:r>
-              </a:p>
-              <a:p>
-                <a:pPr marL="0" indent="0">
-                  <a:buNone/>
-                </a:pPr>
-                <a:r>
-                  <a:rPr lang="de-DE" dirty="0"/>
-                  <a:t>      </a:t>
-                </a:r>
-                <a:r>
-                  <a:rPr lang="de-DE" dirty="0">
-                    <a:sym typeface="Wingdings" panose="05000000000000000000" pitchFamily="2" charset="2"/>
-                  </a:rPr>
-                  <a:t> Ermittlung erfolgt anhand des Ausfalls der zwei größten Kraftwerksblöcke innerhalb des Netzes</a:t>
-                </a:r>
-                <a:endParaRPr lang="de-DE" dirty="0"/>
-              </a:p>
-              <a:p>
-                <a:r>
-                  <a:rPr lang="de-DE" dirty="0"/>
-                  <a:t>Kapazität wird anhand des eingespeisten Stroms auf die Teilnehmer aufgeteilt</a:t>
-                </a:r>
-              </a:p>
-              <a:p>
-                <a:r>
-                  <a:rPr lang="de-DE" dirty="0"/>
-                  <a:t>Nach 30 Sekunden vollständige Leistung abrufbereit </a:t>
-                </a:r>
-              </a:p>
-              <a:p>
-                <a:r>
-                  <a:rPr lang="de-DE" dirty="0"/>
-                  <a:t>Vollständige Leistung muss für 15 Minuten bereitstehen</a:t>
-                </a:r>
-              </a:p>
-              <a:p>
-                <a:r>
-                  <a:rPr lang="de-DE" dirty="0"/>
-                  <a:t>Wirtschaftliche Aspekte:</a:t>
-                </a:r>
-              </a:p>
-              <a:p>
-                <a:pPr lvl="1"/>
-                <a:r>
-                  <a:rPr lang="de-DE" dirty="0"/>
-                  <a:t>Preisfindung: „Marginal Pricing“</a:t>
-                </a:r>
-              </a:p>
-              <a:p>
-                <a:pPr lvl="1"/>
-                <a:r>
-                  <a:rPr lang="de-DE" dirty="0">
-                    <a:sym typeface="Wingdings" panose="05000000000000000000" pitchFamily="2" charset="2"/>
-                  </a:rPr>
-                  <a:t>Vergütung von Leistungspreis</a:t>
-                </a:r>
-                <a:endParaRPr lang="de-DE" dirty="0"/>
-              </a:p>
-              <a:p>
-                <a:pPr marL="0" indent="0">
-                  <a:buNone/>
-                </a:pPr>
-                <a:r>
-                  <a:rPr lang="de-DE" dirty="0"/>
-                  <a:t>    </a:t>
-                </a:r>
-              </a:p>
-            </p:txBody>
-          </p:sp>
-        </mc:Choice>
-        <mc:Fallback xmlns="">
-          <p:sp>
-            <p:nvSpPr>
-              <p:cNvPr id="3" name="Inhaltsplatzhalter 2"/>
-              <p:cNvSpPr>
-                <a:spLocks noGrp="1" noRot="1" noChangeAspect="1" noMove="1" noResize="1" noEditPoints="1" noAdjustHandles="1" noChangeArrowheads="1" noChangeShapeType="1" noTextEdit="1"/>
-              </p:cNvSpPr>
-              <p:nvPr>
-                <p:ph idx="1"/>
-              </p:nvPr>
-            </p:nvSpPr>
-            <p:spPr>
-              <a:blipFill>
-                <a:blip r:embed="rId3"/>
-                <a:stretch>
-                  <a:fillRect l="-1194" t="-928"/>
-                </a:stretch>
-              </a:blipFill>
-            </p:spPr>
-            <p:txBody>
-              <a:bodyPr/>
-              <a:lstStyle/>
-              <a:p>
-                <a:r>
-                  <a:rPr lang="de-DE">
-                    <a:noFill/>
-                  </a:rPr>
-                  <a:t> </a:t>
-                </a:r>
-              </a:p>
-            </p:txBody>
-          </p:sp>
-        </mc:Fallback>
-      </mc:AlternateContent>
-      <p:sp>
-        <p:nvSpPr>
-          <p:cNvPr id="4" name="Datumsplatzhalter 3"/>
-          <p:cNvSpPr>
-            <a:spLocks noGrp="1"/>
-          </p:cNvSpPr>
-          <p:nvPr>
-            <p:ph type="dt" sz="half" idx="10"/>
-          </p:nvPr>
-        </p:nvSpPr>
-        <p:spPr/>
-        <p:txBody>
-          <a:bodyPr/>
-          <a:lstStyle/>
-          <a:p>
-            <a:r>
-              <a:rPr lang="de-DE" dirty="0"/>
-              <a:t>22.11.2022</a:t>
-            </a:r>
-          </a:p>
-        </p:txBody>
-      </p:sp>
-      <p:sp>
-        <p:nvSpPr>
-          <p:cNvPr id="5" name="Fußzeilenplatzhalter 4"/>
-          <p:cNvSpPr>
-            <a:spLocks noGrp="1"/>
-          </p:cNvSpPr>
-          <p:nvPr>
-            <p:ph type="ftr" sz="quarter" idx="11"/>
-          </p:nvPr>
-        </p:nvSpPr>
-        <p:spPr/>
-        <p:txBody>
-          <a:bodyPr/>
-          <a:lstStyle/>
-          <a:p>
-            <a:r>
-              <a:rPr lang="de-DE" dirty="0"/>
-              <a:t>Wo befinden sich Kraftwerksreserven in Deutschland; Moritz Deckert, Fynn Linnenbrügger</a:t>
-            </a:r>
-          </a:p>
-        </p:txBody>
-      </p:sp>
-      <p:sp>
-        <p:nvSpPr>
-          <p:cNvPr id="6" name="Foliennummernplatzhalter 5"/>
-          <p:cNvSpPr>
-            <a:spLocks noGrp="1"/>
-          </p:cNvSpPr>
-          <p:nvPr>
-            <p:ph type="sldNum" sz="quarter" idx="12"/>
-          </p:nvPr>
-        </p:nvSpPr>
-        <p:spPr/>
-        <p:txBody>
-          <a:bodyPr/>
-          <a:lstStyle/>
-          <a:p>
-            <a:fld id="{70C9534A-BDEF-4E2F-87B7-7CFE3C6EE2A5}" type="slidenum">
-              <a:rPr lang="de-DE" smtClean="0"/>
-              <a:pPr/>
-              <a:t>7</a:t>
-            </a:fld>
-            <a:endParaRPr lang="de-DE"/>
+      <p:pic>
+        <p:nvPicPr>
+          <p:cNvPr id="11" name="Grafik 10">
+            <a:extLst>
+              <a:ext uri="{FF2B5EF4-FFF2-40B4-BE49-F238E27FC236}">
+                <a16:creationId xmlns:a16="http://schemas.microsoft.com/office/drawing/2014/main" id="{65673DC4-B63C-7051-4716-68C2930AC232}"/>
+              </a:ext>
+            </a:extLst>
+          </p:cNvPr>
+          <p:cNvPicPr>
+            <a:picLocks noChangeAspect="1"/>
+          </p:cNvPicPr>
+          <p:nvPr/>
+        </p:nvPicPr>
+        <p:blipFill>
+          <a:blip r:embed="rId3"/>
+          <a:stretch>
+            <a:fillRect/>
+          </a:stretch>
+        </p:blipFill>
+        <p:spPr>
+          <a:xfrm>
+            <a:off x="2756463" y="3682024"/>
+            <a:ext cx="6679074" cy="2654931"/>
+          </a:xfrm>
+          <a:prstGeom prst="rect">
+            <a:avLst/>
+          </a:prstGeom>
+          <a:noFill/>
+        </p:spPr>
+      </p:pic>
+      <p:sp>
+        <p:nvSpPr>
+          <p:cNvPr id="8" name="Inhaltsplatzhalter 17">
+            <a:extLst>
+              <a:ext uri="{FF2B5EF4-FFF2-40B4-BE49-F238E27FC236}">
+                <a16:creationId xmlns:a16="http://schemas.microsoft.com/office/drawing/2014/main" id="{361CA707-D6A2-DD96-B53A-C1A93A4CC2AF}"/>
+              </a:ext>
+            </a:extLst>
+          </p:cNvPr>
+          <p:cNvSpPr txBox="1">
+            <a:spLocks/>
+          </p:cNvSpPr>
+          <p:nvPr/>
+        </p:nvSpPr>
+        <p:spPr>
+          <a:xfrm rot="16200000">
+            <a:off x="9118228" y="999289"/>
+            <a:ext cx="4939844" cy="425623"/>
+          </a:xfrm>
+          <a:prstGeom prst="rect">
+            <a:avLst/>
+          </a:prstGeom>
+        </p:spPr>
+        <p:txBody>
+          <a:bodyPr vert="horz" lIns="0" tIns="0" rIns="0" bIns="0" rtlCol="0">
+            <a:noAutofit/>
+          </a:bodyPr>
+          <a:lstStyle>
+            <a:lvl1pPr marL="228600" indent="-228600" algn="l" defTabSz="914400" rtl="0" eaLnBrk="1" latinLnBrk="0" hangingPunct="1">
+              <a:lnSpc>
+                <a:spcPct val="120000"/>
+              </a:lnSpc>
+              <a:spcBef>
+                <a:spcPts val="1000"/>
+              </a:spcBef>
+              <a:buFont typeface="Arial" panose="020B0604020202020204" pitchFamily="34" charset="0"/>
+              <a:buChar char="•"/>
+              <a:defRPr lang="de-DE" sz="1800" kern="1200">
+                <a:solidFill>
+                  <a:srgbClr val="000000"/>
+                </a:solidFill>
+                <a:latin typeface="+mn-lt"/>
+                <a:ea typeface="+mn-ea"/>
+                <a:cs typeface="+mn-cs"/>
+              </a:defRPr>
+            </a:lvl1pPr>
+            <a:lvl2pPr marL="685800" indent="-228600" algn="l" defTabSz="914400" rtl="0" eaLnBrk="1" latinLnBrk="0" hangingPunct="1">
+              <a:lnSpc>
+                <a:spcPct val="120000"/>
+              </a:lnSpc>
+              <a:spcBef>
+                <a:spcPts val="1000"/>
+              </a:spcBef>
+              <a:buFont typeface="Symbol" panose="05050102010706020507" pitchFamily="18" charset="2"/>
+              <a:buChar char="-"/>
+              <a:defRPr lang="de-DE" sz="1600" kern="1200">
+                <a:solidFill>
+                  <a:srgbClr val="000000"/>
+                </a:solidFill>
+                <a:latin typeface="+mn-lt"/>
+                <a:ea typeface="+mn-ea"/>
+                <a:cs typeface="+mn-cs"/>
+              </a:defRPr>
+            </a:lvl2pPr>
+            <a:lvl3pPr marL="1143000" indent="-228600" algn="l" defTabSz="914400" rtl="0" eaLnBrk="1" latinLnBrk="0" hangingPunct="1">
+              <a:lnSpc>
+                <a:spcPct val="120000"/>
+              </a:lnSpc>
+              <a:spcBef>
+                <a:spcPts val="1000"/>
+              </a:spcBef>
+              <a:buFont typeface="Courier New" panose="02070309020205020404" pitchFamily="49" charset="0"/>
+              <a:buChar char="o"/>
+              <a:defRPr lang="de-DE" sz="1600" kern="1200">
+                <a:solidFill>
+                  <a:srgbClr val="000000"/>
+                </a:solidFill>
+                <a:latin typeface="+mn-lt"/>
+                <a:ea typeface="+mn-ea"/>
+                <a:cs typeface="+mn-cs"/>
+              </a:defRPr>
+            </a:lvl3pPr>
+            <a:lvl4pPr marL="1600200" indent="-228600" algn="l" defTabSz="914400" rtl="0" eaLnBrk="1" latinLnBrk="0" hangingPunct="1">
+              <a:lnSpc>
+                <a:spcPct val="120000"/>
+              </a:lnSpc>
+              <a:spcBef>
+                <a:spcPts val="1000"/>
+              </a:spcBef>
+              <a:buFont typeface="Wingdings" panose="05000000000000000000" pitchFamily="2" charset="2"/>
+              <a:buChar char="§"/>
+              <a:defRPr lang="de-DE" sz="1600" kern="1200">
+                <a:solidFill>
+                  <a:srgbClr val="000000"/>
+                </a:solidFill>
+                <a:latin typeface="+mn-lt"/>
+                <a:ea typeface="+mn-ea"/>
+                <a:cs typeface="+mn-cs"/>
+              </a:defRPr>
+            </a:lvl4pPr>
+            <a:lvl5pPr marL="2057400" indent="-228600" algn="l" defTabSz="914400" rtl="0" eaLnBrk="1" latinLnBrk="0" hangingPunct="1">
+              <a:lnSpc>
+                <a:spcPct val="120000"/>
+              </a:lnSpc>
+              <a:spcBef>
+                <a:spcPts val="1000"/>
+              </a:spcBef>
+              <a:buFont typeface="Arial" panose="020B0604020202020204" pitchFamily="34" charset="0"/>
+              <a:buChar char="•"/>
+              <a:defRPr lang="en-US" sz="1600" kern="1200">
+                <a:solidFill>
+                  <a:srgbClr val="000000"/>
+                </a:solidFill>
+                <a:latin typeface="+mn-lt"/>
+                <a:ea typeface="+mn-ea"/>
+                <a:cs typeface="+mn-cs"/>
+              </a:defRPr>
+            </a:lvl5pPr>
+            <a:lvl6pPr marL="2514600" indent="-228600" algn="l" defTabSz="914400" rtl="0" eaLnBrk="1" latinLnBrk="0" hangingPunct="1">
+              <a:lnSpc>
+                <a:spcPct val="90000"/>
+              </a:lnSpc>
+              <a:spcBef>
+                <a:spcPts val="500"/>
+              </a:spcBef>
+              <a:buFont typeface="Arial" panose="020B0604020202020204" pitchFamily="34" charset="0"/>
+              <a:buChar char="•"/>
+              <a:defRPr sz="1800" kern="1200">
+                <a:solidFill>
+                  <a:schemeClr val="tx1"/>
+                </a:solidFill>
+                <a:latin typeface="+mn-lt"/>
+                <a:ea typeface="+mn-ea"/>
+                <a:cs typeface="+mn-cs"/>
+              </a:defRPr>
+            </a:lvl6pPr>
+            <a:lvl7pPr marL="2971800" indent="-228600" algn="l" defTabSz="914400" rtl="0" eaLnBrk="1" latinLnBrk="0" hangingPunct="1">
+              <a:lnSpc>
+                <a:spcPct val="90000"/>
+              </a:lnSpc>
+              <a:spcBef>
+                <a:spcPts val="500"/>
+              </a:spcBef>
+              <a:buFont typeface="Arial" panose="020B0604020202020204" pitchFamily="34" charset="0"/>
+              <a:buChar char="•"/>
+              <a:defRPr sz="1800" kern="1200">
+                <a:solidFill>
+                  <a:schemeClr val="tx1"/>
+                </a:solidFill>
+                <a:latin typeface="+mn-lt"/>
+                <a:ea typeface="+mn-ea"/>
+                <a:cs typeface="+mn-cs"/>
+              </a:defRPr>
+            </a:lvl7pPr>
+            <a:lvl8pPr marL="3429000" indent="-228600" algn="l" defTabSz="914400" rtl="0" eaLnBrk="1" latinLnBrk="0" hangingPunct="1">
+              <a:lnSpc>
+                <a:spcPct val="90000"/>
+              </a:lnSpc>
+              <a:spcBef>
+                <a:spcPts val="500"/>
+              </a:spcBef>
+              <a:buFont typeface="Arial" panose="020B0604020202020204" pitchFamily="34" charset="0"/>
+              <a:buChar char="•"/>
+              <a:defRPr sz="1800" kern="1200">
+                <a:solidFill>
+                  <a:schemeClr val="tx1"/>
+                </a:solidFill>
+                <a:latin typeface="+mn-lt"/>
+                <a:ea typeface="+mn-ea"/>
+                <a:cs typeface="+mn-cs"/>
+              </a:defRPr>
+            </a:lvl8pPr>
+            <a:lvl9pPr marL="3886200" indent="-228600" algn="l" defTabSz="914400" rtl="0" eaLnBrk="1" latinLnBrk="0" hangingPunct="1">
+              <a:lnSpc>
+                <a:spcPct val="90000"/>
+              </a:lnSpc>
+              <a:spcBef>
+                <a:spcPts val="500"/>
+              </a:spcBef>
+              <a:buFont typeface="Arial" panose="020B0604020202020204" pitchFamily="34" charset="0"/>
+              <a:buChar char="•"/>
+              <a:defRPr sz="1800" kern="1200">
+                <a:solidFill>
+                  <a:schemeClr val="tx1"/>
+                </a:solidFill>
+                <a:latin typeface="+mn-lt"/>
+                <a:ea typeface="+mn-ea"/>
+                <a:cs typeface="+mn-cs"/>
+              </a:defRPr>
+            </a:lvl9pPr>
+          </a:lstStyle>
+          <a:p>
+            <a:pPr marL="0" indent="0">
+              <a:buFont typeface="Arial" panose="020B0604020202020204" pitchFamily="34" charset="0"/>
+              <a:buNone/>
+            </a:pPr>
+            <a:r>
+              <a:rPr lang="de-DE" sz="800" dirty="0">
+                <a:solidFill>
+                  <a:schemeClr val="bg2">
+                    <a:lumMod val="75000"/>
+                  </a:schemeClr>
+                </a:solidFill>
+              </a:rPr>
+              <a:t>https://www.entsoe.eu/network_codes/eb/fcr/#basic-principle</a:t>
+            </a:r>
           </a:p>
         </p:txBody>
       </p:sp>
     </p:spTree>
     <p:extLst>
       <p:ext uri="{BB962C8B-B14F-4D97-AF65-F5344CB8AC3E}">
-        <p14:creationId xmlns:p14="http://schemas.microsoft.com/office/powerpoint/2010/main" val="1786571581"/>
+        <p14:creationId xmlns:p14="http://schemas.microsoft.com/office/powerpoint/2010/main" val="2203707081"/>
       </p:ext>
     </p:extLst>
   </p:cSld>
@@ -8972,7 +10829,7 @@
           <a:p>
             <a:r>
               <a:rPr lang="de-DE" dirty="0"/>
-              <a:t>Kraftwerksreserven zur Frequenzstabilisierung - Sekundärreserve</a:t>
+              <a:t>Kraftwerksreserven zur Frequenzstabilisierung – Sekundär- und Minutenreserve</a:t>
             </a:r>
             <a:br>
               <a:rPr lang="de-DE" dirty="0"/>
@@ -8999,66 +10856,6 @@
           <a:bodyPr/>
           <a:lstStyle/>
           <a:p>
-            <a:r>
-              <a:rPr lang="de-DE" dirty="0"/>
-              <a:t>Von ÜNB per Signal automatisch angefordert</a:t>
-            </a:r>
-          </a:p>
-          <a:p>
-            <a:r>
-              <a:rPr lang="de-DE" dirty="0"/>
-              <a:t>Nach 30 Sekunden zugeschaltet</a:t>
-            </a:r>
-          </a:p>
-          <a:p>
-            <a:r>
-              <a:rPr lang="de-DE" dirty="0"/>
-              <a:t>Nach 5 Minuten vollständige Leistung abrufbereit </a:t>
-            </a:r>
-          </a:p>
-          <a:p>
-            <a:r>
-              <a:rPr lang="de-DE" dirty="0"/>
-              <a:t>Vollständige Leistung muss für 55 Minuten bereitstehen</a:t>
-            </a:r>
-          </a:p>
-          <a:p>
-            <a:r>
-              <a:rPr lang="de-DE" dirty="0"/>
-              <a:t>Wird nahezu immer angefordert </a:t>
-            </a:r>
-            <a:r>
-              <a:rPr lang="de-DE" dirty="0">
-                <a:sym typeface="Wingdings" panose="05000000000000000000" pitchFamily="2" charset="2"/>
-              </a:rPr>
-              <a:t> Geknüpft an Regelgenauigkeit</a:t>
-            </a:r>
-            <a:endParaRPr lang="de-DE" dirty="0"/>
-          </a:p>
-          <a:p>
-            <a:r>
-              <a:rPr lang="de-DE" dirty="0"/>
-              <a:t>Wirtschaftliche Aspekte:</a:t>
-            </a:r>
-          </a:p>
-          <a:p>
-            <a:pPr lvl="1"/>
-            <a:r>
-              <a:rPr lang="de-DE" dirty="0"/>
-              <a:t>Preisfindung: Merit-Order</a:t>
-            </a:r>
-          </a:p>
-          <a:p>
-            <a:pPr lvl="1"/>
-            <a:r>
-              <a:rPr lang="de-DE" dirty="0">
-                <a:sym typeface="Wingdings" panose="05000000000000000000" pitchFamily="2" charset="2"/>
-              </a:rPr>
-              <a:t>Vergütung von Leistungs- und Arbeitspreis</a:t>
-            </a:r>
-            <a:endParaRPr lang="de-DE" dirty="0"/>
-          </a:p>
-          <a:p>
             <a:pPr marL="0" indent="0">
               <a:buNone/>
             </a:pPr>
@@ -9111,7 +10908,7 @@
           <a:p>
             <a:r>
               <a:rPr lang="de-DE" dirty="0"/>
-              <a:t>Wo befinden sich Kraftwerksreserven in Deutschland; Moritz Deckert, Fynn Linnenbrügger</a:t>
+              <a:t>Wo befinden sich Kraftwerksreserven in Deutschland?</a:t>
             </a:r>
           </a:p>
         </p:txBody>
@@ -9162,8 +10959,8 @@
         </p:blipFill>
         <p:spPr>
           <a:xfrm>
-            <a:off x="5689905" y="3599010"/>
-            <a:ext cx="6186572" cy="2459161"/>
+            <a:off x="2826321" y="3776662"/>
+            <a:ext cx="6539359" cy="2599394"/>
           </a:xfrm>
           <a:prstGeom prst="rect">
             <a:avLst/>
@@ -9171,6 +10968,335 @@
           <a:noFill/>
         </p:spPr>
       </p:pic>
+      <p:graphicFrame>
+        <p:nvGraphicFramePr>
+          <p:cNvPr id="8" name="Tabelle 8">
+            <a:extLst>
+              <a:ext uri="{FF2B5EF4-FFF2-40B4-BE49-F238E27FC236}">
+                <a16:creationId xmlns:a16="http://schemas.microsoft.com/office/drawing/2014/main" id="{83CE32DB-5959-F590-64E0-6E6AB2980A01}"/>
+              </a:ext>
+            </a:extLst>
+          </p:cNvPr>
+          <p:cNvGraphicFramePr>
+            <a:graphicFrameLocks noGrp="1"/>
+          </p:cNvGraphicFramePr>
+          <p:nvPr>
+            <p:extLst>
+              <p:ext uri="{D42A27DB-BD31-4B8C-83A1-F6EECF244321}">
+                <p14:modId xmlns:p14="http://schemas.microsoft.com/office/powerpoint/2010/main" val="2412271589"/>
+              </p:ext>
+            </p:extLst>
+          </p:nvPr>
+        </p:nvGraphicFramePr>
+        <p:xfrm>
+          <a:off x="477257" y="1203960"/>
+          <a:ext cx="10857852" cy="2494280"/>
+        </p:xfrm>
+        <a:graphic>
+          <a:graphicData uri="http://schemas.openxmlformats.org/drawingml/2006/table">
+            <a:tbl>
+              <a:tblPr firstRow="1" bandRow="1">
+                <a:tableStyleId>{5C22544A-7EE6-4342-B048-85BDC9FD1C3A}</a:tableStyleId>
+              </a:tblPr>
+              <a:tblGrid>
+                <a:gridCol w="3370124">
+                  <a:extLst>
+                    <a:ext uri="{9D8B030D-6E8A-4147-A177-3AD203B41FA5}">
+                      <a16:colId xmlns:a16="http://schemas.microsoft.com/office/drawing/2014/main" val="2892116863"/>
+                    </a:ext>
+                  </a:extLst>
+                </a:gridCol>
+                <a:gridCol w="3868443">
+                  <a:extLst>
+                    <a:ext uri="{9D8B030D-6E8A-4147-A177-3AD203B41FA5}">
+                      <a16:colId xmlns:a16="http://schemas.microsoft.com/office/drawing/2014/main" val="2219392579"/>
+                    </a:ext>
+                  </a:extLst>
+                </a:gridCol>
+                <a:gridCol w="3619285">
+                  <a:extLst>
+                    <a:ext uri="{9D8B030D-6E8A-4147-A177-3AD203B41FA5}">
+                      <a16:colId xmlns:a16="http://schemas.microsoft.com/office/drawing/2014/main" val="1010665028"/>
+                    </a:ext>
+                  </a:extLst>
+                </a:gridCol>
+              </a:tblGrid>
+              <a:tr h="370840">
+                <a:tc>
+                  <a:txBody>
+                    <a:bodyPr/>
+                    <a:lstStyle/>
+                    <a:p>
+                      <a:r>
+                        <a:rPr lang="de-DE" dirty="0"/>
+                        <a:t>Regelenergieart</a:t>
+                      </a:r>
+                    </a:p>
+                  </a:txBody>
+                  <a:tcPr/>
+                </a:tc>
+                <a:tc>
+                  <a:txBody>
+                    <a:bodyPr/>
+                    <a:lstStyle/>
+                    <a:p>
+                      <a:r>
+                        <a:rPr lang="de-DE" dirty="0"/>
+                        <a:t>Sekundärregelreserve</a:t>
+                      </a:r>
+                    </a:p>
+                  </a:txBody>
+                  <a:tcPr/>
+                </a:tc>
+                <a:tc>
+                  <a:txBody>
+                    <a:bodyPr/>
+                    <a:lstStyle/>
+                    <a:p>
+                      <a:r>
+                        <a:rPr lang="de-DE" dirty="0"/>
+                        <a:t>Minutenreserve</a:t>
+                      </a:r>
+                    </a:p>
+                  </a:txBody>
+                  <a:tcPr/>
+                </a:tc>
+                <a:extLst>
+                  <a:ext uri="{0D108BD9-81ED-4DB2-BD59-A6C34878D82A}">
+                    <a16:rowId xmlns:a16="http://schemas.microsoft.com/office/drawing/2014/main" val="4067075500"/>
+                  </a:ext>
+                </a:extLst>
+              </a:tr>
+              <a:tr h="370840">
+                <a:tc>
+                  <a:txBody>
+                    <a:bodyPr/>
+                    <a:lstStyle/>
+                    <a:p>
+                      <a:r>
+                        <a:rPr lang="de-DE" dirty="0"/>
+                        <a:t>Bereitstellung durch</a:t>
+                      </a:r>
+                    </a:p>
+                  </a:txBody>
+                  <a:tcPr anchor="ctr"/>
+                </a:tc>
+                <a:tc gridSpan="2">
+                  <a:txBody>
+                    <a:bodyPr/>
+                    <a:lstStyle/>
+                    <a:p>
+                      <a:pPr algn="ctr"/>
+                      <a:r>
+                        <a:rPr lang="de-DE" dirty="0"/>
+                        <a:t>Übertragungsnetzbetreiber (ÜNB)</a:t>
+                      </a:r>
+                    </a:p>
+                  </a:txBody>
+                  <a:tcPr anchor="ctr"/>
+                </a:tc>
+                <a:tc hMerge="1">
+                  <a:txBody>
+                    <a:bodyPr/>
+                    <a:lstStyle/>
+                    <a:p>
+                      <a:endParaRPr lang="de-DE" dirty="0"/>
+                    </a:p>
+                  </a:txBody>
+                  <a:tcPr/>
+                </a:tc>
+                <a:extLst>
+                  <a:ext uri="{0D108BD9-81ED-4DB2-BD59-A6C34878D82A}">
+                    <a16:rowId xmlns:a16="http://schemas.microsoft.com/office/drawing/2014/main" val="1161384041"/>
+                  </a:ext>
+                </a:extLst>
+              </a:tr>
+              <a:tr h="370840">
+                <a:tc>
+                  <a:txBody>
+                    <a:bodyPr/>
+                    <a:lstStyle/>
+                    <a:p>
+                      <a:r>
+                        <a:rPr lang="de-DE" dirty="0"/>
+                        <a:t>Aktivierung</a:t>
+                      </a:r>
+                    </a:p>
+                  </a:txBody>
+                  <a:tcPr anchor="ctr"/>
+                </a:tc>
+                <a:tc>
+                  <a:txBody>
+                    <a:bodyPr/>
+                    <a:lstStyle/>
+                    <a:p>
+                      <a:r>
+                        <a:rPr lang="de-DE" dirty="0"/>
+                        <a:t>Manuelle Anforderung durch ÜNB</a:t>
+                      </a:r>
+                    </a:p>
+                  </a:txBody>
+                  <a:tcPr anchor="ctr"/>
+                </a:tc>
+                <a:tc>
+                  <a:txBody>
+                    <a:bodyPr/>
+                    <a:lstStyle/>
+                    <a:p>
+                      <a:r>
+                        <a:rPr lang="de-DE" dirty="0"/>
+                        <a:t>Löst automatisch PRL ab</a:t>
+                      </a:r>
+                    </a:p>
+                  </a:txBody>
+                  <a:tcPr anchor="ctr"/>
+                </a:tc>
+                <a:extLst>
+                  <a:ext uri="{0D108BD9-81ED-4DB2-BD59-A6C34878D82A}">
+                    <a16:rowId xmlns:a16="http://schemas.microsoft.com/office/drawing/2014/main" val="3434159799"/>
+                  </a:ext>
+                </a:extLst>
+              </a:tr>
+              <a:tr h="370840">
+                <a:tc>
+                  <a:txBody>
+                    <a:bodyPr/>
+                    <a:lstStyle/>
+                    <a:p>
+                      <a:r>
+                        <a:rPr lang="de-DE" dirty="0"/>
+                        <a:t>Volle Leistung</a:t>
+                      </a:r>
+                    </a:p>
+                  </a:txBody>
+                  <a:tcPr anchor="ctr"/>
+                </a:tc>
+                <a:tc>
+                  <a:txBody>
+                    <a:bodyPr/>
+                    <a:lstStyle/>
+                    <a:p>
+                      <a:r>
+                        <a:rPr lang="de-DE" dirty="0"/>
+                        <a:t>Innerhalb von 5 Minuten</a:t>
+                      </a:r>
+                    </a:p>
+                  </a:txBody>
+                  <a:tcPr anchor="ctr"/>
+                </a:tc>
+                <a:tc>
+                  <a:txBody>
+                    <a:bodyPr/>
+                    <a:lstStyle/>
+                    <a:p>
+                      <a:r>
+                        <a:rPr lang="de-DE" dirty="0"/>
+                        <a:t>Innerhalb von 15 Minuten</a:t>
+                      </a:r>
+                    </a:p>
+                  </a:txBody>
+                  <a:tcPr anchor="ctr"/>
+                </a:tc>
+                <a:extLst>
+                  <a:ext uri="{0D108BD9-81ED-4DB2-BD59-A6C34878D82A}">
+                    <a16:rowId xmlns:a16="http://schemas.microsoft.com/office/drawing/2014/main" val="3871578823"/>
+                  </a:ext>
+                </a:extLst>
+              </a:tr>
+              <a:tr h="370840">
+                <a:tc>
+                  <a:txBody>
+                    <a:bodyPr/>
+                    <a:lstStyle/>
+                    <a:p>
+                      <a:r>
+                        <a:rPr lang="de-DE" dirty="0"/>
+                        <a:t>Abzudeckender Zeitraum nach Störungsfall</a:t>
+                      </a:r>
+                    </a:p>
+                  </a:txBody>
+                  <a:tcPr anchor="ctr"/>
+                </a:tc>
+                <a:tc>
+                  <a:txBody>
+                    <a:bodyPr/>
+                    <a:lstStyle/>
+                    <a:p>
+                      <a:r>
+                        <a:rPr lang="de-DE" dirty="0"/>
+                        <a:t>Ab 30 Sekunden bis 15 Minuten</a:t>
+                      </a:r>
+                    </a:p>
+                  </a:txBody>
+                  <a:tcPr anchor="ctr"/>
+                </a:tc>
+                <a:tc>
+                  <a:txBody>
+                    <a:bodyPr/>
+                    <a:lstStyle/>
+                    <a:p>
+                      <a:r>
+                        <a:rPr lang="de-DE" dirty="0"/>
+                        <a:t>Ab 5 Minuten bis 60 Minuten</a:t>
+                      </a:r>
+                    </a:p>
+                  </a:txBody>
+                  <a:tcPr anchor="ctr"/>
+                </a:tc>
+                <a:extLst>
+                  <a:ext uri="{0D108BD9-81ED-4DB2-BD59-A6C34878D82A}">
+                    <a16:rowId xmlns:a16="http://schemas.microsoft.com/office/drawing/2014/main" val="2433340572"/>
+                  </a:ext>
+                </a:extLst>
+              </a:tr>
+              <a:tr h="370840">
+                <a:tc>
+                  <a:txBody>
+                    <a:bodyPr/>
+                    <a:lstStyle/>
+                    <a:p>
+                      <a:r>
+                        <a:rPr lang="de-DE" dirty="0"/>
+                        <a:t>Vergütung</a:t>
+                      </a:r>
+                    </a:p>
+                  </a:txBody>
+                  <a:tcPr anchor="ctr"/>
+                </a:tc>
+                <a:tc gridSpan="2">
+                  <a:txBody>
+                    <a:bodyPr/>
+                    <a:lstStyle/>
+                    <a:p>
+                      <a:pPr algn="ctr"/>
+                      <a:r>
+                        <a:rPr lang="de-DE" dirty="0"/>
+                        <a:t>Arbeits- und Leistungspreis</a:t>
+                      </a:r>
+                    </a:p>
+                  </a:txBody>
+                  <a:tcPr anchor="ctr"/>
+                </a:tc>
+                <a:tc hMerge="1">
+                  <a:txBody>
+                    <a:bodyPr/>
+                    <a:lstStyle/>
+                    <a:p>
+                      <a:endParaRPr lang="de-DE" dirty="0"/>
+                    </a:p>
+                  </a:txBody>
+                  <a:tcPr/>
+                </a:tc>
+                <a:extLst>
+                  <a:ext uri="{0D108BD9-81ED-4DB2-BD59-A6C34878D82A}">
+                    <a16:rowId xmlns:a16="http://schemas.microsoft.com/office/drawing/2014/main" val="786143605"/>
+                  </a:ext>
+                </a:extLst>
+              </a:tr>
+            </a:tbl>
+          </a:graphicData>
+        </a:graphic>
+      </p:graphicFrame>
     </p:spTree>
     <p:extLst>
       <p:ext uri="{BB962C8B-B14F-4D97-AF65-F5344CB8AC3E}">
@@ -9218,7 +11344,7 @@
           <a:p>
             <a:r>
               <a:rPr lang="de-DE" dirty="0"/>
-              <a:t>Kraftwerksreserven zur Frequenzstabilisierung - Minutenreserve</a:t>
+              <a:t>Kraftwerksreserven zur Frequenzstabilisierung – Primärenergieträger und Einsatzzeiten</a:t>
             </a:r>
             <a:br>
               <a:rPr lang="de-DE" dirty="0"/>
@@ -9240,58 +11366,38 @@
             <p:ph idx="1"/>
           </p:nvPr>
         </p:nvSpPr>
-        <p:spPr/>
+        <p:spPr>
+          <a:xfrm>
+            <a:off x="479425" y="1125539"/>
+            <a:ext cx="11235319" cy="458424"/>
+          </a:xfrm>
+        </p:spPr>
         <p:txBody>
           <a:bodyPr/>
           <a:lstStyle/>
           <a:p>
             <a:r>
               <a:rPr lang="de-DE" dirty="0"/>
-              <a:t>Wird nach 5 Minuten aktiviert</a:t>
-            </a:r>
-          </a:p>
-          <a:p>
-            <a:r>
-              <a:rPr lang="de-DE" dirty="0"/>
-              <a:t>Ab 15 Minuten volle Leistung</a:t>
-            </a:r>
-          </a:p>
-          <a:p>
-            <a:r>
-              <a:rPr lang="de-DE" dirty="0"/>
-              <a:t>Anschließend 45 Minuten lang volle Leistung</a:t>
-            </a:r>
-          </a:p>
-          <a:p>
-            <a:r>
-              <a:rPr lang="de-DE" dirty="0"/>
-              <a:t>Wirtschaftliche Aspekte:</a:t>
-            </a:r>
+              <a:t>Kumulierte Leistung ausgewählter Primärenergieträger für die PRL, SRL und MRL in GW</a:t>
+            </a:r>
+          </a:p>
+          <a:p>
+            <a:endParaRPr lang="de-DE" dirty="0"/>
+          </a:p>
+          <a:p>
+            <a:endParaRPr lang="de-DE" dirty="0"/>
+          </a:p>
+          <a:p>
+            <a:endParaRPr lang="de-DE" dirty="0"/>
+          </a:p>
+          <a:p>
+            <a:pPr marL="457200" lvl="1" indent="0">
+              <a:buNone/>
+            </a:pPr>
+            <a:endParaRPr lang="de-DE" dirty="0"/>
           </a:p>
           <a:p>
             <a:pPr lvl="1"/>
-            <a:r>
-              <a:rPr lang="de-DE" dirty="0"/>
-              <a:t>Preisfindung: Merit-Order     </a:t>
-            </a:r>
-          </a:p>
-          <a:p>
-            <a:pPr lvl="1"/>
-            <a:r>
-              <a:rPr lang="de-DE" dirty="0">
-                <a:sym typeface="Wingdings" panose="05000000000000000000" pitchFamily="2" charset="2"/>
-              </a:rPr>
-              <a:t>Vergütung von Leistungs- und Arbeitspreis</a:t>
-            </a:r>
-            <a:r>
-              <a:rPr lang="de-DE" dirty="0"/>
-              <a:t>     </a:t>
-            </a:r>
-          </a:p>
-          <a:p>
-            <a:endParaRPr lang="de-DE" dirty="0"/>
-          </a:p>
-          <a:p>
             <a:endParaRPr lang="de-DE" dirty="0"/>
           </a:p>
         </p:txBody>
@@ -9335,7 +11441,7 @@
           <a:p>
             <a:r>
               <a:rPr lang="de-DE" dirty="0"/>
-              <a:t>Wo befinden sich Kraftwerksreserven in Deutschland; Moritz Deckert, Fynn Linnenbrügger</a:t>
+              <a:t>Wo befinden sich Kraftwerksreserven in Deutschland?</a:t>
             </a:r>
           </a:p>
         </p:txBody>
@@ -9364,41 +11470,1160 @@
           </a:p>
         </p:txBody>
       </p:sp>
-      <p:pic>
-        <p:nvPicPr>
-          <p:cNvPr id="7" name="Grafik 6">
+      <p:graphicFrame>
+        <p:nvGraphicFramePr>
+          <p:cNvPr id="10" name="Tabelle 10">
             <a:extLst>
               <a:ext uri="{FF2B5EF4-FFF2-40B4-BE49-F238E27FC236}">
-                <a16:creationId xmlns:a16="http://schemas.microsoft.com/office/drawing/2014/main" id="{518AABAE-3C51-96D4-91CC-FE648314CCE3}"/>
+                <a16:creationId xmlns:a16="http://schemas.microsoft.com/office/drawing/2014/main" id="{2D8A1A34-C938-69B8-7548-CE374DB10196}"/>
               </a:ext>
             </a:extLst>
           </p:cNvPr>
-          <p:cNvPicPr>
-            <a:picLocks noChangeAspect="1"/>
-          </p:cNvPicPr>
+          <p:cNvGraphicFramePr>
+            <a:graphicFrameLocks noGrp="1"/>
+          </p:cNvGraphicFramePr>
+          <p:nvPr>
+            <p:extLst>
+              <p:ext uri="{D42A27DB-BD31-4B8C-83A1-F6EECF244321}">
+                <p14:modId xmlns:p14="http://schemas.microsoft.com/office/powerpoint/2010/main" val="265507559"/>
+              </p:ext>
+            </p:extLst>
+          </p:nvPr>
+        </p:nvGraphicFramePr>
+        <p:xfrm>
+          <a:off x="919760" y="1580662"/>
+          <a:ext cx="6294943" cy="2619661"/>
+        </p:xfrm>
+        <a:graphic>
+          <a:graphicData uri="http://schemas.openxmlformats.org/drawingml/2006/table">
+            <a:tbl>
+              <a:tblPr firstRow="1" bandRow="1">
+                <a:tableStyleId>{5C22544A-7EE6-4342-B048-85BDC9FD1C3A}</a:tableStyleId>
+              </a:tblPr>
+              <a:tblGrid>
+                <a:gridCol w="1872045">
+                  <a:extLst>
+                    <a:ext uri="{9D8B030D-6E8A-4147-A177-3AD203B41FA5}">
+                      <a16:colId xmlns:a16="http://schemas.microsoft.com/office/drawing/2014/main" val="3768125107"/>
+                    </a:ext>
+                  </a:extLst>
+                </a:gridCol>
+                <a:gridCol w="760740">
+                  <a:extLst>
+                    <a:ext uri="{9D8B030D-6E8A-4147-A177-3AD203B41FA5}">
+                      <a16:colId xmlns:a16="http://schemas.microsoft.com/office/drawing/2014/main" val="293073859"/>
+                    </a:ext>
+                  </a:extLst>
+                </a:gridCol>
+                <a:gridCol w="972057">
+                  <a:extLst>
+                    <a:ext uri="{9D8B030D-6E8A-4147-A177-3AD203B41FA5}">
+                      <a16:colId xmlns:a16="http://schemas.microsoft.com/office/drawing/2014/main" val="2971386638"/>
+                    </a:ext>
+                  </a:extLst>
+                </a:gridCol>
+                <a:gridCol w="870625">
+                  <a:extLst>
+                    <a:ext uri="{9D8B030D-6E8A-4147-A177-3AD203B41FA5}">
+                      <a16:colId xmlns:a16="http://schemas.microsoft.com/office/drawing/2014/main" val="2534272617"/>
+                    </a:ext>
+                  </a:extLst>
+                </a:gridCol>
+                <a:gridCol w="905075">
+                  <a:extLst>
+                    <a:ext uri="{9D8B030D-6E8A-4147-A177-3AD203B41FA5}">
+                      <a16:colId xmlns:a16="http://schemas.microsoft.com/office/drawing/2014/main" val="4056821278"/>
+                    </a:ext>
+                  </a:extLst>
+                </a:gridCol>
+                <a:gridCol w="914401">
+                  <a:extLst>
+                    <a:ext uri="{9D8B030D-6E8A-4147-A177-3AD203B41FA5}">
+                      <a16:colId xmlns:a16="http://schemas.microsoft.com/office/drawing/2014/main" val="143843129"/>
+                    </a:ext>
+                  </a:extLst>
+                </a:gridCol>
+              </a:tblGrid>
+              <a:tr h="421132">
+                <a:tc>
+                  <a:txBody>
+                    <a:bodyPr/>
+                    <a:lstStyle/>
+                    <a:p>
+                      <a:r>
+                        <a:rPr lang="de-DE" dirty="0"/>
+                        <a:t>Technologie</a:t>
+                      </a:r>
+                    </a:p>
+                  </a:txBody>
+                  <a:tcPr/>
+                </a:tc>
+                <a:tc>
+                  <a:txBody>
+                    <a:bodyPr/>
+                    <a:lstStyle/>
+                    <a:p>
+                      <a:r>
+                        <a:rPr lang="de-DE" dirty="0"/>
+                        <a:t>PRL</a:t>
+                      </a:r>
+                    </a:p>
+                  </a:txBody>
+                  <a:tcPr/>
+                </a:tc>
+                <a:tc>
+                  <a:txBody>
+                    <a:bodyPr/>
+                    <a:lstStyle/>
+                    <a:p>
+                      <a:r>
+                        <a:rPr lang="de-DE" dirty="0"/>
+                        <a:t>SRL +</a:t>
+                      </a:r>
+                    </a:p>
+                  </a:txBody>
+                  <a:tcPr/>
+                </a:tc>
+                <a:tc>
+                  <a:txBody>
+                    <a:bodyPr/>
+                    <a:lstStyle/>
+                    <a:p>
+                      <a:r>
+                        <a:rPr lang="de-DE" dirty="0"/>
+                        <a:t>SRL -</a:t>
+                      </a:r>
+                    </a:p>
+                  </a:txBody>
+                  <a:tcPr/>
+                </a:tc>
+                <a:tc>
+                  <a:txBody>
+                    <a:bodyPr/>
+                    <a:lstStyle/>
+                    <a:p>
+                      <a:r>
+                        <a:rPr lang="de-DE" dirty="0"/>
+                        <a:t>MRL +</a:t>
+                      </a:r>
+                    </a:p>
+                  </a:txBody>
+                  <a:tcPr/>
+                </a:tc>
+                <a:tc>
+                  <a:txBody>
+                    <a:bodyPr/>
+                    <a:lstStyle/>
+                    <a:p>
+                      <a:r>
+                        <a:rPr lang="de-DE" dirty="0"/>
+                        <a:t>MRL -</a:t>
+                      </a:r>
+                    </a:p>
+                  </a:txBody>
+                  <a:tcPr/>
+                </a:tc>
+                <a:extLst>
+                  <a:ext uri="{0D108BD9-81ED-4DB2-BD59-A6C34878D82A}">
+                    <a16:rowId xmlns:a16="http://schemas.microsoft.com/office/drawing/2014/main" val="2398856905"/>
+                  </a:ext>
+                </a:extLst>
+              </a:tr>
+              <a:tr h="240647">
+                <a:tc>
+                  <a:txBody>
+                    <a:bodyPr/>
+                    <a:lstStyle/>
+                    <a:p>
+                      <a:r>
+                        <a:rPr lang="de-DE" dirty="0"/>
+                        <a:t>Kernenergie</a:t>
+                      </a:r>
+                    </a:p>
+                  </a:txBody>
+                  <a:tcPr/>
+                </a:tc>
+                <a:tc>
+                  <a:txBody>
+                    <a:bodyPr/>
+                    <a:lstStyle/>
+                    <a:p>
+                      <a:pPr algn="r"/>
+                      <a:r>
+                        <a:rPr lang="de-DE" dirty="0"/>
+                        <a:t>0,22</a:t>
+                      </a:r>
+                    </a:p>
+                  </a:txBody>
+                  <a:tcPr/>
+                </a:tc>
+                <a:tc>
+                  <a:txBody>
+                    <a:bodyPr/>
+                    <a:lstStyle/>
+                    <a:p>
+                      <a:pPr algn="r"/>
+                      <a:r>
+                        <a:rPr lang="de-DE" dirty="0"/>
+                        <a:t>0,18</a:t>
+                      </a:r>
+                    </a:p>
+                  </a:txBody>
+                  <a:tcPr/>
+                </a:tc>
+                <a:tc>
+                  <a:txBody>
+                    <a:bodyPr/>
+                    <a:lstStyle/>
+                    <a:p>
+                      <a:pPr algn="r"/>
+                      <a:r>
+                        <a:rPr lang="de-DE" dirty="0"/>
+                        <a:t>0,19</a:t>
+                      </a:r>
+                    </a:p>
+                  </a:txBody>
+                  <a:tcPr/>
+                </a:tc>
+                <a:tc>
+                  <a:txBody>
+                    <a:bodyPr/>
+                    <a:lstStyle/>
+                    <a:p>
+                      <a:pPr algn="r"/>
+                      <a:r>
+                        <a:rPr lang="de-DE" dirty="0"/>
+                        <a:t>1,27</a:t>
+                      </a:r>
+                    </a:p>
+                  </a:txBody>
+                  <a:tcPr/>
+                </a:tc>
+                <a:tc>
+                  <a:txBody>
+                    <a:bodyPr/>
+                    <a:lstStyle/>
+                    <a:p>
+                      <a:pPr algn="r"/>
+                      <a:r>
+                        <a:rPr lang="de-DE" dirty="0"/>
+                        <a:t>1,27</a:t>
+                      </a:r>
+                    </a:p>
+                  </a:txBody>
+                  <a:tcPr/>
+                </a:tc>
+                <a:extLst>
+                  <a:ext uri="{0D108BD9-81ED-4DB2-BD59-A6C34878D82A}">
+                    <a16:rowId xmlns:a16="http://schemas.microsoft.com/office/drawing/2014/main" val="1242176871"/>
+                  </a:ext>
+                </a:extLst>
+              </a:tr>
+              <a:tr h="240647">
+                <a:tc>
+                  <a:txBody>
+                    <a:bodyPr/>
+                    <a:lstStyle/>
+                    <a:p>
+                      <a:r>
+                        <a:rPr lang="de-DE" dirty="0"/>
+                        <a:t>Braunkohle</a:t>
+                      </a:r>
+                    </a:p>
+                  </a:txBody>
+                  <a:tcPr/>
+                </a:tc>
+                <a:tc>
+                  <a:txBody>
+                    <a:bodyPr/>
+                    <a:lstStyle/>
+                    <a:p>
+                      <a:pPr algn="r"/>
+                      <a:r>
+                        <a:rPr lang="de-DE" dirty="0"/>
+                        <a:t>0,56</a:t>
+                      </a:r>
+                    </a:p>
+                  </a:txBody>
+                  <a:tcPr/>
+                </a:tc>
+                <a:tc>
+                  <a:txBody>
+                    <a:bodyPr/>
+                    <a:lstStyle/>
+                    <a:p>
+                      <a:pPr algn="r"/>
+                      <a:r>
+                        <a:rPr lang="de-DE" dirty="0"/>
+                        <a:t>1,20</a:t>
+                      </a:r>
+                    </a:p>
+                  </a:txBody>
+                  <a:tcPr/>
+                </a:tc>
+                <a:tc>
+                  <a:txBody>
+                    <a:bodyPr/>
+                    <a:lstStyle/>
+                    <a:p>
+                      <a:pPr algn="r"/>
+                      <a:r>
+                        <a:rPr lang="de-DE" dirty="0"/>
+                        <a:t>1,21</a:t>
+                      </a:r>
+                    </a:p>
+                  </a:txBody>
+                  <a:tcPr/>
+                </a:tc>
+                <a:tc>
+                  <a:txBody>
+                    <a:bodyPr/>
+                    <a:lstStyle/>
+                    <a:p>
+                      <a:pPr algn="r"/>
+                      <a:r>
+                        <a:rPr lang="de-DE" dirty="0"/>
+                        <a:t>4,16</a:t>
+                      </a:r>
+                    </a:p>
+                  </a:txBody>
+                  <a:tcPr/>
+                </a:tc>
+                <a:tc>
+                  <a:txBody>
+                    <a:bodyPr/>
+                    <a:lstStyle/>
+                    <a:p>
+                      <a:pPr algn="r"/>
+                      <a:r>
+                        <a:rPr lang="de-DE" dirty="0"/>
+                        <a:t>4,20</a:t>
+                      </a:r>
+                    </a:p>
+                  </a:txBody>
+                  <a:tcPr/>
+                </a:tc>
+                <a:extLst>
+                  <a:ext uri="{0D108BD9-81ED-4DB2-BD59-A6C34878D82A}">
+                    <a16:rowId xmlns:a16="http://schemas.microsoft.com/office/drawing/2014/main" val="633806654"/>
+                  </a:ext>
+                </a:extLst>
+              </a:tr>
+              <a:tr h="240647">
+                <a:tc>
+                  <a:txBody>
+                    <a:bodyPr/>
+                    <a:lstStyle/>
+                    <a:p>
+                      <a:r>
+                        <a:rPr lang="de-DE" dirty="0"/>
+                        <a:t>Steinkohle</a:t>
+                      </a:r>
+                    </a:p>
+                  </a:txBody>
+                  <a:tcPr/>
+                </a:tc>
+                <a:tc>
+                  <a:txBody>
+                    <a:bodyPr/>
+                    <a:lstStyle/>
+                    <a:p>
+                      <a:pPr algn="r"/>
+                      <a:r>
+                        <a:rPr lang="de-DE" dirty="0"/>
+                        <a:t>0,48</a:t>
+                      </a:r>
+                    </a:p>
+                  </a:txBody>
+                  <a:tcPr/>
+                </a:tc>
+                <a:tc>
+                  <a:txBody>
+                    <a:bodyPr/>
+                    <a:lstStyle/>
+                    <a:p>
+                      <a:pPr algn="r"/>
+                      <a:r>
+                        <a:rPr lang="de-DE" dirty="0"/>
+                        <a:t>1,05</a:t>
+                      </a:r>
+                    </a:p>
+                  </a:txBody>
+                  <a:tcPr/>
+                </a:tc>
+                <a:tc>
+                  <a:txBody>
+                    <a:bodyPr/>
+                    <a:lstStyle/>
+                    <a:p>
+                      <a:pPr algn="r"/>
+                      <a:r>
+                        <a:rPr lang="de-DE" dirty="0"/>
+                        <a:t>1,07</a:t>
+                      </a:r>
+                    </a:p>
+                  </a:txBody>
+                  <a:tcPr/>
+                </a:tc>
+                <a:tc>
+                  <a:txBody>
+                    <a:bodyPr/>
+                    <a:lstStyle/>
+                    <a:p>
+                      <a:pPr algn="r"/>
+                      <a:r>
+                        <a:rPr lang="de-DE" dirty="0"/>
+                        <a:t>2,98</a:t>
+                      </a:r>
+                    </a:p>
+                  </a:txBody>
+                  <a:tcPr/>
+                </a:tc>
+                <a:tc>
+                  <a:txBody>
+                    <a:bodyPr/>
+                    <a:lstStyle/>
+                    <a:p>
+                      <a:pPr algn="r"/>
+                      <a:r>
+                        <a:rPr lang="de-DE" dirty="0"/>
+                        <a:t>2,88</a:t>
+                      </a:r>
+                    </a:p>
+                  </a:txBody>
+                  <a:tcPr/>
+                </a:tc>
+                <a:extLst>
+                  <a:ext uri="{0D108BD9-81ED-4DB2-BD59-A6C34878D82A}">
+                    <a16:rowId xmlns:a16="http://schemas.microsoft.com/office/drawing/2014/main" val="2281871696"/>
+                  </a:ext>
+                </a:extLst>
+              </a:tr>
+              <a:tr h="369729">
+                <a:tc>
+                  <a:txBody>
+                    <a:bodyPr/>
+                    <a:lstStyle/>
+                    <a:p>
+                      <a:r>
+                        <a:rPr lang="de-DE" dirty="0"/>
+                        <a:t>Erdgas</a:t>
+                      </a:r>
+                    </a:p>
+                  </a:txBody>
+                  <a:tcPr/>
+                </a:tc>
+                <a:tc>
+                  <a:txBody>
+                    <a:bodyPr/>
+                    <a:lstStyle/>
+                    <a:p>
+                      <a:pPr algn="r"/>
+                      <a:r>
+                        <a:rPr lang="de-DE" dirty="0"/>
+                        <a:t>0,35</a:t>
+                      </a:r>
+                    </a:p>
+                  </a:txBody>
+                  <a:tcPr/>
+                </a:tc>
+                <a:tc>
+                  <a:txBody>
+                    <a:bodyPr/>
+                    <a:lstStyle/>
+                    <a:p>
+                      <a:pPr algn="r"/>
+                      <a:r>
+                        <a:rPr lang="de-DE" dirty="0"/>
+                        <a:t>3,53</a:t>
+                      </a:r>
+                    </a:p>
+                  </a:txBody>
+                  <a:tcPr/>
+                </a:tc>
+                <a:tc>
+                  <a:txBody>
+                    <a:bodyPr/>
+                    <a:lstStyle/>
+                    <a:p>
+                      <a:pPr algn="r"/>
+                      <a:r>
+                        <a:rPr lang="de-DE" dirty="0"/>
+                        <a:t>3,57</a:t>
+                      </a:r>
+                    </a:p>
+                  </a:txBody>
+                  <a:tcPr/>
+                </a:tc>
+                <a:tc>
+                  <a:txBody>
+                    <a:bodyPr/>
+                    <a:lstStyle/>
+                    <a:p>
+                      <a:pPr algn="r"/>
+                      <a:r>
+                        <a:rPr lang="de-DE" dirty="0"/>
+                        <a:t>7,10</a:t>
+                      </a:r>
+                    </a:p>
+                  </a:txBody>
+                  <a:tcPr/>
+                </a:tc>
+                <a:tc>
+                  <a:txBody>
+                    <a:bodyPr/>
+                    <a:lstStyle/>
+                    <a:p>
+                      <a:pPr algn="r"/>
+                      <a:r>
+                        <a:rPr lang="de-DE" dirty="0"/>
+                        <a:t>6,94</a:t>
+                      </a:r>
+                    </a:p>
+                  </a:txBody>
+                  <a:tcPr/>
+                </a:tc>
+                <a:extLst>
+                  <a:ext uri="{0D108BD9-81ED-4DB2-BD59-A6C34878D82A}">
+                    <a16:rowId xmlns:a16="http://schemas.microsoft.com/office/drawing/2014/main" val="4140135614"/>
+                  </a:ext>
+                </a:extLst>
+              </a:tr>
+              <a:tr h="240647">
+                <a:tc>
+                  <a:txBody>
+                    <a:bodyPr/>
+                    <a:lstStyle/>
+                    <a:p>
+                      <a:r>
+                        <a:rPr lang="de-DE" dirty="0"/>
+                        <a:t>Wasser</a:t>
+                      </a:r>
+                    </a:p>
+                  </a:txBody>
+                  <a:tcPr/>
+                </a:tc>
+                <a:tc>
+                  <a:txBody>
+                    <a:bodyPr/>
+                    <a:lstStyle/>
+                    <a:p>
+                      <a:pPr algn="r"/>
+                      <a:r>
+                        <a:rPr lang="de-DE" dirty="0"/>
+                        <a:t>4,79</a:t>
+                      </a:r>
+                    </a:p>
+                  </a:txBody>
+                  <a:tcPr/>
+                </a:tc>
+                <a:tc>
+                  <a:txBody>
+                    <a:bodyPr/>
+                    <a:lstStyle/>
+                    <a:p>
+                      <a:pPr algn="r"/>
+                      <a:r>
+                        <a:rPr lang="de-DE" dirty="0"/>
+                        <a:t>15,10</a:t>
+                      </a:r>
+                    </a:p>
+                  </a:txBody>
+                  <a:tcPr/>
+                </a:tc>
+                <a:tc>
+                  <a:txBody>
+                    <a:bodyPr/>
+                    <a:lstStyle/>
+                    <a:p>
+                      <a:pPr algn="r"/>
+                      <a:r>
+                        <a:rPr lang="de-DE" dirty="0"/>
+                        <a:t>15,15</a:t>
+                      </a:r>
+                    </a:p>
+                  </a:txBody>
+                  <a:tcPr/>
+                </a:tc>
+                <a:tc>
+                  <a:txBody>
+                    <a:bodyPr/>
+                    <a:lstStyle/>
+                    <a:p>
+                      <a:pPr algn="r"/>
+                      <a:r>
+                        <a:rPr lang="de-DE" dirty="0"/>
+                        <a:t>13,99</a:t>
+                      </a:r>
+                    </a:p>
+                  </a:txBody>
+                  <a:tcPr/>
+                </a:tc>
+                <a:tc>
+                  <a:txBody>
+                    <a:bodyPr/>
+                    <a:lstStyle/>
+                    <a:p>
+                      <a:pPr algn="r"/>
+                      <a:r>
+                        <a:rPr lang="de-DE" dirty="0"/>
+                        <a:t>14,01</a:t>
+                      </a:r>
+                    </a:p>
+                  </a:txBody>
+                  <a:tcPr/>
+                </a:tc>
+                <a:extLst>
+                  <a:ext uri="{0D108BD9-81ED-4DB2-BD59-A6C34878D82A}">
+                    <a16:rowId xmlns:a16="http://schemas.microsoft.com/office/drawing/2014/main" val="2037736393"/>
+                  </a:ext>
+                </a:extLst>
+              </a:tr>
+              <a:tr h="340738">
+                <a:tc>
+                  <a:txBody>
+                    <a:bodyPr/>
+                    <a:lstStyle/>
+                    <a:p>
+                      <a:r>
+                        <a:rPr lang="de-DE" dirty="0"/>
+                        <a:t>Batteriespeicher</a:t>
+                      </a:r>
+                    </a:p>
+                  </a:txBody>
+                  <a:tcPr/>
+                </a:tc>
+                <a:tc>
+                  <a:txBody>
+                    <a:bodyPr/>
+                    <a:lstStyle/>
+                    <a:p>
+                      <a:pPr algn="r"/>
+                      <a:r>
+                        <a:rPr lang="de-DE" dirty="0"/>
+                        <a:t>0,48</a:t>
+                      </a:r>
+                    </a:p>
+                  </a:txBody>
+                  <a:tcPr/>
+                </a:tc>
+                <a:tc>
+                  <a:txBody>
+                    <a:bodyPr/>
+                    <a:lstStyle/>
+                    <a:p>
+                      <a:pPr algn="r"/>
+                      <a:r>
+                        <a:rPr lang="de-DE" dirty="0"/>
+                        <a:t>0,08</a:t>
+                      </a:r>
+                    </a:p>
+                  </a:txBody>
+                  <a:tcPr/>
+                </a:tc>
+                <a:tc>
+                  <a:txBody>
+                    <a:bodyPr/>
+                    <a:lstStyle/>
+                    <a:p>
+                      <a:pPr algn="r"/>
+                      <a:r>
+                        <a:rPr lang="de-DE" dirty="0"/>
+                        <a:t>0,06</a:t>
+                      </a:r>
+                    </a:p>
+                  </a:txBody>
+                  <a:tcPr/>
+                </a:tc>
+                <a:tc>
+                  <a:txBody>
+                    <a:bodyPr/>
+                    <a:lstStyle/>
+                    <a:p>
+                      <a:pPr algn="r"/>
+                      <a:r>
+                        <a:rPr lang="de-DE" dirty="0"/>
+                        <a:t>-</a:t>
+                      </a:r>
+                    </a:p>
+                  </a:txBody>
+                  <a:tcPr/>
+                </a:tc>
+                <a:tc>
+                  <a:txBody>
+                    <a:bodyPr/>
+                    <a:lstStyle/>
+                    <a:p>
+                      <a:pPr algn="r"/>
+                      <a:r>
+                        <a:rPr lang="de-DE" dirty="0"/>
+                        <a:t>-</a:t>
+                      </a:r>
+                    </a:p>
+                  </a:txBody>
+                  <a:tcPr/>
+                </a:tc>
+                <a:extLst>
+                  <a:ext uri="{0D108BD9-81ED-4DB2-BD59-A6C34878D82A}">
+                    <a16:rowId xmlns:a16="http://schemas.microsoft.com/office/drawing/2014/main" val="108616551"/>
+                  </a:ext>
+                </a:extLst>
+              </a:tr>
+            </a:tbl>
+          </a:graphicData>
+        </a:graphic>
+      </p:graphicFrame>
+      <p:sp>
+        <p:nvSpPr>
+          <p:cNvPr id="14" name="Inhaltsplatzhalter 2">
+            <a:extLst>
+              <a:ext uri="{FF2B5EF4-FFF2-40B4-BE49-F238E27FC236}">
+                <a16:creationId xmlns:a16="http://schemas.microsoft.com/office/drawing/2014/main" id="{8F9ADC6C-09BF-8753-4620-8BD63AF5DFF9}"/>
+              </a:ext>
+            </a:extLst>
+          </p:cNvPr>
+          <p:cNvSpPr txBox="1">
+            <a:spLocks/>
+          </p:cNvSpPr>
           <p:nvPr/>
-        </p:nvPicPr>
-        <p:blipFill>
-          <a:blip r:embed="rId2"/>
-          <a:stretch>
-            <a:fillRect/>
-          </a:stretch>
-        </p:blipFill>
+        </p:nvSpPr>
         <p:spPr>
           <a:xfrm>
-            <a:off x="5689905" y="3599010"/>
-            <a:ext cx="6186572" cy="2459161"/>
+            <a:off x="477256" y="1580662"/>
+            <a:ext cx="10855369" cy="1452536"/>
           </a:xfrm>
           <a:prstGeom prst="rect">
             <a:avLst/>
           </a:prstGeom>
-          <a:noFill/>
         </p:spPr>
-      </p:pic>
+        <p:txBody>
+          <a:bodyPr vert="horz" lIns="0" tIns="0" rIns="0" bIns="0" rtlCol="0">
+            <a:noAutofit/>
+          </a:bodyPr>
+          <a:lstStyle>
+            <a:lvl1pPr marL="228600" indent="-228600" algn="l" defTabSz="914400" rtl="0" eaLnBrk="1" latinLnBrk="0" hangingPunct="1">
+              <a:lnSpc>
+                <a:spcPct val="120000"/>
+              </a:lnSpc>
+              <a:spcBef>
+                <a:spcPts val="1000"/>
+              </a:spcBef>
+              <a:buFont typeface="Arial" panose="020B0604020202020204" pitchFamily="34" charset="0"/>
+              <a:buChar char="•"/>
+              <a:defRPr lang="de-DE" sz="1800" kern="1200">
+                <a:solidFill>
+                  <a:srgbClr val="000000"/>
+                </a:solidFill>
+                <a:latin typeface="+mn-lt"/>
+                <a:ea typeface="+mn-ea"/>
+                <a:cs typeface="+mn-cs"/>
+              </a:defRPr>
+            </a:lvl1pPr>
+            <a:lvl2pPr marL="685800" indent="-228600" algn="l" defTabSz="914400" rtl="0" eaLnBrk="1" latinLnBrk="0" hangingPunct="1">
+              <a:lnSpc>
+                <a:spcPct val="120000"/>
+              </a:lnSpc>
+              <a:spcBef>
+                <a:spcPts val="1000"/>
+              </a:spcBef>
+              <a:buFont typeface="Symbol" panose="05050102010706020507" pitchFamily="18" charset="2"/>
+              <a:buChar char="-"/>
+              <a:defRPr lang="de-DE" sz="1600" kern="1200">
+                <a:solidFill>
+                  <a:srgbClr val="000000"/>
+                </a:solidFill>
+                <a:latin typeface="+mn-lt"/>
+                <a:ea typeface="+mn-ea"/>
+                <a:cs typeface="+mn-cs"/>
+              </a:defRPr>
+            </a:lvl2pPr>
+            <a:lvl3pPr marL="1143000" indent="-228600" algn="l" defTabSz="914400" rtl="0" eaLnBrk="1" latinLnBrk="0" hangingPunct="1">
+              <a:lnSpc>
+                <a:spcPct val="120000"/>
+              </a:lnSpc>
+              <a:spcBef>
+                <a:spcPts val="1000"/>
+              </a:spcBef>
+              <a:buFont typeface="Courier New" panose="02070309020205020404" pitchFamily="49" charset="0"/>
+              <a:buChar char="o"/>
+              <a:defRPr lang="de-DE" sz="1600" kern="1200">
+                <a:solidFill>
+                  <a:srgbClr val="000000"/>
+                </a:solidFill>
+                <a:latin typeface="+mn-lt"/>
+                <a:ea typeface="+mn-ea"/>
+                <a:cs typeface="+mn-cs"/>
+              </a:defRPr>
+            </a:lvl3pPr>
+            <a:lvl4pPr marL="1600200" indent="-228600" algn="l" defTabSz="914400" rtl="0" eaLnBrk="1" latinLnBrk="0" hangingPunct="1">
+              <a:lnSpc>
+                <a:spcPct val="120000"/>
+              </a:lnSpc>
+              <a:spcBef>
+                <a:spcPts val="1000"/>
+              </a:spcBef>
+              <a:buFont typeface="Wingdings" panose="05000000000000000000" pitchFamily="2" charset="2"/>
+              <a:buChar char="§"/>
+              <a:defRPr lang="de-DE" sz="1600" kern="1200">
+                <a:solidFill>
+                  <a:srgbClr val="000000"/>
+                </a:solidFill>
+                <a:latin typeface="+mn-lt"/>
+                <a:ea typeface="+mn-ea"/>
+                <a:cs typeface="+mn-cs"/>
+              </a:defRPr>
+            </a:lvl4pPr>
+            <a:lvl5pPr marL="2057400" indent="-228600" algn="l" defTabSz="914400" rtl="0" eaLnBrk="1" latinLnBrk="0" hangingPunct="1">
+              <a:lnSpc>
+                <a:spcPct val="120000"/>
+              </a:lnSpc>
+              <a:spcBef>
+                <a:spcPts val="1000"/>
+              </a:spcBef>
+              <a:buFont typeface="Arial" panose="020B0604020202020204" pitchFamily="34" charset="0"/>
+              <a:buChar char="•"/>
+              <a:defRPr lang="en-US" sz="1600" kern="1200">
+                <a:solidFill>
+                  <a:srgbClr val="000000"/>
+                </a:solidFill>
+                <a:latin typeface="+mn-lt"/>
+                <a:ea typeface="+mn-ea"/>
+                <a:cs typeface="+mn-cs"/>
+              </a:defRPr>
+            </a:lvl5pPr>
+            <a:lvl6pPr marL="2514600" indent="-228600" algn="l" defTabSz="914400" rtl="0" eaLnBrk="1" latinLnBrk="0" hangingPunct="1">
+              <a:lnSpc>
+                <a:spcPct val="90000"/>
+              </a:lnSpc>
+              <a:spcBef>
+                <a:spcPts val="500"/>
+              </a:spcBef>
+              <a:buFont typeface="Arial" panose="020B0604020202020204" pitchFamily="34" charset="0"/>
+              <a:buChar char="•"/>
+              <a:defRPr sz="1800" kern="1200">
+                <a:solidFill>
+                  <a:schemeClr val="tx1"/>
+                </a:solidFill>
+                <a:latin typeface="+mn-lt"/>
+                <a:ea typeface="+mn-ea"/>
+                <a:cs typeface="+mn-cs"/>
+              </a:defRPr>
+            </a:lvl6pPr>
+            <a:lvl7pPr marL="2971800" indent="-228600" algn="l" defTabSz="914400" rtl="0" eaLnBrk="1" latinLnBrk="0" hangingPunct="1">
+              <a:lnSpc>
+                <a:spcPct val="90000"/>
+              </a:lnSpc>
+              <a:spcBef>
+                <a:spcPts val="500"/>
+              </a:spcBef>
+              <a:buFont typeface="Arial" panose="020B0604020202020204" pitchFamily="34" charset="0"/>
+              <a:buChar char="•"/>
+              <a:defRPr sz="1800" kern="1200">
+                <a:solidFill>
+                  <a:schemeClr val="tx1"/>
+                </a:solidFill>
+                <a:latin typeface="+mn-lt"/>
+                <a:ea typeface="+mn-ea"/>
+                <a:cs typeface="+mn-cs"/>
+              </a:defRPr>
+            </a:lvl7pPr>
+            <a:lvl8pPr marL="3429000" indent="-228600" algn="l" defTabSz="914400" rtl="0" eaLnBrk="1" latinLnBrk="0" hangingPunct="1">
+              <a:lnSpc>
+                <a:spcPct val="90000"/>
+              </a:lnSpc>
+              <a:spcBef>
+                <a:spcPts val="500"/>
+              </a:spcBef>
+              <a:buFont typeface="Arial" panose="020B0604020202020204" pitchFamily="34" charset="0"/>
+              <a:buChar char="•"/>
+              <a:defRPr sz="1800" kern="1200">
+                <a:solidFill>
+                  <a:schemeClr val="tx1"/>
+                </a:solidFill>
+                <a:latin typeface="+mn-lt"/>
+                <a:ea typeface="+mn-ea"/>
+                <a:cs typeface="+mn-cs"/>
+              </a:defRPr>
+            </a:lvl8pPr>
+            <a:lvl9pPr marL="3886200" indent="-228600" algn="l" defTabSz="914400" rtl="0" eaLnBrk="1" latinLnBrk="0" hangingPunct="1">
+              <a:lnSpc>
+                <a:spcPct val="90000"/>
+              </a:lnSpc>
+              <a:spcBef>
+                <a:spcPts val="500"/>
+              </a:spcBef>
+              <a:buFont typeface="Arial" panose="020B0604020202020204" pitchFamily="34" charset="0"/>
+              <a:buChar char="•"/>
+              <a:defRPr sz="1800" kern="1200">
+                <a:solidFill>
+                  <a:schemeClr val="tx1"/>
+                </a:solidFill>
+                <a:latin typeface="+mn-lt"/>
+                <a:ea typeface="+mn-ea"/>
+                <a:cs typeface="+mn-cs"/>
+              </a:defRPr>
+            </a:lvl9pPr>
+          </a:lstStyle>
+          <a:p>
+            <a:endParaRPr lang="de-DE" dirty="0"/>
+          </a:p>
+          <a:p>
+            <a:endParaRPr lang="de-DE" dirty="0"/>
+          </a:p>
+          <a:p>
+            <a:endParaRPr lang="de-DE" dirty="0"/>
+          </a:p>
+          <a:p>
+            <a:endParaRPr lang="de-DE" dirty="0"/>
+          </a:p>
+          <a:p>
+            <a:endParaRPr lang="de-DE" dirty="0"/>
+          </a:p>
+          <a:p>
+            <a:endParaRPr lang="de-DE" dirty="0"/>
+          </a:p>
+          <a:p>
+            <a:r>
+              <a:rPr lang="de-DE" dirty="0"/>
+              <a:t>Einsatzzeiten:</a:t>
+            </a:r>
+          </a:p>
+          <a:p>
+            <a:pPr lvl="1"/>
+            <a:r>
+              <a:rPr lang="de-DE" dirty="0"/>
+              <a:t>PRL: ständige und unmittelbare Korrektur</a:t>
+            </a:r>
+          </a:p>
+          <a:p>
+            <a:pPr lvl="1"/>
+            <a:r>
+              <a:rPr lang="de-DE" dirty="0"/>
+              <a:t>SRL: nahezu jede Viertelstunde im Jahr</a:t>
+            </a:r>
+          </a:p>
+          <a:p>
+            <a:pPr lvl="1"/>
+            <a:r>
+              <a:rPr lang="de-DE" dirty="0"/>
+              <a:t>MRL: 2256 positiv und 974 negativ</a:t>
+            </a:r>
+          </a:p>
+        </p:txBody>
+      </p:sp>
+      <p:sp>
+        <p:nvSpPr>
+          <p:cNvPr id="7" name="Inhaltsplatzhalter 17">
+            <a:extLst>
+              <a:ext uri="{FF2B5EF4-FFF2-40B4-BE49-F238E27FC236}">
+                <a16:creationId xmlns:a16="http://schemas.microsoft.com/office/drawing/2014/main" id="{A4B12BC6-8A50-D3AC-528A-2328EAE471FF}"/>
+              </a:ext>
+            </a:extLst>
+          </p:cNvPr>
+          <p:cNvSpPr txBox="1">
+            <a:spLocks/>
+          </p:cNvSpPr>
+          <p:nvPr/>
+        </p:nvSpPr>
+        <p:spPr>
+          <a:xfrm>
+            <a:off x="5696247" y="4229823"/>
+            <a:ext cx="4939844" cy="425623"/>
+          </a:xfrm>
+          <a:prstGeom prst="rect">
+            <a:avLst/>
+          </a:prstGeom>
+        </p:spPr>
+        <p:txBody>
+          <a:bodyPr vert="horz" lIns="0" tIns="0" rIns="0" bIns="0" rtlCol="0">
+            <a:noAutofit/>
+          </a:bodyPr>
+          <a:lstStyle>
+            <a:lvl1pPr marL="228600" indent="-228600" algn="l" defTabSz="914400" rtl="0" eaLnBrk="1" latinLnBrk="0" hangingPunct="1">
+              <a:lnSpc>
+                <a:spcPct val="120000"/>
+              </a:lnSpc>
+              <a:spcBef>
+                <a:spcPts val="1000"/>
+              </a:spcBef>
+              <a:buFont typeface="Arial" panose="020B0604020202020204" pitchFamily="34" charset="0"/>
+              <a:buChar char="•"/>
+              <a:defRPr lang="de-DE" sz="1800" kern="1200">
+                <a:solidFill>
+                  <a:srgbClr val="000000"/>
+                </a:solidFill>
+                <a:latin typeface="+mn-lt"/>
+                <a:ea typeface="+mn-ea"/>
+                <a:cs typeface="+mn-cs"/>
+              </a:defRPr>
+            </a:lvl1pPr>
+            <a:lvl2pPr marL="685800" indent="-228600" algn="l" defTabSz="914400" rtl="0" eaLnBrk="1" latinLnBrk="0" hangingPunct="1">
+              <a:lnSpc>
+                <a:spcPct val="120000"/>
+              </a:lnSpc>
+              <a:spcBef>
+                <a:spcPts val="1000"/>
+              </a:spcBef>
+              <a:buFont typeface="Symbol" panose="05050102010706020507" pitchFamily="18" charset="2"/>
+              <a:buChar char="-"/>
+              <a:defRPr lang="de-DE" sz="1600" kern="1200">
+                <a:solidFill>
+                  <a:srgbClr val="000000"/>
+                </a:solidFill>
+                <a:latin typeface="+mn-lt"/>
+                <a:ea typeface="+mn-ea"/>
+                <a:cs typeface="+mn-cs"/>
+              </a:defRPr>
+            </a:lvl2pPr>
+            <a:lvl3pPr marL="1143000" indent="-228600" algn="l" defTabSz="914400" rtl="0" eaLnBrk="1" latinLnBrk="0" hangingPunct="1">
+              <a:lnSpc>
+                <a:spcPct val="120000"/>
+              </a:lnSpc>
+              <a:spcBef>
+                <a:spcPts val="1000"/>
+              </a:spcBef>
+              <a:buFont typeface="Courier New" panose="02070309020205020404" pitchFamily="49" charset="0"/>
+              <a:buChar char="o"/>
+              <a:defRPr lang="de-DE" sz="1600" kern="1200">
+                <a:solidFill>
+                  <a:srgbClr val="000000"/>
+                </a:solidFill>
+                <a:latin typeface="+mn-lt"/>
+                <a:ea typeface="+mn-ea"/>
+                <a:cs typeface="+mn-cs"/>
+              </a:defRPr>
+            </a:lvl3pPr>
+            <a:lvl4pPr marL="1600200" indent="-228600" algn="l" defTabSz="914400" rtl="0" eaLnBrk="1" latinLnBrk="0" hangingPunct="1">
+              <a:lnSpc>
+                <a:spcPct val="120000"/>
+              </a:lnSpc>
+              <a:spcBef>
+                <a:spcPts val="1000"/>
+              </a:spcBef>
+              <a:buFont typeface="Wingdings" panose="05000000000000000000" pitchFamily="2" charset="2"/>
+              <a:buChar char="§"/>
+              <a:defRPr lang="de-DE" sz="1600" kern="1200">
+                <a:solidFill>
+                  <a:srgbClr val="000000"/>
+                </a:solidFill>
+                <a:latin typeface="+mn-lt"/>
+                <a:ea typeface="+mn-ea"/>
+                <a:cs typeface="+mn-cs"/>
+              </a:defRPr>
+            </a:lvl4pPr>
+            <a:lvl5pPr marL="2057400" indent="-228600" algn="l" defTabSz="914400" rtl="0" eaLnBrk="1" latinLnBrk="0" hangingPunct="1">
+              <a:lnSpc>
+                <a:spcPct val="120000"/>
+              </a:lnSpc>
+              <a:spcBef>
+                <a:spcPts val="1000"/>
+              </a:spcBef>
+              <a:buFont typeface="Arial" panose="020B0604020202020204" pitchFamily="34" charset="0"/>
+              <a:buChar char="•"/>
+              <a:defRPr lang="en-US" sz="1600" kern="1200">
+                <a:solidFill>
+                  <a:srgbClr val="000000"/>
+                </a:solidFill>
+                <a:latin typeface="+mn-lt"/>
+                <a:ea typeface="+mn-ea"/>
+                <a:cs typeface="+mn-cs"/>
+              </a:defRPr>
+            </a:lvl5pPr>
+            <a:lvl6pPr marL="2514600" indent="-228600" algn="l" defTabSz="914400" rtl="0" eaLnBrk="1" latinLnBrk="0" hangingPunct="1">
+              <a:lnSpc>
+                <a:spcPct val="90000"/>
+              </a:lnSpc>
+              <a:spcBef>
+                <a:spcPts val="500"/>
+              </a:spcBef>
+              <a:buFont typeface="Arial" panose="020B0604020202020204" pitchFamily="34" charset="0"/>
+              <a:buChar char="•"/>
+              <a:defRPr sz="1800" kern="1200">
+                <a:solidFill>
+                  <a:schemeClr val="tx1"/>
+                </a:solidFill>
+                <a:latin typeface="+mn-lt"/>
+                <a:ea typeface="+mn-ea"/>
+                <a:cs typeface="+mn-cs"/>
+              </a:defRPr>
+            </a:lvl6pPr>
+            <a:lvl7pPr marL="2971800" indent="-228600" algn="l" defTabSz="914400" rtl="0" eaLnBrk="1" latinLnBrk="0" hangingPunct="1">
+              <a:lnSpc>
+                <a:spcPct val="90000"/>
+              </a:lnSpc>
+              <a:spcBef>
+                <a:spcPts val="500"/>
+              </a:spcBef>
+              <a:buFont typeface="Arial" panose="020B0604020202020204" pitchFamily="34" charset="0"/>
+              <a:buChar char="•"/>
+              <a:defRPr sz="1800" kern="1200">
+                <a:solidFill>
+                  <a:schemeClr val="tx1"/>
+                </a:solidFill>
+                <a:latin typeface="+mn-lt"/>
+                <a:ea typeface="+mn-ea"/>
+                <a:cs typeface="+mn-cs"/>
+              </a:defRPr>
+            </a:lvl7pPr>
+            <a:lvl8pPr marL="3429000" indent="-228600" algn="l" defTabSz="914400" rtl="0" eaLnBrk="1" latinLnBrk="0" hangingPunct="1">
+              <a:lnSpc>
+                <a:spcPct val="90000"/>
+              </a:lnSpc>
+              <a:spcBef>
+                <a:spcPts val="500"/>
+              </a:spcBef>
+              <a:buFont typeface="Arial" panose="020B0604020202020204" pitchFamily="34" charset="0"/>
+              <a:buChar char="•"/>
+              <a:defRPr sz="1800" kern="1200">
+                <a:solidFill>
+                  <a:schemeClr val="tx1"/>
+                </a:solidFill>
+                <a:latin typeface="+mn-lt"/>
+                <a:ea typeface="+mn-ea"/>
+                <a:cs typeface="+mn-cs"/>
+              </a:defRPr>
+            </a:lvl8pPr>
+            <a:lvl9pPr marL="3886200" indent="-228600" algn="l" defTabSz="914400" rtl="0" eaLnBrk="1" latinLnBrk="0" hangingPunct="1">
+              <a:lnSpc>
+                <a:spcPct val="90000"/>
+              </a:lnSpc>
+              <a:spcBef>
+                <a:spcPts val="500"/>
+              </a:spcBef>
+              <a:buFont typeface="Arial" panose="020B0604020202020204" pitchFamily="34" charset="0"/>
+              <a:buChar char="•"/>
+              <a:defRPr sz="1800" kern="1200">
+                <a:solidFill>
+                  <a:schemeClr val="tx1"/>
+                </a:solidFill>
+                <a:latin typeface="+mn-lt"/>
+                <a:ea typeface="+mn-ea"/>
+                <a:cs typeface="+mn-cs"/>
+              </a:defRPr>
+            </a:lvl9pPr>
+          </a:lstStyle>
+          <a:p>
+            <a:pPr marL="0" indent="0">
+              <a:buFont typeface="Arial" panose="020B0604020202020204" pitchFamily="34" charset="0"/>
+              <a:buNone/>
+            </a:pPr>
+            <a:r>
+              <a:rPr lang="de-DE" sz="800" dirty="0">
+                <a:solidFill>
+                  <a:schemeClr val="bg2">
+                    <a:lumMod val="75000"/>
+                  </a:schemeClr>
+                </a:solidFill>
+              </a:rPr>
+              <a:t>https://www.regelleistung.net/ext/</a:t>
+            </a:r>
+          </a:p>
+        </p:txBody>
+      </p:sp>
     </p:spTree>
     <p:extLst>
       <p:ext uri="{BB962C8B-B14F-4D97-AF65-F5344CB8AC3E}">
-        <p14:creationId xmlns:p14="http://schemas.microsoft.com/office/powerpoint/2010/main" val="3887125834"/>
+        <p14:creationId xmlns:p14="http://schemas.microsoft.com/office/powerpoint/2010/main" val="2694231971"/>
       </p:ext>
     </p:extLst>
   </p:cSld>
